--- a/paper_work/masters thesis/msc_slides.pptx
+++ b/paper_work/masters thesis/msc_slides.pptx
@@ -5,7 +5,7 @@
     <p:sldMasterId id="2147483659" r:id="rId1"/>
   </p:sldMasterIdLst>
   <p:notesMasterIdLst>
-    <p:notesMasterId r:id="rId18"/>
+    <p:notesMasterId r:id="rId29"/>
   </p:notesMasterIdLst>
   <p:sldIdLst>
     <p:sldId id="256" r:id="rId2"/>
@@ -21,9 +21,20 @@
     <p:sldId id="272" r:id="rId12"/>
     <p:sldId id="275" r:id="rId13"/>
     <p:sldId id="274" r:id="rId14"/>
-    <p:sldId id="262" r:id="rId15"/>
-    <p:sldId id="263" r:id="rId16"/>
-    <p:sldId id="267" r:id="rId17"/>
+    <p:sldId id="283" r:id="rId15"/>
+    <p:sldId id="262" r:id="rId16"/>
+    <p:sldId id="263" r:id="rId17"/>
+    <p:sldId id="267" r:id="rId18"/>
+    <p:sldId id="276" r:id="rId19"/>
+    <p:sldId id="277" r:id="rId20"/>
+    <p:sldId id="278" r:id="rId21"/>
+    <p:sldId id="279" r:id="rId22"/>
+    <p:sldId id="280" r:id="rId23"/>
+    <p:sldId id="281" r:id="rId24"/>
+    <p:sldId id="282" r:id="rId25"/>
+    <p:sldId id="284" r:id="rId26"/>
+    <p:sldId id="285" r:id="rId27"/>
+    <p:sldId id="286" r:id="rId28"/>
   </p:sldIdLst>
   <p:sldSz cx="9144000" cy="6858000" type="screen4x3"/>
   <p:notesSz cx="6858000" cy="9144000"/>
@@ -1259,6 +1270,115 @@
   <p:cSld>
     <p:spTree>
       <p:nvGrpSpPr>
+        <p:cNvPr id="1" name="Shape 64"/>
+        <p:cNvGrpSpPr/>
+        <p:nvPr/>
+      </p:nvGrpSpPr>
+      <p:grpSpPr>
+        <a:xfrm>
+          <a:off x="0" y="0"/>
+          <a:ext cx="0" cy="0"/>
+          <a:chOff x="0" y="0"/>
+          <a:chExt cx="0" cy="0"/>
+        </a:xfrm>
+      </p:grpSpPr>
+      <p:sp>
+        <p:nvSpPr>
+          <p:cNvPr id="65" name="Google Shape;65;g5a32bfd86c_0_10:notes"/>
+          <p:cNvSpPr>
+            <a:spLocks noGrp="1" noRot="1" noChangeAspect="1"/>
+          </p:cNvSpPr>
+          <p:nvPr>
+            <p:ph type="sldImg" idx="2"/>
+          </p:nvPr>
+        </p:nvSpPr>
+        <p:spPr>
+          <a:xfrm>
+            <a:off x="1143000" y="685800"/>
+            <a:ext cx="4572000" cy="3429000"/>
+          </a:xfrm>
+          <a:custGeom>
+            <a:avLst/>
+            <a:gdLst/>
+            <a:ahLst/>
+            <a:cxnLst/>
+            <a:rect l="l" t="t" r="r" b="b"/>
+            <a:pathLst>
+              <a:path w="120000" h="120000" extrusionOk="0">
+                <a:moveTo>
+                  <a:pt x="0" y="0"/>
+                </a:moveTo>
+                <a:lnTo>
+                  <a:pt x="120000" y="0"/>
+                </a:lnTo>
+                <a:lnTo>
+                  <a:pt x="120000" y="120000"/>
+                </a:lnTo>
+                <a:lnTo>
+                  <a:pt x="0" y="120000"/>
+                </a:lnTo>
+                <a:close/>
+              </a:path>
+            </a:pathLst>
+          </a:custGeom>
+        </p:spPr>
+      </p:sp>
+      <p:sp>
+        <p:nvSpPr>
+          <p:cNvPr id="66" name="Google Shape;66;g5a32bfd86c_0_10:notes"/>
+          <p:cNvSpPr txBox="1">
+            <a:spLocks noGrp="1"/>
+          </p:cNvSpPr>
+          <p:nvPr>
+            <p:ph type="body" idx="1"/>
+          </p:nvPr>
+        </p:nvSpPr>
+        <p:spPr>
+          <a:xfrm>
+            <a:off x="685800" y="4343400"/>
+            <a:ext cx="5486400" cy="4114800"/>
+          </a:xfrm>
+          <a:prstGeom prst="rect">
+            <a:avLst/>
+          </a:prstGeom>
+        </p:spPr>
+        <p:txBody>
+          <a:bodyPr spcFirstLastPara="1" wrap="square" lIns="91425" tIns="91425" rIns="91425" bIns="91425" anchor="t" anchorCtr="0">
+            <a:noAutofit/>
+          </a:bodyPr>
+          <a:lstStyle/>
+          <a:p>
+            <a:pPr marL="0" lvl="0" indent="0" algn="l" rtl="0">
+              <a:spcBef>
+                <a:spcPts val="0"/>
+              </a:spcBef>
+              <a:spcAft>
+                <a:spcPts val="0"/>
+              </a:spcAft>
+              <a:buNone/>
+            </a:pPr>
+            <a:endParaRPr/>
+          </a:p>
+        </p:txBody>
+      </p:sp>
+    </p:spTree>
+    <p:extLst>
+      <p:ext uri="{BB962C8B-B14F-4D97-AF65-F5344CB8AC3E}">
+        <p14:creationId xmlns:p14="http://schemas.microsoft.com/office/powerpoint/2010/main" val="403405452"/>
+      </p:ext>
+    </p:extLst>
+  </p:cSld>
+  <p:clrMapOvr>
+    <a:masterClrMapping/>
+  </p:clrMapOvr>
+</p:notes>
+</file>
+
+<file path=ppt/notesSlides/notesSlide15.xml><?xml version="1.0" encoding="utf-8"?>
+<p:notes xmlns:a="http://schemas.openxmlformats.org/drawingml/2006/main" xmlns:r="http://schemas.openxmlformats.org/officeDocument/2006/relationships" xmlns:p="http://schemas.openxmlformats.org/presentationml/2006/main" showMasterSp="0" showMasterPhAnim="0">
+  <p:cSld>
+    <p:spTree>
+      <p:nvGrpSpPr>
         <p:cNvPr id="1" name="Shape 97"/>
         <p:cNvGrpSpPr/>
         <p:nvPr/>
@@ -1358,7 +1478,7 @@
 </p:notes>
 </file>
 
-<file path=ppt/notesSlides/notesSlide15.xml><?xml version="1.0" encoding="utf-8"?>
+<file path=ppt/notesSlides/notesSlide16.xml><?xml version="1.0" encoding="utf-8"?>
 <p:notes xmlns:a="http://schemas.openxmlformats.org/drawingml/2006/main" xmlns:r="http://schemas.openxmlformats.org/officeDocument/2006/relationships" xmlns:p="http://schemas.openxmlformats.org/presentationml/2006/main" showMasterSp="0" showMasterPhAnim="0">
   <p:cSld>
     <p:spTree>
@@ -1462,7 +1582,7 @@
 </p:notes>
 </file>
 
-<file path=ppt/notesSlides/notesSlide16.xml><?xml version="1.0" encoding="utf-8"?>
+<file path=ppt/notesSlides/notesSlide17.xml><?xml version="1.0" encoding="utf-8"?>
 <p:notes xmlns:a="http://schemas.openxmlformats.org/drawingml/2006/main" xmlns:r="http://schemas.openxmlformats.org/officeDocument/2006/relationships" xmlns:p="http://schemas.openxmlformats.org/presentationml/2006/main" showMasterSp="0" showMasterPhAnim="0">
   <p:cSld>
     <p:spTree>
@@ -1562,6 +1682,224 @@
     <p:extLst>
       <p:ext uri="{BB962C8B-B14F-4D97-AF65-F5344CB8AC3E}">
         <p14:creationId xmlns:p14="http://schemas.microsoft.com/office/powerpoint/2010/main" val="1418603895"/>
+      </p:ext>
+    </p:extLst>
+  </p:cSld>
+  <p:clrMapOvr>
+    <a:masterClrMapping/>
+  </p:clrMapOvr>
+</p:notes>
+</file>
+
+<file path=ppt/notesSlides/notesSlide18.xml><?xml version="1.0" encoding="utf-8"?>
+<p:notes xmlns:a="http://schemas.openxmlformats.org/drawingml/2006/main" xmlns:r="http://schemas.openxmlformats.org/officeDocument/2006/relationships" xmlns:p="http://schemas.openxmlformats.org/presentationml/2006/main" showMasterSp="0" showMasterPhAnim="0">
+  <p:cSld>
+    <p:spTree>
+      <p:nvGrpSpPr>
+        <p:cNvPr id="1" name="Shape 64"/>
+        <p:cNvGrpSpPr/>
+        <p:nvPr/>
+      </p:nvGrpSpPr>
+      <p:grpSpPr>
+        <a:xfrm>
+          <a:off x="0" y="0"/>
+          <a:ext cx="0" cy="0"/>
+          <a:chOff x="0" y="0"/>
+          <a:chExt cx="0" cy="0"/>
+        </a:xfrm>
+      </p:grpSpPr>
+      <p:sp>
+        <p:nvSpPr>
+          <p:cNvPr id="65" name="Google Shape;65;g5a32bfd86c_0_10:notes"/>
+          <p:cNvSpPr>
+            <a:spLocks noGrp="1" noRot="1" noChangeAspect="1"/>
+          </p:cNvSpPr>
+          <p:nvPr>
+            <p:ph type="sldImg" idx="2"/>
+          </p:nvPr>
+        </p:nvSpPr>
+        <p:spPr>
+          <a:xfrm>
+            <a:off x="1143000" y="685800"/>
+            <a:ext cx="4572000" cy="3429000"/>
+          </a:xfrm>
+          <a:custGeom>
+            <a:avLst/>
+            <a:gdLst/>
+            <a:ahLst/>
+            <a:cxnLst/>
+            <a:rect l="l" t="t" r="r" b="b"/>
+            <a:pathLst>
+              <a:path w="120000" h="120000" extrusionOk="0">
+                <a:moveTo>
+                  <a:pt x="0" y="0"/>
+                </a:moveTo>
+                <a:lnTo>
+                  <a:pt x="120000" y="0"/>
+                </a:lnTo>
+                <a:lnTo>
+                  <a:pt x="120000" y="120000"/>
+                </a:lnTo>
+                <a:lnTo>
+                  <a:pt x="0" y="120000"/>
+                </a:lnTo>
+                <a:close/>
+              </a:path>
+            </a:pathLst>
+          </a:custGeom>
+        </p:spPr>
+      </p:sp>
+      <p:sp>
+        <p:nvSpPr>
+          <p:cNvPr id="66" name="Google Shape;66;g5a32bfd86c_0_10:notes"/>
+          <p:cNvSpPr txBox="1">
+            <a:spLocks noGrp="1"/>
+          </p:cNvSpPr>
+          <p:nvPr>
+            <p:ph type="body" idx="1"/>
+          </p:nvPr>
+        </p:nvSpPr>
+        <p:spPr>
+          <a:xfrm>
+            <a:off x="685800" y="4343400"/>
+            <a:ext cx="5486400" cy="4114800"/>
+          </a:xfrm>
+          <a:prstGeom prst="rect">
+            <a:avLst/>
+          </a:prstGeom>
+        </p:spPr>
+        <p:txBody>
+          <a:bodyPr spcFirstLastPara="1" wrap="square" lIns="91425" tIns="91425" rIns="91425" bIns="91425" anchor="t" anchorCtr="0">
+            <a:noAutofit/>
+          </a:bodyPr>
+          <a:lstStyle/>
+          <a:p>
+            <a:pPr marL="0" lvl="0" indent="0" algn="l" rtl="0">
+              <a:spcBef>
+                <a:spcPts val="0"/>
+              </a:spcBef>
+              <a:spcAft>
+                <a:spcPts val="0"/>
+              </a:spcAft>
+              <a:buNone/>
+            </a:pPr>
+            <a:endParaRPr/>
+          </a:p>
+        </p:txBody>
+      </p:sp>
+    </p:spTree>
+    <p:extLst>
+      <p:ext uri="{BB962C8B-B14F-4D97-AF65-F5344CB8AC3E}">
+        <p14:creationId xmlns:p14="http://schemas.microsoft.com/office/powerpoint/2010/main" val="417795921"/>
+      </p:ext>
+    </p:extLst>
+  </p:cSld>
+  <p:clrMapOvr>
+    <a:masterClrMapping/>
+  </p:clrMapOvr>
+</p:notes>
+</file>
+
+<file path=ppt/notesSlides/notesSlide19.xml><?xml version="1.0" encoding="utf-8"?>
+<p:notes xmlns:a="http://schemas.openxmlformats.org/drawingml/2006/main" xmlns:r="http://schemas.openxmlformats.org/officeDocument/2006/relationships" xmlns:p="http://schemas.openxmlformats.org/presentationml/2006/main" showMasterSp="0" showMasterPhAnim="0">
+  <p:cSld>
+    <p:spTree>
+      <p:nvGrpSpPr>
+        <p:cNvPr id="1" name="Shape 64"/>
+        <p:cNvGrpSpPr/>
+        <p:nvPr/>
+      </p:nvGrpSpPr>
+      <p:grpSpPr>
+        <a:xfrm>
+          <a:off x="0" y="0"/>
+          <a:ext cx="0" cy="0"/>
+          <a:chOff x="0" y="0"/>
+          <a:chExt cx="0" cy="0"/>
+        </a:xfrm>
+      </p:grpSpPr>
+      <p:sp>
+        <p:nvSpPr>
+          <p:cNvPr id="65" name="Google Shape;65;g5a32bfd86c_0_10:notes"/>
+          <p:cNvSpPr>
+            <a:spLocks noGrp="1" noRot="1" noChangeAspect="1"/>
+          </p:cNvSpPr>
+          <p:nvPr>
+            <p:ph type="sldImg" idx="2"/>
+          </p:nvPr>
+        </p:nvSpPr>
+        <p:spPr>
+          <a:xfrm>
+            <a:off x="1143000" y="685800"/>
+            <a:ext cx="4572000" cy="3429000"/>
+          </a:xfrm>
+          <a:custGeom>
+            <a:avLst/>
+            <a:gdLst/>
+            <a:ahLst/>
+            <a:cxnLst/>
+            <a:rect l="l" t="t" r="r" b="b"/>
+            <a:pathLst>
+              <a:path w="120000" h="120000" extrusionOk="0">
+                <a:moveTo>
+                  <a:pt x="0" y="0"/>
+                </a:moveTo>
+                <a:lnTo>
+                  <a:pt x="120000" y="0"/>
+                </a:lnTo>
+                <a:lnTo>
+                  <a:pt x="120000" y="120000"/>
+                </a:lnTo>
+                <a:lnTo>
+                  <a:pt x="0" y="120000"/>
+                </a:lnTo>
+                <a:close/>
+              </a:path>
+            </a:pathLst>
+          </a:custGeom>
+        </p:spPr>
+      </p:sp>
+      <p:sp>
+        <p:nvSpPr>
+          <p:cNvPr id="66" name="Google Shape;66;g5a32bfd86c_0_10:notes"/>
+          <p:cNvSpPr txBox="1">
+            <a:spLocks noGrp="1"/>
+          </p:cNvSpPr>
+          <p:nvPr>
+            <p:ph type="body" idx="1"/>
+          </p:nvPr>
+        </p:nvSpPr>
+        <p:spPr>
+          <a:xfrm>
+            <a:off x="685800" y="4343400"/>
+            <a:ext cx="5486400" cy="4114800"/>
+          </a:xfrm>
+          <a:prstGeom prst="rect">
+            <a:avLst/>
+          </a:prstGeom>
+        </p:spPr>
+        <p:txBody>
+          <a:bodyPr spcFirstLastPara="1" wrap="square" lIns="91425" tIns="91425" rIns="91425" bIns="91425" anchor="t" anchorCtr="0">
+            <a:noAutofit/>
+          </a:bodyPr>
+          <a:lstStyle/>
+          <a:p>
+            <a:pPr marL="0" lvl="0" indent="0" algn="l" rtl="0">
+              <a:spcBef>
+                <a:spcPts val="0"/>
+              </a:spcBef>
+              <a:spcAft>
+                <a:spcPts val="0"/>
+              </a:spcAft>
+              <a:buNone/>
+            </a:pPr>
+            <a:endParaRPr/>
+          </a:p>
+        </p:txBody>
+      </p:sp>
+    </p:spTree>
+    <p:extLst>
+      <p:ext uri="{BB962C8B-B14F-4D97-AF65-F5344CB8AC3E}">
+        <p14:creationId xmlns:p14="http://schemas.microsoft.com/office/powerpoint/2010/main" val="2750877124"/>
       </p:ext>
     </p:extLst>
   </p:cSld>
@@ -1668,6 +2006,878 @@
         </p:txBody>
       </p:sp>
     </p:spTree>
+  </p:cSld>
+  <p:clrMapOvr>
+    <a:masterClrMapping/>
+  </p:clrMapOvr>
+</p:notes>
+</file>
+
+<file path=ppt/notesSlides/notesSlide20.xml><?xml version="1.0" encoding="utf-8"?>
+<p:notes xmlns:a="http://schemas.openxmlformats.org/drawingml/2006/main" xmlns:r="http://schemas.openxmlformats.org/officeDocument/2006/relationships" xmlns:p="http://schemas.openxmlformats.org/presentationml/2006/main" showMasterSp="0" showMasterPhAnim="0">
+  <p:cSld>
+    <p:spTree>
+      <p:nvGrpSpPr>
+        <p:cNvPr id="1" name="Shape 64"/>
+        <p:cNvGrpSpPr/>
+        <p:nvPr/>
+      </p:nvGrpSpPr>
+      <p:grpSpPr>
+        <a:xfrm>
+          <a:off x="0" y="0"/>
+          <a:ext cx="0" cy="0"/>
+          <a:chOff x="0" y="0"/>
+          <a:chExt cx="0" cy="0"/>
+        </a:xfrm>
+      </p:grpSpPr>
+      <p:sp>
+        <p:nvSpPr>
+          <p:cNvPr id="65" name="Google Shape;65;g5a32bfd86c_0_10:notes"/>
+          <p:cNvSpPr>
+            <a:spLocks noGrp="1" noRot="1" noChangeAspect="1"/>
+          </p:cNvSpPr>
+          <p:nvPr>
+            <p:ph type="sldImg" idx="2"/>
+          </p:nvPr>
+        </p:nvSpPr>
+        <p:spPr>
+          <a:xfrm>
+            <a:off x="1143000" y="685800"/>
+            <a:ext cx="4572000" cy="3429000"/>
+          </a:xfrm>
+          <a:custGeom>
+            <a:avLst/>
+            <a:gdLst/>
+            <a:ahLst/>
+            <a:cxnLst/>
+            <a:rect l="l" t="t" r="r" b="b"/>
+            <a:pathLst>
+              <a:path w="120000" h="120000" extrusionOk="0">
+                <a:moveTo>
+                  <a:pt x="0" y="0"/>
+                </a:moveTo>
+                <a:lnTo>
+                  <a:pt x="120000" y="0"/>
+                </a:lnTo>
+                <a:lnTo>
+                  <a:pt x="120000" y="120000"/>
+                </a:lnTo>
+                <a:lnTo>
+                  <a:pt x="0" y="120000"/>
+                </a:lnTo>
+                <a:close/>
+              </a:path>
+            </a:pathLst>
+          </a:custGeom>
+        </p:spPr>
+      </p:sp>
+      <p:sp>
+        <p:nvSpPr>
+          <p:cNvPr id="66" name="Google Shape;66;g5a32bfd86c_0_10:notes"/>
+          <p:cNvSpPr txBox="1">
+            <a:spLocks noGrp="1"/>
+          </p:cNvSpPr>
+          <p:nvPr>
+            <p:ph type="body" idx="1"/>
+          </p:nvPr>
+        </p:nvSpPr>
+        <p:spPr>
+          <a:xfrm>
+            <a:off x="685800" y="4343400"/>
+            <a:ext cx="5486400" cy="4114800"/>
+          </a:xfrm>
+          <a:prstGeom prst="rect">
+            <a:avLst/>
+          </a:prstGeom>
+        </p:spPr>
+        <p:txBody>
+          <a:bodyPr spcFirstLastPara="1" wrap="square" lIns="91425" tIns="91425" rIns="91425" bIns="91425" anchor="t" anchorCtr="0">
+            <a:noAutofit/>
+          </a:bodyPr>
+          <a:lstStyle/>
+          <a:p>
+            <a:pPr marL="0" lvl="0" indent="0" algn="l" rtl="0">
+              <a:spcBef>
+                <a:spcPts val="0"/>
+              </a:spcBef>
+              <a:spcAft>
+                <a:spcPts val="0"/>
+              </a:spcAft>
+              <a:buNone/>
+            </a:pPr>
+            <a:endParaRPr/>
+          </a:p>
+        </p:txBody>
+      </p:sp>
+    </p:spTree>
+    <p:extLst>
+      <p:ext uri="{BB962C8B-B14F-4D97-AF65-F5344CB8AC3E}">
+        <p14:creationId xmlns:p14="http://schemas.microsoft.com/office/powerpoint/2010/main" val="2390485808"/>
+      </p:ext>
+    </p:extLst>
+  </p:cSld>
+  <p:clrMapOvr>
+    <a:masterClrMapping/>
+  </p:clrMapOvr>
+</p:notes>
+</file>
+
+<file path=ppt/notesSlides/notesSlide21.xml><?xml version="1.0" encoding="utf-8"?>
+<p:notes xmlns:a="http://schemas.openxmlformats.org/drawingml/2006/main" xmlns:r="http://schemas.openxmlformats.org/officeDocument/2006/relationships" xmlns:p="http://schemas.openxmlformats.org/presentationml/2006/main" showMasterSp="0" showMasterPhAnim="0">
+  <p:cSld>
+    <p:spTree>
+      <p:nvGrpSpPr>
+        <p:cNvPr id="1" name="Shape 64"/>
+        <p:cNvGrpSpPr/>
+        <p:nvPr/>
+      </p:nvGrpSpPr>
+      <p:grpSpPr>
+        <a:xfrm>
+          <a:off x="0" y="0"/>
+          <a:ext cx="0" cy="0"/>
+          <a:chOff x="0" y="0"/>
+          <a:chExt cx="0" cy="0"/>
+        </a:xfrm>
+      </p:grpSpPr>
+      <p:sp>
+        <p:nvSpPr>
+          <p:cNvPr id="65" name="Google Shape;65;g5a32bfd86c_0_10:notes"/>
+          <p:cNvSpPr>
+            <a:spLocks noGrp="1" noRot="1" noChangeAspect="1"/>
+          </p:cNvSpPr>
+          <p:nvPr>
+            <p:ph type="sldImg" idx="2"/>
+          </p:nvPr>
+        </p:nvSpPr>
+        <p:spPr>
+          <a:xfrm>
+            <a:off x="1143000" y="685800"/>
+            <a:ext cx="4572000" cy="3429000"/>
+          </a:xfrm>
+          <a:custGeom>
+            <a:avLst/>
+            <a:gdLst/>
+            <a:ahLst/>
+            <a:cxnLst/>
+            <a:rect l="l" t="t" r="r" b="b"/>
+            <a:pathLst>
+              <a:path w="120000" h="120000" extrusionOk="0">
+                <a:moveTo>
+                  <a:pt x="0" y="0"/>
+                </a:moveTo>
+                <a:lnTo>
+                  <a:pt x="120000" y="0"/>
+                </a:lnTo>
+                <a:lnTo>
+                  <a:pt x="120000" y="120000"/>
+                </a:lnTo>
+                <a:lnTo>
+                  <a:pt x="0" y="120000"/>
+                </a:lnTo>
+                <a:close/>
+              </a:path>
+            </a:pathLst>
+          </a:custGeom>
+        </p:spPr>
+      </p:sp>
+      <p:sp>
+        <p:nvSpPr>
+          <p:cNvPr id="66" name="Google Shape;66;g5a32bfd86c_0_10:notes"/>
+          <p:cNvSpPr txBox="1">
+            <a:spLocks noGrp="1"/>
+          </p:cNvSpPr>
+          <p:nvPr>
+            <p:ph type="body" idx="1"/>
+          </p:nvPr>
+        </p:nvSpPr>
+        <p:spPr>
+          <a:xfrm>
+            <a:off x="685800" y="4343400"/>
+            <a:ext cx="5486400" cy="4114800"/>
+          </a:xfrm>
+          <a:prstGeom prst="rect">
+            <a:avLst/>
+          </a:prstGeom>
+        </p:spPr>
+        <p:txBody>
+          <a:bodyPr spcFirstLastPara="1" wrap="square" lIns="91425" tIns="91425" rIns="91425" bIns="91425" anchor="t" anchorCtr="0">
+            <a:noAutofit/>
+          </a:bodyPr>
+          <a:lstStyle/>
+          <a:p>
+            <a:pPr marL="0" lvl="0" indent="0" algn="l" rtl="0">
+              <a:spcBef>
+                <a:spcPts val="0"/>
+              </a:spcBef>
+              <a:spcAft>
+                <a:spcPts val="0"/>
+              </a:spcAft>
+              <a:buNone/>
+            </a:pPr>
+            <a:endParaRPr/>
+          </a:p>
+        </p:txBody>
+      </p:sp>
+    </p:spTree>
+    <p:extLst>
+      <p:ext uri="{BB962C8B-B14F-4D97-AF65-F5344CB8AC3E}">
+        <p14:creationId xmlns:p14="http://schemas.microsoft.com/office/powerpoint/2010/main" val="795174169"/>
+      </p:ext>
+    </p:extLst>
+  </p:cSld>
+  <p:clrMapOvr>
+    <a:masterClrMapping/>
+  </p:clrMapOvr>
+</p:notes>
+</file>
+
+<file path=ppt/notesSlides/notesSlide22.xml><?xml version="1.0" encoding="utf-8"?>
+<p:notes xmlns:a="http://schemas.openxmlformats.org/drawingml/2006/main" xmlns:r="http://schemas.openxmlformats.org/officeDocument/2006/relationships" xmlns:p="http://schemas.openxmlformats.org/presentationml/2006/main" showMasterSp="0" showMasterPhAnim="0">
+  <p:cSld>
+    <p:spTree>
+      <p:nvGrpSpPr>
+        <p:cNvPr id="1" name="Shape 64"/>
+        <p:cNvGrpSpPr/>
+        <p:nvPr/>
+      </p:nvGrpSpPr>
+      <p:grpSpPr>
+        <a:xfrm>
+          <a:off x="0" y="0"/>
+          <a:ext cx="0" cy="0"/>
+          <a:chOff x="0" y="0"/>
+          <a:chExt cx="0" cy="0"/>
+        </a:xfrm>
+      </p:grpSpPr>
+      <p:sp>
+        <p:nvSpPr>
+          <p:cNvPr id="65" name="Google Shape;65;g5a32bfd86c_0_10:notes"/>
+          <p:cNvSpPr>
+            <a:spLocks noGrp="1" noRot="1" noChangeAspect="1"/>
+          </p:cNvSpPr>
+          <p:nvPr>
+            <p:ph type="sldImg" idx="2"/>
+          </p:nvPr>
+        </p:nvSpPr>
+        <p:spPr>
+          <a:xfrm>
+            <a:off x="1143000" y="685800"/>
+            <a:ext cx="4572000" cy="3429000"/>
+          </a:xfrm>
+          <a:custGeom>
+            <a:avLst/>
+            <a:gdLst/>
+            <a:ahLst/>
+            <a:cxnLst/>
+            <a:rect l="l" t="t" r="r" b="b"/>
+            <a:pathLst>
+              <a:path w="120000" h="120000" extrusionOk="0">
+                <a:moveTo>
+                  <a:pt x="0" y="0"/>
+                </a:moveTo>
+                <a:lnTo>
+                  <a:pt x="120000" y="0"/>
+                </a:lnTo>
+                <a:lnTo>
+                  <a:pt x="120000" y="120000"/>
+                </a:lnTo>
+                <a:lnTo>
+                  <a:pt x="0" y="120000"/>
+                </a:lnTo>
+                <a:close/>
+              </a:path>
+            </a:pathLst>
+          </a:custGeom>
+        </p:spPr>
+      </p:sp>
+      <p:sp>
+        <p:nvSpPr>
+          <p:cNvPr id="66" name="Google Shape;66;g5a32bfd86c_0_10:notes"/>
+          <p:cNvSpPr txBox="1">
+            <a:spLocks noGrp="1"/>
+          </p:cNvSpPr>
+          <p:nvPr>
+            <p:ph type="body" idx="1"/>
+          </p:nvPr>
+        </p:nvSpPr>
+        <p:spPr>
+          <a:xfrm>
+            <a:off x="685800" y="4343400"/>
+            <a:ext cx="5486400" cy="4114800"/>
+          </a:xfrm>
+          <a:prstGeom prst="rect">
+            <a:avLst/>
+          </a:prstGeom>
+        </p:spPr>
+        <p:txBody>
+          <a:bodyPr spcFirstLastPara="1" wrap="square" lIns="91425" tIns="91425" rIns="91425" bIns="91425" anchor="t" anchorCtr="0">
+            <a:noAutofit/>
+          </a:bodyPr>
+          <a:lstStyle/>
+          <a:p>
+            <a:pPr marL="0" lvl="0" indent="0" algn="l" rtl="0">
+              <a:spcBef>
+                <a:spcPts val="0"/>
+              </a:spcBef>
+              <a:spcAft>
+                <a:spcPts val="0"/>
+              </a:spcAft>
+              <a:buNone/>
+            </a:pPr>
+            <a:endParaRPr/>
+          </a:p>
+        </p:txBody>
+      </p:sp>
+    </p:spTree>
+    <p:extLst>
+      <p:ext uri="{BB962C8B-B14F-4D97-AF65-F5344CB8AC3E}">
+        <p14:creationId xmlns:p14="http://schemas.microsoft.com/office/powerpoint/2010/main" val="2100312784"/>
+      </p:ext>
+    </p:extLst>
+  </p:cSld>
+  <p:clrMapOvr>
+    <a:masterClrMapping/>
+  </p:clrMapOvr>
+</p:notes>
+</file>
+
+<file path=ppt/notesSlides/notesSlide23.xml><?xml version="1.0" encoding="utf-8"?>
+<p:notes xmlns:a="http://schemas.openxmlformats.org/drawingml/2006/main" xmlns:r="http://schemas.openxmlformats.org/officeDocument/2006/relationships" xmlns:p="http://schemas.openxmlformats.org/presentationml/2006/main" showMasterSp="0" showMasterPhAnim="0">
+  <p:cSld>
+    <p:spTree>
+      <p:nvGrpSpPr>
+        <p:cNvPr id="1" name="Shape 64"/>
+        <p:cNvGrpSpPr/>
+        <p:nvPr/>
+      </p:nvGrpSpPr>
+      <p:grpSpPr>
+        <a:xfrm>
+          <a:off x="0" y="0"/>
+          <a:ext cx="0" cy="0"/>
+          <a:chOff x="0" y="0"/>
+          <a:chExt cx="0" cy="0"/>
+        </a:xfrm>
+      </p:grpSpPr>
+      <p:sp>
+        <p:nvSpPr>
+          <p:cNvPr id="65" name="Google Shape;65;g5a32bfd86c_0_10:notes"/>
+          <p:cNvSpPr>
+            <a:spLocks noGrp="1" noRot="1" noChangeAspect="1"/>
+          </p:cNvSpPr>
+          <p:nvPr>
+            <p:ph type="sldImg" idx="2"/>
+          </p:nvPr>
+        </p:nvSpPr>
+        <p:spPr>
+          <a:xfrm>
+            <a:off x="1143000" y="685800"/>
+            <a:ext cx="4572000" cy="3429000"/>
+          </a:xfrm>
+          <a:custGeom>
+            <a:avLst/>
+            <a:gdLst/>
+            <a:ahLst/>
+            <a:cxnLst/>
+            <a:rect l="l" t="t" r="r" b="b"/>
+            <a:pathLst>
+              <a:path w="120000" h="120000" extrusionOk="0">
+                <a:moveTo>
+                  <a:pt x="0" y="0"/>
+                </a:moveTo>
+                <a:lnTo>
+                  <a:pt x="120000" y="0"/>
+                </a:lnTo>
+                <a:lnTo>
+                  <a:pt x="120000" y="120000"/>
+                </a:lnTo>
+                <a:lnTo>
+                  <a:pt x="0" y="120000"/>
+                </a:lnTo>
+                <a:close/>
+              </a:path>
+            </a:pathLst>
+          </a:custGeom>
+        </p:spPr>
+      </p:sp>
+      <p:sp>
+        <p:nvSpPr>
+          <p:cNvPr id="66" name="Google Shape;66;g5a32bfd86c_0_10:notes"/>
+          <p:cNvSpPr txBox="1">
+            <a:spLocks noGrp="1"/>
+          </p:cNvSpPr>
+          <p:nvPr>
+            <p:ph type="body" idx="1"/>
+          </p:nvPr>
+        </p:nvSpPr>
+        <p:spPr>
+          <a:xfrm>
+            <a:off x="685800" y="4343400"/>
+            <a:ext cx="5486400" cy="4114800"/>
+          </a:xfrm>
+          <a:prstGeom prst="rect">
+            <a:avLst/>
+          </a:prstGeom>
+        </p:spPr>
+        <p:txBody>
+          <a:bodyPr spcFirstLastPara="1" wrap="square" lIns="91425" tIns="91425" rIns="91425" bIns="91425" anchor="t" anchorCtr="0">
+            <a:noAutofit/>
+          </a:bodyPr>
+          <a:lstStyle/>
+          <a:p>
+            <a:pPr marL="0" lvl="0" indent="0" algn="l" rtl="0">
+              <a:spcBef>
+                <a:spcPts val="0"/>
+              </a:spcBef>
+              <a:spcAft>
+                <a:spcPts val="0"/>
+              </a:spcAft>
+              <a:buNone/>
+            </a:pPr>
+            <a:endParaRPr/>
+          </a:p>
+        </p:txBody>
+      </p:sp>
+    </p:spTree>
+    <p:extLst>
+      <p:ext uri="{BB962C8B-B14F-4D97-AF65-F5344CB8AC3E}">
+        <p14:creationId xmlns:p14="http://schemas.microsoft.com/office/powerpoint/2010/main" val="2931287616"/>
+      </p:ext>
+    </p:extLst>
+  </p:cSld>
+  <p:clrMapOvr>
+    <a:masterClrMapping/>
+  </p:clrMapOvr>
+</p:notes>
+</file>
+
+<file path=ppt/notesSlides/notesSlide24.xml><?xml version="1.0" encoding="utf-8"?>
+<p:notes xmlns:a="http://schemas.openxmlformats.org/drawingml/2006/main" xmlns:r="http://schemas.openxmlformats.org/officeDocument/2006/relationships" xmlns:p="http://schemas.openxmlformats.org/presentationml/2006/main" showMasterSp="0" showMasterPhAnim="0">
+  <p:cSld>
+    <p:spTree>
+      <p:nvGrpSpPr>
+        <p:cNvPr id="1" name="Shape 64"/>
+        <p:cNvGrpSpPr/>
+        <p:nvPr/>
+      </p:nvGrpSpPr>
+      <p:grpSpPr>
+        <a:xfrm>
+          <a:off x="0" y="0"/>
+          <a:ext cx="0" cy="0"/>
+          <a:chOff x="0" y="0"/>
+          <a:chExt cx="0" cy="0"/>
+        </a:xfrm>
+      </p:grpSpPr>
+      <p:sp>
+        <p:nvSpPr>
+          <p:cNvPr id="65" name="Google Shape;65;g5a32bfd86c_0_10:notes"/>
+          <p:cNvSpPr>
+            <a:spLocks noGrp="1" noRot="1" noChangeAspect="1"/>
+          </p:cNvSpPr>
+          <p:nvPr>
+            <p:ph type="sldImg" idx="2"/>
+          </p:nvPr>
+        </p:nvSpPr>
+        <p:spPr>
+          <a:xfrm>
+            <a:off x="1143000" y="685800"/>
+            <a:ext cx="4572000" cy="3429000"/>
+          </a:xfrm>
+          <a:custGeom>
+            <a:avLst/>
+            <a:gdLst/>
+            <a:ahLst/>
+            <a:cxnLst/>
+            <a:rect l="l" t="t" r="r" b="b"/>
+            <a:pathLst>
+              <a:path w="120000" h="120000" extrusionOk="0">
+                <a:moveTo>
+                  <a:pt x="0" y="0"/>
+                </a:moveTo>
+                <a:lnTo>
+                  <a:pt x="120000" y="0"/>
+                </a:lnTo>
+                <a:lnTo>
+                  <a:pt x="120000" y="120000"/>
+                </a:lnTo>
+                <a:lnTo>
+                  <a:pt x="0" y="120000"/>
+                </a:lnTo>
+                <a:close/>
+              </a:path>
+            </a:pathLst>
+          </a:custGeom>
+        </p:spPr>
+      </p:sp>
+      <p:sp>
+        <p:nvSpPr>
+          <p:cNvPr id="66" name="Google Shape;66;g5a32bfd86c_0_10:notes"/>
+          <p:cNvSpPr txBox="1">
+            <a:spLocks noGrp="1"/>
+          </p:cNvSpPr>
+          <p:nvPr>
+            <p:ph type="body" idx="1"/>
+          </p:nvPr>
+        </p:nvSpPr>
+        <p:spPr>
+          <a:xfrm>
+            <a:off x="685800" y="4343400"/>
+            <a:ext cx="5486400" cy="4114800"/>
+          </a:xfrm>
+          <a:prstGeom prst="rect">
+            <a:avLst/>
+          </a:prstGeom>
+        </p:spPr>
+        <p:txBody>
+          <a:bodyPr spcFirstLastPara="1" wrap="square" lIns="91425" tIns="91425" rIns="91425" bIns="91425" anchor="t" anchorCtr="0">
+            <a:noAutofit/>
+          </a:bodyPr>
+          <a:lstStyle/>
+          <a:p>
+            <a:pPr marL="0" lvl="0" indent="0" algn="l" rtl="0">
+              <a:spcBef>
+                <a:spcPts val="0"/>
+              </a:spcBef>
+              <a:spcAft>
+                <a:spcPts val="0"/>
+              </a:spcAft>
+              <a:buNone/>
+            </a:pPr>
+            <a:endParaRPr/>
+          </a:p>
+        </p:txBody>
+      </p:sp>
+    </p:spTree>
+    <p:extLst>
+      <p:ext uri="{BB962C8B-B14F-4D97-AF65-F5344CB8AC3E}">
+        <p14:creationId xmlns:p14="http://schemas.microsoft.com/office/powerpoint/2010/main" val="2985767527"/>
+      </p:ext>
+    </p:extLst>
+  </p:cSld>
+  <p:clrMapOvr>
+    <a:masterClrMapping/>
+  </p:clrMapOvr>
+</p:notes>
+</file>
+
+<file path=ppt/notesSlides/notesSlide25.xml><?xml version="1.0" encoding="utf-8"?>
+<p:notes xmlns:a="http://schemas.openxmlformats.org/drawingml/2006/main" xmlns:r="http://schemas.openxmlformats.org/officeDocument/2006/relationships" xmlns:p="http://schemas.openxmlformats.org/presentationml/2006/main" showMasterSp="0" showMasterPhAnim="0">
+  <p:cSld>
+    <p:spTree>
+      <p:nvGrpSpPr>
+        <p:cNvPr id="1" name="Shape 64"/>
+        <p:cNvGrpSpPr/>
+        <p:nvPr/>
+      </p:nvGrpSpPr>
+      <p:grpSpPr>
+        <a:xfrm>
+          <a:off x="0" y="0"/>
+          <a:ext cx="0" cy="0"/>
+          <a:chOff x="0" y="0"/>
+          <a:chExt cx="0" cy="0"/>
+        </a:xfrm>
+      </p:grpSpPr>
+      <p:sp>
+        <p:nvSpPr>
+          <p:cNvPr id="65" name="Google Shape;65;g5a32bfd86c_0_10:notes"/>
+          <p:cNvSpPr>
+            <a:spLocks noGrp="1" noRot="1" noChangeAspect="1"/>
+          </p:cNvSpPr>
+          <p:nvPr>
+            <p:ph type="sldImg" idx="2"/>
+          </p:nvPr>
+        </p:nvSpPr>
+        <p:spPr>
+          <a:xfrm>
+            <a:off x="1143000" y="685800"/>
+            <a:ext cx="4572000" cy="3429000"/>
+          </a:xfrm>
+          <a:custGeom>
+            <a:avLst/>
+            <a:gdLst/>
+            <a:ahLst/>
+            <a:cxnLst/>
+            <a:rect l="l" t="t" r="r" b="b"/>
+            <a:pathLst>
+              <a:path w="120000" h="120000" extrusionOk="0">
+                <a:moveTo>
+                  <a:pt x="0" y="0"/>
+                </a:moveTo>
+                <a:lnTo>
+                  <a:pt x="120000" y="0"/>
+                </a:lnTo>
+                <a:lnTo>
+                  <a:pt x="120000" y="120000"/>
+                </a:lnTo>
+                <a:lnTo>
+                  <a:pt x="0" y="120000"/>
+                </a:lnTo>
+                <a:close/>
+              </a:path>
+            </a:pathLst>
+          </a:custGeom>
+        </p:spPr>
+      </p:sp>
+      <p:sp>
+        <p:nvSpPr>
+          <p:cNvPr id="66" name="Google Shape;66;g5a32bfd86c_0_10:notes"/>
+          <p:cNvSpPr txBox="1">
+            <a:spLocks noGrp="1"/>
+          </p:cNvSpPr>
+          <p:nvPr>
+            <p:ph type="body" idx="1"/>
+          </p:nvPr>
+        </p:nvSpPr>
+        <p:spPr>
+          <a:xfrm>
+            <a:off x="685800" y="4343400"/>
+            <a:ext cx="5486400" cy="4114800"/>
+          </a:xfrm>
+          <a:prstGeom prst="rect">
+            <a:avLst/>
+          </a:prstGeom>
+        </p:spPr>
+        <p:txBody>
+          <a:bodyPr spcFirstLastPara="1" wrap="square" lIns="91425" tIns="91425" rIns="91425" bIns="91425" anchor="t" anchorCtr="0">
+            <a:noAutofit/>
+          </a:bodyPr>
+          <a:lstStyle/>
+          <a:p>
+            <a:pPr marL="0" lvl="0" indent="0" algn="l" rtl="0">
+              <a:spcBef>
+                <a:spcPts val="0"/>
+              </a:spcBef>
+              <a:spcAft>
+                <a:spcPts val="0"/>
+              </a:spcAft>
+              <a:buNone/>
+            </a:pPr>
+            <a:endParaRPr/>
+          </a:p>
+        </p:txBody>
+      </p:sp>
+    </p:spTree>
+    <p:extLst>
+      <p:ext uri="{BB962C8B-B14F-4D97-AF65-F5344CB8AC3E}">
+        <p14:creationId xmlns:p14="http://schemas.microsoft.com/office/powerpoint/2010/main" val="1557138423"/>
+      </p:ext>
+    </p:extLst>
+  </p:cSld>
+  <p:clrMapOvr>
+    <a:masterClrMapping/>
+  </p:clrMapOvr>
+</p:notes>
+</file>
+
+<file path=ppt/notesSlides/notesSlide26.xml><?xml version="1.0" encoding="utf-8"?>
+<p:notes xmlns:a="http://schemas.openxmlformats.org/drawingml/2006/main" xmlns:r="http://schemas.openxmlformats.org/officeDocument/2006/relationships" xmlns:p="http://schemas.openxmlformats.org/presentationml/2006/main" showMasterSp="0" showMasterPhAnim="0">
+  <p:cSld>
+    <p:spTree>
+      <p:nvGrpSpPr>
+        <p:cNvPr id="1" name="Shape 64"/>
+        <p:cNvGrpSpPr/>
+        <p:nvPr/>
+      </p:nvGrpSpPr>
+      <p:grpSpPr>
+        <a:xfrm>
+          <a:off x="0" y="0"/>
+          <a:ext cx="0" cy="0"/>
+          <a:chOff x="0" y="0"/>
+          <a:chExt cx="0" cy="0"/>
+        </a:xfrm>
+      </p:grpSpPr>
+      <p:sp>
+        <p:nvSpPr>
+          <p:cNvPr id="65" name="Google Shape;65;g5a32bfd86c_0_10:notes"/>
+          <p:cNvSpPr>
+            <a:spLocks noGrp="1" noRot="1" noChangeAspect="1"/>
+          </p:cNvSpPr>
+          <p:nvPr>
+            <p:ph type="sldImg" idx="2"/>
+          </p:nvPr>
+        </p:nvSpPr>
+        <p:spPr>
+          <a:xfrm>
+            <a:off x="1143000" y="685800"/>
+            <a:ext cx="4572000" cy="3429000"/>
+          </a:xfrm>
+          <a:custGeom>
+            <a:avLst/>
+            <a:gdLst/>
+            <a:ahLst/>
+            <a:cxnLst/>
+            <a:rect l="l" t="t" r="r" b="b"/>
+            <a:pathLst>
+              <a:path w="120000" h="120000" extrusionOk="0">
+                <a:moveTo>
+                  <a:pt x="0" y="0"/>
+                </a:moveTo>
+                <a:lnTo>
+                  <a:pt x="120000" y="0"/>
+                </a:lnTo>
+                <a:lnTo>
+                  <a:pt x="120000" y="120000"/>
+                </a:lnTo>
+                <a:lnTo>
+                  <a:pt x="0" y="120000"/>
+                </a:lnTo>
+                <a:close/>
+              </a:path>
+            </a:pathLst>
+          </a:custGeom>
+        </p:spPr>
+      </p:sp>
+      <p:sp>
+        <p:nvSpPr>
+          <p:cNvPr id="66" name="Google Shape;66;g5a32bfd86c_0_10:notes"/>
+          <p:cNvSpPr txBox="1">
+            <a:spLocks noGrp="1"/>
+          </p:cNvSpPr>
+          <p:nvPr>
+            <p:ph type="body" idx="1"/>
+          </p:nvPr>
+        </p:nvSpPr>
+        <p:spPr>
+          <a:xfrm>
+            <a:off x="685800" y="4343400"/>
+            <a:ext cx="5486400" cy="4114800"/>
+          </a:xfrm>
+          <a:prstGeom prst="rect">
+            <a:avLst/>
+          </a:prstGeom>
+        </p:spPr>
+        <p:txBody>
+          <a:bodyPr spcFirstLastPara="1" wrap="square" lIns="91425" tIns="91425" rIns="91425" bIns="91425" anchor="t" anchorCtr="0">
+            <a:noAutofit/>
+          </a:bodyPr>
+          <a:lstStyle/>
+          <a:p>
+            <a:pPr marL="0" lvl="0" indent="0" algn="l" rtl="0">
+              <a:spcBef>
+                <a:spcPts val="0"/>
+              </a:spcBef>
+              <a:spcAft>
+                <a:spcPts val="0"/>
+              </a:spcAft>
+              <a:buNone/>
+            </a:pPr>
+            <a:endParaRPr/>
+          </a:p>
+        </p:txBody>
+      </p:sp>
+    </p:spTree>
+    <p:extLst>
+      <p:ext uri="{BB962C8B-B14F-4D97-AF65-F5344CB8AC3E}">
+        <p14:creationId xmlns:p14="http://schemas.microsoft.com/office/powerpoint/2010/main" val="1665275196"/>
+      </p:ext>
+    </p:extLst>
+  </p:cSld>
+  <p:clrMapOvr>
+    <a:masterClrMapping/>
+  </p:clrMapOvr>
+</p:notes>
+</file>
+
+<file path=ppt/notesSlides/notesSlide27.xml><?xml version="1.0" encoding="utf-8"?>
+<p:notes xmlns:a="http://schemas.openxmlformats.org/drawingml/2006/main" xmlns:r="http://schemas.openxmlformats.org/officeDocument/2006/relationships" xmlns:p="http://schemas.openxmlformats.org/presentationml/2006/main" showMasterSp="0" showMasterPhAnim="0">
+  <p:cSld>
+    <p:spTree>
+      <p:nvGrpSpPr>
+        <p:cNvPr id="1" name="Shape 64"/>
+        <p:cNvGrpSpPr/>
+        <p:nvPr/>
+      </p:nvGrpSpPr>
+      <p:grpSpPr>
+        <a:xfrm>
+          <a:off x="0" y="0"/>
+          <a:ext cx="0" cy="0"/>
+          <a:chOff x="0" y="0"/>
+          <a:chExt cx="0" cy="0"/>
+        </a:xfrm>
+      </p:grpSpPr>
+      <p:sp>
+        <p:nvSpPr>
+          <p:cNvPr id="65" name="Google Shape;65;g5a32bfd86c_0_10:notes"/>
+          <p:cNvSpPr>
+            <a:spLocks noGrp="1" noRot="1" noChangeAspect="1"/>
+          </p:cNvSpPr>
+          <p:nvPr>
+            <p:ph type="sldImg" idx="2"/>
+          </p:nvPr>
+        </p:nvSpPr>
+        <p:spPr>
+          <a:xfrm>
+            <a:off x="1143000" y="685800"/>
+            <a:ext cx="4572000" cy="3429000"/>
+          </a:xfrm>
+          <a:custGeom>
+            <a:avLst/>
+            <a:gdLst/>
+            <a:ahLst/>
+            <a:cxnLst/>
+            <a:rect l="l" t="t" r="r" b="b"/>
+            <a:pathLst>
+              <a:path w="120000" h="120000" extrusionOk="0">
+                <a:moveTo>
+                  <a:pt x="0" y="0"/>
+                </a:moveTo>
+                <a:lnTo>
+                  <a:pt x="120000" y="0"/>
+                </a:lnTo>
+                <a:lnTo>
+                  <a:pt x="120000" y="120000"/>
+                </a:lnTo>
+                <a:lnTo>
+                  <a:pt x="0" y="120000"/>
+                </a:lnTo>
+                <a:close/>
+              </a:path>
+            </a:pathLst>
+          </a:custGeom>
+        </p:spPr>
+      </p:sp>
+      <p:sp>
+        <p:nvSpPr>
+          <p:cNvPr id="66" name="Google Shape;66;g5a32bfd86c_0_10:notes"/>
+          <p:cNvSpPr txBox="1">
+            <a:spLocks noGrp="1"/>
+          </p:cNvSpPr>
+          <p:nvPr>
+            <p:ph type="body" idx="1"/>
+          </p:nvPr>
+        </p:nvSpPr>
+        <p:spPr>
+          <a:xfrm>
+            <a:off x="685800" y="4343400"/>
+            <a:ext cx="5486400" cy="4114800"/>
+          </a:xfrm>
+          <a:prstGeom prst="rect">
+            <a:avLst/>
+          </a:prstGeom>
+        </p:spPr>
+        <p:txBody>
+          <a:bodyPr spcFirstLastPara="1" wrap="square" lIns="91425" tIns="91425" rIns="91425" bIns="91425" anchor="t" anchorCtr="0">
+            <a:noAutofit/>
+          </a:bodyPr>
+          <a:lstStyle/>
+          <a:p>
+            <a:pPr marL="0" lvl="0" indent="0" algn="l" rtl="0">
+              <a:spcBef>
+                <a:spcPts val="0"/>
+              </a:spcBef>
+              <a:spcAft>
+                <a:spcPts val="0"/>
+              </a:spcAft>
+              <a:buNone/>
+            </a:pPr>
+            <a:endParaRPr/>
+          </a:p>
+        </p:txBody>
+      </p:sp>
+    </p:spTree>
+    <p:extLst>
+      <p:ext uri="{BB962C8B-B14F-4D97-AF65-F5344CB8AC3E}">
+        <p14:creationId xmlns:p14="http://schemas.microsoft.com/office/powerpoint/2010/main" val="3170761541"/>
+      </p:ext>
+    </p:extLst>
   </p:cSld>
   <p:clrMapOvr>
     <a:masterClrMapping/>
@@ -8020,7 +9230,7 @@
           <a:graphicData uri="http://schemas.openxmlformats.org/presentationml/2006/ole">
             <mc:AlternateContent xmlns:mc="http://schemas.openxmlformats.org/markup-compatibility/2006">
               <mc:Choice xmlns:v="urn:schemas-microsoft-com:vml" Requires="v">
-                <p:oleObj spid="_x0000_s2053" name="Equation" r:id="rId4" imgW="672840" imgH="152280" progId="Equation.DSMT4">
+                <p:oleObj spid="_x0000_s2065" name="Equation" r:id="rId4" imgW="672840" imgH="152280" progId="Equation.DSMT4">
                   <p:embed/>
                 </p:oleObj>
               </mc:Choice>
@@ -8418,7 +9628,7 @@
           <a:graphicData uri="http://schemas.openxmlformats.org/presentationml/2006/ole">
             <mc:AlternateContent xmlns:mc="http://schemas.openxmlformats.org/markup-compatibility/2006">
               <mc:Choice xmlns:v="urn:schemas-microsoft-com:vml" Requires="v">
-                <p:oleObj spid="_x0000_s3085" name="Equation" r:id="rId4" imgW="2286000" imgH="228600" progId="Equation.DSMT4">
+                <p:oleObj spid="_x0000_s3121" name="Equation" r:id="rId4" imgW="2286000" imgH="228600" progId="Equation.DSMT4">
                   <p:embed/>
                 </p:oleObj>
               </mc:Choice>
@@ -8485,7 +9695,7 @@
           <a:graphicData uri="http://schemas.openxmlformats.org/presentationml/2006/ole">
             <mc:AlternateContent xmlns:mc="http://schemas.openxmlformats.org/markup-compatibility/2006">
               <mc:Choice xmlns:v="urn:schemas-microsoft-com:vml" Requires="v">
-                <p:oleObj spid="_x0000_s3086" name="Equation" r:id="rId6" imgW="1320800" imgH="508000" progId="Equation.DSMT4">
+                <p:oleObj spid="_x0000_s3122" name="Equation" r:id="rId6" imgW="1320800" imgH="508000" progId="Equation.DSMT4">
                   <p:embed/>
                 </p:oleObj>
               </mc:Choice>
@@ -8558,7 +9768,7 @@
           <a:graphicData uri="http://schemas.openxmlformats.org/presentationml/2006/ole">
             <mc:AlternateContent xmlns:mc="http://schemas.openxmlformats.org/markup-compatibility/2006">
               <mc:Choice xmlns:v="urn:schemas-microsoft-com:vml" Requires="v">
-                <p:oleObj spid="_x0000_s3087" name="Equation" r:id="rId8" imgW="1333440" imgH="228600" progId="Equation.DSMT4">
+                <p:oleObj spid="_x0000_s3123" name="Equation" r:id="rId8" imgW="1333440" imgH="228600" progId="Equation.DSMT4">
                   <p:embed/>
                 </p:oleObj>
               </mc:Choice>
@@ -8658,7 +9868,7 @@
                   <a:schemeClr val="tx1"/>
                 </a:solidFill>
               </a:rPr>
-              <a:t>Разработанное решение</a:t>
+              <a:t>Разработанное решение. Архитектура</a:t>
             </a:r>
             <a:endParaRPr lang="ru-RU" sz="2600" b="1" dirty="0">
               <a:solidFill>
@@ -8788,6 +9998,179 @@
   <p:cSld>
     <p:spTree>
       <p:nvGrpSpPr>
+        <p:cNvPr id="1" name="Shape 67"/>
+        <p:cNvGrpSpPr/>
+        <p:nvPr/>
+      </p:nvGrpSpPr>
+      <p:grpSpPr>
+        <a:xfrm>
+          <a:off x="0" y="0"/>
+          <a:ext cx="0" cy="0"/>
+          <a:chOff x="0" y="0"/>
+          <a:chExt cx="0" cy="0"/>
+        </a:xfrm>
+      </p:grpSpPr>
+      <p:sp>
+        <p:nvSpPr>
+          <p:cNvPr id="68" name="Google Shape;68;p15"/>
+          <p:cNvSpPr txBox="1">
+            <a:spLocks noGrp="1"/>
+          </p:cNvSpPr>
+          <p:nvPr>
+            <p:ph type="title"/>
+          </p:nvPr>
+        </p:nvSpPr>
+        <p:spPr>
+          <a:xfrm>
+            <a:off x="270934" y="287868"/>
+            <a:ext cx="8750224" cy="747102"/>
+          </a:xfrm>
+          <a:prstGeom prst="rect">
+            <a:avLst/>
+          </a:prstGeom>
+        </p:spPr>
+        <p:txBody>
+          <a:bodyPr spcFirstLastPara="1" wrap="square" lIns="91425" tIns="91425" rIns="91425" bIns="91425" anchor="t" anchorCtr="0">
+            <a:noAutofit/>
+          </a:bodyPr>
+          <a:lstStyle/>
+          <a:p>
+            <a:r>
+              <a:rPr lang="ru-RU" b="1" dirty="0">
+                <a:solidFill>
+                  <a:schemeClr val="tx1"/>
+                </a:solidFill>
+              </a:rPr>
+              <a:t>Разработанное решение. Алгоритм обработки</a:t>
+            </a:r>
+            <a:endParaRPr lang="ru-RU" sz="2600" b="1" dirty="0">
+              <a:solidFill>
+                <a:schemeClr val="tx1"/>
+              </a:solidFill>
+            </a:endParaRPr>
+          </a:p>
+        </p:txBody>
+      </p:sp>
+      <p:sp>
+        <p:nvSpPr>
+          <p:cNvPr id="69" name="Google Shape;69;p15"/>
+          <p:cNvSpPr txBox="1">
+            <a:spLocks noGrp="1"/>
+          </p:cNvSpPr>
+          <p:nvPr>
+            <p:ph type="sldNum" idx="12"/>
+          </p:nvPr>
+        </p:nvSpPr>
+        <p:spPr>
+          <a:xfrm>
+            <a:off x="8472458" y="6217622"/>
+            <a:ext cx="548700" cy="524700"/>
+          </a:xfrm>
+          <a:prstGeom prst="rect">
+            <a:avLst/>
+          </a:prstGeom>
+        </p:spPr>
+        <p:txBody>
+          <a:bodyPr spcFirstLastPara="1" wrap="square" lIns="91425" tIns="91425" rIns="91425" bIns="91425" anchor="ctr" anchorCtr="0">
+            <a:noAutofit/>
+          </a:bodyPr>
+          <a:lstStyle/>
+          <a:p>
+            <a:pPr marL="0" lvl="0" indent="0" algn="r" rtl="0">
+              <a:spcBef>
+                <a:spcPts val="0"/>
+              </a:spcBef>
+              <a:spcAft>
+                <a:spcPts val="0"/>
+              </a:spcAft>
+              <a:buNone/>
+            </a:pPr>
+            <a:fld id="{00000000-1234-1234-1234-123412341234}" type="slidenum">
+              <a:rPr lang="en"/>
+              <a:t>14</a:t>
+            </a:fld>
+            <a:endParaRPr/>
+          </a:p>
+        </p:txBody>
+      </p:sp>
+      <p:pic>
+        <p:nvPicPr>
+          <p:cNvPr id="10242" name="Picture 2">
+            <a:extLst>
+              <a:ext uri="{FF2B5EF4-FFF2-40B4-BE49-F238E27FC236}">
+                <a16:creationId xmlns:a16="http://schemas.microsoft.com/office/drawing/2014/main" id="{A129C38C-182E-49A5-B5AD-3B4C994472DC}"/>
+              </a:ext>
+            </a:extLst>
+          </p:cNvPr>
+          <p:cNvPicPr>
+            <a:picLocks noChangeAspect="1" noChangeArrowheads="1"/>
+          </p:cNvPicPr>
+          <p:nvPr/>
+        </p:nvPicPr>
+        <p:blipFill>
+          <a:blip r:embed="rId3">
+            <a:extLst>
+              <a:ext uri="{28A0092B-C50C-407E-A947-70E740481C1C}">
+                <a14:useLocalDpi xmlns:a14="http://schemas.microsoft.com/office/drawing/2010/main" val="0"/>
+              </a:ext>
+            </a:extLst>
+          </a:blip>
+          <a:srcRect/>
+          <a:stretch>
+            <a:fillRect/>
+          </a:stretch>
+        </p:blipFill>
+        <p:spPr bwMode="auto">
+          <a:xfrm>
+            <a:off x="1314715" y="1034970"/>
+            <a:ext cx="6514570" cy="5469209"/>
+          </a:xfrm>
+          <a:prstGeom prst="rect">
+            <a:avLst/>
+          </a:prstGeom>
+          <a:noFill/>
+          <a:ln>
+            <a:noFill/>
+          </a:ln>
+          <a:extLst>
+            <a:ext uri="{909E8E84-426E-40DD-AFC4-6F175D3DCCD1}">
+              <a14:hiddenFill xmlns:a14="http://schemas.microsoft.com/office/drawing/2010/main">
+                <a:solidFill>
+                  <a:srgbClr val="FFFFFF"/>
+                </a:solidFill>
+              </a14:hiddenFill>
+            </a:ext>
+            <a:ext uri="{91240B29-F687-4F45-9708-019B960494DF}">
+              <a14:hiddenLine xmlns:a14="http://schemas.microsoft.com/office/drawing/2010/main" w="9525">
+                <a:solidFill>
+                  <a:srgbClr val="000000"/>
+                </a:solidFill>
+                <a:miter lim="800000"/>
+                <a:headEnd/>
+                <a:tailEnd/>
+              </a14:hiddenLine>
+            </a:ext>
+          </a:extLst>
+        </p:spPr>
+      </p:pic>
+    </p:spTree>
+    <p:extLst>
+      <p:ext uri="{BB962C8B-B14F-4D97-AF65-F5344CB8AC3E}">
+        <p14:creationId xmlns:p14="http://schemas.microsoft.com/office/powerpoint/2010/main" val="11110679"/>
+      </p:ext>
+    </p:extLst>
+  </p:cSld>
+  <p:clrMapOvr>
+    <a:masterClrMapping/>
+  </p:clrMapOvr>
+</p:sld>
+</file>
+
+<file path=ppt/slides/slide15.xml><?xml version="1.0" encoding="utf-8"?>
+<p:sld xmlns:a="http://schemas.openxmlformats.org/drawingml/2006/main" xmlns:r="http://schemas.openxmlformats.org/officeDocument/2006/relationships" xmlns:p="http://schemas.openxmlformats.org/presentationml/2006/main">
+  <p:cSld>
+    <p:spTree>
+      <p:nvGrpSpPr>
         <p:cNvPr id="1" name="Shape 100"/>
         <p:cNvGrpSpPr/>
         <p:nvPr/>
@@ -8874,7 +10257,7 @@
               <a:buSzPts val="2400"/>
             </a:pPr>
             <a:r>
-              <a:rPr lang="ru-RU" sz="2000" dirty="0">
+              <a:rPr lang="ru-RU" sz="2400" dirty="0">
                 <a:solidFill>
                   <a:schemeClr val="tx1"/>
                 </a:solidFill>
@@ -8890,12 +10273,12 @@
               <a:buSzPts val="2400"/>
             </a:pPr>
             <a:r>
-              <a:rPr lang="ru-RU" sz="2000" dirty="0">
+              <a:rPr lang="ru-RU" sz="2400" dirty="0">
                 <a:solidFill>
                   <a:schemeClr val="tx1"/>
                 </a:solidFill>
               </a:rPr>
-              <a:t>На основании проведенного обзора была построена математическая модель проверки статьи, включающая в себя проверку числовых критериев, и поиск структурных и стилистических ошибок;</a:t>
+              <a:t>Была построена математическая модель проверки статьи;</a:t>
             </a:r>
           </a:p>
           <a:p>
@@ -8906,12 +10289,12 @@
               <a:buSzPts val="2400"/>
             </a:pPr>
             <a:r>
-              <a:rPr lang="ru-RU" sz="2000" dirty="0">
+              <a:rPr lang="ru-RU" sz="2400" dirty="0">
                 <a:solidFill>
                   <a:schemeClr val="tx1"/>
                 </a:solidFill>
               </a:rPr>
-              <a:t>Было проведено экспериментальное исследование на статьях, опубликованных в источниках ВАК или РИНЦ, по результатам которого были определены допустимые значения критериев и была настроена и формализована модель;</a:t>
+              <a:t>Было проведено экспериментальное исследование на научных статьях, по результатам которого была настроена и формализована модель;</a:t>
             </a:r>
           </a:p>
           <a:p>
@@ -8922,12 +10305,12 @@
               <a:buSzPts val="2400"/>
             </a:pPr>
             <a:r>
-              <a:rPr lang="ru-RU" sz="2000" dirty="0">
+              <a:rPr lang="ru-RU" sz="2400" dirty="0">
                 <a:solidFill>
                   <a:schemeClr val="tx1"/>
                 </a:solidFill>
               </a:rPr>
-              <a:t>Было проведено экспериментальное исследование на статьях и произведениях других жанров для проверки корректности полученной модели, показавшее корректность разработанной модели проверки;</a:t>
+              <a:t>Было проведено экспериментальное исследование на статьях и произведениях других жанров, показавшее корректность разработанной модели проверки;</a:t>
             </a:r>
           </a:p>
           <a:p>
@@ -8938,14 +10321,14 @@
               <a:buSzPts val="2400"/>
             </a:pPr>
             <a:r>
-              <a:rPr lang="ru-RU" sz="2000" dirty="0">
+              <a:rPr lang="ru-RU" sz="2400" dirty="0">
                 <a:solidFill>
                   <a:schemeClr val="tx1"/>
                 </a:solidFill>
               </a:rPr>
               <a:t>Было разработано решение в виде веб-сервиса.</a:t>
             </a:r>
-            <a:endParaRPr sz="2000" dirty="0">
+            <a:endParaRPr sz="2400" dirty="0">
               <a:solidFill>
                 <a:schemeClr val="tx1"/>
               </a:solidFill>
@@ -8989,7 +10372,7 @@
             </a:pPr>
             <a:fld id="{00000000-1234-1234-1234-123412341234}" type="slidenum">
               <a:rPr lang="en"/>
-              <a:t>14</a:t>
+              <a:t>15</a:t>
             </a:fld>
             <a:endParaRPr/>
           </a:p>
@@ -9003,7 +10386,7 @@
 </p:sld>
 </file>
 
-<file path=ppt/slides/slide15.xml><?xml version="1.0" encoding="utf-8"?>
+<file path=ppt/slides/slide16.xml><?xml version="1.0" encoding="utf-8"?>
 <p:sld xmlns:a="http://schemas.openxmlformats.org/drawingml/2006/main" xmlns:r="http://schemas.openxmlformats.org/officeDocument/2006/relationships" xmlns:p="http://schemas.openxmlformats.org/presentationml/2006/main">
   <p:cSld>
     <p:spTree>
@@ -9225,7 +10608,7 @@
             </a:pPr>
             <a:fld id="{00000000-1234-1234-1234-123412341234}" type="slidenum">
               <a:rPr lang="en"/>
-              <a:t>15</a:t>
+              <a:t>16</a:t>
             </a:fld>
             <a:endParaRPr/>
           </a:p>
@@ -9239,7 +10622,7 @@
 </p:sld>
 </file>
 
-<file path=ppt/slides/slide16.xml><?xml version="1.0" encoding="utf-8"?>
+<file path=ppt/slides/slide17.xml><?xml version="1.0" encoding="utf-8"?>
 <p:sld xmlns:a="http://schemas.openxmlformats.org/drawingml/2006/main" xmlns:r="http://schemas.openxmlformats.org/officeDocument/2006/relationships" xmlns:p="http://schemas.openxmlformats.org/presentationml/2006/main">
   <p:cSld>
     <p:spTree>
@@ -9342,7 +10725,7 @@
             </a:pPr>
             <a:fld id="{00000000-1234-1234-1234-123412341234}" type="slidenum">
               <a:rPr lang="en"/>
-              <a:t>16</a:t>
+              <a:t>17</a:t>
             </a:fld>
             <a:endParaRPr/>
           </a:p>
@@ -9471,6 +10854,2053 @@
     <p:extLst>
       <p:ext uri="{BB962C8B-B14F-4D97-AF65-F5344CB8AC3E}">
         <p14:creationId xmlns:p14="http://schemas.microsoft.com/office/powerpoint/2010/main" val="2368092323"/>
+      </p:ext>
+    </p:extLst>
+  </p:cSld>
+  <p:clrMapOvr>
+    <a:masterClrMapping/>
+  </p:clrMapOvr>
+</p:sld>
+</file>
+
+<file path=ppt/slides/slide18.xml><?xml version="1.0" encoding="utf-8"?>
+<p:sld xmlns:a="http://schemas.openxmlformats.org/drawingml/2006/main" xmlns:r="http://schemas.openxmlformats.org/officeDocument/2006/relationships" xmlns:p="http://schemas.openxmlformats.org/presentationml/2006/main">
+  <p:cSld>
+    <p:spTree>
+      <p:nvGrpSpPr>
+        <p:cNvPr id="1" name="Shape 67"/>
+        <p:cNvGrpSpPr/>
+        <p:nvPr/>
+      </p:nvGrpSpPr>
+      <p:grpSpPr>
+        <a:xfrm>
+          <a:off x="0" y="0"/>
+          <a:ext cx="0" cy="0"/>
+          <a:chOff x="0" y="0"/>
+          <a:chExt cx="0" cy="0"/>
+        </a:xfrm>
+      </p:grpSpPr>
+      <p:sp>
+        <p:nvSpPr>
+          <p:cNvPr id="68" name="Google Shape;68;p15"/>
+          <p:cNvSpPr txBox="1">
+            <a:spLocks noGrp="1"/>
+          </p:cNvSpPr>
+          <p:nvPr>
+            <p:ph type="title"/>
+          </p:nvPr>
+        </p:nvSpPr>
+        <p:spPr>
+          <a:xfrm>
+            <a:off x="311700" y="287867"/>
+            <a:ext cx="8709458" cy="1168399"/>
+          </a:xfrm>
+          <a:prstGeom prst="rect">
+            <a:avLst/>
+          </a:prstGeom>
+        </p:spPr>
+        <p:txBody>
+          <a:bodyPr spcFirstLastPara="1" wrap="square" lIns="91425" tIns="91425" rIns="91425" bIns="91425" anchor="t" anchorCtr="0">
+            <a:noAutofit/>
+          </a:bodyPr>
+          <a:lstStyle/>
+          <a:p>
+            <a:pPr algn="just"/>
+            <a:r>
+              <a:rPr lang="ru-RU" b="1" dirty="0">
+                <a:solidFill>
+                  <a:schemeClr val="tx1"/>
+                </a:solidFill>
+              </a:rPr>
+              <a:t>Дополнительный слайд №2. Примеры анализа текстов других жанров</a:t>
+            </a:r>
+          </a:p>
+        </p:txBody>
+      </p:sp>
+      <p:sp>
+        <p:nvSpPr>
+          <p:cNvPr id="69" name="Google Shape;69;p15"/>
+          <p:cNvSpPr txBox="1">
+            <a:spLocks noGrp="1"/>
+          </p:cNvSpPr>
+          <p:nvPr>
+            <p:ph type="sldNum" idx="12"/>
+          </p:nvPr>
+        </p:nvSpPr>
+        <p:spPr>
+          <a:xfrm>
+            <a:off x="8472458" y="6217622"/>
+            <a:ext cx="548700" cy="524700"/>
+          </a:xfrm>
+          <a:prstGeom prst="rect">
+            <a:avLst/>
+          </a:prstGeom>
+        </p:spPr>
+        <p:txBody>
+          <a:bodyPr spcFirstLastPara="1" wrap="square" lIns="91425" tIns="91425" rIns="91425" bIns="91425" anchor="ctr" anchorCtr="0">
+            <a:noAutofit/>
+          </a:bodyPr>
+          <a:lstStyle/>
+          <a:p>
+            <a:pPr marL="0" lvl="0" indent="0" algn="r" rtl="0">
+              <a:spcBef>
+                <a:spcPts val="0"/>
+              </a:spcBef>
+              <a:spcAft>
+                <a:spcPts val="0"/>
+              </a:spcAft>
+              <a:buNone/>
+            </a:pPr>
+            <a:fld id="{00000000-1234-1234-1234-123412341234}" type="slidenum">
+              <a:rPr lang="en"/>
+              <a:t>18</a:t>
+            </a:fld>
+            <a:endParaRPr/>
+          </a:p>
+        </p:txBody>
+      </p:sp>
+      <p:graphicFrame>
+        <p:nvGraphicFramePr>
+          <p:cNvPr id="35" name="Table 34">
+            <a:extLst>
+              <a:ext uri="{FF2B5EF4-FFF2-40B4-BE49-F238E27FC236}">
+                <a16:creationId xmlns:a16="http://schemas.microsoft.com/office/drawing/2014/main" id="{490EE013-94EB-4232-A336-28A02C2B5FE9}"/>
+              </a:ext>
+            </a:extLst>
+          </p:cNvPr>
+          <p:cNvGraphicFramePr>
+            <a:graphicFrameLocks noGrp="1"/>
+          </p:cNvGraphicFramePr>
+          <p:nvPr>
+            <p:extLst>
+              <p:ext uri="{D42A27DB-BD31-4B8C-83A1-F6EECF244321}">
+                <p14:modId xmlns:p14="http://schemas.microsoft.com/office/powerpoint/2010/main" val="4187790313"/>
+              </p:ext>
+            </p:extLst>
+          </p:nvPr>
+        </p:nvGraphicFramePr>
+        <p:xfrm>
+          <a:off x="311700" y="1420402"/>
+          <a:ext cx="8629100" cy="5377353"/>
+        </p:xfrm>
+        <a:graphic>
+          <a:graphicData uri="http://schemas.openxmlformats.org/drawingml/2006/table">
+            <a:tbl>
+              <a:tblPr firstRow="1" firstCol="1" bandRow="1">
+                <a:tableStyleId>{224C2084-A9EC-46D5-958B-77548C50E710}</a:tableStyleId>
+              </a:tblPr>
+              <a:tblGrid>
+                <a:gridCol w="2329900">
+                  <a:extLst>
+                    <a:ext uri="{9D8B030D-6E8A-4147-A177-3AD203B41FA5}">
+                      <a16:colId xmlns:a16="http://schemas.microsoft.com/office/drawing/2014/main" val="4266509130"/>
+                    </a:ext>
+                  </a:extLst>
+                </a:gridCol>
+                <a:gridCol w="756791">
+                  <a:extLst>
+                    <a:ext uri="{9D8B030D-6E8A-4147-A177-3AD203B41FA5}">
+                      <a16:colId xmlns:a16="http://schemas.microsoft.com/office/drawing/2014/main" val="3752690918"/>
+                    </a:ext>
+                  </a:extLst>
+                </a:gridCol>
+                <a:gridCol w="1049311">
+                  <a:extLst>
+                    <a:ext uri="{9D8B030D-6E8A-4147-A177-3AD203B41FA5}">
+                      <a16:colId xmlns:a16="http://schemas.microsoft.com/office/drawing/2014/main" val="1179953580"/>
+                    </a:ext>
+                  </a:extLst>
+                </a:gridCol>
+                <a:gridCol w="773272">
+                  <a:extLst>
+                    <a:ext uri="{9D8B030D-6E8A-4147-A177-3AD203B41FA5}">
+                      <a16:colId xmlns:a16="http://schemas.microsoft.com/office/drawing/2014/main" val="1142666351"/>
+                    </a:ext>
+                  </a:extLst>
+                </a:gridCol>
+                <a:gridCol w="1254054">
+                  <a:extLst>
+                    <a:ext uri="{9D8B030D-6E8A-4147-A177-3AD203B41FA5}">
+                      <a16:colId xmlns:a16="http://schemas.microsoft.com/office/drawing/2014/main" val="2023968056"/>
+                    </a:ext>
+                  </a:extLst>
+                </a:gridCol>
+                <a:gridCol w="901237">
+                  <a:extLst>
+                    <a:ext uri="{9D8B030D-6E8A-4147-A177-3AD203B41FA5}">
+                      <a16:colId xmlns:a16="http://schemas.microsoft.com/office/drawing/2014/main" val="1213973260"/>
+                    </a:ext>
+                  </a:extLst>
+                </a:gridCol>
+                <a:gridCol w="1564535">
+                  <a:extLst>
+                    <a:ext uri="{9D8B030D-6E8A-4147-A177-3AD203B41FA5}">
+                      <a16:colId xmlns:a16="http://schemas.microsoft.com/office/drawing/2014/main" val="549680009"/>
+                    </a:ext>
+                  </a:extLst>
+                </a:gridCol>
+              </a:tblGrid>
+              <a:tr h="483063">
+                <a:tc>
+                  <a:txBody>
+                    <a:bodyPr/>
+                    <a:lstStyle/>
+                    <a:p>
+                      <a:pPr>
+                        <a:lnSpc>
+                          <a:spcPct val="150000"/>
+                        </a:lnSpc>
+                        <a:spcAft>
+                          <a:spcPts val="0"/>
+                        </a:spcAft>
+                      </a:pPr>
+                      <a:r>
+                        <a:rPr lang="ru-RU" sz="1800" dirty="0">
+                          <a:effectLst/>
+                          <a:latin typeface="+mn-lt"/>
+                        </a:rPr>
+                        <a:t>Текст</a:t>
+                      </a:r>
+                      <a:endParaRPr lang="en-US" sz="1800" dirty="0">
+                        <a:effectLst/>
+                        <a:latin typeface="+mn-lt"/>
+                        <a:ea typeface="Calibri" panose="020F0502020204030204" pitchFamily="34" charset="0"/>
+                        <a:cs typeface="Times New Roman" panose="02020603050405020304" pitchFamily="18" charset="0"/>
+                      </a:endParaRPr>
+                    </a:p>
+                  </a:txBody>
+                  <a:tcPr marL="68580" marR="68580" marT="0" marB="0" anchor="ctr"/>
+                </a:tc>
+                <a:tc>
+                  <a:txBody>
+                    <a:bodyPr/>
+                    <a:lstStyle/>
+                    <a:p>
+                      <a:pPr>
+                        <a:lnSpc>
+                          <a:spcPct val="150000"/>
+                        </a:lnSpc>
+                        <a:spcAft>
+                          <a:spcPts val="0"/>
+                        </a:spcAft>
+                      </a:pPr>
+                      <a:endParaRPr lang="ru-RU" sz="1800">
+                        <a:effectLst/>
+                        <a:latin typeface="+mn-lt"/>
+                        <a:ea typeface="Times New Roman" panose="02020603050405020304" pitchFamily="18" charset="0"/>
+                        <a:cs typeface="Times New Roman" panose="02020603050405020304" pitchFamily="18" charset="0"/>
+                      </a:endParaRPr>
+                    </a:p>
+                  </a:txBody>
+                  <a:tcPr marL="68580" marR="68580" marT="0" marB="0" anchor="ctr"/>
+                </a:tc>
+                <a:tc>
+                  <a:txBody>
+                    <a:bodyPr/>
+                    <a:lstStyle/>
+                    <a:p>
+                      <a:pPr>
+                        <a:lnSpc>
+                          <a:spcPct val="150000"/>
+                        </a:lnSpc>
+                        <a:spcAft>
+                          <a:spcPts val="0"/>
+                        </a:spcAft>
+                      </a:pPr>
+                      <a:endParaRPr lang="ru-RU" sz="1800">
+                        <a:effectLst/>
+                        <a:latin typeface="+mn-lt"/>
+                        <a:ea typeface="Times New Roman" panose="02020603050405020304" pitchFamily="18" charset="0"/>
+                        <a:cs typeface="Times New Roman" panose="02020603050405020304" pitchFamily="18" charset="0"/>
+                      </a:endParaRPr>
+                    </a:p>
+                  </a:txBody>
+                  <a:tcPr marL="68580" marR="68580" marT="0" marB="0" anchor="ctr"/>
+                </a:tc>
+                <a:tc>
+                  <a:txBody>
+                    <a:bodyPr/>
+                    <a:lstStyle/>
+                    <a:p>
+                      <a:pPr>
+                        <a:lnSpc>
+                          <a:spcPct val="150000"/>
+                        </a:lnSpc>
+                        <a:spcAft>
+                          <a:spcPts val="0"/>
+                        </a:spcAft>
+                      </a:pPr>
+                      <a:endParaRPr lang="ru-RU" sz="1800">
+                        <a:effectLst/>
+                        <a:latin typeface="+mn-lt"/>
+                        <a:ea typeface="Times New Roman" panose="02020603050405020304" pitchFamily="18" charset="0"/>
+                        <a:cs typeface="Times New Roman" panose="02020603050405020304" pitchFamily="18" charset="0"/>
+                      </a:endParaRPr>
+                    </a:p>
+                  </a:txBody>
+                  <a:tcPr marL="68580" marR="68580" marT="0" marB="0" anchor="ctr"/>
+                </a:tc>
+                <a:tc>
+                  <a:txBody>
+                    <a:bodyPr/>
+                    <a:lstStyle/>
+                    <a:p>
+                      <a:pPr>
+                        <a:lnSpc>
+                          <a:spcPct val="150000"/>
+                        </a:lnSpc>
+                        <a:spcAft>
+                          <a:spcPts val="0"/>
+                        </a:spcAft>
+                      </a:pPr>
+                      <a:endParaRPr lang="ru-RU" sz="1800">
+                        <a:effectLst/>
+                        <a:latin typeface="+mn-lt"/>
+                        <a:ea typeface="Times New Roman" panose="02020603050405020304" pitchFamily="18" charset="0"/>
+                        <a:cs typeface="Times New Roman" panose="02020603050405020304" pitchFamily="18" charset="0"/>
+                      </a:endParaRPr>
+                    </a:p>
+                  </a:txBody>
+                  <a:tcPr marL="68580" marR="68580" marT="0" marB="0" anchor="ctr"/>
+                </a:tc>
+                <a:tc>
+                  <a:txBody>
+                    <a:bodyPr/>
+                    <a:lstStyle/>
+                    <a:p>
+                      <a:pPr>
+                        <a:lnSpc>
+                          <a:spcPct val="150000"/>
+                        </a:lnSpc>
+                        <a:spcAft>
+                          <a:spcPts val="0"/>
+                        </a:spcAft>
+                      </a:pPr>
+                      <a:endParaRPr lang="ru-RU" sz="1800">
+                        <a:effectLst/>
+                        <a:latin typeface="+mn-lt"/>
+                        <a:ea typeface="Times New Roman" panose="02020603050405020304" pitchFamily="18" charset="0"/>
+                        <a:cs typeface="Times New Roman" panose="02020603050405020304" pitchFamily="18" charset="0"/>
+                      </a:endParaRPr>
+                    </a:p>
+                  </a:txBody>
+                  <a:tcPr marL="68580" marR="68580" marT="0" marB="0" anchor="ctr"/>
+                </a:tc>
+                <a:tc>
+                  <a:txBody>
+                    <a:bodyPr/>
+                    <a:lstStyle/>
+                    <a:p>
+                      <a:pPr>
+                        <a:lnSpc>
+                          <a:spcPct val="150000"/>
+                        </a:lnSpc>
+                        <a:spcAft>
+                          <a:spcPts val="0"/>
+                        </a:spcAft>
+                      </a:pPr>
+                      <a:endParaRPr lang="ru-RU" sz="1800">
+                        <a:effectLst/>
+                        <a:latin typeface="+mn-lt"/>
+                        <a:ea typeface="Times New Roman" panose="02020603050405020304" pitchFamily="18" charset="0"/>
+                        <a:cs typeface="Times New Roman" panose="02020603050405020304" pitchFamily="18" charset="0"/>
+                      </a:endParaRPr>
+                    </a:p>
+                  </a:txBody>
+                  <a:tcPr marL="68580" marR="68580" marT="0" marB="0" anchor="ctr"/>
+                </a:tc>
+                <a:extLst>
+                  <a:ext uri="{0D108BD9-81ED-4DB2-BD59-A6C34878D82A}">
+                    <a16:rowId xmlns:a16="http://schemas.microsoft.com/office/drawing/2014/main" val="2943943569"/>
+                  </a:ext>
+                </a:extLst>
+              </a:tr>
+              <a:tr h="1086682">
+                <a:tc>
+                  <a:txBody>
+                    <a:bodyPr/>
+                    <a:lstStyle/>
+                    <a:p>
+                      <a:pPr algn="l">
+                        <a:lnSpc>
+                          <a:spcPct val="150000"/>
+                        </a:lnSpc>
+                        <a:spcAft>
+                          <a:spcPts val="0"/>
+                        </a:spcAft>
+                      </a:pPr>
+                      <a:r>
+                        <a:rPr lang="ru-RU" sz="1800">
+                          <a:effectLst/>
+                          <a:latin typeface="+mn-lt"/>
+                        </a:rPr>
+                        <a:t>Псевдонаучная статья «Корчеватель»</a:t>
+                      </a:r>
+                      <a:endParaRPr lang="en-US" sz="1800">
+                        <a:effectLst/>
+                        <a:latin typeface="+mn-lt"/>
+                        <a:ea typeface="Calibri" panose="020F0502020204030204" pitchFamily="34" charset="0"/>
+                        <a:cs typeface="Times New Roman" panose="02020603050405020304" pitchFamily="18" charset="0"/>
+                      </a:endParaRPr>
+                    </a:p>
+                  </a:txBody>
+                  <a:tcPr marL="68580" marR="68580" marT="0" marB="0"/>
+                </a:tc>
+                <a:tc>
+                  <a:txBody>
+                    <a:bodyPr/>
+                    <a:lstStyle/>
+                    <a:p>
+                      <a:pPr algn="just">
+                        <a:lnSpc>
+                          <a:spcPct val="150000"/>
+                        </a:lnSpc>
+                        <a:spcAft>
+                          <a:spcPts val="0"/>
+                        </a:spcAft>
+                      </a:pPr>
+                      <a:r>
+                        <a:rPr lang="ru-RU" sz="1800">
+                          <a:effectLst/>
+                          <a:latin typeface="+mn-lt"/>
+                        </a:rPr>
+                        <a:t>10.38</a:t>
+                      </a:r>
+                      <a:endParaRPr lang="en-US" sz="1800">
+                        <a:effectLst/>
+                        <a:latin typeface="+mn-lt"/>
+                        <a:ea typeface="Calibri" panose="020F0502020204030204" pitchFamily="34" charset="0"/>
+                        <a:cs typeface="Times New Roman" panose="02020603050405020304" pitchFamily="18" charset="0"/>
+                      </a:endParaRPr>
+                    </a:p>
+                  </a:txBody>
+                  <a:tcPr marL="68580" marR="68580" marT="0" marB="0"/>
+                </a:tc>
+                <a:tc>
+                  <a:txBody>
+                    <a:bodyPr/>
+                    <a:lstStyle/>
+                    <a:p>
+                      <a:pPr algn="just">
+                        <a:lnSpc>
+                          <a:spcPct val="150000"/>
+                        </a:lnSpc>
+                        <a:spcAft>
+                          <a:spcPts val="0"/>
+                        </a:spcAft>
+                      </a:pPr>
+                      <a:r>
+                        <a:rPr lang="ru-RU" sz="1800" dirty="0">
+                          <a:effectLst/>
+                          <a:latin typeface="+mn-lt"/>
+                        </a:rPr>
+                        <a:t>Да</a:t>
+                      </a:r>
+                      <a:endParaRPr lang="en-US" sz="1800" dirty="0">
+                        <a:effectLst/>
+                        <a:latin typeface="+mn-lt"/>
+                        <a:ea typeface="Calibri" panose="020F0502020204030204" pitchFamily="34" charset="0"/>
+                        <a:cs typeface="Times New Roman" panose="02020603050405020304" pitchFamily="18" charset="0"/>
+                      </a:endParaRPr>
+                    </a:p>
+                  </a:txBody>
+                  <a:tcPr marL="68580" marR="68580" marT="0" marB="0">
+                    <a:solidFill>
+                      <a:schemeClr val="accent6">
+                        <a:lumMod val="75000"/>
+                      </a:schemeClr>
+                    </a:solidFill>
+                  </a:tcPr>
+                </a:tc>
+                <a:tc>
+                  <a:txBody>
+                    <a:bodyPr/>
+                    <a:lstStyle/>
+                    <a:p>
+                      <a:pPr algn="just">
+                        <a:lnSpc>
+                          <a:spcPct val="150000"/>
+                        </a:lnSpc>
+                        <a:spcAft>
+                          <a:spcPts val="0"/>
+                        </a:spcAft>
+                      </a:pPr>
+                      <a:r>
+                        <a:rPr lang="ru-RU" sz="1800" dirty="0">
+                          <a:effectLst/>
+                          <a:latin typeface="+mn-lt"/>
+                        </a:rPr>
+                        <a:t>18.50</a:t>
+                      </a:r>
+                      <a:endParaRPr lang="en-US" sz="1800" dirty="0">
+                        <a:effectLst/>
+                        <a:latin typeface="+mn-lt"/>
+                        <a:ea typeface="Calibri" panose="020F0502020204030204" pitchFamily="34" charset="0"/>
+                        <a:cs typeface="Times New Roman" panose="02020603050405020304" pitchFamily="18" charset="0"/>
+                      </a:endParaRPr>
+                    </a:p>
+                  </a:txBody>
+                  <a:tcPr marL="68580" marR="68580" marT="0" marB="0"/>
+                </a:tc>
+                <a:tc>
+                  <a:txBody>
+                    <a:bodyPr/>
+                    <a:lstStyle/>
+                    <a:p>
+                      <a:pPr algn="just">
+                        <a:lnSpc>
+                          <a:spcPct val="150000"/>
+                        </a:lnSpc>
+                        <a:spcAft>
+                          <a:spcPts val="0"/>
+                        </a:spcAft>
+                      </a:pPr>
+                      <a:r>
+                        <a:rPr lang="ru-RU" sz="1800" dirty="0">
+                          <a:effectLst/>
+                          <a:latin typeface="+mn-lt"/>
+                        </a:rPr>
+                        <a:t>Да</a:t>
+                      </a:r>
+                      <a:endParaRPr lang="en-US" sz="1800" dirty="0">
+                        <a:effectLst/>
+                        <a:latin typeface="+mn-lt"/>
+                        <a:ea typeface="Calibri" panose="020F0502020204030204" pitchFamily="34" charset="0"/>
+                        <a:cs typeface="Times New Roman" panose="02020603050405020304" pitchFamily="18" charset="0"/>
+                      </a:endParaRPr>
+                    </a:p>
+                  </a:txBody>
+                  <a:tcPr marL="68580" marR="68580" marT="0" marB="0">
+                    <a:solidFill>
+                      <a:schemeClr val="accent6">
+                        <a:lumMod val="75000"/>
+                      </a:schemeClr>
+                    </a:solidFill>
+                  </a:tcPr>
+                </a:tc>
+                <a:tc>
+                  <a:txBody>
+                    <a:bodyPr/>
+                    <a:lstStyle/>
+                    <a:p>
+                      <a:pPr algn="just">
+                        <a:lnSpc>
+                          <a:spcPct val="150000"/>
+                        </a:lnSpc>
+                        <a:spcAft>
+                          <a:spcPts val="0"/>
+                        </a:spcAft>
+                      </a:pPr>
+                      <a:r>
+                        <a:rPr lang="ru-RU" sz="1800">
+                          <a:effectLst/>
+                          <a:latin typeface="+mn-lt"/>
+                        </a:rPr>
+                        <a:t>6.84</a:t>
+                      </a:r>
+                      <a:endParaRPr lang="en-US" sz="1800">
+                        <a:effectLst/>
+                        <a:latin typeface="+mn-lt"/>
+                        <a:ea typeface="Calibri" panose="020F0502020204030204" pitchFamily="34" charset="0"/>
+                        <a:cs typeface="Times New Roman" panose="02020603050405020304" pitchFamily="18" charset="0"/>
+                      </a:endParaRPr>
+                    </a:p>
+                  </a:txBody>
+                  <a:tcPr marL="68580" marR="68580" marT="0" marB="0"/>
+                </a:tc>
+                <a:tc>
+                  <a:txBody>
+                    <a:bodyPr/>
+                    <a:lstStyle/>
+                    <a:p>
+                      <a:pPr algn="just">
+                        <a:lnSpc>
+                          <a:spcPct val="150000"/>
+                        </a:lnSpc>
+                        <a:spcAft>
+                          <a:spcPts val="0"/>
+                        </a:spcAft>
+                      </a:pPr>
+                      <a:r>
+                        <a:rPr lang="ru-RU" sz="1800" dirty="0">
+                          <a:effectLst/>
+                          <a:latin typeface="+mn-lt"/>
+                        </a:rPr>
+                        <a:t>Да</a:t>
+                      </a:r>
+                      <a:endParaRPr lang="en-US" sz="1800" dirty="0">
+                        <a:effectLst/>
+                        <a:latin typeface="+mn-lt"/>
+                        <a:ea typeface="Calibri" panose="020F0502020204030204" pitchFamily="34" charset="0"/>
+                        <a:cs typeface="Times New Roman" panose="02020603050405020304" pitchFamily="18" charset="0"/>
+                      </a:endParaRPr>
+                    </a:p>
+                  </a:txBody>
+                  <a:tcPr marL="68580" marR="68580" marT="0" marB="0">
+                    <a:solidFill>
+                      <a:schemeClr val="accent6">
+                        <a:lumMod val="75000"/>
+                      </a:schemeClr>
+                    </a:solidFill>
+                  </a:tcPr>
+                </a:tc>
+                <a:extLst>
+                  <a:ext uri="{0D108BD9-81ED-4DB2-BD59-A6C34878D82A}">
+                    <a16:rowId xmlns:a16="http://schemas.microsoft.com/office/drawing/2014/main" val="484194768"/>
+                  </a:ext>
+                </a:extLst>
+              </a:tr>
+              <a:tr h="1464456">
+                <a:tc>
+                  <a:txBody>
+                    <a:bodyPr/>
+                    <a:lstStyle/>
+                    <a:p>
+                      <a:pPr algn="l">
+                        <a:lnSpc>
+                          <a:spcPct val="150000"/>
+                        </a:lnSpc>
+                        <a:spcAft>
+                          <a:spcPts val="0"/>
+                        </a:spcAft>
+                      </a:pPr>
+                      <a:r>
+                        <a:rPr lang="ru-RU" sz="1800" dirty="0">
+                          <a:effectLst/>
+                          <a:latin typeface="+mn-lt"/>
+                        </a:rPr>
+                        <a:t>Интернет-статья «Моё разочарование в софте»</a:t>
+                      </a:r>
+                      <a:endParaRPr lang="en-US" sz="1800" dirty="0">
+                        <a:effectLst/>
+                        <a:latin typeface="+mn-lt"/>
+                        <a:ea typeface="Calibri" panose="020F0502020204030204" pitchFamily="34" charset="0"/>
+                        <a:cs typeface="Times New Roman" panose="02020603050405020304" pitchFamily="18" charset="0"/>
+                      </a:endParaRPr>
+                    </a:p>
+                  </a:txBody>
+                  <a:tcPr marL="68580" marR="68580" marT="0" marB="0"/>
+                </a:tc>
+                <a:tc>
+                  <a:txBody>
+                    <a:bodyPr/>
+                    <a:lstStyle/>
+                    <a:p>
+                      <a:pPr algn="just">
+                        <a:lnSpc>
+                          <a:spcPct val="150000"/>
+                        </a:lnSpc>
+                        <a:spcAft>
+                          <a:spcPts val="0"/>
+                        </a:spcAft>
+                      </a:pPr>
+                      <a:r>
+                        <a:rPr lang="ru-RU" sz="1800">
+                          <a:effectLst/>
+                          <a:latin typeface="+mn-lt"/>
+                        </a:rPr>
+                        <a:t>3.66</a:t>
+                      </a:r>
+                      <a:endParaRPr lang="en-US" sz="1800">
+                        <a:effectLst/>
+                        <a:latin typeface="+mn-lt"/>
+                        <a:ea typeface="Calibri" panose="020F0502020204030204" pitchFamily="34" charset="0"/>
+                        <a:cs typeface="Times New Roman" panose="02020603050405020304" pitchFamily="18" charset="0"/>
+                      </a:endParaRPr>
+                    </a:p>
+                  </a:txBody>
+                  <a:tcPr marL="68580" marR="68580" marT="0" marB="0"/>
+                </a:tc>
+                <a:tc>
+                  <a:txBody>
+                    <a:bodyPr/>
+                    <a:lstStyle/>
+                    <a:p>
+                      <a:pPr algn="just">
+                        <a:lnSpc>
+                          <a:spcPct val="150000"/>
+                        </a:lnSpc>
+                        <a:spcAft>
+                          <a:spcPts val="0"/>
+                        </a:spcAft>
+                      </a:pPr>
+                      <a:r>
+                        <a:rPr lang="ru-RU" sz="1800" dirty="0">
+                          <a:effectLst/>
+                          <a:latin typeface="+mn-lt"/>
+                        </a:rPr>
+                        <a:t>Нет</a:t>
+                      </a:r>
+                      <a:endParaRPr lang="en-US" sz="1800" dirty="0">
+                        <a:effectLst/>
+                        <a:latin typeface="+mn-lt"/>
+                        <a:ea typeface="Calibri" panose="020F0502020204030204" pitchFamily="34" charset="0"/>
+                        <a:cs typeface="Times New Roman" panose="02020603050405020304" pitchFamily="18" charset="0"/>
+                      </a:endParaRPr>
+                    </a:p>
+                  </a:txBody>
+                  <a:tcPr marL="68580" marR="68580" marT="0" marB="0">
+                    <a:solidFill>
+                      <a:srgbClr val="FF0000"/>
+                    </a:solidFill>
+                  </a:tcPr>
+                </a:tc>
+                <a:tc>
+                  <a:txBody>
+                    <a:bodyPr/>
+                    <a:lstStyle/>
+                    <a:p>
+                      <a:pPr algn="just">
+                        <a:lnSpc>
+                          <a:spcPct val="150000"/>
+                        </a:lnSpc>
+                        <a:spcAft>
+                          <a:spcPts val="0"/>
+                        </a:spcAft>
+                      </a:pPr>
+                      <a:r>
+                        <a:rPr lang="ru-RU" sz="1800">
+                          <a:effectLst/>
+                          <a:latin typeface="+mn-lt"/>
+                        </a:rPr>
+                        <a:t>31.68</a:t>
+                      </a:r>
+                      <a:endParaRPr lang="en-US" sz="1800">
+                        <a:effectLst/>
+                        <a:latin typeface="+mn-lt"/>
+                        <a:ea typeface="Calibri" panose="020F0502020204030204" pitchFamily="34" charset="0"/>
+                        <a:cs typeface="Times New Roman" panose="02020603050405020304" pitchFamily="18" charset="0"/>
+                      </a:endParaRPr>
+                    </a:p>
+                  </a:txBody>
+                  <a:tcPr marL="68580" marR="68580" marT="0" marB="0"/>
+                </a:tc>
+                <a:tc>
+                  <a:txBody>
+                    <a:bodyPr/>
+                    <a:lstStyle/>
+                    <a:p>
+                      <a:pPr algn="just">
+                        <a:lnSpc>
+                          <a:spcPct val="150000"/>
+                        </a:lnSpc>
+                        <a:spcAft>
+                          <a:spcPts val="0"/>
+                        </a:spcAft>
+                      </a:pPr>
+                      <a:r>
+                        <a:rPr lang="ru-RU" sz="1800" dirty="0">
+                          <a:effectLst/>
+                          <a:latin typeface="+mn-lt"/>
+                        </a:rPr>
+                        <a:t>Нет</a:t>
+                      </a:r>
+                      <a:endParaRPr lang="en-US" sz="1800" dirty="0">
+                        <a:effectLst/>
+                        <a:latin typeface="+mn-lt"/>
+                        <a:ea typeface="Calibri" panose="020F0502020204030204" pitchFamily="34" charset="0"/>
+                        <a:cs typeface="Times New Roman" panose="02020603050405020304" pitchFamily="18" charset="0"/>
+                      </a:endParaRPr>
+                    </a:p>
+                  </a:txBody>
+                  <a:tcPr marL="68580" marR="68580" marT="0" marB="0">
+                    <a:solidFill>
+                      <a:srgbClr val="FF0000"/>
+                    </a:solidFill>
+                  </a:tcPr>
+                </a:tc>
+                <a:tc>
+                  <a:txBody>
+                    <a:bodyPr/>
+                    <a:lstStyle/>
+                    <a:p>
+                      <a:pPr algn="just">
+                        <a:lnSpc>
+                          <a:spcPct val="150000"/>
+                        </a:lnSpc>
+                        <a:spcAft>
+                          <a:spcPts val="0"/>
+                        </a:spcAft>
+                      </a:pPr>
+                      <a:r>
+                        <a:rPr lang="ru-RU" sz="1800">
+                          <a:effectLst/>
+                          <a:latin typeface="+mn-lt"/>
+                        </a:rPr>
+                        <a:t>5.35</a:t>
+                      </a:r>
+                      <a:endParaRPr lang="en-US" sz="1800">
+                        <a:effectLst/>
+                        <a:latin typeface="+mn-lt"/>
+                        <a:ea typeface="Calibri" panose="020F0502020204030204" pitchFamily="34" charset="0"/>
+                        <a:cs typeface="Times New Roman" panose="02020603050405020304" pitchFamily="18" charset="0"/>
+                      </a:endParaRPr>
+                    </a:p>
+                  </a:txBody>
+                  <a:tcPr marL="68580" marR="68580" marT="0" marB="0"/>
+                </a:tc>
+                <a:tc>
+                  <a:txBody>
+                    <a:bodyPr/>
+                    <a:lstStyle/>
+                    <a:p>
+                      <a:pPr algn="just">
+                        <a:lnSpc>
+                          <a:spcPct val="150000"/>
+                        </a:lnSpc>
+                        <a:spcAft>
+                          <a:spcPts val="0"/>
+                        </a:spcAft>
+                      </a:pPr>
+                      <a:r>
+                        <a:rPr lang="ru-RU" sz="1800" dirty="0">
+                          <a:effectLst/>
+                          <a:latin typeface="+mn-lt"/>
+                        </a:rPr>
+                        <a:t>Нет</a:t>
+                      </a:r>
+                      <a:endParaRPr lang="en-US" sz="1800" dirty="0">
+                        <a:effectLst/>
+                        <a:latin typeface="+mn-lt"/>
+                        <a:ea typeface="Calibri" panose="020F0502020204030204" pitchFamily="34" charset="0"/>
+                        <a:cs typeface="Times New Roman" panose="02020603050405020304" pitchFamily="18" charset="0"/>
+                      </a:endParaRPr>
+                    </a:p>
+                  </a:txBody>
+                  <a:tcPr marL="68580" marR="68580" marT="0" marB="0">
+                    <a:solidFill>
+                      <a:srgbClr val="FF0000"/>
+                    </a:solidFill>
+                  </a:tcPr>
+                </a:tc>
+                <a:extLst>
+                  <a:ext uri="{0D108BD9-81ED-4DB2-BD59-A6C34878D82A}">
+                    <a16:rowId xmlns:a16="http://schemas.microsoft.com/office/drawing/2014/main" val="2053107158"/>
+                  </a:ext>
+                </a:extLst>
+              </a:tr>
+              <a:tr h="1057765">
+                <a:tc>
+                  <a:txBody>
+                    <a:bodyPr/>
+                    <a:lstStyle/>
+                    <a:p>
+                      <a:pPr algn="l">
+                        <a:lnSpc>
+                          <a:spcPct val="150000"/>
+                        </a:lnSpc>
+                        <a:spcAft>
+                          <a:spcPts val="0"/>
+                        </a:spcAft>
+                      </a:pPr>
+                      <a:r>
+                        <a:rPr lang="ru-RU" sz="1800" dirty="0">
+                          <a:effectLst/>
+                          <a:latin typeface="+mn-lt"/>
+                          <a:ea typeface="Times New Roman" panose="02020603050405020304" pitchFamily="18" charset="0"/>
+                          <a:cs typeface="Times New Roman" panose="02020603050405020304" pitchFamily="18" charset="0"/>
+                        </a:rPr>
+                        <a:t>«Капитал» Карла Маркса</a:t>
+                      </a:r>
+                      <a:endParaRPr lang="en-US" sz="1800" dirty="0">
+                        <a:effectLst/>
+                        <a:latin typeface="+mn-lt"/>
+                        <a:ea typeface="Calibri" panose="020F0502020204030204" pitchFamily="34" charset="0"/>
+                        <a:cs typeface="Times New Roman" panose="02020603050405020304" pitchFamily="18" charset="0"/>
+                      </a:endParaRPr>
+                    </a:p>
+                  </a:txBody>
+                  <a:tcPr marL="68580" marR="68580" marT="0" marB="0"/>
+                </a:tc>
+                <a:tc>
+                  <a:txBody>
+                    <a:bodyPr/>
+                    <a:lstStyle/>
+                    <a:p>
+                      <a:pPr algn="just">
+                        <a:lnSpc>
+                          <a:spcPct val="150000"/>
+                        </a:lnSpc>
+                        <a:spcAft>
+                          <a:spcPts val="0"/>
+                        </a:spcAft>
+                      </a:pPr>
+                      <a:r>
+                        <a:rPr lang="ru-RU" sz="1800">
+                          <a:effectLst/>
+                          <a:latin typeface="+mn-lt"/>
+                          <a:ea typeface="Calibri" panose="020F0502020204030204" pitchFamily="34" charset="0"/>
+                          <a:cs typeface="Times New Roman" panose="02020603050405020304" pitchFamily="18" charset="0"/>
+                        </a:rPr>
+                        <a:t>5.84</a:t>
+                      </a:r>
+                      <a:endParaRPr lang="en-US" sz="1800">
+                        <a:effectLst/>
+                        <a:latin typeface="+mn-lt"/>
+                        <a:ea typeface="Calibri" panose="020F0502020204030204" pitchFamily="34" charset="0"/>
+                        <a:cs typeface="Times New Roman" panose="02020603050405020304" pitchFamily="18" charset="0"/>
+                      </a:endParaRPr>
+                    </a:p>
+                  </a:txBody>
+                  <a:tcPr marL="68580" marR="68580" marT="0" marB="0"/>
+                </a:tc>
+                <a:tc>
+                  <a:txBody>
+                    <a:bodyPr/>
+                    <a:lstStyle/>
+                    <a:p>
+                      <a:pPr algn="just">
+                        <a:lnSpc>
+                          <a:spcPct val="150000"/>
+                        </a:lnSpc>
+                        <a:spcAft>
+                          <a:spcPts val="0"/>
+                        </a:spcAft>
+                      </a:pPr>
+                      <a:r>
+                        <a:rPr lang="ru-RU" sz="1800" dirty="0">
+                          <a:effectLst/>
+                          <a:latin typeface="+mn-lt"/>
+                          <a:ea typeface="Times New Roman" panose="02020603050405020304" pitchFamily="18" charset="0"/>
+                          <a:cs typeface="Times New Roman" panose="02020603050405020304" pitchFamily="18" charset="0"/>
+                        </a:rPr>
+                        <a:t>Нет</a:t>
+                      </a:r>
+                      <a:endParaRPr lang="en-US" sz="1800" dirty="0">
+                        <a:effectLst/>
+                        <a:latin typeface="+mn-lt"/>
+                        <a:ea typeface="Calibri" panose="020F0502020204030204" pitchFamily="34" charset="0"/>
+                        <a:cs typeface="Times New Roman" panose="02020603050405020304" pitchFamily="18" charset="0"/>
+                      </a:endParaRPr>
+                    </a:p>
+                  </a:txBody>
+                  <a:tcPr marL="68580" marR="68580" marT="0" marB="0">
+                    <a:solidFill>
+                      <a:srgbClr val="FF0000"/>
+                    </a:solidFill>
+                  </a:tcPr>
+                </a:tc>
+                <a:tc>
+                  <a:txBody>
+                    <a:bodyPr/>
+                    <a:lstStyle/>
+                    <a:p>
+                      <a:pPr algn="just">
+                        <a:lnSpc>
+                          <a:spcPct val="150000"/>
+                        </a:lnSpc>
+                        <a:spcAft>
+                          <a:spcPts val="0"/>
+                        </a:spcAft>
+                      </a:pPr>
+                      <a:r>
+                        <a:rPr lang="ru-RU" sz="1800">
+                          <a:effectLst/>
+                          <a:latin typeface="+mn-lt"/>
+                          <a:ea typeface="Calibri" panose="020F0502020204030204" pitchFamily="34" charset="0"/>
+                          <a:cs typeface="Times New Roman" panose="02020603050405020304" pitchFamily="18" charset="0"/>
+                        </a:rPr>
+                        <a:t>28.94</a:t>
+                      </a:r>
+                      <a:endParaRPr lang="en-US" sz="1800">
+                        <a:effectLst/>
+                        <a:latin typeface="+mn-lt"/>
+                        <a:ea typeface="Calibri" panose="020F0502020204030204" pitchFamily="34" charset="0"/>
+                        <a:cs typeface="Times New Roman" panose="02020603050405020304" pitchFamily="18" charset="0"/>
+                      </a:endParaRPr>
+                    </a:p>
+                  </a:txBody>
+                  <a:tcPr marL="68580" marR="68580" marT="0" marB="0"/>
+                </a:tc>
+                <a:tc>
+                  <a:txBody>
+                    <a:bodyPr/>
+                    <a:lstStyle/>
+                    <a:p>
+                      <a:pPr algn="just">
+                        <a:lnSpc>
+                          <a:spcPct val="150000"/>
+                        </a:lnSpc>
+                        <a:spcAft>
+                          <a:spcPts val="0"/>
+                        </a:spcAft>
+                      </a:pPr>
+                      <a:r>
+                        <a:rPr lang="ru-RU" sz="1800">
+                          <a:effectLst/>
+                          <a:latin typeface="+mn-lt"/>
+                          <a:ea typeface="Times New Roman" panose="02020603050405020304" pitchFamily="18" charset="0"/>
+                          <a:cs typeface="Times New Roman" panose="02020603050405020304" pitchFamily="18" charset="0"/>
+                        </a:rPr>
+                        <a:t>Нет</a:t>
+                      </a:r>
+                      <a:endParaRPr lang="en-US" sz="1800">
+                        <a:effectLst/>
+                        <a:latin typeface="+mn-lt"/>
+                        <a:ea typeface="Calibri" panose="020F0502020204030204" pitchFamily="34" charset="0"/>
+                        <a:cs typeface="Times New Roman" panose="02020603050405020304" pitchFamily="18" charset="0"/>
+                      </a:endParaRPr>
+                    </a:p>
+                  </a:txBody>
+                  <a:tcPr marL="68580" marR="68580" marT="0" marB="0">
+                    <a:solidFill>
+                      <a:srgbClr val="FF0000"/>
+                    </a:solidFill>
+                  </a:tcPr>
+                </a:tc>
+                <a:tc>
+                  <a:txBody>
+                    <a:bodyPr/>
+                    <a:lstStyle/>
+                    <a:p>
+                      <a:pPr algn="just">
+                        <a:lnSpc>
+                          <a:spcPct val="150000"/>
+                        </a:lnSpc>
+                        <a:spcAft>
+                          <a:spcPts val="0"/>
+                        </a:spcAft>
+                      </a:pPr>
+                      <a:r>
+                        <a:rPr lang="ru-RU" sz="1800">
+                          <a:effectLst/>
+                          <a:latin typeface="+mn-lt"/>
+                          <a:ea typeface="Calibri" panose="020F0502020204030204" pitchFamily="34" charset="0"/>
+                          <a:cs typeface="Times New Roman" panose="02020603050405020304" pitchFamily="18" charset="0"/>
+                        </a:rPr>
+                        <a:t>138.22</a:t>
+                      </a:r>
+                      <a:endParaRPr lang="en-US" sz="1800">
+                        <a:effectLst/>
+                        <a:latin typeface="+mn-lt"/>
+                        <a:ea typeface="Calibri" panose="020F0502020204030204" pitchFamily="34" charset="0"/>
+                        <a:cs typeface="Times New Roman" panose="02020603050405020304" pitchFamily="18" charset="0"/>
+                      </a:endParaRPr>
+                    </a:p>
+                  </a:txBody>
+                  <a:tcPr marL="68580" marR="68580" marT="0" marB="0"/>
+                </a:tc>
+                <a:tc>
+                  <a:txBody>
+                    <a:bodyPr/>
+                    <a:lstStyle/>
+                    <a:p>
+                      <a:pPr algn="just">
+                        <a:lnSpc>
+                          <a:spcPct val="150000"/>
+                        </a:lnSpc>
+                        <a:spcAft>
+                          <a:spcPts val="0"/>
+                        </a:spcAft>
+                      </a:pPr>
+                      <a:r>
+                        <a:rPr lang="ru-RU" sz="1800">
+                          <a:effectLst/>
+                          <a:latin typeface="+mn-lt"/>
+                          <a:ea typeface="Times New Roman" panose="02020603050405020304" pitchFamily="18" charset="0"/>
+                          <a:cs typeface="Times New Roman" panose="02020603050405020304" pitchFamily="18" charset="0"/>
+                        </a:rPr>
+                        <a:t>Нет</a:t>
+                      </a:r>
+                      <a:endParaRPr lang="en-US" sz="1800">
+                        <a:effectLst/>
+                        <a:latin typeface="+mn-lt"/>
+                        <a:ea typeface="Calibri" panose="020F0502020204030204" pitchFamily="34" charset="0"/>
+                        <a:cs typeface="Times New Roman" panose="02020603050405020304" pitchFamily="18" charset="0"/>
+                      </a:endParaRPr>
+                    </a:p>
+                  </a:txBody>
+                  <a:tcPr marL="68580" marR="68580" marT="0" marB="0">
+                    <a:solidFill>
+                      <a:srgbClr val="FF0000"/>
+                    </a:solidFill>
+                  </a:tcPr>
+                </a:tc>
+                <a:extLst>
+                  <a:ext uri="{0D108BD9-81ED-4DB2-BD59-A6C34878D82A}">
+                    <a16:rowId xmlns:a16="http://schemas.microsoft.com/office/drawing/2014/main" val="2497561433"/>
+                  </a:ext>
+                </a:extLst>
+              </a:tr>
+              <a:tr h="1057765">
+                <a:tc>
+                  <a:txBody>
+                    <a:bodyPr/>
+                    <a:lstStyle/>
+                    <a:p>
+                      <a:pPr algn="l">
+                        <a:lnSpc>
+                          <a:spcPct val="150000"/>
+                        </a:lnSpc>
+                        <a:spcAft>
+                          <a:spcPts val="0"/>
+                        </a:spcAft>
+                      </a:pPr>
+                      <a:r>
+                        <a:rPr lang="ru-RU" sz="1800" dirty="0">
+                          <a:effectLst/>
+                          <a:latin typeface="+mn-lt"/>
+                          <a:ea typeface="Times New Roman" panose="02020603050405020304" pitchFamily="18" charset="0"/>
+                          <a:cs typeface="Times New Roman" panose="02020603050405020304" pitchFamily="18" charset="0"/>
+                        </a:rPr>
+                        <a:t>«Идиот» Фёдора Достоевского</a:t>
+                      </a:r>
+                      <a:endParaRPr lang="en-US" sz="1800" dirty="0">
+                        <a:effectLst/>
+                        <a:latin typeface="+mn-lt"/>
+                        <a:ea typeface="Calibri" panose="020F0502020204030204" pitchFamily="34" charset="0"/>
+                        <a:cs typeface="Times New Roman" panose="02020603050405020304" pitchFamily="18" charset="0"/>
+                      </a:endParaRPr>
+                    </a:p>
+                  </a:txBody>
+                  <a:tcPr marL="68580" marR="68580" marT="0" marB="0"/>
+                </a:tc>
+                <a:tc>
+                  <a:txBody>
+                    <a:bodyPr/>
+                    <a:lstStyle/>
+                    <a:p>
+                      <a:pPr algn="just">
+                        <a:lnSpc>
+                          <a:spcPct val="150000"/>
+                        </a:lnSpc>
+                        <a:spcAft>
+                          <a:spcPts val="0"/>
+                        </a:spcAft>
+                      </a:pPr>
+                      <a:r>
+                        <a:rPr lang="ru-RU" sz="1800">
+                          <a:effectLst/>
+                          <a:latin typeface="+mn-lt"/>
+                          <a:ea typeface="Calibri" panose="020F0502020204030204" pitchFamily="34" charset="0"/>
+                          <a:cs typeface="Times New Roman" panose="02020603050405020304" pitchFamily="18" charset="0"/>
+                        </a:rPr>
+                        <a:t>6.65</a:t>
+                      </a:r>
+                      <a:endParaRPr lang="en-US" sz="1800">
+                        <a:effectLst/>
+                        <a:latin typeface="+mn-lt"/>
+                        <a:ea typeface="Calibri" panose="020F0502020204030204" pitchFamily="34" charset="0"/>
+                        <a:cs typeface="Times New Roman" panose="02020603050405020304" pitchFamily="18" charset="0"/>
+                      </a:endParaRPr>
+                    </a:p>
+                  </a:txBody>
+                  <a:tcPr marL="68580" marR="68580" marT="0" marB="0"/>
+                </a:tc>
+                <a:tc>
+                  <a:txBody>
+                    <a:bodyPr/>
+                    <a:lstStyle/>
+                    <a:p>
+                      <a:pPr algn="just">
+                        <a:lnSpc>
+                          <a:spcPct val="150000"/>
+                        </a:lnSpc>
+                        <a:spcAft>
+                          <a:spcPts val="0"/>
+                        </a:spcAft>
+                      </a:pPr>
+                      <a:r>
+                        <a:rPr lang="ru-RU" sz="1800" dirty="0">
+                          <a:effectLst/>
+                          <a:latin typeface="+mn-lt"/>
+                          <a:ea typeface="Times New Roman" panose="02020603050405020304" pitchFamily="18" charset="0"/>
+                          <a:cs typeface="Times New Roman" panose="02020603050405020304" pitchFamily="18" charset="0"/>
+                        </a:rPr>
+                        <a:t>Да</a:t>
+                      </a:r>
+                      <a:endParaRPr lang="en-US" sz="1800" dirty="0">
+                        <a:effectLst/>
+                        <a:latin typeface="+mn-lt"/>
+                        <a:ea typeface="Calibri" panose="020F0502020204030204" pitchFamily="34" charset="0"/>
+                        <a:cs typeface="Times New Roman" panose="02020603050405020304" pitchFamily="18" charset="0"/>
+                      </a:endParaRPr>
+                    </a:p>
+                  </a:txBody>
+                  <a:tcPr marL="68580" marR="68580" marT="0" marB="0">
+                    <a:solidFill>
+                      <a:schemeClr val="accent6">
+                        <a:lumMod val="75000"/>
+                      </a:schemeClr>
+                    </a:solidFill>
+                  </a:tcPr>
+                </a:tc>
+                <a:tc>
+                  <a:txBody>
+                    <a:bodyPr/>
+                    <a:lstStyle/>
+                    <a:p>
+                      <a:pPr algn="just">
+                        <a:lnSpc>
+                          <a:spcPct val="150000"/>
+                        </a:lnSpc>
+                        <a:spcAft>
+                          <a:spcPts val="0"/>
+                        </a:spcAft>
+                      </a:pPr>
+                      <a:r>
+                        <a:rPr lang="ru-RU" sz="1800">
+                          <a:effectLst/>
+                          <a:latin typeface="+mn-lt"/>
+                          <a:ea typeface="Calibri" panose="020F0502020204030204" pitchFamily="34" charset="0"/>
+                          <a:cs typeface="Times New Roman" panose="02020603050405020304" pitchFamily="18" charset="0"/>
+                        </a:rPr>
+                        <a:t>45.65</a:t>
+                      </a:r>
+                      <a:endParaRPr lang="en-US" sz="1800">
+                        <a:effectLst/>
+                        <a:latin typeface="+mn-lt"/>
+                        <a:ea typeface="Calibri" panose="020F0502020204030204" pitchFamily="34" charset="0"/>
+                        <a:cs typeface="Times New Roman" panose="02020603050405020304" pitchFamily="18" charset="0"/>
+                      </a:endParaRPr>
+                    </a:p>
+                  </a:txBody>
+                  <a:tcPr marL="68580" marR="68580" marT="0" marB="0"/>
+                </a:tc>
+                <a:tc>
+                  <a:txBody>
+                    <a:bodyPr/>
+                    <a:lstStyle/>
+                    <a:p>
+                      <a:pPr algn="just">
+                        <a:lnSpc>
+                          <a:spcPct val="150000"/>
+                        </a:lnSpc>
+                        <a:spcAft>
+                          <a:spcPts val="0"/>
+                        </a:spcAft>
+                      </a:pPr>
+                      <a:r>
+                        <a:rPr lang="ru-RU" sz="1800" dirty="0">
+                          <a:effectLst/>
+                          <a:latin typeface="+mn-lt"/>
+                          <a:ea typeface="Times New Roman" panose="02020603050405020304" pitchFamily="18" charset="0"/>
+                          <a:cs typeface="Times New Roman" panose="02020603050405020304" pitchFamily="18" charset="0"/>
+                        </a:rPr>
+                        <a:t>Нет</a:t>
+                      </a:r>
+                      <a:endParaRPr lang="en-US" sz="1800" dirty="0">
+                        <a:effectLst/>
+                        <a:latin typeface="+mn-lt"/>
+                        <a:ea typeface="Calibri" panose="020F0502020204030204" pitchFamily="34" charset="0"/>
+                        <a:cs typeface="Times New Roman" panose="02020603050405020304" pitchFamily="18" charset="0"/>
+                      </a:endParaRPr>
+                    </a:p>
+                  </a:txBody>
+                  <a:tcPr marL="68580" marR="68580" marT="0" marB="0">
+                    <a:solidFill>
+                      <a:srgbClr val="FF0000"/>
+                    </a:solidFill>
+                  </a:tcPr>
+                </a:tc>
+                <a:tc>
+                  <a:txBody>
+                    <a:bodyPr/>
+                    <a:lstStyle/>
+                    <a:p>
+                      <a:pPr algn="just">
+                        <a:lnSpc>
+                          <a:spcPct val="150000"/>
+                        </a:lnSpc>
+                        <a:spcAft>
+                          <a:spcPts val="0"/>
+                        </a:spcAft>
+                      </a:pPr>
+                      <a:r>
+                        <a:rPr lang="ru-RU" sz="1800" dirty="0">
+                          <a:effectLst/>
+                          <a:latin typeface="+mn-lt"/>
+                          <a:ea typeface="Calibri" panose="020F0502020204030204" pitchFamily="34" charset="0"/>
+                          <a:cs typeface="Times New Roman" panose="02020603050405020304" pitchFamily="18" charset="0"/>
+                        </a:rPr>
+                        <a:t>53.12</a:t>
+                      </a:r>
+                      <a:endParaRPr lang="en-US" sz="1800" dirty="0">
+                        <a:effectLst/>
+                        <a:latin typeface="+mn-lt"/>
+                        <a:ea typeface="Calibri" panose="020F0502020204030204" pitchFamily="34" charset="0"/>
+                        <a:cs typeface="Times New Roman" panose="02020603050405020304" pitchFamily="18" charset="0"/>
+                      </a:endParaRPr>
+                    </a:p>
+                  </a:txBody>
+                  <a:tcPr marL="68580" marR="68580" marT="0" marB="0"/>
+                </a:tc>
+                <a:tc>
+                  <a:txBody>
+                    <a:bodyPr/>
+                    <a:lstStyle/>
+                    <a:p>
+                      <a:pPr algn="just">
+                        <a:lnSpc>
+                          <a:spcPct val="150000"/>
+                        </a:lnSpc>
+                        <a:spcAft>
+                          <a:spcPts val="0"/>
+                        </a:spcAft>
+                      </a:pPr>
+                      <a:r>
+                        <a:rPr lang="ru-RU" sz="1800" dirty="0">
+                          <a:effectLst/>
+                          <a:latin typeface="+mn-lt"/>
+                          <a:ea typeface="Times New Roman" panose="02020603050405020304" pitchFamily="18" charset="0"/>
+                          <a:cs typeface="Times New Roman" panose="02020603050405020304" pitchFamily="18" charset="0"/>
+                        </a:rPr>
+                        <a:t>Нет</a:t>
+                      </a:r>
+                      <a:endParaRPr lang="en-US" sz="1800" dirty="0">
+                        <a:effectLst/>
+                        <a:latin typeface="+mn-lt"/>
+                        <a:ea typeface="Calibri" panose="020F0502020204030204" pitchFamily="34" charset="0"/>
+                        <a:cs typeface="Times New Roman" panose="02020603050405020304" pitchFamily="18" charset="0"/>
+                      </a:endParaRPr>
+                    </a:p>
+                  </a:txBody>
+                  <a:tcPr marL="68580" marR="68580" marT="0" marB="0">
+                    <a:solidFill>
+                      <a:srgbClr val="FF0000"/>
+                    </a:solidFill>
+                  </a:tcPr>
+                </a:tc>
+                <a:extLst>
+                  <a:ext uri="{0D108BD9-81ED-4DB2-BD59-A6C34878D82A}">
+                    <a16:rowId xmlns:a16="http://schemas.microsoft.com/office/drawing/2014/main" val="151445017"/>
+                  </a:ext>
+                </a:extLst>
+              </a:tr>
+            </a:tbl>
+          </a:graphicData>
+        </a:graphic>
+      </p:graphicFrame>
+      <p:graphicFrame>
+        <p:nvGraphicFramePr>
+          <p:cNvPr id="36" name="Object 35">
+            <a:extLst>
+              <a:ext uri="{FF2B5EF4-FFF2-40B4-BE49-F238E27FC236}">
+                <a16:creationId xmlns:a16="http://schemas.microsoft.com/office/drawing/2014/main" id="{7B48B42D-C8F2-4B71-992E-C8C5F9CD3058}"/>
+              </a:ext>
+            </a:extLst>
+          </p:cNvPr>
+          <p:cNvGraphicFramePr>
+            <a:graphicFrameLocks noChangeAspect="1"/>
+          </p:cNvGraphicFramePr>
+          <p:nvPr>
+            <p:extLst>
+              <p:ext uri="{D42A27DB-BD31-4B8C-83A1-F6EECF244321}">
+                <p14:modId xmlns:p14="http://schemas.microsoft.com/office/powerpoint/2010/main" val="2115104297"/>
+              </p:ext>
+            </p:extLst>
+          </p:nvPr>
+        </p:nvGraphicFramePr>
+        <p:xfrm>
+          <a:off x="2820076" y="1537811"/>
+          <a:ext cx="316119" cy="296362"/>
+        </p:xfrm>
+        <a:graphic>
+          <a:graphicData uri="http://schemas.openxmlformats.org/presentationml/2006/ole">
+            <mc:AlternateContent xmlns:mc="http://schemas.openxmlformats.org/markup-compatibility/2006">
+              <mc:Choice xmlns:v="urn:schemas-microsoft-com:vml" Requires="v">
+                <p:oleObj spid="_x0000_s4183" name="Equation" r:id="rId4" imgW="152334" imgH="139639" progId="Equation.DSMT4">
+                  <p:embed/>
+                </p:oleObj>
+              </mc:Choice>
+              <mc:Fallback>
+                <p:oleObj name="Equation" r:id="rId4" imgW="152334" imgH="139639" progId="Equation.DSMT4">
+                  <p:embed/>
+                  <p:pic>
+                    <p:nvPicPr>
+                      <p:cNvPr id="0" name="Object 44"/>
+                      <p:cNvPicPr>
+                        <a:picLocks noChangeAspect="1" noChangeArrowheads="1"/>
+                      </p:cNvPicPr>
+                      <p:nvPr/>
+                    </p:nvPicPr>
+                    <p:blipFill>
+                      <a:blip r:embed="rId5">
+                        <a:extLst>
+                          <a:ext uri="{28A0092B-C50C-407E-A947-70E740481C1C}">
+                            <a14:useLocalDpi xmlns:a14="http://schemas.microsoft.com/office/drawing/2010/main" val="0"/>
+                          </a:ext>
+                        </a:extLst>
+                      </a:blip>
+                      <a:srcRect/>
+                      <a:stretch>
+                        <a:fillRect/>
+                      </a:stretch>
+                    </p:blipFill>
+                    <p:spPr bwMode="auto">
+                      <a:xfrm>
+                        <a:off x="2820076" y="1537811"/>
+                        <a:ext cx="316119" cy="296362"/>
+                      </a:xfrm>
+                      <a:prstGeom prst="rect">
+                        <a:avLst/>
+                      </a:prstGeom>
+                      <a:noFill/>
+                    </p:spPr>
+                  </p:pic>
+                </p:oleObj>
+              </mc:Fallback>
+            </mc:AlternateContent>
+          </a:graphicData>
+        </a:graphic>
+      </p:graphicFrame>
+      <p:graphicFrame>
+        <p:nvGraphicFramePr>
+          <p:cNvPr id="37" name="Object 36">
+            <a:extLst>
+              <a:ext uri="{FF2B5EF4-FFF2-40B4-BE49-F238E27FC236}">
+                <a16:creationId xmlns:a16="http://schemas.microsoft.com/office/drawing/2014/main" id="{1C6D7D90-EEC6-4FA9-ABE1-D420F29DC709}"/>
+              </a:ext>
+            </a:extLst>
+          </p:cNvPr>
+          <p:cNvGraphicFramePr>
+            <a:graphicFrameLocks noChangeAspect="1"/>
+          </p:cNvGraphicFramePr>
+          <p:nvPr>
+            <p:extLst>
+              <p:ext uri="{D42A27DB-BD31-4B8C-83A1-F6EECF244321}">
+                <p14:modId xmlns:p14="http://schemas.microsoft.com/office/powerpoint/2010/main" val="4237194221"/>
+              </p:ext>
+            </p:extLst>
+          </p:nvPr>
+        </p:nvGraphicFramePr>
+        <p:xfrm>
+          <a:off x="3423290" y="1477070"/>
+          <a:ext cx="1041806" cy="407664"/>
+        </p:xfrm>
+        <a:graphic>
+          <a:graphicData uri="http://schemas.openxmlformats.org/presentationml/2006/ole">
+            <mc:AlternateContent xmlns:mc="http://schemas.openxmlformats.org/markup-compatibility/2006">
+              <mc:Choice xmlns:v="urn:schemas-microsoft-com:vml" Requires="v">
+                <p:oleObj spid="_x0000_s4184" name="Equation" r:id="rId6" imgW="660113" imgH="253890" progId="Equation.DSMT4">
+                  <p:embed/>
+                </p:oleObj>
+              </mc:Choice>
+              <mc:Fallback>
+                <p:oleObj name="Equation" r:id="rId6" imgW="660113" imgH="253890" progId="Equation.DSMT4">
+                  <p:embed/>
+                  <p:pic>
+                    <p:nvPicPr>
+                      <p:cNvPr id="0" name="Object 43"/>
+                      <p:cNvPicPr>
+                        <a:picLocks noChangeAspect="1" noChangeArrowheads="1"/>
+                      </p:cNvPicPr>
+                      <p:nvPr/>
+                    </p:nvPicPr>
+                    <p:blipFill>
+                      <a:blip r:embed="rId7">
+                        <a:extLst>
+                          <a:ext uri="{28A0092B-C50C-407E-A947-70E740481C1C}">
+                            <a14:useLocalDpi xmlns:a14="http://schemas.microsoft.com/office/drawing/2010/main" val="0"/>
+                          </a:ext>
+                        </a:extLst>
+                      </a:blip>
+                      <a:srcRect/>
+                      <a:stretch>
+                        <a:fillRect/>
+                      </a:stretch>
+                    </p:blipFill>
+                    <p:spPr bwMode="auto">
+                      <a:xfrm>
+                        <a:off x="3423290" y="1477070"/>
+                        <a:ext cx="1041806" cy="407664"/>
+                      </a:xfrm>
+                      <a:prstGeom prst="rect">
+                        <a:avLst/>
+                      </a:prstGeom>
+                      <a:noFill/>
+                    </p:spPr>
+                  </p:pic>
+                </p:oleObj>
+              </mc:Fallback>
+            </mc:AlternateContent>
+          </a:graphicData>
+        </a:graphic>
+      </p:graphicFrame>
+      <p:graphicFrame>
+        <p:nvGraphicFramePr>
+          <p:cNvPr id="38" name="Object 37">
+            <a:extLst>
+              <a:ext uri="{FF2B5EF4-FFF2-40B4-BE49-F238E27FC236}">
+                <a16:creationId xmlns:a16="http://schemas.microsoft.com/office/drawing/2014/main" id="{4655DA8D-0C78-4933-876B-42F2D8271B90}"/>
+              </a:ext>
+            </a:extLst>
+          </p:cNvPr>
+          <p:cNvGraphicFramePr>
+            <a:graphicFrameLocks noChangeAspect="1"/>
+          </p:cNvGraphicFramePr>
+          <p:nvPr>
+            <p:extLst>
+              <p:ext uri="{D42A27DB-BD31-4B8C-83A1-F6EECF244321}">
+                <p14:modId xmlns:p14="http://schemas.microsoft.com/office/powerpoint/2010/main" val="224625268"/>
+              </p:ext>
+            </p:extLst>
+          </p:nvPr>
+        </p:nvGraphicFramePr>
+        <p:xfrm>
+          <a:off x="4666429" y="1502665"/>
+          <a:ext cx="271598" cy="356473"/>
+        </p:xfrm>
+        <a:graphic>
+          <a:graphicData uri="http://schemas.openxmlformats.org/presentationml/2006/ole">
+            <mc:AlternateContent xmlns:mc="http://schemas.openxmlformats.org/markup-compatibility/2006">
+              <mc:Choice xmlns:v="urn:schemas-microsoft-com:vml" Requires="v">
+                <p:oleObj spid="_x0000_s4185" name="Equation" r:id="rId8" imgW="152268" imgH="203024" progId="Equation.DSMT4">
+                  <p:embed/>
+                </p:oleObj>
+              </mc:Choice>
+              <mc:Fallback>
+                <p:oleObj name="Equation" r:id="rId8" imgW="152268" imgH="203024" progId="Equation.DSMT4">
+                  <p:embed/>
+                  <p:pic>
+                    <p:nvPicPr>
+                      <p:cNvPr id="0" name="Object 42"/>
+                      <p:cNvPicPr>
+                        <a:picLocks noChangeAspect="1" noChangeArrowheads="1"/>
+                      </p:cNvPicPr>
+                      <p:nvPr/>
+                    </p:nvPicPr>
+                    <p:blipFill>
+                      <a:blip r:embed="rId9">
+                        <a:extLst>
+                          <a:ext uri="{28A0092B-C50C-407E-A947-70E740481C1C}">
+                            <a14:useLocalDpi xmlns:a14="http://schemas.microsoft.com/office/drawing/2010/main" val="0"/>
+                          </a:ext>
+                        </a:extLst>
+                      </a:blip>
+                      <a:srcRect/>
+                      <a:stretch>
+                        <a:fillRect/>
+                      </a:stretch>
+                    </p:blipFill>
+                    <p:spPr bwMode="auto">
+                      <a:xfrm>
+                        <a:off x="4666429" y="1502665"/>
+                        <a:ext cx="271598" cy="356473"/>
+                      </a:xfrm>
+                      <a:prstGeom prst="rect">
+                        <a:avLst/>
+                      </a:prstGeom>
+                      <a:noFill/>
+                    </p:spPr>
+                  </p:pic>
+                </p:oleObj>
+              </mc:Fallback>
+            </mc:AlternateContent>
+          </a:graphicData>
+        </a:graphic>
+      </p:graphicFrame>
+      <p:graphicFrame>
+        <p:nvGraphicFramePr>
+          <p:cNvPr id="39" name="Object 38">
+            <a:extLst>
+              <a:ext uri="{FF2B5EF4-FFF2-40B4-BE49-F238E27FC236}">
+                <a16:creationId xmlns:a16="http://schemas.microsoft.com/office/drawing/2014/main" id="{710503D3-D15A-4CCB-B13A-1447173A4BFB}"/>
+              </a:ext>
+            </a:extLst>
+          </p:cNvPr>
+          <p:cNvGraphicFramePr>
+            <a:graphicFrameLocks noChangeAspect="1"/>
+          </p:cNvGraphicFramePr>
+          <p:nvPr>
+            <p:extLst>
+              <p:ext uri="{D42A27DB-BD31-4B8C-83A1-F6EECF244321}">
+                <p14:modId xmlns:p14="http://schemas.microsoft.com/office/powerpoint/2010/main" val="9133871"/>
+              </p:ext>
+            </p:extLst>
+          </p:nvPr>
+        </p:nvGraphicFramePr>
+        <p:xfrm>
+          <a:off x="5240651" y="1442554"/>
+          <a:ext cx="1247656" cy="442180"/>
+        </p:xfrm>
+        <a:graphic>
+          <a:graphicData uri="http://schemas.openxmlformats.org/presentationml/2006/ole">
+            <mc:AlternateContent xmlns:mc="http://schemas.openxmlformats.org/markup-compatibility/2006">
+              <mc:Choice xmlns:v="urn:schemas-microsoft-com:vml" Requires="v">
+                <p:oleObj spid="_x0000_s4186" name="Equation" r:id="rId10" imgW="736280" imgH="253890" progId="Equation.DSMT4">
+                  <p:embed/>
+                </p:oleObj>
+              </mc:Choice>
+              <mc:Fallback>
+                <p:oleObj name="Equation" r:id="rId10" imgW="736280" imgH="253890" progId="Equation.DSMT4">
+                  <p:embed/>
+                  <p:pic>
+                    <p:nvPicPr>
+                      <p:cNvPr id="0" name="Object 41"/>
+                      <p:cNvPicPr>
+                        <a:picLocks noChangeAspect="1" noChangeArrowheads="1"/>
+                      </p:cNvPicPr>
+                      <p:nvPr/>
+                    </p:nvPicPr>
+                    <p:blipFill>
+                      <a:blip r:embed="rId11">
+                        <a:extLst>
+                          <a:ext uri="{28A0092B-C50C-407E-A947-70E740481C1C}">
+                            <a14:useLocalDpi xmlns:a14="http://schemas.microsoft.com/office/drawing/2010/main" val="0"/>
+                          </a:ext>
+                        </a:extLst>
+                      </a:blip>
+                      <a:srcRect/>
+                      <a:stretch>
+                        <a:fillRect/>
+                      </a:stretch>
+                    </p:blipFill>
+                    <p:spPr bwMode="auto">
+                      <a:xfrm>
+                        <a:off x="5240651" y="1442554"/>
+                        <a:ext cx="1247656" cy="442180"/>
+                      </a:xfrm>
+                      <a:prstGeom prst="rect">
+                        <a:avLst/>
+                      </a:prstGeom>
+                      <a:noFill/>
+                    </p:spPr>
+                  </p:pic>
+                </p:oleObj>
+              </mc:Fallback>
+            </mc:AlternateContent>
+          </a:graphicData>
+        </a:graphic>
+      </p:graphicFrame>
+      <p:graphicFrame>
+        <p:nvGraphicFramePr>
+          <p:cNvPr id="40" name="Object 39">
+            <a:extLst>
+              <a:ext uri="{FF2B5EF4-FFF2-40B4-BE49-F238E27FC236}">
+                <a16:creationId xmlns:a16="http://schemas.microsoft.com/office/drawing/2014/main" id="{50DAF759-1A6D-4489-980C-86B045CD3AC6}"/>
+              </a:ext>
+            </a:extLst>
+          </p:cNvPr>
+          <p:cNvGraphicFramePr>
+            <a:graphicFrameLocks noChangeAspect="1"/>
+          </p:cNvGraphicFramePr>
+          <p:nvPr>
+            <p:extLst>
+              <p:ext uri="{D42A27DB-BD31-4B8C-83A1-F6EECF244321}">
+                <p14:modId xmlns:p14="http://schemas.microsoft.com/office/powerpoint/2010/main" val="3659124575"/>
+              </p:ext>
+            </p:extLst>
+          </p:nvPr>
+        </p:nvGraphicFramePr>
+        <p:xfrm>
+          <a:off x="6790931" y="1456266"/>
+          <a:ext cx="292251" cy="370184"/>
+        </p:xfrm>
+        <a:graphic>
+          <a:graphicData uri="http://schemas.openxmlformats.org/presentationml/2006/ole">
+            <mc:AlternateContent xmlns:mc="http://schemas.openxmlformats.org/markup-compatibility/2006">
+              <mc:Choice xmlns:v="urn:schemas-microsoft-com:vml" Requires="v">
+                <p:oleObj spid="_x0000_s4187" name="Equation" r:id="rId12" imgW="139579" imgH="177646" progId="Equation.DSMT4">
+                  <p:embed/>
+                </p:oleObj>
+              </mc:Choice>
+              <mc:Fallback>
+                <p:oleObj name="Equation" r:id="rId12" imgW="139579" imgH="177646" progId="Equation.DSMT4">
+                  <p:embed/>
+                  <p:pic>
+                    <p:nvPicPr>
+                      <p:cNvPr id="0" name="Object 40"/>
+                      <p:cNvPicPr>
+                        <a:picLocks noChangeAspect="1" noChangeArrowheads="1"/>
+                      </p:cNvPicPr>
+                      <p:nvPr/>
+                    </p:nvPicPr>
+                    <p:blipFill>
+                      <a:blip r:embed="rId13">
+                        <a:extLst>
+                          <a:ext uri="{28A0092B-C50C-407E-A947-70E740481C1C}">
+                            <a14:useLocalDpi xmlns:a14="http://schemas.microsoft.com/office/drawing/2010/main" val="0"/>
+                          </a:ext>
+                        </a:extLst>
+                      </a:blip>
+                      <a:srcRect/>
+                      <a:stretch>
+                        <a:fillRect/>
+                      </a:stretch>
+                    </p:blipFill>
+                    <p:spPr bwMode="auto">
+                      <a:xfrm>
+                        <a:off x="6790931" y="1456266"/>
+                        <a:ext cx="292251" cy="370184"/>
+                      </a:xfrm>
+                      <a:prstGeom prst="rect">
+                        <a:avLst/>
+                      </a:prstGeom>
+                      <a:noFill/>
+                    </p:spPr>
+                  </p:pic>
+                </p:oleObj>
+              </mc:Fallback>
+            </mc:AlternateContent>
+          </a:graphicData>
+        </a:graphic>
+      </p:graphicFrame>
+      <p:graphicFrame>
+        <p:nvGraphicFramePr>
+          <p:cNvPr id="41" name="Object 40">
+            <a:extLst>
+              <a:ext uri="{FF2B5EF4-FFF2-40B4-BE49-F238E27FC236}">
+                <a16:creationId xmlns:a16="http://schemas.microsoft.com/office/drawing/2014/main" id="{F5DD5186-744B-4AEA-AEB5-7271B131C4B8}"/>
+              </a:ext>
+            </a:extLst>
+          </p:cNvPr>
+          <p:cNvGraphicFramePr>
+            <a:graphicFrameLocks noChangeAspect="1"/>
+          </p:cNvGraphicFramePr>
+          <p:nvPr>
+            <p:extLst>
+              <p:ext uri="{D42A27DB-BD31-4B8C-83A1-F6EECF244321}">
+                <p14:modId xmlns:p14="http://schemas.microsoft.com/office/powerpoint/2010/main" val="3977371638"/>
+              </p:ext>
+            </p:extLst>
+          </p:nvPr>
+        </p:nvGraphicFramePr>
+        <p:xfrm>
+          <a:off x="7364223" y="1436612"/>
+          <a:ext cx="1576577" cy="467776"/>
+        </p:xfrm>
+        <a:graphic>
+          <a:graphicData uri="http://schemas.openxmlformats.org/presentationml/2006/ole">
+            <mc:AlternateContent xmlns:mc="http://schemas.openxmlformats.org/markup-compatibility/2006">
+              <mc:Choice xmlns:v="urn:schemas-microsoft-com:vml" Requires="v">
+                <p:oleObj spid="_x0000_s4188" name="Equation" r:id="rId14" imgW="850531" imgH="253890" progId="Equation.DSMT4">
+                  <p:embed/>
+                </p:oleObj>
+              </mc:Choice>
+              <mc:Fallback>
+                <p:oleObj name="Equation" r:id="rId14" imgW="850531" imgH="253890" progId="Equation.DSMT4">
+                  <p:embed/>
+                  <p:pic>
+                    <p:nvPicPr>
+                      <p:cNvPr id="0" name="Object 39"/>
+                      <p:cNvPicPr>
+                        <a:picLocks noChangeAspect="1" noChangeArrowheads="1"/>
+                      </p:cNvPicPr>
+                      <p:nvPr/>
+                    </p:nvPicPr>
+                    <p:blipFill>
+                      <a:blip r:embed="rId15">
+                        <a:extLst>
+                          <a:ext uri="{28A0092B-C50C-407E-A947-70E740481C1C}">
+                            <a14:useLocalDpi xmlns:a14="http://schemas.microsoft.com/office/drawing/2010/main" val="0"/>
+                          </a:ext>
+                        </a:extLst>
+                      </a:blip>
+                      <a:srcRect/>
+                      <a:stretch>
+                        <a:fillRect/>
+                      </a:stretch>
+                    </p:blipFill>
+                    <p:spPr bwMode="auto">
+                      <a:xfrm>
+                        <a:off x="7364223" y="1436612"/>
+                        <a:ext cx="1576577" cy="467776"/>
+                      </a:xfrm>
+                      <a:prstGeom prst="rect">
+                        <a:avLst/>
+                      </a:prstGeom>
+                      <a:noFill/>
+                    </p:spPr>
+                  </p:pic>
+                </p:oleObj>
+              </mc:Fallback>
+            </mc:AlternateContent>
+          </a:graphicData>
+        </a:graphic>
+      </p:graphicFrame>
+    </p:spTree>
+    <p:extLst>
+      <p:ext uri="{BB962C8B-B14F-4D97-AF65-F5344CB8AC3E}">
+        <p14:creationId xmlns:p14="http://schemas.microsoft.com/office/powerpoint/2010/main" val="2778816954"/>
+      </p:ext>
+    </p:extLst>
+  </p:cSld>
+  <p:clrMapOvr>
+    <a:masterClrMapping/>
+  </p:clrMapOvr>
+</p:sld>
+</file>
+
+<file path=ppt/slides/slide19.xml><?xml version="1.0" encoding="utf-8"?>
+<p:sld xmlns:a="http://schemas.openxmlformats.org/drawingml/2006/main" xmlns:r="http://schemas.openxmlformats.org/officeDocument/2006/relationships" xmlns:p="http://schemas.openxmlformats.org/presentationml/2006/main">
+  <p:cSld>
+    <p:spTree>
+      <p:nvGrpSpPr>
+        <p:cNvPr id="1" name="Shape 67"/>
+        <p:cNvGrpSpPr/>
+        <p:nvPr/>
+      </p:nvGrpSpPr>
+      <p:grpSpPr>
+        <a:xfrm>
+          <a:off x="0" y="0"/>
+          <a:ext cx="0" cy="0"/>
+          <a:chOff x="0" y="0"/>
+          <a:chExt cx="0" cy="0"/>
+        </a:xfrm>
+      </p:grpSpPr>
+      <p:sp>
+        <p:nvSpPr>
+          <p:cNvPr id="68" name="Google Shape;68;p15"/>
+          <p:cNvSpPr txBox="1">
+            <a:spLocks noGrp="1"/>
+          </p:cNvSpPr>
+          <p:nvPr>
+            <p:ph type="title"/>
+          </p:nvPr>
+        </p:nvSpPr>
+        <p:spPr>
+          <a:xfrm>
+            <a:off x="311700" y="287868"/>
+            <a:ext cx="8709458" cy="999066"/>
+          </a:xfrm>
+          <a:prstGeom prst="rect">
+            <a:avLst/>
+          </a:prstGeom>
+        </p:spPr>
+        <p:txBody>
+          <a:bodyPr spcFirstLastPara="1" wrap="square" lIns="91425" tIns="91425" rIns="91425" bIns="91425" anchor="t" anchorCtr="0">
+            <a:noAutofit/>
+          </a:bodyPr>
+          <a:lstStyle/>
+          <a:p>
+            <a:pPr algn="just"/>
+            <a:r>
+              <a:rPr lang="ru-RU" b="1" dirty="0">
+                <a:solidFill>
+                  <a:schemeClr val="tx1"/>
+                </a:solidFill>
+              </a:rPr>
+              <a:t>Дополнительный слайд №3. Проверяемые ошибки</a:t>
+            </a:r>
+          </a:p>
+        </p:txBody>
+      </p:sp>
+      <p:sp>
+        <p:nvSpPr>
+          <p:cNvPr id="69" name="Google Shape;69;p15"/>
+          <p:cNvSpPr txBox="1">
+            <a:spLocks noGrp="1"/>
+          </p:cNvSpPr>
+          <p:nvPr>
+            <p:ph type="sldNum" idx="12"/>
+          </p:nvPr>
+        </p:nvSpPr>
+        <p:spPr>
+          <a:xfrm>
+            <a:off x="8472458" y="6217622"/>
+            <a:ext cx="548700" cy="524700"/>
+          </a:xfrm>
+          <a:prstGeom prst="rect">
+            <a:avLst/>
+          </a:prstGeom>
+        </p:spPr>
+        <p:txBody>
+          <a:bodyPr spcFirstLastPara="1" wrap="square" lIns="91425" tIns="91425" rIns="91425" bIns="91425" anchor="ctr" anchorCtr="0">
+            <a:noAutofit/>
+          </a:bodyPr>
+          <a:lstStyle/>
+          <a:p>
+            <a:pPr marL="0" lvl="0" indent="0" algn="r" rtl="0">
+              <a:spcBef>
+                <a:spcPts val="0"/>
+              </a:spcBef>
+              <a:spcAft>
+                <a:spcPts val="0"/>
+              </a:spcAft>
+              <a:buNone/>
+            </a:pPr>
+            <a:fld id="{00000000-1234-1234-1234-123412341234}" type="slidenum">
+              <a:rPr lang="en"/>
+              <a:t>19</a:t>
+            </a:fld>
+            <a:endParaRPr/>
+          </a:p>
+        </p:txBody>
+      </p:sp>
+      <p:sp>
+        <p:nvSpPr>
+          <p:cNvPr id="71" name="Google Shape;71;p15"/>
+          <p:cNvSpPr txBox="1"/>
+          <p:nvPr/>
+        </p:nvSpPr>
+        <p:spPr>
+          <a:xfrm>
+            <a:off x="163609" y="1134533"/>
+            <a:ext cx="8709458" cy="5607790"/>
+          </a:xfrm>
+          <a:prstGeom prst="rect">
+            <a:avLst/>
+          </a:prstGeom>
+          <a:noFill/>
+          <a:ln>
+            <a:noFill/>
+          </a:ln>
+        </p:spPr>
+        <p:txBody>
+          <a:bodyPr spcFirstLastPara="1" wrap="square" lIns="91425" tIns="91425" rIns="91425" bIns="91425" anchor="t" anchorCtr="0">
+            <a:noAutofit/>
+          </a:bodyPr>
+          <a:lstStyle/>
+          <a:p>
+            <a:pPr lvl="0"/>
+            <a:r>
+              <a:rPr lang="ru-RU" sz="2400" dirty="0"/>
+              <a:t>Стилистические:</a:t>
+            </a:r>
+          </a:p>
+          <a:p>
+            <a:pPr marL="285750" lvl="0" indent="-285750">
+              <a:buFont typeface="Arial" panose="020B0604020202020204" pitchFamily="34" charset="0"/>
+              <a:buChar char="•"/>
+            </a:pPr>
+            <a:r>
+              <a:rPr lang="ru-RU" sz="2400" dirty="0"/>
+              <a:t>Использование личных местоимений</a:t>
+            </a:r>
+            <a:r>
+              <a:rPr lang="en-US" sz="2400" dirty="0"/>
+              <a:t>;</a:t>
+            </a:r>
+          </a:p>
+          <a:p>
+            <a:pPr marL="285750" lvl="0" indent="-285750">
+              <a:buFont typeface="Arial" panose="020B0604020202020204" pitchFamily="34" charset="0"/>
+              <a:buChar char="•"/>
+            </a:pPr>
+            <a:r>
+              <a:rPr lang="ru-RU" sz="2400" dirty="0"/>
+              <a:t>Использование обобщений</a:t>
+            </a:r>
+            <a:r>
+              <a:rPr lang="en-US" sz="2400" dirty="0"/>
+              <a:t>;</a:t>
+            </a:r>
+          </a:p>
+          <a:p>
+            <a:pPr marL="285750" lvl="0" indent="-285750">
+              <a:buFont typeface="Arial" panose="020B0604020202020204" pitchFamily="34" charset="0"/>
+              <a:buChar char="•"/>
+            </a:pPr>
+            <a:r>
+              <a:rPr lang="ru-RU" sz="2400" dirty="0"/>
+              <a:t>Необъективная оценка</a:t>
+            </a:r>
+            <a:r>
+              <a:rPr lang="en-US" sz="2400" dirty="0"/>
+              <a:t>;</a:t>
+            </a:r>
+          </a:p>
+          <a:p>
+            <a:pPr marL="285750" lvl="0" indent="-285750">
+              <a:buFont typeface="Arial" panose="020B0604020202020204" pitchFamily="34" charset="0"/>
+              <a:buChar char="•"/>
+            </a:pPr>
+            <a:r>
+              <a:rPr lang="ru-RU" sz="2400" dirty="0"/>
+              <a:t>Использование усилителей</a:t>
+            </a:r>
+            <a:r>
+              <a:rPr lang="en-US" sz="2400" dirty="0"/>
+              <a:t>;</a:t>
+            </a:r>
+          </a:p>
+          <a:p>
+            <a:pPr marL="285750" lvl="0" indent="-285750">
+              <a:buFont typeface="Arial" panose="020B0604020202020204" pitchFamily="34" charset="0"/>
+              <a:buChar char="•"/>
+            </a:pPr>
+            <a:r>
+              <a:rPr lang="ru-RU" sz="2400" dirty="0"/>
+              <a:t>Использование риторических вопросов.</a:t>
+            </a:r>
+          </a:p>
+          <a:p>
+            <a:pPr marL="285750" lvl="0" indent="-285750">
+              <a:buFont typeface="Arial" panose="020B0604020202020204" pitchFamily="34" charset="0"/>
+              <a:buChar char="•"/>
+            </a:pPr>
+            <a:endParaRPr lang="en-US" sz="2400" dirty="0"/>
+          </a:p>
+          <a:p>
+            <a:pPr lvl="0" algn="just"/>
+            <a:r>
+              <a:rPr lang="ru-RU" sz="2400" dirty="0"/>
+              <a:t>Структурные:</a:t>
+            </a:r>
+          </a:p>
+          <a:p>
+            <a:pPr marL="285750" lvl="0" indent="-285750">
+              <a:buFont typeface="Arial" panose="020B0604020202020204" pitchFamily="34" charset="0"/>
+              <a:buChar char="•"/>
+            </a:pPr>
+            <a:r>
+              <a:rPr lang="ru-RU" sz="2400" dirty="0"/>
+              <a:t>Отсутствие ссылки на указанный источник;</a:t>
+            </a:r>
+            <a:endParaRPr lang="en-US" sz="2400" dirty="0"/>
+          </a:p>
+          <a:p>
+            <a:pPr marL="285750" lvl="0" indent="-285750">
+              <a:buFont typeface="Arial" panose="020B0604020202020204" pitchFamily="34" charset="0"/>
+              <a:buChar char="•"/>
+            </a:pPr>
+            <a:r>
+              <a:rPr lang="ru-RU" sz="2400" dirty="0"/>
+              <a:t>Использование устаревшего источника;</a:t>
+            </a:r>
+            <a:endParaRPr lang="en-US" sz="2400" dirty="0"/>
+          </a:p>
+          <a:p>
+            <a:pPr marL="285750" lvl="0" indent="-285750">
+              <a:buFont typeface="Arial" panose="020B0604020202020204" pitchFamily="34" charset="0"/>
+              <a:buChar char="•"/>
+            </a:pPr>
+            <a:r>
+              <a:rPr lang="ru-RU" sz="2400" dirty="0"/>
+              <a:t>Отсутствие ссылки на рисунок;</a:t>
+            </a:r>
+            <a:endParaRPr lang="en-US" sz="2400" dirty="0"/>
+          </a:p>
+          <a:p>
+            <a:pPr marL="285750" lvl="0" indent="-285750">
+              <a:buFont typeface="Arial" panose="020B0604020202020204" pitchFamily="34" charset="0"/>
+              <a:buChar char="•"/>
+            </a:pPr>
+            <a:r>
+              <a:rPr lang="ru-RU" sz="2400" dirty="0"/>
+              <a:t>Отсутствие ссылки на таблицу;</a:t>
+            </a:r>
+            <a:endParaRPr lang="en-US" sz="2400" dirty="0"/>
+          </a:p>
+          <a:p>
+            <a:pPr marL="285750" lvl="0" indent="-285750">
+              <a:buFont typeface="Arial" panose="020B0604020202020204" pitchFamily="34" charset="0"/>
+              <a:buChar char="•"/>
+            </a:pPr>
+            <a:r>
+              <a:rPr lang="ru-RU" sz="2400" dirty="0"/>
+              <a:t>Наличие коротких разделов – разделов, состоящих менее чем из трёх предложений.</a:t>
+            </a:r>
+            <a:endParaRPr lang="en-US" sz="2400" dirty="0"/>
+          </a:p>
+          <a:p>
+            <a:pPr marL="285750" lvl="0" indent="-285750">
+              <a:buFont typeface="Arial" panose="020B0604020202020204" pitchFamily="34" charset="0"/>
+              <a:buChar char="•"/>
+            </a:pPr>
+            <a:r>
+              <a:rPr lang="ru-RU" sz="2400" dirty="0"/>
+              <a:t>Использование указанных ключевых слов в тексте.</a:t>
+            </a:r>
+            <a:endParaRPr lang="en-US" sz="2400" dirty="0"/>
+          </a:p>
+        </p:txBody>
+      </p:sp>
+    </p:spTree>
+    <p:extLst>
+      <p:ext uri="{BB962C8B-B14F-4D97-AF65-F5344CB8AC3E}">
+        <p14:creationId xmlns:p14="http://schemas.microsoft.com/office/powerpoint/2010/main" val="1688958172"/>
       </p:ext>
     </p:extLst>
   </p:cSld>
@@ -9705,6 +13135,2309 @@
         </p:txBody>
       </p:sp>
     </p:spTree>
+  </p:cSld>
+  <p:clrMapOvr>
+    <a:masterClrMapping/>
+  </p:clrMapOvr>
+</p:sld>
+</file>
+
+<file path=ppt/slides/slide20.xml><?xml version="1.0" encoding="utf-8"?>
+<p:sld xmlns:a="http://schemas.openxmlformats.org/drawingml/2006/main" xmlns:r="http://schemas.openxmlformats.org/officeDocument/2006/relationships" xmlns:p="http://schemas.openxmlformats.org/presentationml/2006/main">
+  <p:cSld>
+    <p:spTree>
+      <p:nvGrpSpPr>
+        <p:cNvPr id="1" name="Shape 67"/>
+        <p:cNvGrpSpPr/>
+        <p:nvPr/>
+      </p:nvGrpSpPr>
+      <p:grpSpPr>
+        <a:xfrm>
+          <a:off x="0" y="0"/>
+          <a:ext cx="0" cy="0"/>
+          <a:chOff x="0" y="0"/>
+          <a:chExt cx="0" cy="0"/>
+        </a:xfrm>
+      </p:grpSpPr>
+      <p:sp>
+        <p:nvSpPr>
+          <p:cNvPr id="68" name="Google Shape;68;p15"/>
+          <p:cNvSpPr txBox="1">
+            <a:spLocks noGrp="1"/>
+          </p:cNvSpPr>
+          <p:nvPr>
+            <p:ph type="title"/>
+          </p:nvPr>
+        </p:nvSpPr>
+        <p:spPr>
+          <a:xfrm>
+            <a:off x="311700" y="287868"/>
+            <a:ext cx="8709458" cy="999066"/>
+          </a:xfrm>
+          <a:prstGeom prst="rect">
+            <a:avLst/>
+          </a:prstGeom>
+        </p:spPr>
+        <p:txBody>
+          <a:bodyPr spcFirstLastPara="1" wrap="square" lIns="91425" tIns="91425" rIns="91425" bIns="91425" anchor="t" anchorCtr="0">
+            <a:noAutofit/>
+          </a:bodyPr>
+          <a:lstStyle/>
+          <a:p>
+            <a:pPr algn="just"/>
+            <a:r>
+              <a:rPr lang="ru-RU" b="1" dirty="0">
+                <a:solidFill>
+                  <a:schemeClr val="tx1"/>
+                </a:solidFill>
+              </a:rPr>
+              <a:t>Дополнительный слайд №4. Экран настройки анализа</a:t>
+            </a:r>
+          </a:p>
+        </p:txBody>
+      </p:sp>
+      <p:sp>
+        <p:nvSpPr>
+          <p:cNvPr id="69" name="Google Shape;69;p15"/>
+          <p:cNvSpPr txBox="1">
+            <a:spLocks noGrp="1"/>
+          </p:cNvSpPr>
+          <p:nvPr>
+            <p:ph type="sldNum" idx="12"/>
+          </p:nvPr>
+        </p:nvSpPr>
+        <p:spPr>
+          <a:xfrm>
+            <a:off x="8472458" y="6217622"/>
+            <a:ext cx="548700" cy="524700"/>
+          </a:xfrm>
+          <a:prstGeom prst="rect">
+            <a:avLst/>
+          </a:prstGeom>
+        </p:spPr>
+        <p:txBody>
+          <a:bodyPr spcFirstLastPara="1" wrap="square" lIns="91425" tIns="91425" rIns="91425" bIns="91425" anchor="ctr" anchorCtr="0">
+            <a:noAutofit/>
+          </a:bodyPr>
+          <a:lstStyle/>
+          <a:p>
+            <a:pPr marL="0" lvl="0" indent="0" algn="r" rtl="0">
+              <a:spcBef>
+                <a:spcPts val="0"/>
+              </a:spcBef>
+              <a:spcAft>
+                <a:spcPts val="0"/>
+              </a:spcAft>
+              <a:buNone/>
+            </a:pPr>
+            <a:fld id="{00000000-1234-1234-1234-123412341234}" type="slidenum">
+              <a:rPr lang="en"/>
+              <a:t>20</a:t>
+            </a:fld>
+            <a:endParaRPr/>
+          </a:p>
+        </p:txBody>
+      </p:sp>
+      <p:pic>
+        <p:nvPicPr>
+          <p:cNvPr id="5122" name="Picture 7">
+            <a:extLst>
+              <a:ext uri="{FF2B5EF4-FFF2-40B4-BE49-F238E27FC236}">
+                <a16:creationId xmlns:a16="http://schemas.microsoft.com/office/drawing/2014/main" id="{47E146D5-0FD1-40C7-AA07-DCF19EE3587C}"/>
+              </a:ext>
+            </a:extLst>
+          </p:cNvPr>
+          <p:cNvPicPr>
+            <a:picLocks noChangeAspect="1" noChangeArrowheads="1"/>
+          </p:cNvPicPr>
+          <p:nvPr/>
+        </p:nvPicPr>
+        <p:blipFill>
+          <a:blip r:embed="rId3">
+            <a:extLst>
+              <a:ext uri="{28A0092B-C50C-407E-A947-70E740481C1C}">
+                <a14:useLocalDpi xmlns:a14="http://schemas.microsoft.com/office/drawing/2010/main" val="0"/>
+              </a:ext>
+            </a:extLst>
+          </a:blip>
+          <a:srcRect/>
+          <a:stretch>
+            <a:fillRect/>
+          </a:stretch>
+        </p:blipFill>
+        <p:spPr bwMode="auto">
+          <a:xfrm>
+            <a:off x="418316" y="1286934"/>
+            <a:ext cx="8307367" cy="5571066"/>
+          </a:xfrm>
+          <a:prstGeom prst="rect">
+            <a:avLst/>
+          </a:prstGeom>
+          <a:noFill/>
+          <a:ln>
+            <a:noFill/>
+          </a:ln>
+          <a:extLst>
+            <a:ext uri="{909E8E84-426E-40DD-AFC4-6F175D3DCCD1}">
+              <a14:hiddenFill xmlns:a14="http://schemas.microsoft.com/office/drawing/2010/main">
+                <a:solidFill>
+                  <a:srgbClr val="FFFFFF"/>
+                </a:solidFill>
+              </a14:hiddenFill>
+            </a:ext>
+            <a:ext uri="{91240B29-F687-4F45-9708-019B960494DF}">
+              <a14:hiddenLine xmlns:a14="http://schemas.microsoft.com/office/drawing/2010/main" w="9525">
+                <a:solidFill>
+                  <a:srgbClr val="000000"/>
+                </a:solidFill>
+                <a:miter lim="800000"/>
+                <a:headEnd/>
+                <a:tailEnd/>
+              </a14:hiddenLine>
+            </a:ext>
+          </a:extLst>
+        </p:spPr>
+      </p:pic>
+    </p:spTree>
+    <p:extLst>
+      <p:ext uri="{BB962C8B-B14F-4D97-AF65-F5344CB8AC3E}">
+        <p14:creationId xmlns:p14="http://schemas.microsoft.com/office/powerpoint/2010/main" val="2364046516"/>
+      </p:ext>
+    </p:extLst>
+  </p:cSld>
+  <p:clrMapOvr>
+    <a:masterClrMapping/>
+  </p:clrMapOvr>
+</p:sld>
+</file>
+
+<file path=ppt/slides/slide21.xml><?xml version="1.0" encoding="utf-8"?>
+<p:sld xmlns:a="http://schemas.openxmlformats.org/drawingml/2006/main" xmlns:r="http://schemas.openxmlformats.org/officeDocument/2006/relationships" xmlns:p="http://schemas.openxmlformats.org/presentationml/2006/main">
+  <p:cSld>
+    <p:spTree>
+      <p:nvGrpSpPr>
+        <p:cNvPr id="1" name="Shape 67"/>
+        <p:cNvGrpSpPr/>
+        <p:nvPr/>
+      </p:nvGrpSpPr>
+      <p:grpSpPr>
+        <a:xfrm>
+          <a:off x="0" y="0"/>
+          <a:ext cx="0" cy="0"/>
+          <a:chOff x="0" y="0"/>
+          <a:chExt cx="0" cy="0"/>
+        </a:xfrm>
+      </p:grpSpPr>
+      <p:sp>
+        <p:nvSpPr>
+          <p:cNvPr id="68" name="Google Shape;68;p15"/>
+          <p:cNvSpPr txBox="1">
+            <a:spLocks noGrp="1"/>
+          </p:cNvSpPr>
+          <p:nvPr>
+            <p:ph type="title"/>
+          </p:nvPr>
+        </p:nvSpPr>
+        <p:spPr>
+          <a:xfrm>
+            <a:off x="311700" y="287868"/>
+            <a:ext cx="8709458" cy="999066"/>
+          </a:xfrm>
+          <a:prstGeom prst="rect">
+            <a:avLst/>
+          </a:prstGeom>
+        </p:spPr>
+        <p:txBody>
+          <a:bodyPr spcFirstLastPara="1" wrap="square" lIns="91425" tIns="91425" rIns="91425" bIns="91425" anchor="t" anchorCtr="0">
+            <a:noAutofit/>
+          </a:bodyPr>
+          <a:lstStyle/>
+          <a:p>
+            <a:pPr algn="just"/>
+            <a:r>
+              <a:rPr lang="ru-RU" b="1" dirty="0">
+                <a:solidFill>
+                  <a:schemeClr val="tx1"/>
+                </a:solidFill>
+              </a:rPr>
+              <a:t>Дополнительный слайд №5. Экран результата анализа статьи</a:t>
+            </a:r>
+          </a:p>
+        </p:txBody>
+      </p:sp>
+      <p:sp>
+        <p:nvSpPr>
+          <p:cNvPr id="69" name="Google Shape;69;p15"/>
+          <p:cNvSpPr txBox="1">
+            <a:spLocks noGrp="1"/>
+          </p:cNvSpPr>
+          <p:nvPr>
+            <p:ph type="sldNum" idx="12"/>
+          </p:nvPr>
+        </p:nvSpPr>
+        <p:spPr>
+          <a:xfrm>
+            <a:off x="8472458" y="6217622"/>
+            <a:ext cx="548700" cy="524700"/>
+          </a:xfrm>
+          <a:prstGeom prst="rect">
+            <a:avLst/>
+          </a:prstGeom>
+        </p:spPr>
+        <p:txBody>
+          <a:bodyPr spcFirstLastPara="1" wrap="square" lIns="91425" tIns="91425" rIns="91425" bIns="91425" anchor="ctr" anchorCtr="0">
+            <a:noAutofit/>
+          </a:bodyPr>
+          <a:lstStyle/>
+          <a:p>
+            <a:pPr marL="0" lvl="0" indent="0" algn="r" rtl="0">
+              <a:spcBef>
+                <a:spcPts val="0"/>
+              </a:spcBef>
+              <a:spcAft>
+                <a:spcPts val="0"/>
+              </a:spcAft>
+              <a:buNone/>
+            </a:pPr>
+            <a:fld id="{00000000-1234-1234-1234-123412341234}" type="slidenum">
+              <a:rPr lang="en"/>
+              <a:t>21</a:t>
+            </a:fld>
+            <a:endParaRPr/>
+          </a:p>
+        </p:txBody>
+      </p:sp>
+      <p:pic>
+        <p:nvPicPr>
+          <p:cNvPr id="6146" name="Picture 15">
+            <a:extLst>
+              <a:ext uri="{FF2B5EF4-FFF2-40B4-BE49-F238E27FC236}">
+                <a16:creationId xmlns:a16="http://schemas.microsoft.com/office/drawing/2014/main" id="{9D46BEAE-6D29-4B5D-BB69-9A6C57A0BD2E}"/>
+              </a:ext>
+            </a:extLst>
+          </p:cNvPr>
+          <p:cNvPicPr>
+            <a:picLocks noChangeAspect="1" noChangeArrowheads="1"/>
+          </p:cNvPicPr>
+          <p:nvPr/>
+        </p:nvPicPr>
+        <p:blipFill>
+          <a:blip r:embed="rId3">
+            <a:extLst>
+              <a:ext uri="{28A0092B-C50C-407E-A947-70E740481C1C}">
+                <a14:useLocalDpi xmlns:a14="http://schemas.microsoft.com/office/drawing/2010/main" val="0"/>
+              </a:ext>
+            </a:extLst>
+          </a:blip>
+          <a:srcRect/>
+          <a:stretch>
+            <a:fillRect/>
+          </a:stretch>
+        </p:blipFill>
+        <p:spPr bwMode="auto">
+          <a:xfrm>
+            <a:off x="0" y="1210734"/>
+            <a:ext cx="9073321" cy="4682066"/>
+          </a:xfrm>
+          <a:prstGeom prst="rect">
+            <a:avLst/>
+          </a:prstGeom>
+          <a:noFill/>
+          <a:ln>
+            <a:noFill/>
+          </a:ln>
+          <a:extLst>
+            <a:ext uri="{909E8E84-426E-40DD-AFC4-6F175D3DCCD1}">
+              <a14:hiddenFill xmlns:a14="http://schemas.microsoft.com/office/drawing/2010/main">
+                <a:solidFill>
+                  <a:srgbClr val="FFFFFF"/>
+                </a:solidFill>
+              </a14:hiddenFill>
+            </a:ext>
+            <a:ext uri="{91240B29-F687-4F45-9708-019B960494DF}">
+              <a14:hiddenLine xmlns:a14="http://schemas.microsoft.com/office/drawing/2010/main" w="9525">
+                <a:solidFill>
+                  <a:srgbClr val="000000"/>
+                </a:solidFill>
+                <a:miter lim="800000"/>
+                <a:headEnd/>
+                <a:tailEnd/>
+              </a14:hiddenLine>
+            </a:ext>
+          </a:extLst>
+        </p:spPr>
+      </p:pic>
+    </p:spTree>
+    <p:extLst>
+      <p:ext uri="{BB962C8B-B14F-4D97-AF65-F5344CB8AC3E}">
+        <p14:creationId xmlns:p14="http://schemas.microsoft.com/office/powerpoint/2010/main" val="967083828"/>
+      </p:ext>
+    </p:extLst>
+  </p:cSld>
+  <p:clrMapOvr>
+    <a:masterClrMapping/>
+  </p:clrMapOvr>
+</p:sld>
+</file>
+
+<file path=ppt/slides/slide22.xml><?xml version="1.0" encoding="utf-8"?>
+<p:sld xmlns:a="http://schemas.openxmlformats.org/drawingml/2006/main" xmlns:r="http://schemas.openxmlformats.org/officeDocument/2006/relationships" xmlns:p="http://schemas.openxmlformats.org/presentationml/2006/main">
+  <p:cSld>
+    <p:spTree>
+      <p:nvGrpSpPr>
+        <p:cNvPr id="1" name="Shape 67"/>
+        <p:cNvGrpSpPr/>
+        <p:nvPr/>
+      </p:nvGrpSpPr>
+      <p:grpSpPr>
+        <a:xfrm>
+          <a:off x="0" y="0"/>
+          <a:ext cx="0" cy="0"/>
+          <a:chOff x="0" y="0"/>
+          <a:chExt cx="0" cy="0"/>
+        </a:xfrm>
+      </p:grpSpPr>
+      <p:sp>
+        <p:nvSpPr>
+          <p:cNvPr id="68" name="Google Shape;68;p15"/>
+          <p:cNvSpPr txBox="1">
+            <a:spLocks noGrp="1"/>
+          </p:cNvSpPr>
+          <p:nvPr>
+            <p:ph type="title"/>
+          </p:nvPr>
+        </p:nvSpPr>
+        <p:spPr>
+          <a:xfrm>
+            <a:off x="311700" y="287868"/>
+            <a:ext cx="8709458" cy="999066"/>
+          </a:xfrm>
+          <a:prstGeom prst="rect">
+            <a:avLst/>
+          </a:prstGeom>
+        </p:spPr>
+        <p:txBody>
+          <a:bodyPr spcFirstLastPara="1" wrap="square" lIns="91425" tIns="91425" rIns="91425" bIns="91425" anchor="t" anchorCtr="0">
+            <a:noAutofit/>
+          </a:bodyPr>
+          <a:lstStyle/>
+          <a:p>
+            <a:pPr algn="just"/>
+            <a:r>
+              <a:rPr lang="ru-RU" b="1" dirty="0">
+                <a:solidFill>
+                  <a:schemeClr val="tx1"/>
+                </a:solidFill>
+              </a:rPr>
+              <a:t>Дополнительный слайд №6. Пример отображения критерия проверки</a:t>
+            </a:r>
+          </a:p>
+        </p:txBody>
+      </p:sp>
+      <p:sp>
+        <p:nvSpPr>
+          <p:cNvPr id="69" name="Google Shape;69;p15"/>
+          <p:cNvSpPr txBox="1">
+            <a:spLocks noGrp="1"/>
+          </p:cNvSpPr>
+          <p:nvPr>
+            <p:ph type="sldNum" idx="12"/>
+          </p:nvPr>
+        </p:nvSpPr>
+        <p:spPr>
+          <a:xfrm>
+            <a:off x="8472458" y="6217622"/>
+            <a:ext cx="548700" cy="524700"/>
+          </a:xfrm>
+          <a:prstGeom prst="rect">
+            <a:avLst/>
+          </a:prstGeom>
+        </p:spPr>
+        <p:txBody>
+          <a:bodyPr spcFirstLastPara="1" wrap="square" lIns="91425" tIns="91425" rIns="91425" bIns="91425" anchor="ctr" anchorCtr="0">
+            <a:noAutofit/>
+          </a:bodyPr>
+          <a:lstStyle/>
+          <a:p>
+            <a:pPr marL="0" lvl="0" indent="0" algn="r" rtl="0">
+              <a:spcBef>
+                <a:spcPts val="0"/>
+              </a:spcBef>
+              <a:spcAft>
+                <a:spcPts val="0"/>
+              </a:spcAft>
+              <a:buNone/>
+            </a:pPr>
+            <a:fld id="{00000000-1234-1234-1234-123412341234}" type="slidenum">
+              <a:rPr lang="en"/>
+              <a:t>22</a:t>
+            </a:fld>
+            <a:endParaRPr/>
+          </a:p>
+        </p:txBody>
+      </p:sp>
+      <p:pic>
+        <p:nvPicPr>
+          <p:cNvPr id="7170" name="Picture 16">
+            <a:extLst>
+              <a:ext uri="{FF2B5EF4-FFF2-40B4-BE49-F238E27FC236}">
+                <a16:creationId xmlns:a16="http://schemas.microsoft.com/office/drawing/2014/main" id="{87F65331-581F-412B-933B-7D8E0A506B96}"/>
+              </a:ext>
+            </a:extLst>
+          </p:cNvPr>
+          <p:cNvPicPr>
+            <a:picLocks noChangeAspect="1" noChangeArrowheads="1"/>
+          </p:cNvPicPr>
+          <p:nvPr/>
+        </p:nvPicPr>
+        <p:blipFill>
+          <a:blip r:embed="rId3">
+            <a:extLst>
+              <a:ext uri="{28A0092B-C50C-407E-A947-70E740481C1C}">
+                <a14:useLocalDpi xmlns:a14="http://schemas.microsoft.com/office/drawing/2010/main" val="0"/>
+              </a:ext>
+            </a:extLst>
+          </a:blip>
+          <a:srcRect/>
+          <a:stretch>
+            <a:fillRect/>
+          </a:stretch>
+        </p:blipFill>
+        <p:spPr bwMode="auto">
+          <a:xfrm>
+            <a:off x="1739344" y="1738742"/>
+            <a:ext cx="5854170" cy="4027072"/>
+          </a:xfrm>
+          <a:prstGeom prst="rect">
+            <a:avLst/>
+          </a:prstGeom>
+          <a:noFill/>
+          <a:ln>
+            <a:noFill/>
+          </a:ln>
+          <a:extLst>
+            <a:ext uri="{909E8E84-426E-40DD-AFC4-6F175D3DCCD1}">
+              <a14:hiddenFill xmlns:a14="http://schemas.microsoft.com/office/drawing/2010/main">
+                <a:solidFill>
+                  <a:srgbClr val="FFFFFF"/>
+                </a:solidFill>
+              </a14:hiddenFill>
+            </a:ext>
+            <a:ext uri="{91240B29-F687-4F45-9708-019B960494DF}">
+              <a14:hiddenLine xmlns:a14="http://schemas.microsoft.com/office/drawing/2010/main" w="9525">
+                <a:solidFill>
+                  <a:srgbClr val="000000"/>
+                </a:solidFill>
+                <a:miter lim="800000"/>
+                <a:headEnd/>
+                <a:tailEnd/>
+              </a14:hiddenLine>
+            </a:ext>
+          </a:extLst>
+        </p:spPr>
+      </p:pic>
+    </p:spTree>
+    <p:extLst>
+      <p:ext uri="{BB962C8B-B14F-4D97-AF65-F5344CB8AC3E}">
+        <p14:creationId xmlns:p14="http://schemas.microsoft.com/office/powerpoint/2010/main" val="388073974"/>
+      </p:ext>
+    </p:extLst>
+  </p:cSld>
+  <p:clrMapOvr>
+    <a:masterClrMapping/>
+  </p:clrMapOvr>
+</p:sld>
+</file>
+
+<file path=ppt/slides/slide23.xml><?xml version="1.0" encoding="utf-8"?>
+<p:sld xmlns:a="http://schemas.openxmlformats.org/drawingml/2006/main" xmlns:r="http://schemas.openxmlformats.org/officeDocument/2006/relationships" xmlns:p="http://schemas.openxmlformats.org/presentationml/2006/main">
+  <p:cSld>
+    <p:spTree>
+      <p:nvGrpSpPr>
+        <p:cNvPr id="1" name="Shape 67"/>
+        <p:cNvGrpSpPr/>
+        <p:nvPr/>
+      </p:nvGrpSpPr>
+      <p:grpSpPr>
+        <a:xfrm>
+          <a:off x="0" y="0"/>
+          <a:ext cx="0" cy="0"/>
+          <a:chOff x="0" y="0"/>
+          <a:chExt cx="0" cy="0"/>
+        </a:xfrm>
+      </p:grpSpPr>
+      <p:sp>
+        <p:nvSpPr>
+          <p:cNvPr id="68" name="Google Shape;68;p15"/>
+          <p:cNvSpPr txBox="1">
+            <a:spLocks noGrp="1"/>
+          </p:cNvSpPr>
+          <p:nvPr>
+            <p:ph type="title"/>
+          </p:nvPr>
+        </p:nvSpPr>
+        <p:spPr>
+          <a:xfrm>
+            <a:off x="311700" y="287868"/>
+            <a:ext cx="8709458" cy="999066"/>
+          </a:xfrm>
+          <a:prstGeom prst="rect">
+            <a:avLst/>
+          </a:prstGeom>
+        </p:spPr>
+        <p:txBody>
+          <a:bodyPr spcFirstLastPara="1" wrap="square" lIns="91425" tIns="91425" rIns="91425" bIns="91425" anchor="t" anchorCtr="0">
+            <a:noAutofit/>
+          </a:bodyPr>
+          <a:lstStyle/>
+          <a:p>
+            <a:pPr algn="just"/>
+            <a:r>
+              <a:rPr lang="ru-RU" b="1" dirty="0">
+                <a:solidFill>
+                  <a:schemeClr val="tx1"/>
+                </a:solidFill>
+              </a:rPr>
+              <a:t>Дополнительный слайд №7. Пример отображения ошибки</a:t>
+            </a:r>
+          </a:p>
+        </p:txBody>
+      </p:sp>
+      <p:sp>
+        <p:nvSpPr>
+          <p:cNvPr id="69" name="Google Shape;69;p15"/>
+          <p:cNvSpPr txBox="1">
+            <a:spLocks noGrp="1"/>
+          </p:cNvSpPr>
+          <p:nvPr>
+            <p:ph type="sldNum" idx="12"/>
+          </p:nvPr>
+        </p:nvSpPr>
+        <p:spPr>
+          <a:xfrm>
+            <a:off x="8472458" y="6217622"/>
+            <a:ext cx="548700" cy="524700"/>
+          </a:xfrm>
+          <a:prstGeom prst="rect">
+            <a:avLst/>
+          </a:prstGeom>
+        </p:spPr>
+        <p:txBody>
+          <a:bodyPr spcFirstLastPara="1" wrap="square" lIns="91425" tIns="91425" rIns="91425" bIns="91425" anchor="ctr" anchorCtr="0">
+            <a:noAutofit/>
+          </a:bodyPr>
+          <a:lstStyle/>
+          <a:p>
+            <a:pPr marL="0" lvl="0" indent="0" algn="r" rtl="0">
+              <a:spcBef>
+                <a:spcPts val="0"/>
+              </a:spcBef>
+              <a:spcAft>
+                <a:spcPts val="0"/>
+              </a:spcAft>
+              <a:buNone/>
+            </a:pPr>
+            <a:fld id="{00000000-1234-1234-1234-123412341234}" type="slidenum">
+              <a:rPr lang="en"/>
+              <a:t>23</a:t>
+            </a:fld>
+            <a:endParaRPr/>
+          </a:p>
+        </p:txBody>
+      </p:sp>
+      <p:pic>
+        <p:nvPicPr>
+          <p:cNvPr id="8194" name="Picture 17">
+            <a:extLst>
+              <a:ext uri="{FF2B5EF4-FFF2-40B4-BE49-F238E27FC236}">
+                <a16:creationId xmlns:a16="http://schemas.microsoft.com/office/drawing/2014/main" id="{CF2CDED5-B53D-43B6-BAA3-BA81689729E2}"/>
+              </a:ext>
+            </a:extLst>
+          </p:cNvPr>
+          <p:cNvPicPr>
+            <a:picLocks noChangeAspect="1" noChangeArrowheads="1"/>
+          </p:cNvPicPr>
+          <p:nvPr/>
+        </p:nvPicPr>
+        <p:blipFill>
+          <a:blip r:embed="rId3">
+            <a:extLst>
+              <a:ext uri="{28A0092B-C50C-407E-A947-70E740481C1C}">
+                <a14:useLocalDpi xmlns:a14="http://schemas.microsoft.com/office/drawing/2010/main" val="0"/>
+              </a:ext>
+            </a:extLst>
+          </a:blip>
+          <a:srcRect/>
+          <a:stretch>
+            <a:fillRect/>
+          </a:stretch>
+        </p:blipFill>
+        <p:spPr bwMode="auto">
+          <a:xfrm>
+            <a:off x="1510889" y="1632261"/>
+            <a:ext cx="6122221" cy="3593478"/>
+          </a:xfrm>
+          <a:prstGeom prst="rect">
+            <a:avLst/>
+          </a:prstGeom>
+          <a:noFill/>
+          <a:ln>
+            <a:noFill/>
+          </a:ln>
+          <a:extLst>
+            <a:ext uri="{909E8E84-426E-40DD-AFC4-6F175D3DCCD1}">
+              <a14:hiddenFill xmlns:a14="http://schemas.microsoft.com/office/drawing/2010/main">
+                <a:solidFill>
+                  <a:srgbClr val="FFFFFF"/>
+                </a:solidFill>
+              </a14:hiddenFill>
+            </a:ext>
+            <a:ext uri="{91240B29-F687-4F45-9708-019B960494DF}">
+              <a14:hiddenLine xmlns:a14="http://schemas.microsoft.com/office/drawing/2010/main" w="9525">
+                <a:solidFill>
+                  <a:srgbClr val="000000"/>
+                </a:solidFill>
+                <a:miter lim="800000"/>
+                <a:headEnd/>
+                <a:tailEnd/>
+              </a14:hiddenLine>
+            </a:ext>
+          </a:extLst>
+        </p:spPr>
+      </p:pic>
+    </p:spTree>
+    <p:extLst>
+      <p:ext uri="{BB962C8B-B14F-4D97-AF65-F5344CB8AC3E}">
+        <p14:creationId xmlns:p14="http://schemas.microsoft.com/office/powerpoint/2010/main" val="3387491045"/>
+      </p:ext>
+    </p:extLst>
+  </p:cSld>
+  <p:clrMapOvr>
+    <a:masterClrMapping/>
+  </p:clrMapOvr>
+</p:sld>
+</file>
+
+<file path=ppt/slides/slide24.xml><?xml version="1.0" encoding="utf-8"?>
+<p:sld xmlns:a="http://schemas.openxmlformats.org/drawingml/2006/main" xmlns:r="http://schemas.openxmlformats.org/officeDocument/2006/relationships" xmlns:p="http://schemas.openxmlformats.org/presentationml/2006/main">
+  <p:cSld>
+    <p:spTree>
+      <p:nvGrpSpPr>
+        <p:cNvPr id="1" name="Shape 67"/>
+        <p:cNvGrpSpPr/>
+        <p:nvPr/>
+      </p:nvGrpSpPr>
+      <p:grpSpPr>
+        <a:xfrm>
+          <a:off x="0" y="0"/>
+          <a:ext cx="0" cy="0"/>
+          <a:chOff x="0" y="0"/>
+          <a:chExt cx="0" cy="0"/>
+        </a:xfrm>
+      </p:grpSpPr>
+      <p:sp>
+        <p:nvSpPr>
+          <p:cNvPr id="68" name="Google Shape;68;p15"/>
+          <p:cNvSpPr txBox="1">
+            <a:spLocks noGrp="1"/>
+          </p:cNvSpPr>
+          <p:nvPr>
+            <p:ph type="title"/>
+          </p:nvPr>
+        </p:nvSpPr>
+        <p:spPr>
+          <a:xfrm>
+            <a:off x="311700" y="287868"/>
+            <a:ext cx="8709458" cy="999066"/>
+          </a:xfrm>
+          <a:prstGeom prst="rect">
+            <a:avLst/>
+          </a:prstGeom>
+        </p:spPr>
+        <p:txBody>
+          <a:bodyPr spcFirstLastPara="1" wrap="square" lIns="91425" tIns="91425" rIns="91425" bIns="91425" anchor="t" anchorCtr="0">
+            <a:noAutofit/>
+          </a:bodyPr>
+          <a:lstStyle/>
+          <a:p>
+            <a:pPr algn="just"/>
+            <a:r>
+              <a:rPr lang="ru-RU" b="1" dirty="0">
+                <a:solidFill>
+                  <a:schemeClr val="tx1"/>
+                </a:solidFill>
+              </a:rPr>
+              <a:t>Дополнительный слайд №8. Пример отображения выделения типа ошибки по слову</a:t>
+            </a:r>
+          </a:p>
+        </p:txBody>
+      </p:sp>
+      <p:sp>
+        <p:nvSpPr>
+          <p:cNvPr id="69" name="Google Shape;69;p15"/>
+          <p:cNvSpPr txBox="1">
+            <a:spLocks noGrp="1"/>
+          </p:cNvSpPr>
+          <p:nvPr>
+            <p:ph type="sldNum" idx="12"/>
+          </p:nvPr>
+        </p:nvSpPr>
+        <p:spPr>
+          <a:xfrm>
+            <a:off x="8472458" y="6217622"/>
+            <a:ext cx="548700" cy="524700"/>
+          </a:xfrm>
+          <a:prstGeom prst="rect">
+            <a:avLst/>
+          </a:prstGeom>
+        </p:spPr>
+        <p:txBody>
+          <a:bodyPr spcFirstLastPara="1" wrap="square" lIns="91425" tIns="91425" rIns="91425" bIns="91425" anchor="ctr" anchorCtr="0">
+            <a:noAutofit/>
+          </a:bodyPr>
+          <a:lstStyle/>
+          <a:p>
+            <a:pPr marL="0" lvl="0" indent="0" algn="r" rtl="0">
+              <a:spcBef>
+                <a:spcPts val="0"/>
+              </a:spcBef>
+              <a:spcAft>
+                <a:spcPts val="0"/>
+              </a:spcAft>
+              <a:buNone/>
+            </a:pPr>
+            <a:fld id="{00000000-1234-1234-1234-123412341234}" type="slidenum">
+              <a:rPr lang="en"/>
+              <a:t>24</a:t>
+            </a:fld>
+            <a:endParaRPr/>
+          </a:p>
+        </p:txBody>
+      </p:sp>
+      <p:pic>
+        <p:nvPicPr>
+          <p:cNvPr id="9218" name="Picture 19">
+            <a:extLst>
+              <a:ext uri="{FF2B5EF4-FFF2-40B4-BE49-F238E27FC236}">
+                <a16:creationId xmlns:a16="http://schemas.microsoft.com/office/drawing/2014/main" id="{1AD062DA-0B98-49B0-8F52-4CFB59D8FA98}"/>
+              </a:ext>
+            </a:extLst>
+          </p:cNvPr>
+          <p:cNvPicPr>
+            <a:picLocks noChangeAspect="1" noChangeArrowheads="1"/>
+          </p:cNvPicPr>
+          <p:nvPr/>
+        </p:nvPicPr>
+        <p:blipFill>
+          <a:blip r:embed="rId3">
+            <a:extLst>
+              <a:ext uri="{28A0092B-C50C-407E-A947-70E740481C1C}">
+                <a14:useLocalDpi xmlns:a14="http://schemas.microsoft.com/office/drawing/2010/main" val="0"/>
+              </a:ext>
+            </a:extLst>
+          </a:blip>
+          <a:srcRect/>
+          <a:stretch>
+            <a:fillRect/>
+          </a:stretch>
+        </p:blipFill>
+        <p:spPr bwMode="auto">
+          <a:xfrm>
+            <a:off x="122842" y="1286934"/>
+            <a:ext cx="9038726" cy="4809066"/>
+          </a:xfrm>
+          <a:prstGeom prst="rect">
+            <a:avLst/>
+          </a:prstGeom>
+          <a:noFill/>
+          <a:ln>
+            <a:noFill/>
+          </a:ln>
+          <a:extLst>
+            <a:ext uri="{909E8E84-426E-40DD-AFC4-6F175D3DCCD1}">
+              <a14:hiddenFill xmlns:a14="http://schemas.microsoft.com/office/drawing/2010/main">
+                <a:solidFill>
+                  <a:srgbClr val="FFFFFF"/>
+                </a:solidFill>
+              </a14:hiddenFill>
+            </a:ext>
+            <a:ext uri="{91240B29-F687-4F45-9708-019B960494DF}">
+              <a14:hiddenLine xmlns:a14="http://schemas.microsoft.com/office/drawing/2010/main" w="9525">
+                <a:solidFill>
+                  <a:srgbClr val="000000"/>
+                </a:solidFill>
+                <a:miter lim="800000"/>
+                <a:headEnd/>
+                <a:tailEnd/>
+              </a14:hiddenLine>
+            </a:ext>
+          </a:extLst>
+        </p:spPr>
+      </p:pic>
+    </p:spTree>
+    <p:extLst>
+      <p:ext uri="{BB962C8B-B14F-4D97-AF65-F5344CB8AC3E}">
+        <p14:creationId xmlns:p14="http://schemas.microsoft.com/office/powerpoint/2010/main" val="3370344897"/>
+      </p:ext>
+    </p:extLst>
+  </p:cSld>
+  <p:clrMapOvr>
+    <a:masterClrMapping/>
+  </p:clrMapOvr>
+</p:sld>
+</file>
+
+<file path=ppt/slides/slide25.xml><?xml version="1.0" encoding="utf-8"?>
+<p:sld xmlns:a="http://schemas.openxmlformats.org/drawingml/2006/main" xmlns:r="http://schemas.openxmlformats.org/officeDocument/2006/relationships" xmlns:p="http://schemas.openxmlformats.org/presentationml/2006/main">
+  <p:cSld>
+    <p:spTree>
+      <p:nvGrpSpPr>
+        <p:cNvPr id="1" name="Shape 67"/>
+        <p:cNvGrpSpPr/>
+        <p:nvPr/>
+      </p:nvGrpSpPr>
+      <p:grpSpPr>
+        <a:xfrm>
+          <a:off x="0" y="0"/>
+          <a:ext cx="0" cy="0"/>
+          <a:chOff x="0" y="0"/>
+          <a:chExt cx="0" cy="0"/>
+        </a:xfrm>
+      </p:grpSpPr>
+      <p:sp>
+        <p:nvSpPr>
+          <p:cNvPr id="68" name="Google Shape;68;p15"/>
+          <p:cNvSpPr txBox="1">
+            <a:spLocks noGrp="1"/>
+          </p:cNvSpPr>
+          <p:nvPr>
+            <p:ph type="title"/>
+          </p:nvPr>
+        </p:nvSpPr>
+        <p:spPr>
+          <a:xfrm>
+            <a:off x="311700" y="287868"/>
+            <a:ext cx="8709458" cy="999066"/>
+          </a:xfrm>
+          <a:prstGeom prst="rect">
+            <a:avLst/>
+          </a:prstGeom>
+        </p:spPr>
+        <p:txBody>
+          <a:bodyPr spcFirstLastPara="1" wrap="square" lIns="91425" tIns="91425" rIns="91425" bIns="91425" anchor="t" anchorCtr="0">
+            <a:noAutofit/>
+          </a:bodyPr>
+          <a:lstStyle/>
+          <a:p>
+            <a:pPr algn="just"/>
+            <a:r>
+              <a:rPr lang="ru-RU" b="1" dirty="0">
+                <a:solidFill>
+                  <a:schemeClr val="tx1"/>
+                </a:solidFill>
+              </a:rPr>
+              <a:t>Дополнительный слайд №9. Полученные значения альфа по выборке</a:t>
+            </a:r>
+          </a:p>
+        </p:txBody>
+      </p:sp>
+      <p:sp>
+        <p:nvSpPr>
+          <p:cNvPr id="69" name="Google Shape;69;p15"/>
+          <p:cNvSpPr txBox="1">
+            <a:spLocks noGrp="1"/>
+          </p:cNvSpPr>
+          <p:nvPr>
+            <p:ph type="sldNum" idx="12"/>
+          </p:nvPr>
+        </p:nvSpPr>
+        <p:spPr>
+          <a:xfrm>
+            <a:off x="8472458" y="6217622"/>
+            <a:ext cx="548700" cy="524700"/>
+          </a:xfrm>
+          <a:prstGeom prst="rect">
+            <a:avLst/>
+          </a:prstGeom>
+        </p:spPr>
+        <p:txBody>
+          <a:bodyPr spcFirstLastPara="1" wrap="square" lIns="91425" tIns="91425" rIns="91425" bIns="91425" anchor="ctr" anchorCtr="0">
+            <a:noAutofit/>
+          </a:bodyPr>
+          <a:lstStyle/>
+          <a:p>
+            <a:pPr marL="0" lvl="0" indent="0" algn="r" rtl="0">
+              <a:spcBef>
+                <a:spcPts val="0"/>
+              </a:spcBef>
+              <a:spcAft>
+                <a:spcPts val="0"/>
+              </a:spcAft>
+              <a:buNone/>
+            </a:pPr>
+            <a:fld id="{00000000-1234-1234-1234-123412341234}" type="slidenum">
+              <a:rPr lang="en"/>
+              <a:t>25</a:t>
+            </a:fld>
+            <a:endParaRPr/>
+          </a:p>
+        </p:txBody>
+      </p:sp>
+      <p:pic>
+        <p:nvPicPr>
+          <p:cNvPr id="11266" name="Picture 2">
+            <a:extLst>
+              <a:ext uri="{FF2B5EF4-FFF2-40B4-BE49-F238E27FC236}">
+                <a16:creationId xmlns:a16="http://schemas.microsoft.com/office/drawing/2014/main" id="{CEA4EFD8-3CFD-434B-890C-2BB0EC6BBB05}"/>
+              </a:ext>
+            </a:extLst>
+          </p:cNvPr>
+          <p:cNvPicPr>
+            <a:picLocks noChangeAspect="1" noChangeArrowheads="1"/>
+          </p:cNvPicPr>
+          <p:nvPr/>
+        </p:nvPicPr>
+        <p:blipFill>
+          <a:blip r:embed="rId4">
+            <a:extLst>
+              <a:ext uri="{28A0092B-C50C-407E-A947-70E740481C1C}">
+                <a14:useLocalDpi xmlns:a14="http://schemas.microsoft.com/office/drawing/2010/main" val="0"/>
+              </a:ext>
+            </a:extLst>
+          </a:blip>
+          <a:srcRect/>
+          <a:stretch>
+            <a:fillRect/>
+          </a:stretch>
+        </p:blipFill>
+        <p:spPr bwMode="auto">
+          <a:xfrm>
+            <a:off x="222034" y="1266825"/>
+            <a:ext cx="8610266" cy="3606145"/>
+          </a:xfrm>
+          <a:prstGeom prst="rect">
+            <a:avLst/>
+          </a:prstGeom>
+          <a:noFill/>
+          <a:ln>
+            <a:noFill/>
+          </a:ln>
+          <a:extLst>
+            <a:ext uri="{909E8E84-426E-40DD-AFC4-6F175D3DCCD1}">
+              <a14:hiddenFill xmlns:a14="http://schemas.microsoft.com/office/drawing/2010/main">
+                <a:solidFill>
+                  <a:srgbClr val="FFFFFF"/>
+                </a:solidFill>
+              </a14:hiddenFill>
+            </a:ext>
+            <a:ext uri="{91240B29-F687-4F45-9708-019B960494DF}">
+              <a14:hiddenLine xmlns:a14="http://schemas.microsoft.com/office/drawing/2010/main" w="9525">
+                <a:solidFill>
+                  <a:srgbClr val="000000"/>
+                </a:solidFill>
+                <a:miter lim="800000"/>
+                <a:headEnd/>
+                <a:tailEnd/>
+              </a14:hiddenLine>
+            </a:ext>
+          </a:extLst>
+        </p:spPr>
+      </p:pic>
+      <p:graphicFrame>
+        <p:nvGraphicFramePr>
+          <p:cNvPr id="2" name="Table 1">
+            <a:extLst>
+              <a:ext uri="{FF2B5EF4-FFF2-40B4-BE49-F238E27FC236}">
+                <a16:creationId xmlns:a16="http://schemas.microsoft.com/office/drawing/2014/main" id="{2701C8DE-D04F-4CE5-A3EF-A9941BF5D1DA}"/>
+              </a:ext>
+            </a:extLst>
+          </p:cNvPr>
+          <p:cNvGraphicFramePr>
+            <a:graphicFrameLocks noGrp="1"/>
+          </p:cNvGraphicFramePr>
+          <p:nvPr>
+            <p:extLst>
+              <p:ext uri="{D42A27DB-BD31-4B8C-83A1-F6EECF244321}">
+                <p14:modId xmlns:p14="http://schemas.microsoft.com/office/powerpoint/2010/main" val="2108652646"/>
+              </p:ext>
+            </p:extLst>
+          </p:nvPr>
+        </p:nvGraphicFramePr>
+        <p:xfrm>
+          <a:off x="311699" y="4899035"/>
+          <a:ext cx="8307367" cy="1467898"/>
+        </p:xfrm>
+        <a:graphic>
+          <a:graphicData uri="http://schemas.openxmlformats.org/drawingml/2006/table">
+            <a:tbl>
+              <a:tblPr firstRow="1" firstCol="1" bandRow="1">
+                <a:tableStyleId>{224C2084-A9EC-46D5-958B-77548C50E710}</a:tableStyleId>
+              </a:tblPr>
+              <a:tblGrid>
+                <a:gridCol w="2768826">
+                  <a:extLst>
+                    <a:ext uri="{9D8B030D-6E8A-4147-A177-3AD203B41FA5}">
+                      <a16:colId xmlns:a16="http://schemas.microsoft.com/office/drawing/2014/main" val="441268182"/>
+                    </a:ext>
+                  </a:extLst>
+                </a:gridCol>
+                <a:gridCol w="2768826">
+                  <a:extLst>
+                    <a:ext uri="{9D8B030D-6E8A-4147-A177-3AD203B41FA5}">
+                      <a16:colId xmlns:a16="http://schemas.microsoft.com/office/drawing/2014/main" val="453543045"/>
+                    </a:ext>
+                  </a:extLst>
+                </a:gridCol>
+                <a:gridCol w="2769715">
+                  <a:extLst>
+                    <a:ext uri="{9D8B030D-6E8A-4147-A177-3AD203B41FA5}">
+                      <a16:colId xmlns:a16="http://schemas.microsoft.com/office/drawing/2014/main" val="2597984906"/>
+                    </a:ext>
+                  </a:extLst>
+                </a:gridCol>
+              </a:tblGrid>
+              <a:tr h="733949">
+                <a:tc>
+                  <a:txBody>
+                    <a:bodyPr/>
+                    <a:lstStyle/>
+                    <a:p>
+                      <a:pPr algn="just">
+                        <a:lnSpc>
+                          <a:spcPct val="150000"/>
+                        </a:lnSpc>
+                        <a:spcAft>
+                          <a:spcPts val="0"/>
+                        </a:spcAft>
+                      </a:pPr>
+                      <a:r>
+                        <a:rPr lang="ru-RU" sz="2400" dirty="0">
+                          <a:effectLst/>
+                          <a:latin typeface="+mn-lt"/>
+                        </a:rPr>
+                        <a:t>Выборка</a:t>
+                      </a:r>
+                      <a:endParaRPr lang="en-US" sz="2400" dirty="0">
+                        <a:effectLst/>
+                        <a:latin typeface="+mn-lt"/>
+                        <a:ea typeface="Calibri" panose="020F0502020204030204" pitchFamily="34" charset="0"/>
+                        <a:cs typeface="Times New Roman" panose="02020603050405020304" pitchFamily="18" charset="0"/>
+                      </a:endParaRPr>
+                    </a:p>
+                  </a:txBody>
+                  <a:tcPr marL="68580" marR="68580" marT="0" marB="0"/>
+                </a:tc>
+                <a:tc>
+                  <a:txBody>
+                    <a:bodyPr/>
+                    <a:lstStyle/>
+                    <a:p>
+                      <a:pPr algn="just">
+                        <a:lnSpc>
+                          <a:spcPct val="150000"/>
+                        </a:lnSpc>
+                        <a:spcAft>
+                          <a:spcPts val="0"/>
+                        </a:spcAft>
+                      </a:pPr>
+                      <a:r>
+                        <a:rPr lang="ru-RU" sz="2400">
+                          <a:effectLst/>
+                          <a:latin typeface="+mn-lt"/>
+                        </a:rPr>
+                        <a:t>Мат. ожидание</a:t>
+                      </a:r>
+                      <a:endParaRPr lang="en-US" sz="2400">
+                        <a:effectLst/>
+                        <a:latin typeface="+mn-lt"/>
+                        <a:ea typeface="Calibri" panose="020F0502020204030204" pitchFamily="34" charset="0"/>
+                        <a:cs typeface="Times New Roman" panose="02020603050405020304" pitchFamily="18" charset="0"/>
+                      </a:endParaRPr>
+                    </a:p>
+                  </a:txBody>
+                  <a:tcPr marL="68580" marR="68580" marT="0" marB="0"/>
+                </a:tc>
+                <a:tc>
+                  <a:txBody>
+                    <a:bodyPr/>
+                    <a:lstStyle/>
+                    <a:p>
+                      <a:pPr algn="just">
+                        <a:lnSpc>
+                          <a:spcPct val="150000"/>
+                        </a:lnSpc>
+                        <a:spcAft>
+                          <a:spcPts val="0"/>
+                        </a:spcAft>
+                      </a:pPr>
+                      <a:r>
+                        <a:rPr lang="ru-RU" sz="2400">
+                          <a:effectLst/>
+                          <a:latin typeface="+mn-lt"/>
+                        </a:rPr>
+                        <a:t>Дисперсия</a:t>
+                      </a:r>
+                      <a:endParaRPr lang="en-US" sz="2400">
+                        <a:effectLst/>
+                        <a:latin typeface="+mn-lt"/>
+                        <a:ea typeface="Calibri" panose="020F0502020204030204" pitchFamily="34" charset="0"/>
+                        <a:cs typeface="Times New Roman" panose="02020603050405020304" pitchFamily="18" charset="0"/>
+                      </a:endParaRPr>
+                    </a:p>
+                  </a:txBody>
+                  <a:tcPr marL="68580" marR="68580" marT="0" marB="0"/>
+                </a:tc>
+                <a:extLst>
+                  <a:ext uri="{0D108BD9-81ED-4DB2-BD59-A6C34878D82A}">
+                    <a16:rowId xmlns:a16="http://schemas.microsoft.com/office/drawing/2014/main" val="516845546"/>
+                  </a:ext>
+                </a:extLst>
+              </a:tr>
+              <a:tr h="733949">
+                <a:tc>
+                  <a:txBody>
+                    <a:bodyPr/>
+                    <a:lstStyle/>
+                    <a:p>
+                      <a:pPr algn="just">
+                        <a:lnSpc>
+                          <a:spcPct val="150000"/>
+                        </a:lnSpc>
+                        <a:spcAft>
+                          <a:spcPts val="0"/>
+                        </a:spcAft>
+                      </a:pPr>
+                      <a:endParaRPr lang="ru-RU" sz="2400" dirty="0">
+                        <a:effectLst/>
+                        <a:latin typeface="+mn-lt"/>
+                        <a:ea typeface="Times New Roman" panose="02020603050405020304" pitchFamily="18" charset="0"/>
+                        <a:cs typeface="Times New Roman" panose="02020603050405020304" pitchFamily="18" charset="0"/>
+                      </a:endParaRPr>
+                    </a:p>
+                  </a:txBody>
+                  <a:tcPr marL="68580" marR="68580" marT="0" marB="0"/>
+                </a:tc>
+                <a:tc>
+                  <a:txBody>
+                    <a:bodyPr/>
+                    <a:lstStyle/>
+                    <a:p>
+                      <a:pPr algn="just">
+                        <a:lnSpc>
+                          <a:spcPct val="150000"/>
+                        </a:lnSpc>
+                        <a:spcAft>
+                          <a:spcPts val="0"/>
+                        </a:spcAft>
+                      </a:pPr>
+                      <a:r>
+                        <a:rPr lang="en-US" sz="2400">
+                          <a:effectLst/>
+                          <a:latin typeface="+mn-lt"/>
+                        </a:rPr>
+                        <a:t>9.822</a:t>
+                      </a:r>
+                      <a:endParaRPr lang="en-US" sz="2400">
+                        <a:effectLst/>
+                        <a:latin typeface="+mn-lt"/>
+                        <a:ea typeface="Calibri" panose="020F0502020204030204" pitchFamily="34" charset="0"/>
+                        <a:cs typeface="Times New Roman" panose="02020603050405020304" pitchFamily="18" charset="0"/>
+                      </a:endParaRPr>
+                    </a:p>
+                  </a:txBody>
+                  <a:tcPr marL="68580" marR="68580" marT="0" marB="0"/>
+                </a:tc>
+                <a:tc>
+                  <a:txBody>
+                    <a:bodyPr/>
+                    <a:lstStyle/>
+                    <a:p>
+                      <a:pPr algn="just">
+                        <a:lnSpc>
+                          <a:spcPct val="150000"/>
+                        </a:lnSpc>
+                        <a:spcAft>
+                          <a:spcPts val="0"/>
+                        </a:spcAft>
+                      </a:pPr>
+                      <a:r>
+                        <a:rPr lang="en-US" sz="2400" dirty="0">
+                          <a:effectLst/>
+                          <a:latin typeface="+mn-lt"/>
+                        </a:rPr>
+                        <a:t>3.902</a:t>
+                      </a:r>
+                      <a:endParaRPr lang="en-US" sz="2400" dirty="0">
+                        <a:effectLst/>
+                        <a:latin typeface="+mn-lt"/>
+                        <a:ea typeface="Calibri" panose="020F0502020204030204" pitchFamily="34" charset="0"/>
+                        <a:cs typeface="Times New Roman" panose="02020603050405020304" pitchFamily="18" charset="0"/>
+                      </a:endParaRPr>
+                    </a:p>
+                  </a:txBody>
+                  <a:tcPr marL="68580" marR="68580" marT="0" marB="0"/>
+                </a:tc>
+                <a:extLst>
+                  <a:ext uri="{0D108BD9-81ED-4DB2-BD59-A6C34878D82A}">
+                    <a16:rowId xmlns:a16="http://schemas.microsoft.com/office/drawing/2014/main" val="888053406"/>
+                  </a:ext>
+                </a:extLst>
+              </a:tr>
+            </a:tbl>
+          </a:graphicData>
+        </a:graphic>
+      </p:graphicFrame>
+      <p:graphicFrame>
+        <p:nvGraphicFramePr>
+          <p:cNvPr id="3" name="Object 2">
+            <a:extLst>
+              <a:ext uri="{FF2B5EF4-FFF2-40B4-BE49-F238E27FC236}">
+                <a16:creationId xmlns:a16="http://schemas.microsoft.com/office/drawing/2014/main" id="{B9FC9694-8309-423A-BFA0-D8B1A8692BC9}"/>
+              </a:ext>
+            </a:extLst>
+          </p:cNvPr>
+          <p:cNvGraphicFramePr>
+            <a:graphicFrameLocks noChangeAspect="1"/>
+          </p:cNvGraphicFramePr>
+          <p:nvPr>
+            <p:extLst>
+              <p:ext uri="{D42A27DB-BD31-4B8C-83A1-F6EECF244321}">
+                <p14:modId xmlns:p14="http://schemas.microsoft.com/office/powerpoint/2010/main" val="910105972"/>
+              </p:ext>
+            </p:extLst>
+          </p:nvPr>
+        </p:nvGraphicFramePr>
+        <p:xfrm>
+          <a:off x="1331433" y="5703216"/>
+          <a:ext cx="548700" cy="514406"/>
+        </p:xfrm>
+        <a:graphic>
+          <a:graphicData uri="http://schemas.openxmlformats.org/presentationml/2006/ole">
+            <mc:AlternateContent xmlns:mc="http://schemas.openxmlformats.org/markup-compatibility/2006">
+              <mc:Choice xmlns:v="urn:schemas-microsoft-com:vml" Requires="v">
+                <p:oleObj spid="_x0000_s11270" name="Equation" r:id="rId5" imgW="152334" imgH="139639" progId="Equation.DSMT4">
+                  <p:embed/>
+                </p:oleObj>
+              </mc:Choice>
+              <mc:Fallback>
+                <p:oleObj name="Equation" r:id="rId5" imgW="152334" imgH="139639" progId="Equation.DSMT4">
+                  <p:embed/>
+                  <p:pic>
+                    <p:nvPicPr>
+                      <p:cNvPr id="0" name="Object 5"/>
+                      <p:cNvPicPr>
+                        <a:picLocks noChangeAspect="1" noChangeArrowheads="1"/>
+                      </p:cNvPicPr>
+                      <p:nvPr/>
+                    </p:nvPicPr>
+                    <p:blipFill>
+                      <a:blip r:embed="rId6">
+                        <a:extLst>
+                          <a:ext uri="{28A0092B-C50C-407E-A947-70E740481C1C}">
+                            <a14:useLocalDpi xmlns:a14="http://schemas.microsoft.com/office/drawing/2010/main" val="0"/>
+                          </a:ext>
+                        </a:extLst>
+                      </a:blip>
+                      <a:srcRect/>
+                      <a:stretch>
+                        <a:fillRect/>
+                      </a:stretch>
+                    </p:blipFill>
+                    <p:spPr bwMode="auto">
+                      <a:xfrm>
+                        <a:off x="1331433" y="5703216"/>
+                        <a:ext cx="548700" cy="514406"/>
+                      </a:xfrm>
+                      <a:prstGeom prst="rect">
+                        <a:avLst/>
+                      </a:prstGeom>
+                      <a:noFill/>
+                    </p:spPr>
+                  </p:pic>
+                </p:oleObj>
+              </mc:Fallback>
+            </mc:AlternateContent>
+          </a:graphicData>
+        </a:graphic>
+      </p:graphicFrame>
+    </p:spTree>
+    <p:extLst>
+      <p:ext uri="{BB962C8B-B14F-4D97-AF65-F5344CB8AC3E}">
+        <p14:creationId xmlns:p14="http://schemas.microsoft.com/office/powerpoint/2010/main" val="2231688464"/>
+      </p:ext>
+    </p:extLst>
+  </p:cSld>
+  <p:clrMapOvr>
+    <a:masterClrMapping/>
+  </p:clrMapOvr>
+</p:sld>
+</file>
+
+<file path=ppt/slides/slide26.xml><?xml version="1.0" encoding="utf-8"?>
+<p:sld xmlns:a="http://schemas.openxmlformats.org/drawingml/2006/main" xmlns:r="http://schemas.openxmlformats.org/officeDocument/2006/relationships" xmlns:p="http://schemas.openxmlformats.org/presentationml/2006/main">
+  <p:cSld>
+    <p:spTree>
+      <p:nvGrpSpPr>
+        <p:cNvPr id="1" name="Shape 67"/>
+        <p:cNvGrpSpPr/>
+        <p:nvPr/>
+      </p:nvGrpSpPr>
+      <p:grpSpPr>
+        <a:xfrm>
+          <a:off x="0" y="0"/>
+          <a:ext cx="0" cy="0"/>
+          <a:chOff x="0" y="0"/>
+          <a:chExt cx="0" cy="0"/>
+        </a:xfrm>
+      </p:grpSpPr>
+      <p:sp>
+        <p:nvSpPr>
+          <p:cNvPr id="68" name="Google Shape;68;p15"/>
+          <p:cNvSpPr txBox="1">
+            <a:spLocks noGrp="1"/>
+          </p:cNvSpPr>
+          <p:nvPr>
+            <p:ph type="title"/>
+          </p:nvPr>
+        </p:nvSpPr>
+        <p:spPr>
+          <a:xfrm>
+            <a:off x="311700" y="287868"/>
+            <a:ext cx="8709458" cy="999066"/>
+          </a:xfrm>
+          <a:prstGeom prst="rect">
+            <a:avLst/>
+          </a:prstGeom>
+        </p:spPr>
+        <p:txBody>
+          <a:bodyPr spcFirstLastPara="1" wrap="square" lIns="91425" tIns="91425" rIns="91425" bIns="91425" anchor="t" anchorCtr="0">
+            <a:noAutofit/>
+          </a:bodyPr>
+          <a:lstStyle/>
+          <a:p>
+            <a:pPr algn="just"/>
+            <a:r>
+              <a:rPr lang="ru-RU" b="1" dirty="0">
+                <a:solidFill>
+                  <a:schemeClr val="tx1"/>
+                </a:solidFill>
+              </a:rPr>
+              <a:t>Дополнительный слайд №9. Полученные значения бета по выборке</a:t>
+            </a:r>
+          </a:p>
+        </p:txBody>
+      </p:sp>
+      <p:sp>
+        <p:nvSpPr>
+          <p:cNvPr id="69" name="Google Shape;69;p15"/>
+          <p:cNvSpPr txBox="1">
+            <a:spLocks noGrp="1"/>
+          </p:cNvSpPr>
+          <p:nvPr>
+            <p:ph type="sldNum" idx="12"/>
+          </p:nvPr>
+        </p:nvSpPr>
+        <p:spPr>
+          <a:xfrm>
+            <a:off x="8472458" y="6217622"/>
+            <a:ext cx="548700" cy="524700"/>
+          </a:xfrm>
+          <a:prstGeom prst="rect">
+            <a:avLst/>
+          </a:prstGeom>
+        </p:spPr>
+        <p:txBody>
+          <a:bodyPr spcFirstLastPara="1" wrap="square" lIns="91425" tIns="91425" rIns="91425" bIns="91425" anchor="ctr" anchorCtr="0">
+            <a:noAutofit/>
+          </a:bodyPr>
+          <a:lstStyle/>
+          <a:p>
+            <a:pPr marL="0" lvl="0" indent="0" algn="r" rtl="0">
+              <a:spcBef>
+                <a:spcPts val="0"/>
+              </a:spcBef>
+              <a:spcAft>
+                <a:spcPts val="0"/>
+              </a:spcAft>
+              <a:buNone/>
+            </a:pPr>
+            <a:fld id="{00000000-1234-1234-1234-123412341234}" type="slidenum">
+              <a:rPr lang="en"/>
+              <a:t>26</a:t>
+            </a:fld>
+            <a:endParaRPr/>
+          </a:p>
+        </p:txBody>
+      </p:sp>
+      <p:pic>
+        <p:nvPicPr>
+          <p:cNvPr id="12290" name="Picture 9">
+            <a:extLst>
+              <a:ext uri="{FF2B5EF4-FFF2-40B4-BE49-F238E27FC236}">
+                <a16:creationId xmlns:a16="http://schemas.microsoft.com/office/drawing/2014/main" id="{1049A93C-7AC0-4DC3-B961-03FAB5093ADB}"/>
+              </a:ext>
+            </a:extLst>
+          </p:cNvPr>
+          <p:cNvPicPr>
+            <a:picLocks noChangeAspect="1" noChangeArrowheads="1"/>
+          </p:cNvPicPr>
+          <p:nvPr/>
+        </p:nvPicPr>
+        <p:blipFill>
+          <a:blip r:embed="rId4">
+            <a:extLst>
+              <a:ext uri="{28A0092B-C50C-407E-A947-70E740481C1C}">
+                <a14:useLocalDpi xmlns:a14="http://schemas.microsoft.com/office/drawing/2010/main" val="0"/>
+              </a:ext>
+            </a:extLst>
+          </a:blip>
+          <a:srcRect/>
+          <a:stretch>
+            <a:fillRect/>
+          </a:stretch>
+        </p:blipFill>
+        <p:spPr bwMode="auto">
+          <a:xfrm>
+            <a:off x="311700" y="1286933"/>
+            <a:ext cx="8520600" cy="3338941"/>
+          </a:xfrm>
+          <a:prstGeom prst="rect">
+            <a:avLst/>
+          </a:prstGeom>
+          <a:noFill/>
+          <a:ln>
+            <a:noFill/>
+          </a:ln>
+          <a:extLst>
+            <a:ext uri="{909E8E84-426E-40DD-AFC4-6F175D3DCCD1}">
+              <a14:hiddenFill xmlns:a14="http://schemas.microsoft.com/office/drawing/2010/main">
+                <a:solidFill>
+                  <a:srgbClr val="FFFFFF"/>
+                </a:solidFill>
+              </a14:hiddenFill>
+            </a:ext>
+            <a:ext uri="{91240B29-F687-4F45-9708-019B960494DF}">
+              <a14:hiddenLine xmlns:a14="http://schemas.microsoft.com/office/drawing/2010/main" w="9525">
+                <a:solidFill>
+                  <a:srgbClr val="000000"/>
+                </a:solidFill>
+                <a:miter lim="800000"/>
+                <a:headEnd/>
+                <a:tailEnd/>
+              </a14:hiddenLine>
+            </a:ext>
+          </a:extLst>
+        </p:spPr>
+      </p:pic>
+      <p:graphicFrame>
+        <p:nvGraphicFramePr>
+          <p:cNvPr id="2" name="Table 1">
+            <a:extLst>
+              <a:ext uri="{FF2B5EF4-FFF2-40B4-BE49-F238E27FC236}">
+                <a16:creationId xmlns:a16="http://schemas.microsoft.com/office/drawing/2014/main" id="{7D7342B7-FBEF-4368-A4D3-DFB8B876A873}"/>
+              </a:ext>
+            </a:extLst>
+          </p:cNvPr>
+          <p:cNvGraphicFramePr>
+            <a:graphicFrameLocks noGrp="1"/>
+          </p:cNvGraphicFramePr>
+          <p:nvPr>
+            <p:extLst>
+              <p:ext uri="{D42A27DB-BD31-4B8C-83A1-F6EECF244321}">
+                <p14:modId xmlns:p14="http://schemas.microsoft.com/office/powerpoint/2010/main" val="1602742716"/>
+              </p:ext>
+            </p:extLst>
+          </p:nvPr>
+        </p:nvGraphicFramePr>
+        <p:xfrm>
+          <a:off x="311700" y="4635006"/>
+          <a:ext cx="8160759" cy="1765794"/>
+        </p:xfrm>
+        <a:graphic>
+          <a:graphicData uri="http://schemas.openxmlformats.org/drawingml/2006/table">
+            <a:tbl>
+              <a:tblPr firstRow="1" firstCol="1" bandRow="1">
+                <a:tableStyleId>{224C2084-A9EC-46D5-958B-77548C50E710}</a:tableStyleId>
+              </a:tblPr>
+              <a:tblGrid>
+                <a:gridCol w="2719962">
+                  <a:extLst>
+                    <a:ext uri="{9D8B030D-6E8A-4147-A177-3AD203B41FA5}">
+                      <a16:colId xmlns:a16="http://schemas.microsoft.com/office/drawing/2014/main" val="3401341809"/>
+                    </a:ext>
+                  </a:extLst>
+                </a:gridCol>
+                <a:gridCol w="2719962">
+                  <a:extLst>
+                    <a:ext uri="{9D8B030D-6E8A-4147-A177-3AD203B41FA5}">
+                      <a16:colId xmlns:a16="http://schemas.microsoft.com/office/drawing/2014/main" val="481526536"/>
+                    </a:ext>
+                  </a:extLst>
+                </a:gridCol>
+                <a:gridCol w="2720835">
+                  <a:extLst>
+                    <a:ext uri="{9D8B030D-6E8A-4147-A177-3AD203B41FA5}">
+                      <a16:colId xmlns:a16="http://schemas.microsoft.com/office/drawing/2014/main" val="557538829"/>
+                    </a:ext>
+                  </a:extLst>
+                </a:gridCol>
+              </a:tblGrid>
+              <a:tr h="882897">
+                <a:tc>
+                  <a:txBody>
+                    <a:bodyPr/>
+                    <a:lstStyle/>
+                    <a:p>
+                      <a:pPr algn="just">
+                        <a:lnSpc>
+                          <a:spcPct val="150000"/>
+                        </a:lnSpc>
+                        <a:spcAft>
+                          <a:spcPts val="0"/>
+                        </a:spcAft>
+                      </a:pPr>
+                      <a:r>
+                        <a:rPr lang="ru-RU" sz="2400" dirty="0">
+                          <a:effectLst/>
+                          <a:latin typeface="+mn-lt"/>
+                        </a:rPr>
+                        <a:t>Выборка</a:t>
+                      </a:r>
+                      <a:endParaRPr lang="en-US" sz="2400" dirty="0">
+                        <a:effectLst/>
+                        <a:latin typeface="+mn-lt"/>
+                        <a:ea typeface="Calibri" panose="020F0502020204030204" pitchFamily="34" charset="0"/>
+                        <a:cs typeface="Times New Roman" panose="02020603050405020304" pitchFamily="18" charset="0"/>
+                      </a:endParaRPr>
+                    </a:p>
+                  </a:txBody>
+                  <a:tcPr marL="68580" marR="68580" marT="0" marB="0"/>
+                </a:tc>
+                <a:tc>
+                  <a:txBody>
+                    <a:bodyPr/>
+                    <a:lstStyle/>
+                    <a:p>
+                      <a:pPr algn="just">
+                        <a:lnSpc>
+                          <a:spcPct val="150000"/>
+                        </a:lnSpc>
+                        <a:spcAft>
+                          <a:spcPts val="0"/>
+                        </a:spcAft>
+                      </a:pPr>
+                      <a:r>
+                        <a:rPr lang="ru-RU" sz="2400" dirty="0">
+                          <a:effectLst/>
+                          <a:latin typeface="+mn-lt"/>
+                        </a:rPr>
+                        <a:t>Мат. ожидание</a:t>
+                      </a:r>
+                      <a:endParaRPr lang="en-US" sz="2400" dirty="0">
+                        <a:effectLst/>
+                        <a:latin typeface="+mn-lt"/>
+                        <a:ea typeface="Calibri" panose="020F0502020204030204" pitchFamily="34" charset="0"/>
+                        <a:cs typeface="Times New Roman" panose="02020603050405020304" pitchFamily="18" charset="0"/>
+                      </a:endParaRPr>
+                    </a:p>
+                  </a:txBody>
+                  <a:tcPr marL="68580" marR="68580" marT="0" marB="0"/>
+                </a:tc>
+                <a:tc>
+                  <a:txBody>
+                    <a:bodyPr/>
+                    <a:lstStyle/>
+                    <a:p>
+                      <a:pPr algn="just">
+                        <a:lnSpc>
+                          <a:spcPct val="150000"/>
+                        </a:lnSpc>
+                        <a:spcAft>
+                          <a:spcPts val="0"/>
+                        </a:spcAft>
+                      </a:pPr>
+                      <a:r>
+                        <a:rPr lang="ru-RU" sz="2400">
+                          <a:effectLst/>
+                          <a:latin typeface="+mn-lt"/>
+                        </a:rPr>
+                        <a:t>Дисперсия</a:t>
+                      </a:r>
+                      <a:endParaRPr lang="en-US" sz="2400">
+                        <a:effectLst/>
+                        <a:latin typeface="+mn-lt"/>
+                        <a:ea typeface="Calibri" panose="020F0502020204030204" pitchFamily="34" charset="0"/>
+                        <a:cs typeface="Times New Roman" panose="02020603050405020304" pitchFamily="18" charset="0"/>
+                      </a:endParaRPr>
+                    </a:p>
+                  </a:txBody>
+                  <a:tcPr marL="68580" marR="68580" marT="0" marB="0"/>
+                </a:tc>
+                <a:extLst>
+                  <a:ext uri="{0D108BD9-81ED-4DB2-BD59-A6C34878D82A}">
+                    <a16:rowId xmlns:a16="http://schemas.microsoft.com/office/drawing/2014/main" val="3376550214"/>
+                  </a:ext>
+                </a:extLst>
+              </a:tr>
+              <a:tr h="882897">
+                <a:tc>
+                  <a:txBody>
+                    <a:bodyPr/>
+                    <a:lstStyle/>
+                    <a:p>
+                      <a:pPr algn="just">
+                        <a:lnSpc>
+                          <a:spcPct val="150000"/>
+                        </a:lnSpc>
+                        <a:spcAft>
+                          <a:spcPts val="0"/>
+                        </a:spcAft>
+                      </a:pPr>
+                      <a:endParaRPr lang="ru-RU" sz="2400">
+                        <a:effectLst/>
+                        <a:latin typeface="+mn-lt"/>
+                        <a:ea typeface="Times New Roman" panose="02020603050405020304" pitchFamily="18" charset="0"/>
+                        <a:cs typeface="Times New Roman" panose="02020603050405020304" pitchFamily="18" charset="0"/>
+                      </a:endParaRPr>
+                    </a:p>
+                  </a:txBody>
+                  <a:tcPr marL="68580" marR="68580" marT="0" marB="0"/>
+                </a:tc>
+                <a:tc>
+                  <a:txBody>
+                    <a:bodyPr/>
+                    <a:lstStyle/>
+                    <a:p>
+                      <a:pPr algn="just">
+                        <a:lnSpc>
+                          <a:spcPct val="150000"/>
+                        </a:lnSpc>
+                        <a:spcAft>
+                          <a:spcPts val="0"/>
+                        </a:spcAft>
+                      </a:pPr>
+                      <a:r>
+                        <a:rPr lang="en-US" sz="2400">
+                          <a:effectLst/>
+                          <a:latin typeface="+mn-lt"/>
+                        </a:rPr>
+                        <a:t>17.145</a:t>
+                      </a:r>
+                      <a:endParaRPr lang="en-US" sz="2400">
+                        <a:effectLst/>
+                        <a:latin typeface="+mn-lt"/>
+                        <a:ea typeface="Calibri" panose="020F0502020204030204" pitchFamily="34" charset="0"/>
+                        <a:cs typeface="Times New Roman" panose="02020603050405020304" pitchFamily="18" charset="0"/>
+                      </a:endParaRPr>
+                    </a:p>
+                  </a:txBody>
+                  <a:tcPr marL="68580" marR="68580" marT="0" marB="0"/>
+                </a:tc>
+                <a:tc>
+                  <a:txBody>
+                    <a:bodyPr/>
+                    <a:lstStyle/>
+                    <a:p>
+                      <a:pPr algn="just">
+                        <a:lnSpc>
+                          <a:spcPct val="150000"/>
+                        </a:lnSpc>
+                        <a:spcAft>
+                          <a:spcPts val="0"/>
+                        </a:spcAft>
+                      </a:pPr>
+                      <a:r>
+                        <a:rPr lang="en-US" sz="2400" dirty="0">
+                          <a:effectLst/>
+                          <a:latin typeface="+mn-lt"/>
+                        </a:rPr>
+                        <a:t>3.082</a:t>
+                      </a:r>
+                      <a:endParaRPr lang="en-US" sz="2400" dirty="0">
+                        <a:effectLst/>
+                        <a:latin typeface="+mn-lt"/>
+                        <a:ea typeface="Calibri" panose="020F0502020204030204" pitchFamily="34" charset="0"/>
+                        <a:cs typeface="Times New Roman" panose="02020603050405020304" pitchFamily="18" charset="0"/>
+                      </a:endParaRPr>
+                    </a:p>
+                  </a:txBody>
+                  <a:tcPr marL="68580" marR="68580" marT="0" marB="0"/>
+                </a:tc>
+                <a:extLst>
+                  <a:ext uri="{0D108BD9-81ED-4DB2-BD59-A6C34878D82A}">
+                    <a16:rowId xmlns:a16="http://schemas.microsoft.com/office/drawing/2014/main" val="3858470288"/>
+                  </a:ext>
+                </a:extLst>
+              </a:tr>
+            </a:tbl>
+          </a:graphicData>
+        </a:graphic>
+      </p:graphicFrame>
+      <p:graphicFrame>
+        <p:nvGraphicFramePr>
+          <p:cNvPr id="4" name="Object 3">
+            <a:extLst>
+              <a:ext uri="{FF2B5EF4-FFF2-40B4-BE49-F238E27FC236}">
+                <a16:creationId xmlns:a16="http://schemas.microsoft.com/office/drawing/2014/main" id="{05A4F2C4-4226-4B5D-91BA-D2A78BAD4F58}"/>
+              </a:ext>
+            </a:extLst>
+          </p:cNvPr>
+          <p:cNvGraphicFramePr>
+            <a:graphicFrameLocks noChangeAspect="1"/>
+          </p:cNvGraphicFramePr>
+          <p:nvPr>
+            <p:extLst>
+              <p:ext uri="{D42A27DB-BD31-4B8C-83A1-F6EECF244321}">
+                <p14:modId xmlns:p14="http://schemas.microsoft.com/office/powerpoint/2010/main" val="1771091940"/>
+              </p:ext>
+            </p:extLst>
+          </p:nvPr>
+        </p:nvGraphicFramePr>
+        <p:xfrm>
+          <a:off x="1260285" y="5517903"/>
+          <a:ext cx="466916" cy="612828"/>
+        </p:xfrm>
+        <a:graphic>
+          <a:graphicData uri="http://schemas.openxmlformats.org/presentationml/2006/ole">
+            <mc:AlternateContent xmlns:mc="http://schemas.openxmlformats.org/markup-compatibility/2006">
+              <mc:Choice xmlns:v="urn:schemas-microsoft-com:vml" Requires="v">
+                <p:oleObj spid="_x0000_s12294" name="Equation" r:id="rId5" imgW="152268" imgH="203024" progId="Equation.DSMT4">
+                  <p:embed/>
+                </p:oleObj>
+              </mc:Choice>
+              <mc:Fallback>
+                <p:oleObj name="Equation" r:id="rId5" imgW="152268" imgH="203024" progId="Equation.DSMT4">
+                  <p:embed/>
+                  <p:pic>
+                    <p:nvPicPr>
+                      <p:cNvPr id="0" name="Object 4"/>
+                      <p:cNvPicPr>
+                        <a:picLocks noChangeAspect="1" noChangeArrowheads="1"/>
+                      </p:cNvPicPr>
+                      <p:nvPr/>
+                    </p:nvPicPr>
+                    <p:blipFill>
+                      <a:blip r:embed="rId6">
+                        <a:extLst>
+                          <a:ext uri="{28A0092B-C50C-407E-A947-70E740481C1C}">
+                            <a14:useLocalDpi xmlns:a14="http://schemas.microsoft.com/office/drawing/2010/main" val="0"/>
+                          </a:ext>
+                        </a:extLst>
+                      </a:blip>
+                      <a:srcRect/>
+                      <a:stretch>
+                        <a:fillRect/>
+                      </a:stretch>
+                    </p:blipFill>
+                    <p:spPr bwMode="auto">
+                      <a:xfrm>
+                        <a:off x="1260285" y="5517903"/>
+                        <a:ext cx="466916" cy="612828"/>
+                      </a:xfrm>
+                      <a:prstGeom prst="rect">
+                        <a:avLst/>
+                      </a:prstGeom>
+                      <a:noFill/>
+                    </p:spPr>
+                  </p:pic>
+                </p:oleObj>
+              </mc:Fallback>
+            </mc:AlternateContent>
+          </a:graphicData>
+        </a:graphic>
+      </p:graphicFrame>
+    </p:spTree>
+    <p:extLst>
+      <p:ext uri="{BB962C8B-B14F-4D97-AF65-F5344CB8AC3E}">
+        <p14:creationId xmlns:p14="http://schemas.microsoft.com/office/powerpoint/2010/main" val="837295481"/>
+      </p:ext>
+    </p:extLst>
+  </p:cSld>
+  <p:clrMapOvr>
+    <a:masterClrMapping/>
+  </p:clrMapOvr>
+</p:sld>
+</file>
+
+<file path=ppt/slides/slide27.xml><?xml version="1.0" encoding="utf-8"?>
+<p:sld xmlns:a="http://schemas.openxmlformats.org/drawingml/2006/main" xmlns:r="http://schemas.openxmlformats.org/officeDocument/2006/relationships" xmlns:p="http://schemas.openxmlformats.org/presentationml/2006/main">
+  <p:cSld>
+    <p:spTree>
+      <p:nvGrpSpPr>
+        <p:cNvPr id="1" name="Shape 67"/>
+        <p:cNvGrpSpPr/>
+        <p:nvPr/>
+      </p:nvGrpSpPr>
+      <p:grpSpPr>
+        <a:xfrm>
+          <a:off x="0" y="0"/>
+          <a:ext cx="0" cy="0"/>
+          <a:chOff x="0" y="0"/>
+          <a:chExt cx="0" cy="0"/>
+        </a:xfrm>
+      </p:grpSpPr>
+      <p:sp>
+        <p:nvSpPr>
+          <p:cNvPr id="68" name="Google Shape;68;p15"/>
+          <p:cNvSpPr txBox="1">
+            <a:spLocks noGrp="1"/>
+          </p:cNvSpPr>
+          <p:nvPr>
+            <p:ph type="title"/>
+          </p:nvPr>
+        </p:nvSpPr>
+        <p:spPr>
+          <a:xfrm>
+            <a:off x="311700" y="287868"/>
+            <a:ext cx="8709458" cy="999066"/>
+          </a:xfrm>
+          <a:prstGeom prst="rect">
+            <a:avLst/>
+          </a:prstGeom>
+        </p:spPr>
+        <p:txBody>
+          <a:bodyPr spcFirstLastPara="1" wrap="square" lIns="91425" tIns="91425" rIns="91425" bIns="91425" anchor="t" anchorCtr="0">
+            <a:noAutofit/>
+          </a:bodyPr>
+          <a:lstStyle/>
+          <a:p>
+            <a:pPr algn="just"/>
+            <a:r>
+              <a:rPr lang="ru-RU" b="1" dirty="0">
+                <a:solidFill>
+                  <a:schemeClr val="tx1"/>
+                </a:solidFill>
+              </a:rPr>
+              <a:t>Дополнительный слайд №9. Полученные значения лямбда по выборке</a:t>
+            </a:r>
+          </a:p>
+        </p:txBody>
+      </p:sp>
+      <p:sp>
+        <p:nvSpPr>
+          <p:cNvPr id="69" name="Google Shape;69;p15"/>
+          <p:cNvSpPr txBox="1">
+            <a:spLocks noGrp="1"/>
+          </p:cNvSpPr>
+          <p:nvPr>
+            <p:ph type="sldNum" idx="12"/>
+          </p:nvPr>
+        </p:nvSpPr>
+        <p:spPr>
+          <a:xfrm>
+            <a:off x="8472458" y="6217622"/>
+            <a:ext cx="548700" cy="524700"/>
+          </a:xfrm>
+          <a:prstGeom prst="rect">
+            <a:avLst/>
+          </a:prstGeom>
+        </p:spPr>
+        <p:txBody>
+          <a:bodyPr spcFirstLastPara="1" wrap="square" lIns="91425" tIns="91425" rIns="91425" bIns="91425" anchor="ctr" anchorCtr="0">
+            <a:noAutofit/>
+          </a:bodyPr>
+          <a:lstStyle/>
+          <a:p>
+            <a:pPr marL="0" lvl="0" indent="0" algn="r" rtl="0">
+              <a:spcBef>
+                <a:spcPts val="0"/>
+              </a:spcBef>
+              <a:spcAft>
+                <a:spcPts val="0"/>
+              </a:spcAft>
+              <a:buNone/>
+            </a:pPr>
+            <a:fld id="{00000000-1234-1234-1234-123412341234}" type="slidenum">
+              <a:rPr lang="en"/>
+              <a:t>27</a:t>
+            </a:fld>
+            <a:endParaRPr/>
+          </a:p>
+        </p:txBody>
+      </p:sp>
+      <p:pic>
+        <p:nvPicPr>
+          <p:cNvPr id="13314" name="Picture 8">
+            <a:extLst>
+              <a:ext uri="{FF2B5EF4-FFF2-40B4-BE49-F238E27FC236}">
+                <a16:creationId xmlns:a16="http://schemas.microsoft.com/office/drawing/2014/main" id="{2DC3F333-D264-4E61-8369-A55FBA0B6EB5}"/>
+              </a:ext>
+            </a:extLst>
+          </p:cNvPr>
+          <p:cNvPicPr>
+            <a:picLocks noChangeAspect="1" noChangeArrowheads="1"/>
+          </p:cNvPicPr>
+          <p:nvPr/>
+        </p:nvPicPr>
+        <p:blipFill>
+          <a:blip r:embed="rId4">
+            <a:extLst>
+              <a:ext uri="{28A0092B-C50C-407E-A947-70E740481C1C}">
+                <a14:useLocalDpi xmlns:a14="http://schemas.microsoft.com/office/drawing/2010/main" val="0"/>
+              </a:ext>
+            </a:extLst>
+          </a:blip>
+          <a:srcRect/>
+          <a:stretch>
+            <a:fillRect/>
+          </a:stretch>
+        </p:blipFill>
+        <p:spPr bwMode="auto">
+          <a:xfrm>
+            <a:off x="311700" y="1362075"/>
+            <a:ext cx="8530114" cy="3446992"/>
+          </a:xfrm>
+          <a:prstGeom prst="rect">
+            <a:avLst/>
+          </a:prstGeom>
+          <a:noFill/>
+          <a:ln>
+            <a:noFill/>
+          </a:ln>
+          <a:extLst>
+            <a:ext uri="{909E8E84-426E-40DD-AFC4-6F175D3DCCD1}">
+              <a14:hiddenFill xmlns:a14="http://schemas.microsoft.com/office/drawing/2010/main">
+                <a:solidFill>
+                  <a:srgbClr val="FFFFFF"/>
+                </a:solidFill>
+              </a14:hiddenFill>
+            </a:ext>
+            <a:ext uri="{91240B29-F687-4F45-9708-019B960494DF}">
+              <a14:hiddenLine xmlns:a14="http://schemas.microsoft.com/office/drawing/2010/main" w="9525">
+                <a:solidFill>
+                  <a:srgbClr val="000000"/>
+                </a:solidFill>
+                <a:miter lim="800000"/>
+                <a:headEnd/>
+                <a:tailEnd/>
+              </a14:hiddenLine>
+            </a:ext>
+          </a:extLst>
+        </p:spPr>
+      </p:pic>
+      <p:graphicFrame>
+        <p:nvGraphicFramePr>
+          <p:cNvPr id="2" name="Table 1">
+            <a:extLst>
+              <a:ext uri="{FF2B5EF4-FFF2-40B4-BE49-F238E27FC236}">
+                <a16:creationId xmlns:a16="http://schemas.microsoft.com/office/drawing/2014/main" id="{C396F0D1-6EB7-4E45-9365-794D002F880F}"/>
+              </a:ext>
+            </a:extLst>
+          </p:cNvPr>
+          <p:cNvGraphicFramePr>
+            <a:graphicFrameLocks noGrp="1"/>
+          </p:cNvGraphicFramePr>
+          <p:nvPr>
+            <p:extLst>
+              <p:ext uri="{D42A27DB-BD31-4B8C-83A1-F6EECF244321}">
+                <p14:modId xmlns:p14="http://schemas.microsoft.com/office/powerpoint/2010/main" val="933013756"/>
+              </p:ext>
+            </p:extLst>
+          </p:nvPr>
+        </p:nvGraphicFramePr>
+        <p:xfrm>
+          <a:off x="311700" y="4884208"/>
+          <a:ext cx="8160759" cy="1685924"/>
+        </p:xfrm>
+        <a:graphic>
+          <a:graphicData uri="http://schemas.openxmlformats.org/drawingml/2006/table">
+            <a:tbl>
+              <a:tblPr firstRow="1" firstCol="1" bandRow="1">
+                <a:tableStyleId>{224C2084-A9EC-46D5-958B-77548C50E710}</a:tableStyleId>
+              </a:tblPr>
+              <a:tblGrid>
+                <a:gridCol w="2719962">
+                  <a:extLst>
+                    <a:ext uri="{9D8B030D-6E8A-4147-A177-3AD203B41FA5}">
+                      <a16:colId xmlns:a16="http://schemas.microsoft.com/office/drawing/2014/main" val="700235649"/>
+                    </a:ext>
+                  </a:extLst>
+                </a:gridCol>
+                <a:gridCol w="2719962">
+                  <a:extLst>
+                    <a:ext uri="{9D8B030D-6E8A-4147-A177-3AD203B41FA5}">
+                      <a16:colId xmlns:a16="http://schemas.microsoft.com/office/drawing/2014/main" val="3517951978"/>
+                    </a:ext>
+                  </a:extLst>
+                </a:gridCol>
+                <a:gridCol w="2720835">
+                  <a:extLst>
+                    <a:ext uri="{9D8B030D-6E8A-4147-A177-3AD203B41FA5}">
+                      <a16:colId xmlns:a16="http://schemas.microsoft.com/office/drawing/2014/main" val="1880548169"/>
+                    </a:ext>
+                  </a:extLst>
+                </a:gridCol>
+              </a:tblGrid>
+              <a:tr h="842962">
+                <a:tc>
+                  <a:txBody>
+                    <a:bodyPr/>
+                    <a:lstStyle/>
+                    <a:p>
+                      <a:pPr algn="just">
+                        <a:lnSpc>
+                          <a:spcPct val="150000"/>
+                        </a:lnSpc>
+                        <a:spcAft>
+                          <a:spcPts val="0"/>
+                        </a:spcAft>
+                      </a:pPr>
+                      <a:r>
+                        <a:rPr lang="ru-RU" sz="2400" dirty="0">
+                          <a:effectLst/>
+                          <a:latin typeface="+mn-lt"/>
+                        </a:rPr>
+                        <a:t>Выборка</a:t>
+                      </a:r>
+                      <a:endParaRPr lang="en-US" sz="2400" dirty="0">
+                        <a:effectLst/>
+                        <a:latin typeface="+mn-lt"/>
+                        <a:ea typeface="Calibri" panose="020F0502020204030204" pitchFamily="34" charset="0"/>
+                        <a:cs typeface="Times New Roman" panose="02020603050405020304" pitchFamily="18" charset="0"/>
+                      </a:endParaRPr>
+                    </a:p>
+                  </a:txBody>
+                  <a:tcPr marL="68580" marR="68580" marT="0" marB="0"/>
+                </a:tc>
+                <a:tc>
+                  <a:txBody>
+                    <a:bodyPr/>
+                    <a:lstStyle/>
+                    <a:p>
+                      <a:pPr algn="just">
+                        <a:lnSpc>
+                          <a:spcPct val="150000"/>
+                        </a:lnSpc>
+                        <a:spcAft>
+                          <a:spcPts val="0"/>
+                        </a:spcAft>
+                      </a:pPr>
+                      <a:r>
+                        <a:rPr lang="ru-RU" sz="2400">
+                          <a:effectLst/>
+                          <a:latin typeface="+mn-lt"/>
+                        </a:rPr>
+                        <a:t>Мат. ожидание</a:t>
+                      </a:r>
+                      <a:endParaRPr lang="en-US" sz="2400">
+                        <a:effectLst/>
+                        <a:latin typeface="+mn-lt"/>
+                        <a:ea typeface="Calibri" panose="020F0502020204030204" pitchFamily="34" charset="0"/>
+                        <a:cs typeface="Times New Roman" panose="02020603050405020304" pitchFamily="18" charset="0"/>
+                      </a:endParaRPr>
+                    </a:p>
+                  </a:txBody>
+                  <a:tcPr marL="68580" marR="68580" marT="0" marB="0"/>
+                </a:tc>
+                <a:tc>
+                  <a:txBody>
+                    <a:bodyPr/>
+                    <a:lstStyle/>
+                    <a:p>
+                      <a:pPr algn="just">
+                        <a:lnSpc>
+                          <a:spcPct val="150000"/>
+                        </a:lnSpc>
+                        <a:spcAft>
+                          <a:spcPts val="0"/>
+                        </a:spcAft>
+                      </a:pPr>
+                      <a:r>
+                        <a:rPr lang="ru-RU" sz="2400">
+                          <a:effectLst/>
+                          <a:latin typeface="+mn-lt"/>
+                        </a:rPr>
+                        <a:t>Дисперсия</a:t>
+                      </a:r>
+                      <a:endParaRPr lang="en-US" sz="2400">
+                        <a:effectLst/>
+                        <a:latin typeface="+mn-lt"/>
+                        <a:ea typeface="Calibri" panose="020F0502020204030204" pitchFamily="34" charset="0"/>
+                        <a:cs typeface="Times New Roman" panose="02020603050405020304" pitchFamily="18" charset="0"/>
+                      </a:endParaRPr>
+                    </a:p>
+                  </a:txBody>
+                  <a:tcPr marL="68580" marR="68580" marT="0" marB="0"/>
+                </a:tc>
+                <a:extLst>
+                  <a:ext uri="{0D108BD9-81ED-4DB2-BD59-A6C34878D82A}">
+                    <a16:rowId xmlns:a16="http://schemas.microsoft.com/office/drawing/2014/main" val="518593078"/>
+                  </a:ext>
+                </a:extLst>
+              </a:tr>
+              <a:tr h="842962">
+                <a:tc>
+                  <a:txBody>
+                    <a:bodyPr/>
+                    <a:lstStyle/>
+                    <a:p>
+                      <a:pPr algn="just">
+                        <a:lnSpc>
+                          <a:spcPct val="150000"/>
+                        </a:lnSpc>
+                        <a:spcAft>
+                          <a:spcPts val="0"/>
+                        </a:spcAft>
+                      </a:pPr>
+                      <a:endParaRPr lang="ru-RU" sz="2400">
+                        <a:effectLst/>
+                        <a:latin typeface="+mn-lt"/>
+                        <a:ea typeface="Times New Roman" panose="02020603050405020304" pitchFamily="18" charset="0"/>
+                        <a:cs typeface="Times New Roman" panose="02020603050405020304" pitchFamily="18" charset="0"/>
+                      </a:endParaRPr>
+                    </a:p>
+                  </a:txBody>
+                  <a:tcPr marL="68580" marR="68580" marT="0" marB="0"/>
+                </a:tc>
+                <a:tc>
+                  <a:txBody>
+                    <a:bodyPr/>
+                    <a:lstStyle/>
+                    <a:p>
+                      <a:pPr algn="just">
+                        <a:lnSpc>
+                          <a:spcPct val="150000"/>
+                        </a:lnSpc>
+                        <a:spcAft>
+                          <a:spcPts val="0"/>
+                        </a:spcAft>
+                      </a:pPr>
+                      <a:r>
+                        <a:rPr lang="en-US" sz="2400">
+                          <a:effectLst/>
+                          <a:latin typeface="+mn-lt"/>
+                        </a:rPr>
+                        <a:t>7.396</a:t>
+                      </a:r>
+                      <a:endParaRPr lang="en-US" sz="2400">
+                        <a:effectLst/>
+                        <a:latin typeface="+mn-lt"/>
+                        <a:ea typeface="Calibri" panose="020F0502020204030204" pitchFamily="34" charset="0"/>
+                        <a:cs typeface="Times New Roman" panose="02020603050405020304" pitchFamily="18" charset="0"/>
+                      </a:endParaRPr>
+                    </a:p>
+                  </a:txBody>
+                  <a:tcPr marL="68580" marR="68580" marT="0" marB="0"/>
+                </a:tc>
+                <a:tc>
+                  <a:txBody>
+                    <a:bodyPr/>
+                    <a:lstStyle/>
+                    <a:p>
+                      <a:pPr algn="just">
+                        <a:lnSpc>
+                          <a:spcPct val="150000"/>
+                        </a:lnSpc>
+                        <a:spcAft>
+                          <a:spcPts val="0"/>
+                        </a:spcAft>
+                      </a:pPr>
+                      <a:r>
+                        <a:rPr lang="en-US" sz="2400" dirty="0">
+                          <a:effectLst/>
+                          <a:latin typeface="+mn-lt"/>
+                        </a:rPr>
+                        <a:t>2.069</a:t>
+                      </a:r>
+                      <a:endParaRPr lang="en-US" sz="2400" dirty="0">
+                        <a:effectLst/>
+                        <a:latin typeface="+mn-lt"/>
+                        <a:ea typeface="Calibri" panose="020F0502020204030204" pitchFamily="34" charset="0"/>
+                        <a:cs typeface="Times New Roman" panose="02020603050405020304" pitchFamily="18" charset="0"/>
+                      </a:endParaRPr>
+                    </a:p>
+                  </a:txBody>
+                  <a:tcPr marL="68580" marR="68580" marT="0" marB="0"/>
+                </a:tc>
+                <a:extLst>
+                  <a:ext uri="{0D108BD9-81ED-4DB2-BD59-A6C34878D82A}">
+                    <a16:rowId xmlns:a16="http://schemas.microsoft.com/office/drawing/2014/main" val="3640733950"/>
+                  </a:ext>
+                </a:extLst>
+              </a:tr>
+            </a:tbl>
+          </a:graphicData>
+        </a:graphic>
+      </p:graphicFrame>
+      <p:graphicFrame>
+        <p:nvGraphicFramePr>
+          <p:cNvPr id="5" name="Object 4">
+            <a:extLst>
+              <a:ext uri="{FF2B5EF4-FFF2-40B4-BE49-F238E27FC236}">
+                <a16:creationId xmlns:a16="http://schemas.microsoft.com/office/drawing/2014/main" id="{60FC9824-7809-4E96-8FCC-CF72683FE1A5}"/>
+              </a:ext>
+            </a:extLst>
+          </p:cNvPr>
+          <p:cNvGraphicFramePr>
+            <a:graphicFrameLocks noChangeAspect="1"/>
+          </p:cNvGraphicFramePr>
+          <p:nvPr>
+            <p:extLst>
+              <p:ext uri="{D42A27DB-BD31-4B8C-83A1-F6EECF244321}">
+                <p14:modId xmlns:p14="http://schemas.microsoft.com/office/powerpoint/2010/main" val="604558901"/>
+              </p:ext>
+            </p:extLst>
+          </p:nvPr>
+        </p:nvGraphicFramePr>
+        <p:xfrm>
+          <a:off x="1294151" y="5795231"/>
+          <a:ext cx="416116" cy="527080"/>
+        </p:xfrm>
+        <a:graphic>
+          <a:graphicData uri="http://schemas.openxmlformats.org/presentationml/2006/ole">
+            <mc:AlternateContent xmlns:mc="http://schemas.openxmlformats.org/markup-compatibility/2006">
+              <mc:Choice xmlns:v="urn:schemas-microsoft-com:vml" Requires="v">
+                <p:oleObj spid="_x0000_s13318" name="Equation" r:id="rId5" imgW="139579" imgH="177646" progId="Equation.DSMT4">
+                  <p:embed/>
+                </p:oleObj>
+              </mc:Choice>
+              <mc:Fallback>
+                <p:oleObj name="Equation" r:id="rId5" imgW="139579" imgH="177646" progId="Equation.DSMT4">
+                  <p:embed/>
+                  <p:pic>
+                    <p:nvPicPr>
+                      <p:cNvPr id="0" name="Object 3"/>
+                      <p:cNvPicPr>
+                        <a:picLocks noChangeAspect="1" noChangeArrowheads="1"/>
+                      </p:cNvPicPr>
+                      <p:nvPr/>
+                    </p:nvPicPr>
+                    <p:blipFill>
+                      <a:blip r:embed="rId6">
+                        <a:extLst>
+                          <a:ext uri="{28A0092B-C50C-407E-A947-70E740481C1C}">
+                            <a14:useLocalDpi xmlns:a14="http://schemas.microsoft.com/office/drawing/2010/main" val="0"/>
+                          </a:ext>
+                        </a:extLst>
+                      </a:blip>
+                      <a:srcRect/>
+                      <a:stretch>
+                        <a:fillRect/>
+                      </a:stretch>
+                    </p:blipFill>
+                    <p:spPr bwMode="auto">
+                      <a:xfrm>
+                        <a:off x="1294151" y="5795231"/>
+                        <a:ext cx="416116" cy="527080"/>
+                      </a:xfrm>
+                      <a:prstGeom prst="rect">
+                        <a:avLst/>
+                      </a:prstGeom>
+                      <a:noFill/>
+                    </p:spPr>
+                  </p:pic>
+                </p:oleObj>
+              </mc:Fallback>
+            </mc:AlternateContent>
+          </a:graphicData>
+        </a:graphic>
+      </p:graphicFrame>
+    </p:spTree>
+    <p:extLst>
+      <p:ext uri="{BB962C8B-B14F-4D97-AF65-F5344CB8AC3E}">
+        <p14:creationId xmlns:p14="http://schemas.microsoft.com/office/powerpoint/2010/main" val="2375407416"/>
+      </p:ext>
+    </p:extLst>
   </p:cSld>
   <p:clrMapOvr>
     <a:masterClrMapping/>
@@ -10107,17 +15840,13 @@
             </a:r>
           </a:p>
           <a:p>
-            <a:pPr lvl="0" algn="just"/>
-            <a:endParaRPr lang="ru-RU" sz="2800" dirty="0"/>
-          </a:p>
-          <a:p>
             <a:pPr marL="342900" lvl="0" indent="-342900" algn="just">
               <a:buFont typeface="Arial" panose="020B0604020202020204" pitchFamily="34" charset="0"/>
               <a:buChar char="•"/>
             </a:pPr>
             <a:r>
               <a:rPr lang="ru-RU" sz="2800" dirty="0"/>
-              <a:t>Использование личных местоимений. Личные и притяжательные местоимения (я, ты, мною, вы, наш) имеют отвлеченно-обобщенный характер и их употребление необходимо избегать;</a:t>
+              <a:t>Запрет использования личных местоимений. Личные и притяжательные местоимения (я, ты, мною, вы, наш) имеют отвлеченно-обобщенный характер и их употребление необходимо избегать;</a:t>
             </a:r>
           </a:p>
           <a:p>
@@ -10127,7 +15856,7 @@
             </a:pPr>
             <a:r>
               <a:rPr lang="ru-RU" sz="2800" dirty="0"/>
-              <a:t>Использование неопределенных местоимений (кое-что, что-нибудь). Эти местоимения, в силу их неопределенности, не употребляются.</a:t>
+              <a:t>Запрет использования неопределенных местоимений (кое-что, что-нибудь). Эти местоимения, в силу их неопределенности, не употребляются.</a:t>
             </a:r>
           </a:p>
         </p:txBody>
@@ -10889,14 +16618,14 @@
           <p:nvPr>
             <p:extLst>
               <p:ext uri="{D42A27DB-BD31-4B8C-83A1-F6EECF244321}">
-                <p14:modId xmlns:p14="http://schemas.microsoft.com/office/powerpoint/2010/main" val="1409876088"/>
+                <p14:modId xmlns:p14="http://schemas.microsoft.com/office/powerpoint/2010/main" val="721434614"/>
               </p:ext>
             </p:extLst>
           </p:nvPr>
         </p:nvGraphicFramePr>
         <p:xfrm>
-          <a:off x="311697" y="1982744"/>
-          <a:ext cx="8520605" cy="4482303"/>
+          <a:off x="270934" y="1982744"/>
+          <a:ext cx="8750224" cy="4383840"/>
         </p:xfrm>
         <a:graphic>
           <a:graphicData uri="http://schemas.openxmlformats.org/drawingml/2006/table">
@@ -10905,35 +16634,35 @@
                 <a:tableStyleId>{224C2084-A9EC-46D5-958B-77548C50E710}</a:tableStyleId>
               </a:tblPr>
               <a:tblGrid>
-                <a:gridCol w="1449370">
+                <a:gridCol w="1286933">
                   <a:extLst>
                     <a:ext uri="{9D8B030D-6E8A-4147-A177-3AD203B41FA5}">
                       <a16:colId xmlns:a16="http://schemas.microsoft.com/office/drawing/2014/main" val="3877901620"/>
                     </a:ext>
                   </a:extLst>
                 </a:gridCol>
-                <a:gridCol w="1958872">
+                <a:gridCol w="2099733">
                   <a:extLst>
                     <a:ext uri="{9D8B030D-6E8A-4147-A177-3AD203B41FA5}">
                       <a16:colId xmlns:a16="http://schemas.microsoft.com/office/drawing/2014/main" val="2534106543"/>
                     </a:ext>
                   </a:extLst>
                 </a:gridCol>
-                <a:gridCol w="1704121">
+                <a:gridCol w="1896533">
                   <a:extLst>
                     <a:ext uri="{9D8B030D-6E8A-4147-A177-3AD203B41FA5}">
                       <a16:colId xmlns:a16="http://schemas.microsoft.com/office/drawing/2014/main" val="2671086924"/>
                     </a:ext>
                   </a:extLst>
                 </a:gridCol>
-                <a:gridCol w="1569407">
+                <a:gridCol w="1491687">
                   <a:extLst>
                     <a:ext uri="{9D8B030D-6E8A-4147-A177-3AD203B41FA5}">
                       <a16:colId xmlns:a16="http://schemas.microsoft.com/office/drawing/2014/main" val="986034853"/>
                     </a:ext>
                   </a:extLst>
                 </a:gridCol>
-                <a:gridCol w="1838835">
+                <a:gridCol w="1975338">
                   <a:extLst>
                     <a:ext uri="{9D8B030D-6E8A-4147-A177-3AD203B41FA5}">
                       <a16:colId xmlns:a16="http://schemas.microsoft.com/office/drawing/2014/main" val="4279112422"/>
@@ -10941,7 +16670,7 @@
                   </a:extLst>
                 </a:gridCol>
               </a:tblGrid>
-              <a:tr h="2223746">
+              <a:tr h="1759523">
                 <a:tc>
                   <a:txBody>
                     <a:bodyPr/>
@@ -10977,7 +16706,7 @@
                     <a:p>
                       <a:r>
                         <a:rPr lang="ru-RU" sz="2400" dirty="0"/>
-                        <a:t>Нет ограничения на длину текста </a:t>
+                        <a:t>Нет ограничения на длину текста</a:t>
                       </a:r>
                       <a:endParaRPr lang="en-US" sz="2400" dirty="0"/>
                     </a:p>
@@ -11005,7 +16734,7 @@
                     <a:p>
                       <a:r>
                         <a:rPr lang="ru-RU" sz="2400" dirty="0"/>
-                        <a:t>Возможность загрузки файлов для проверки </a:t>
+                        <a:t>Возможность загрузки файлов для проверки</a:t>
                       </a:r>
                       <a:endParaRPr lang="en-US" sz="2400" dirty="0"/>
                     </a:p>

--- a/paper_work/masters thesis/msc_slides.pptx
+++ b/paper_work/masters thesis/msc_slides.pptx
@@ -5,7 +5,7 @@
     <p:sldMasterId id="2147483659" r:id="rId1"/>
   </p:sldMasterIdLst>
   <p:notesMasterIdLst>
-    <p:notesMasterId r:id="rId29"/>
+    <p:notesMasterId r:id="rId34"/>
   </p:notesMasterIdLst>
   <p:sldIdLst>
     <p:sldId id="256" r:id="rId2"/>
@@ -35,6 +35,11 @@
     <p:sldId id="284" r:id="rId26"/>
     <p:sldId id="285" r:id="rId27"/>
     <p:sldId id="286" r:id="rId28"/>
+    <p:sldId id="287" r:id="rId29"/>
+    <p:sldId id="288" r:id="rId30"/>
+    <p:sldId id="289" r:id="rId31"/>
+    <p:sldId id="290" r:id="rId32"/>
+    <p:sldId id="291" r:id="rId33"/>
   </p:sldIdLst>
   <p:sldSz cx="9144000" cy="6858000" type="screen4x3"/>
   <p:notesSz cx="6858000" cy="9144000"/>
@@ -2885,6 +2890,224 @@
 </p:notes>
 </file>
 
+<file path=ppt/notesSlides/notesSlide28.xml><?xml version="1.0" encoding="utf-8"?>
+<p:notes xmlns:a="http://schemas.openxmlformats.org/drawingml/2006/main" xmlns:r="http://schemas.openxmlformats.org/officeDocument/2006/relationships" xmlns:p="http://schemas.openxmlformats.org/presentationml/2006/main" showMasterSp="0" showMasterPhAnim="0">
+  <p:cSld>
+    <p:spTree>
+      <p:nvGrpSpPr>
+        <p:cNvPr id="1" name="Shape 64"/>
+        <p:cNvGrpSpPr/>
+        <p:nvPr/>
+      </p:nvGrpSpPr>
+      <p:grpSpPr>
+        <a:xfrm>
+          <a:off x="0" y="0"/>
+          <a:ext cx="0" cy="0"/>
+          <a:chOff x="0" y="0"/>
+          <a:chExt cx="0" cy="0"/>
+        </a:xfrm>
+      </p:grpSpPr>
+      <p:sp>
+        <p:nvSpPr>
+          <p:cNvPr id="65" name="Google Shape;65;g5a32bfd86c_0_10:notes"/>
+          <p:cNvSpPr>
+            <a:spLocks noGrp="1" noRot="1" noChangeAspect="1"/>
+          </p:cNvSpPr>
+          <p:nvPr>
+            <p:ph type="sldImg" idx="2"/>
+          </p:nvPr>
+        </p:nvSpPr>
+        <p:spPr>
+          <a:xfrm>
+            <a:off x="1143000" y="685800"/>
+            <a:ext cx="4572000" cy="3429000"/>
+          </a:xfrm>
+          <a:custGeom>
+            <a:avLst/>
+            <a:gdLst/>
+            <a:ahLst/>
+            <a:cxnLst/>
+            <a:rect l="l" t="t" r="r" b="b"/>
+            <a:pathLst>
+              <a:path w="120000" h="120000" extrusionOk="0">
+                <a:moveTo>
+                  <a:pt x="0" y="0"/>
+                </a:moveTo>
+                <a:lnTo>
+                  <a:pt x="120000" y="0"/>
+                </a:lnTo>
+                <a:lnTo>
+                  <a:pt x="120000" y="120000"/>
+                </a:lnTo>
+                <a:lnTo>
+                  <a:pt x="0" y="120000"/>
+                </a:lnTo>
+                <a:close/>
+              </a:path>
+            </a:pathLst>
+          </a:custGeom>
+        </p:spPr>
+      </p:sp>
+      <p:sp>
+        <p:nvSpPr>
+          <p:cNvPr id="66" name="Google Shape;66;g5a32bfd86c_0_10:notes"/>
+          <p:cNvSpPr txBox="1">
+            <a:spLocks noGrp="1"/>
+          </p:cNvSpPr>
+          <p:nvPr>
+            <p:ph type="body" idx="1"/>
+          </p:nvPr>
+        </p:nvSpPr>
+        <p:spPr>
+          <a:xfrm>
+            <a:off x="685800" y="4343400"/>
+            <a:ext cx="5486400" cy="4114800"/>
+          </a:xfrm>
+          <a:prstGeom prst="rect">
+            <a:avLst/>
+          </a:prstGeom>
+        </p:spPr>
+        <p:txBody>
+          <a:bodyPr spcFirstLastPara="1" wrap="square" lIns="91425" tIns="91425" rIns="91425" bIns="91425" anchor="t" anchorCtr="0">
+            <a:noAutofit/>
+          </a:bodyPr>
+          <a:lstStyle/>
+          <a:p>
+            <a:pPr marL="0" lvl="0" indent="0" algn="l" rtl="0">
+              <a:spcBef>
+                <a:spcPts val="0"/>
+              </a:spcBef>
+              <a:spcAft>
+                <a:spcPts val="0"/>
+              </a:spcAft>
+              <a:buNone/>
+            </a:pPr>
+            <a:endParaRPr/>
+          </a:p>
+        </p:txBody>
+      </p:sp>
+    </p:spTree>
+    <p:extLst>
+      <p:ext uri="{BB962C8B-B14F-4D97-AF65-F5344CB8AC3E}">
+        <p14:creationId xmlns:p14="http://schemas.microsoft.com/office/powerpoint/2010/main" val="1281774273"/>
+      </p:ext>
+    </p:extLst>
+  </p:cSld>
+  <p:clrMapOvr>
+    <a:masterClrMapping/>
+  </p:clrMapOvr>
+</p:notes>
+</file>
+
+<file path=ppt/notesSlides/notesSlide29.xml><?xml version="1.0" encoding="utf-8"?>
+<p:notes xmlns:a="http://schemas.openxmlformats.org/drawingml/2006/main" xmlns:r="http://schemas.openxmlformats.org/officeDocument/2006/relationships" xmlns:p="http://schemas.openxmlformats.org/presentationml/2006/main" showMasterSp="0" showMasterPhAnim="0">
+  <p:cSld>
+    <p:spTree>
+      <p:nvGrpSpPr>
+        <p:cNvPr id="1" name="Shape 64"/>
+        <p:cNvGrpSpPr/>
+        <p:nvPr/>
+      </p:nvGrpSpPr>
+      <p:grpSpPr>
+        <a:xfrm>
+          <a:off x="0" y="0"/>
+          <a:ext cx="0" cy="0"/>
+          <a:chOff x="0" y="0"/>
+          <a:chExt cx="0" cy="0"/>
+        </a:xfrm>
+      </p:grpSpPr>
+      <p:sp>
+        <p:nvSpPr>
+          <p:cNvPr id="65" name="Google Shape;65;g5a32bfd86c_0_10:notes"/>
+          <p:cNvSpPr>
+            <a:spLocks noGrp="1" noRot="1" noChangeAspect="1"/>
+          </p:cNvSpPr>
+          <p:nvPr>
+            <p:ph type="sldImg" idx="2"/>
+          </p:nvPr>
+        </p:nvSpPr>
+        <p:spPr>
+          <a:xfrm>
+            <a:off x="1143000" y="685800"/>
+            <a:ext cx="4572000" cy="3429000"/>
+          </a:xfrm>
+          <a:custGeom>
+            <a:avLst/>
+            <a:gdLst/>
+            <a:ahLst/>
+            <a:cxnLst/>
+            <a:rect l="l" t="t" r="r" b="b"/>
+            <a:pathLst>
+              <a:path w="120000" h="120000" extrusionOk="0">
+                <a:moveTo>
+                  <a:pt x="0" y="0"/>
+                </a:moveTo>
+                <a:lnTo>
+                  <a:pt x="120000" y="0"/>
+                </a:lnTo>
+                <a:lnTo>
+                  <a:pt x="120000" y="120000"/>
+                </a:lnTo>
+                <a:lnTo>
+                  <a:pt x="0" y="120000"/>
+                </a:lnTo>
+                <a:close/>
+              </a:path>
+            </a:pathLst>
+          </a:custGeom>
+        </p:spPr>
+      </p:sp>
+      <p:sp>
+        <p:nvSpPr>
+          <p:cNvPr id="66" name="Google Shape;66;g5a32bfd86c_0_10:notes"/>
+          <p:cNvSpPr txBox="1">
+            <a:spLocks noGrp="1"/>
+          </p:cNvSpPr>
+          <p:nvPr>
+            <p:ph type="body" idx="1"/>
+          </p:nvPr>
+        </p:nvSpPr>
+        <p:spPr>
+          <a:xfrm>
+            <a:off x="685800" y="4343400"/>
+            <a:ext cx="5486400" cy="4114800"/>
+          </a:xfrm>
+          <a:prstGeom prst="rect">
+            <a:avLst/>
+          </a:prstGeom>
+        </p:spPr>
+        <p:txBody>
+          <a:bodyPr spcFirstLastPara="1" wrap="square" lIns="91425" tIns="91425" rIns="91425" bIns="91425" anchor="t" anchorCtr="0">
+            <a:noAutofit/>
+          </a:bodyPr>
+          <a:lstStyle/>
+          <a:p>
+            <a:pPr marL="0" lvl="0" indent="0" algn="l" rtl="0">
+              <a:spcBef>
+                <a:spcPts val="0"/>
+              </a:spcBef>
+              <a:spcAft>
+                <a:spcPts val="0"/>
+              </a:spcAft>
+              <a:buNone/>
+            </a:pPr>
+            <a:endParaRPr/>
+          </a:p>
+        </p:txBody>
+      </p:sp>
+    </p:spTree>
+    <p:extLst>
+      <p:ext uri="{BB962C8B-B14F-4D97-AF65-F5344CB8AC3E}">
+        <p14:creationId xmlns:p14="http://schemas.microsoft.com/office/powerpoint/2010/main" val="1186411684"/>
+      </p:ext>
+    </p:extLst>
+  </p:cSld>
+  <p:clrMapOvr>
+    <a:masterClrMapping/>
+  </p:clrMapOvr>
+</p:notes>
+</file>
+
 <file path=ppt/notesSlides/notesSlide3.xml><?xml version="1.0" encoding="utf-8"?>
 <p:notes xmlns:a="http://schemas.openxmlformats.org/drawingml/2006/main" xmlns:r="http://schemas.openxmlformats.org/officeDocument/2006/relationships" xmlns:p="http://schemas.openxmlformats.org/presentationml/2006/main" showMasterSp="0" showMasterPhAnim="0">
   <p:cSld>
@@ -2985,6 +3208,333 @@
     <p:extLst>
       <p:ext uri="{BB962C8B-B14F-4D97-AF65-F5344CB8AC3E}">
         <p14:creationId xmlns:p14="http://schemas.microsoft.com/office/powerpoint/2010/main" val="233368713"/>
+      </p:ext>
+    </p:extLst>
+  </p:cSld>
+  <p:clrMapOvr>
+    <a:masterClrMapping/>
+  </p:clrMapOvr>
+</p:notes>
+</file>
+
+<file path=ppt/notesSlides/notesSlide30.xml><?xml version="1.0" encoding="utf-8"?>
+<p:notes xmlns:a="http://schemas.openxmlformats.org/drawingml/2006/main" xmlns:r="http://schemas.openxmlformats.org/officeDocument/2006/relationships" xmlns:p="http://schemas.openxmlformats.org/presentationml/2006/main" showMasterSp="0" showMasterPhAnim="0">
+  <p:cSld>
+    <p:spTree>
+      <p:nvGrpSpPr>
+        <p:cNvPr id="1" name="Shape 64"/>
+        <p:cNvGrpSpPr/>
+        <p:nvPr/>
+      </p:nvGrpSpPr>
+      <p:grpSpPr>
+        <a:xfrm>
+          <a:off x="0" y="0"/>
+          <a:ext cx="0" cy="0"/>
+          <a:chOff x="0" y="0"/>
+          <a:chExt cx="0" cy="0"/>
+        </a:xfrm>
+      </p:grpSpPr>
+      <p:sp>
+        <p:nvSpPr>
+          <p:cNvPr id="65" name="Google Shape;65;g5a32bfd86c_0_10:notes"/>
+          <p:cNvSpPr>
+            <a:spLocks noGrp="1" noRot="1" noChangeAspect="1"/>
+          </p:cNvSpPr>
+          <p:nvPr>
+            <p:ph type="sldImg" idx="2"/>
+          </p:nvPr>
+        </p:nvSpPr>
+        <p:spPr>
+          <a:xfrm>
+            <a:off x="1143000" y="685800"/>
+            <a:ext cx="4572000" cy="3429000"/>
+          </a:xfrm>
+          <a:custGeom>
+            <a:avLst/>
+            <a:gdLst/>
+            <a:ahLst/>
+            <a:cxnLst/>
+            <a:rect l="l" t="t" r="r" b="b"/>
+            <a:pathLst>
+              <a:path w="120000" h="120000" extrusionOk="0">
+                <a:moveTo>
+                  <a:pt x="0" y="0"/>
+                </a:moveTo>
+                <a:lnTo>
+                  <a:pt x="120000" y="0"/>
+                </a:lnTo>
+                <a:lnTo>
+                  <a:pt x="120000" y="120000"/>
+                </a:lnTo>
+                <a:lnTo>
+                  <a:pt x="0" y="120000"/>
+                </a:lnTo>
+                <a:close/>
+              </a:path>
+            </a:pathLst>
+          </a:custGeom>
+        </p:spPr>
+      </p:sp>
+      <p:sp>
+        <p:nvSpPr>
+          <p:cNvPr id="66" name="Google Shape;66;g5a32bfd86c_0_10:notes"/>
+          <p:cNvSpPr txBox="1">
+            <a:spLocks noGrp="1"/>
+          </p:cNvSpPr>
+          <p:nvPr>
+            <p:ph type="body" idx="1"/>
+          </p:nvPr>
+        </p:nvSpPr>
+        <p:spPr>
+          <a:xfrm>
+            <a:off x="685800" y="4343400"/>
+            <a:ext cx="5486400" cy="4114800"/>
+          </a:xfrm>
+          <a:prstGeom prst="rect">
+            <a:avLst/>
+          </a:prstGeom>
+        </p:spPr>
+        <p:txBody>
+          <a:bodyPr spcFirstLastPara="1" wrap="square" lIns="91425" tIns="91425" rIns="91425" bIns="91425" anchor="t" anchorCtr="0">
+            <a:noAutofit/>
+          </a:bodyPr>
+          <a:lstStyle/>
+          <a:p>
+            <a:pPr marL="0" lvl="0" indent="0" algn="l" rtl="0">
+              <a:spcBef>
+                <a:spcPts val="0"/>
+              </a:spcBef>
+              <a:spcAft>
+                <a:spcPts val="0"/>
+              </a:spcAft>
+              <a:buNone/>
+            </a:pPr>
+            <a:endParaRPr/>
+          </a:p>
+        </p:txBody>
+      </p:sp>
+    </p:spTree>
+    <p:extLst>
+      <p:ext uri="{BB962C8B-B14F-4D97-AF65-F5344CB8AC3E}">
+        <p14:creationId xmlns:p14="http://schemas.microsoft.com/office/powerpoint/2010/main" val="78718253"/>
+      </p:ext>
+    </p:extLst>
+  </p:cSld>
+  <p:clrMapOvr>
+    <a:masterClrMapping/>
+  </p:clrMapOvr>
+</p:notes>
+</file>
+
+<file path=ppt/notesSlides/notesSlide31.xml><?xml version="1.0" encoding="utf-8"?>
+<p:notes xmlns:a="http://schemas.openxmlformats.org/drawingml/2006/main" xmlns:r="http://schemas.openxmlformats.org/officeDocument/2006/relationships" xmlns:p="http://schemas.openxmlformats.org/presentationml/2006/main" showMasterSp="0" showMasterPhAnim="0">
+  <p:cSld>
+    <p:spTree>
+      <p:nvGrpSpPr>
+        <p:cNvPr id="1" name="Shape 64"/>
+        <p:cNvGrpSpPr/>
+        <p:nvPr/>
+      </p:nvGrpSpPr>
+      <p:grpSpPr>
+        <a:xfrm>
+          <a:off x="0" y="0"/>
+          <a:ext cx="0" cy="0"/>
+          <a:chOff x="0" y="0"/>
+          <a:chExt cx="0" cy="0"/>
+        </a:xfrm>
+      </p:grpSpPr>
+      <p:sp>
+        <p:nvSpPr>
+          <p:cNvPr id="65" name="Google Shape;65;g5a32bfd86c_0_10:notes"/>
+          <p:cNvSpPr>
+            <a:spLocks noGrp="1" noRot="1" noChangeAspect="1"/>
+          </p:cNvSpPr>
+          <p:nvPr>
+            <p:ph type="sldImg" idx="2"/>
+          </p:nvPr>
+        </p:nvSpPr>
+        <p:spPr>
+          <a:xfrm>
+            <a:off x="1143000" y="685800"/>
+            <a:ext cx="4572000" cy="3429000"/>
+          </a:xfrm>
+          <a:custGeom>
+            <a:avLst/>
+            <a:gdLst/>
+            <a:ahLst/>
+            <a:cxnLst/>
+            <a:rect l="l" t="t" r="r" b="b"/>
+            <a:pathLst>
+              <a:path w="120000" h="120000" extrusionOk="0">
+                <a:moveTo>
+                  <a:pt x="0" y="0"/>
+                </a:moveTo>
+                <a:lnTo>
+                  <a:pt x="120000" y="0"/>
+                </a:lnTo>
+                <a:lnTo>
+                  <a:pt x="120000" y="120000"/>
+                </a:lnTo>
+                <a:lnTo>
+                  <a:pt x="0" y="120000"/>
+                </a:lnTo>
+                <a:close/>
+              </a:path>
+            </a:pathLst>
+          </a:custGeom>
+        </p:spPr>
+      </p:sp>
+      <p:sp>
+        <p:nvSpPr>
+          <p:cNvPr id="66" name="Google Shape;66;g5a32bfd86c_0_10:notes"/>
+          <p:cNvSpPr txBox="1">
+            <a:spLocks noGrp="1"/>
+          </p:cNvSpPr>
+          <p:nvPr>
+            <p:ph type="body" idx="1"/>
+          </p:nvPr>
+        </p:nvSpPr>
+        <p:spPr>
+          <a:xfrm>
+            <a:off x="685800" y="4343400"/>
+            <a:ext cx="5486400" cy="4114800"/>
+          </a:xfrm>
+          <a:prstGeom prst="rect">
+            <a:avLst/>
+          </a:prstGeom>
+        </p:spPr>
+        <p:txBody>
+          <a:bodyPr spcFirstLastPara="1" wrap="square" lIns="91425" tIns="91425" rIns="91425" bIns="91425" anchor="t" anchorCtr="0">
+            <a:noAutofit/>
+          </a:bodyPr>
+          <a:lstStyle/>
+          <a:p>
+            <a:pPr marL="0" lvl="0" indent="0" algn="l" rtl="0">
+              <a:spcBef>
+                <a:spcPts val="0"/>
+              </a:spcBef>
+              <a:spcAft>
+                <a:spcPts val="0"/>
+              </a:spcAft>
+              <a:buNone/>
+            </a:pPr>
+            <a:endParaRPr/>
+          </a:p>
+        </p:txBody>
+      </p:sp>
+    </p:spTree>
+    <p:extLst>
+      <p:ext uri="{BB962C8B-B14F-4D97-AF65-F5344CB8AC3E}">
+        <p14:creationId xmlns:p14="http://schemas.microsoft.com/office/powerpoint/2010/main" val="1532486644"/>
+      </p:ext>
+    </p:extLst>
+  </p:cSld>
+  <p:clrMapOvr>
+    <a:masterClrMapping/>
+  </p:clrMapOvr>
+</p:notes>
+</file>
+
+<file path=ppt/notesSlides/notesSlide32.xml><?xml version="1.0" encoding="utf-8"?>
+<p:notes xmlns:a="http://schemas.openxmlformats.org/drawingml/2006/main" xmlns:r="http://schemas.openxmlformats.org/officeDocument/2006/relationships" xmlns:p="http://schemas.openxmlformats.org/presentationml/2006/main" showMasterSp="0" showMasterPhAnim="0">
+  <p:cSld>
+    <p:spTree>
+      <p:nvGrpSpPr>
+        <p:cNvPr id="1" name="Shape 64"/>
+        <p:cNvGrpSpPr/>
+        <p:nvPr/>
+      </p:nvGrpSpPr>
+      <p:grpSpPr>
+        <a:xfrm>
+          <a:off x="0" y="0"/>
+          <a:ext cx="0" cy="0"/>
+          <a:chOff x="0" y="0"/>
+          <a:chExt cx="0" cy="0"/>
+        </a:xfrm>
+      </p:grpSpPr>
+      <p:sp>
+        <p:nvSpPr>
+          <p:cNvPr id="65" name="Google Shape;65;g5a32bfd86c_0_10:notes"/>
+          <p:cNvSpPr>
+            <a:spLocks noGrp="1" noRot="1" noChangeAspect="1"/>
+          </p:cNvSpPr>
+          <p:nvPr>
+            <p:ph type="sldImg" idx="2"/>
+          </p:nvPr>
+        </p:nvSpPr>
+        <p:spPr>
+          <a:xfrm>
+            <a:off x="1143000" y="685800"/>
+            <a:ext cx="4572000" cy="3429000"/>
+          </a:xfrm>
+          <a:custGeom>
+            <a:avLst/>
+            <a:gdLst/>
+            <a:ahLst/>
+            <a:cxnLst/>
+            <a:rect l="l" t="t" r="r" b="b"/>
+            <a:pathLst>
+              <a:path w="120000" h="120000" extrusionOk="0">
+                <a:moveTo>
+                  <a:pt x="0" y="0"/>
+                </a:moveTo>
+                <a:lnTo>
+                  <a:pt x="120000" y="0"/>
+                </a:lnTo>
+                <a:lnTo>
+                  <a:pt x="120000" y="120000"/>
+                </a:lnTo>
+                <a:lnTo>
+                  <a:pt x="0" y="120000"/>
+                </a:lnTo>
+                <a:close/>
+              </a:path>
+            </a:pathLst>
+          </a:custGeom>
+        </p:spPr>
+      </p:sp>
+      <p:sp>
+        <p:nvSpPr>
+          <p:cNvPr id="66" name="Google Shape;66;g5a32bfd86c_0_10:notes"/>
+          <p:cNvSpPr txBox="1">
+            <a:spLocks noGrp="1"/>
+          </p:cNvSpPr>
+          <p:nvPr>
+            <p:ph type="body" idx="1"/>
+          </p:nvPr>
+        </p:nvSpPr>
+        <p:spPr>
+          <a:xfrm>
+            <a:off x="685800" y="4343400"/>
+            <a:ext cx="5486400" cy="4114800"/>
+          </a:xfrm>
+          <a:prstGeom prst="rect">
+            <a:avLst/>
+          </a:prstGeom>
+        </p:spPr>
+        <p:txBody>
+          <a:bodyPr spcFirstLastPara="1" wrap="square" lIns="91425" tIns="91425" rIns="91425" bIns="91425" anchor="t" anchorCtr="0">
+            <a:noAutofit/>
+          </a:bodyPr>
+          <a:lstStyle/>
+          <a:p>
+            <a:pPr marL="0" lvl="0" indent="0" algn="l" rtl="0">
+              <a:spcBef>
+                <a:spcPts val="0"/>
+              </a:spcBef>
+              <a:spcAft>
+                <a:spcPts val="0"/>
+              </a:spcAft>
+              <a:buNone/>
+            </a:pPr>
+            <a:endParaRPr/>
+          </a:p>
+        </p:txBody>
+      </p:sp>
+    </p:spTree>
+    <p:extLst>
+      <p:ext uri="{BB962C8B-B14F-4D97-AF65-F5344CB8AC3E}">
+        <p14:creationId xmlns:p14="http://schemas.microsoft.com/office/powerpoint/2010/main" val="726931003"/>
       </p:ext>
     </p:extLst>
   </p:cSld>
@@ -9230,7 +9780,7 @@
           <a:graphicData uri="http://schemas.openxmlformats.org/presentationml/2006/ole">
             <mc:AlternateContent xmlns:mc="http://schemas.openxmlformats.org/markup-compatibility/2006">
               <mc:Choice xmlns:v="urn:schemas-microsoft-com:vml" Requires="v">
-                <p:oleObj spid="_x0000_s2065" name="Equation" r:id="rId4" imgW="672840" imgH="152280" progId="Equation.DSMT4">
+                <p:oleObj spid="_x0000_s2072" name="Equation" r:id="rId4" imgW="672840" imgH="152280" progId="Equation.DSMT4">
                   <p:embed/>
                 </p:oleObj>
               </mc:Choice>
@@ -9628,7 +10178,7 @@
           <a:graphicData uri="http://schemas.openxmlformats.org/presentationml/2006/ole">
             <mc:AlternateContent xmlns:mc="http://schemas.openxmlformats.org/markup-compatibility/2006">
               <mc:Choice xmlns:v="urn:schemas-microsoft-com:vml" Requires="v">
-                <p:oleObj spid="_x0000_s3121" name="Equation" r:id="rId4" imgW="2286000" imgH="228600" progId="Equation.DSMT4">
+                <p:oleObj spid="_x0000_s3142" name="Equation" r:id="rId4" imgW="2286000" imgH="228600" progId="Equation.DSMT4">
                   <p:embed/>
                 </p:oleObj>
               </mc:Choice>
@@ -9695,7 +10245,7 @@
           <a:graphicData uri="http://schemas.openxmlformats.org/presentationml/2006/ole">
             <mc:AlternateContent xmlns:mc="http://schemas.openxmlformats.org/markup-compatibility/2006">
               <mc:Choice xmlns:v="urn:schemas-microsoft-com:vml" Requires="v">
-                <p:oleObj spid="_x0000_s3122" name="Equation" r:id="rId6" imgW="1320800" imgH="508000" progId="Equation.DSMT4">
+                <p:oleObj spid="_x0000_s3143" name="Equation" r:id="rId6" imgW="1320800" imgH="508000" progId="Equation.DSMT4">
                   <p:embed/>
                 </p:oleObj>
               </mc:Choice>
@@ -9768,7 +10318,7 @@
           <a:graphicData uri="http://schemas.openxmlformats.org/presentationml/2006/ole">
             <mc:AlternateContent xmlns:mc="http://schemas.openxmlformats.org/markup-compatibility/2006">
               <mc:Choice xmlns:v="urn:schemas-microsoft-com:vml" Requires="v">
-                <p:oleObj spid="_x0000_s3123" name="Equation" r:id="rId8" imgW="1333440" imgH="228600" progId="Equation.DSMT4">
+                <p:oleObj spid="_x0000_s3144" name="Equation" r:id="rId8" imgW="1333440" imgH="228600" progId="Equation.DSMT4">
                   <p:embed/>
                 </p:oleObj>
               </mc:Choice>
@@ -12199,7 +12749,7 @@
           <a:graphicData uri="http://schemas.openxmlformats.org/presentationml/2006/ole">
             <mc:AlternateContent xmlns:mc="http://schemas.openxmlformats.org/markup-compatibility/2006">
               <mc:Choice xmlns:v="urn:schemas-microsoft-com:vml" Requires="v">
-                <p:oleObj spid="_x0000_s4183" name="Equation" r:id="rId4" imgW="152334" imgH="139639" progId="Equation.DSMT4">
+                <p:oleObj spid="_x0000_s4225" name="Equation" r:id="rId4" imgW="152334" imgH="139639" progId="Equation.DSMT4">
                   <p:embed/>
                 </p:oleObj>
               </mc:Choice>
@@ -12272,7 +12822,7 @@
           <a:graphicData uri="http://schemas.openxmlformats.org/presentationml/2006/ole">
             <mc:AlternateContent xmlns:mc="http://schemas.openxmlformats.org/markup-compatibility/2006">
               <mc:Choice xmlns:v="urn:schemas-microsoft-com:vml" Requires="v">
-                <p:oleObj spid="_x0000_s4184" name="Equation" r:id="rId6" imgW="660113" imgH="253890" progId="Equation.DSMT4">
+                <p:oleObj spid="_x0000_s4226" name="Equation" r:id="rId6" imgW="660113" imgH="253890" progId="Equation.DSMT4">
                   <p:embed/>
                 </p:oleObj>
               </mc:Choice>
@@ -12345,7 +12895,7 @@
           <a:graphicData uri="http://schemas.openxmlformats.org/presentationml/2006/ole">
             <mc:AlternateContent xmlns:mc="http://schemas.openxmlformats.org/markup-compatibility/2006">
               <mc:Choice xmlns:v="urn:schemas-microsoft-com:vml" Requires="v">
-                <p:oleObj spid="_x0000_s4185" name="Equation" r:id="rId8" imgW="152268" imgH="203024" progId="Equation.DSMT4">
+                <p:oleObj spid="_x0000_s4227" name="Equation" r:id="rId8" imgW="152268" imgH="203024" progId="Equation.DSMT4">
                   <p:embed/>
                 </p:oleObj>
               </mc:Choice>
@@ -12418,7 +12968,7 @@
           <a:graphicData uri="http://schemas.openxmlformats.org/presentationml/2006/ole">
             <mc:AlternateContent xmlns:mc="http://schemas.openxmlformats.org/markup-compatibility/2006">
               <mc:Choice xmlns:v="urn:schemas-microsoft-com:vml" Requires="v">
-                <p:oleObj spid="_x0000_s4186" name="Equation" r:id="rId10" imgW="736280" imgH="253890" progId="Equation.DSMT4">
+                <p:oleObj spid="_x0000_s4228" name="Equation" r:id="rId10" imgW="736280" imgH="253890" progId="Equation.DSMT4">
                   <p:embed/>
                 </p:oleObj>
               </mc:Choice>
@@ -12491,7 +13041,7 @@
           <a:graphicData uri="http://schemas.openxmlformats.org/presentationml/2006/ole">
             <mc:AlternateContent xmlns:mc="http://schemas.openxmlformats.org/markup-compatibility/2006">
               <mc:Choice xmlns:v="urn:schemas-microsoft-com:vml" Requires="v">
-                <p:oleObj spid="_x0000_s4187" name="Equation" r:id="rId12" imgW="139579" imgH="177646" progId="Equation.DSMT4">
+                <p:oleObj spid="_x0000_s4229" name="Equation" r:id="rId12" imgW="139579" imgH="177646" progId="Equation.DSMT4">
                   <p:embed/>
                 </p:oleObj>
               </mc:Choice>
@@ -12564,7 +13114,7 @@
           <a:graphicData uri="http://schemas.openxmlformats.org/presentationml/2006/ole">
             <mc:AlternateContent xmlns:mc="http://schemas.openxmlformats.org/markup-compatibility/2006">
               <mc:Choice xmlns:v="urn:schemas-microsoft-com:vml" Requires="v">
-                <p:oleObj spid="_x0000_s4188" name="Equation" r:id="rId14" imgW="850531" imgH="253890" progId="Equation.DSMT4">
+                <p:oleObj spid="_x0000_s4230" name="Equation" r:id="rId14" imgW="850531" imgH="253890" progId="Equation.DSMT4">
                   <p:embed/>
                 </p:oleObj>
               </mc:Choice>
@@ -14036,7 +14586,7 @@
                   <a:schemeClr val="tx1"/>
                 </a:solidFill>
               </a:rPr>
-              <a:t>Дополнительный слайд №9. Полученные значения альфа по выборке</a:t>
+              <a:t>Дополнительный слайд №9. Полученные значения      по выборке</a:t>
             </a:r>
           </a:p>
         </p:txBody>
@@ -14415,7 +14965,7 @@
           <a:graphicData uri="http://schemas.openxmlformats.org/presentationml/2006/ole">
             <mc:AlternateContent xmlns:mc="http://schemas.openxmlformats.org/markup-compatibility/2006">
               <mc:Choice xmlns:v="urn:schemas-microsoft-com:vml" Requires="v">
-                <p:oleObj spid="_x0000_s11270" name="Equation" r:id="rId5" imgW="152334" imgH="139639" progId="Equation.DSMT4">
+                <p:oleObj spid="_x0000_s11283" name="Equation" r:id="rId5" imgW="152334" imgH="139639" progId="Equation.DSMT4">
                   <p:embed/>
                 </p:oleObj>
               </mc:Choice>
@@ -14446,6 +14996,85 @@
                     <p:spPr bwMode="auto">
                       <a:xfrm>
                         <a:off x="1331433" y="5703216"/>
+                        <a:ext cx="548700" cy="514406"/>
+                      </a:xfrm>
+                      <a:prstGeom prst="rect">
+                        <a:avLst/>
+                      </a:prstGeom>
+                      <a:noFill/>
+                    </p:spPr>
+                  </p:pic>
+                </p:oleObj>
+              </mc:Fallback>
+            </mc:AlternateContent>
+          </a:graphicData>
+        </a:graphic>
+      </p:graphicFrame>
+      <p:graphicFrame>
+        <p:nvGraphicFramePr>
+          <p:cNvPr id="7" name="Object 6">
+            <a:extLst>
+              <a:ext uri="{FF2B5EF4-FFF2-40B4-BE49-F238E27FC236}">
+                <a16:creationId xmlns:a16="http://schemas.microsoft.com/office/drawing/2014/main" id="{5A0DEB98-3834-42F4-BAF4-C77A122A726A}"/>
+              </a:ext>
+            </a:extLst>
+          </p:cNvPr>
+          <p:cNvGraphicFramePr>
+            <a:graphicFrameLocks noChangeAspect="1"/>
+          </p:cNvGraphicFramePr>
+          <p:nvPr>
+            <p:extLst>
+              <p:ext uri="{D42A27DB-BD31-4B8C-83A1-F6EECF244321}">
+                <p14:modId xmlns:p14="http://schemas.microsoft.com/office/powerpoint/2010/main" val="3171310600"/>
+              </p:ext>
+            </p:extLst>
+          </p:nvPr>
+        </p:nvGraphicFramePr>
+        <p:xfrm>
+          <a:off x="2110367" y="787401"/>
+          <a:ext cx="548700" cy="514406"/>
+        </p:xfrm>
+        <a:graphic>
+          <a:graphicData uri="http://schemas.openxmlformats.org/presentationml/2006/ole">
+            <mc:AlternateContent xmlns:mc="http://schemas.openxmlformats.org/markup-compatibility/2006">
+              <mc:Choice xmlns:v="urn:schemas-microsoft-com:vml" Requires="v">
+                <p:oleObj spid="_x0000_s11284" name="Equation" r:id="rId5" imgW="152334" imgH="139639" progId="Equation.DSMT4">
+                  <p:embed/>
+                </p:oleObj>
+              </mc:Choice>
+              <mc:Fallback>
+                <p:oleObj name="Equation" r:id="rId5" imgW="152334" imgH="139639" progId="Equation.DSMT4">
+                  <p:embed/>
+                  <p:pic>
+                    <p:nvPicPr>
+                      <p:cNvPr id="3" name="Object 2">
+                        <a:extLst>
+                          <a:ext uri="{FF2B5EF4-FFF2-40B4-BE49-F238E27FC236}">
+                            <a16:creationId xmlns:a16="http://schemas.microsoft.com/office/drawing/2014/main" id="{B9FC9694-8309-423A-BFA0-D8B1A8692BC9}"/>
+                          </a:ext>
+                        </a:extLst>
+                      </p:cNvPr>
+                      <p:cNvPicPr>
+                        <a:picLocks noChangeAspect="1" noChangeArrowheads="1"/>
+                      </p:cNvPicPr>
+                      <p:nvPr/>
+                    </p:nvPicPr>
+                    <p:blipFill>
+                      <a:blip r:embed="rId6">
+                        <a:extLst>
+                          <a:ext uri="{28A0092B-C50C-407E-A947-70E740481C1C}">
+                            <a14:useLocalDpi xmlns:a14="http://schemas.microsoft.com/office/drawing/2010/main" val="0"/>
+                          </a:ext>
+                        </a:extLst>
+                      </a:blip>
+                      <a:srcRect/>
+                      <a:stretch>
+                        <a:fillRect/>
+                      </a:stretch>
+                    </p:blipFill>
+                    <p:spPr bwMode="auto">
+                      <a:xfrm>
+                        <a:off x="2110367" y="787401"/>
                         <a:ext cx="548700" cy="514406"/>
                       </a:xfrm>
                       <a:prstGeom prst="rect">
@@ -14522,7 +15151,7 @@
                   <a:schemeClr val="tx1"/>
                 </a:solidFill>
               </a:rPr>
-              <a:t>Дополнительный слайд №9. Полученные значения бета по выборке</a:t>
+              <a:t>Дополнительный слайд №10. Полученные значения      по выборке</a:t>
             </a:r>
           </a:p>
         </p:txBody>
@@ -14901,7 +15530,7 @@
           <a:graphicData uri="http://schemas.openxmlformats.org/presentationml/2006/ole">
             <mc:AlternateContent xmlns:mc="http://schemas.openxmlformats.org/markup-compatibility/2006">
               <mc:Choice xmlns:v="urn:schemas-microsoft-com:vml" Requires="v">
-                <p:oleObj spid="_x0000_s12294" name="Equation" r:id="rId5" imgW="152268" imgH="203024" progId="Equation.DSMT4">
+                <p:oleObj spid="_x0000_s12307" name="Equation" r:id="rId5" imgW="152268" imgH="203024" progId="Equation.DSMT4">
                   <p:embed/>
                 </p:oleObj>
               </mc:Choice>
@@ -14932,6 +15561,85 @@
                     <p:spPr bwMode="auto">
                       <a:xfrm>
                         <a:off x="1260285" y="5517903"/>
+                        <a:ext cx="466916" cy="612828"/>
+                      </a:xfrm>
+                      <a:prstGeom prst="rect">
+                        <a:avLst/>
+                      </a:prstGeom>
+                      <a:noFill/>
+                    </p:spPr>
+                  </p:pic>
+                </p:oleObj>
+              </mc:Fallback>
+            </mc:AlternateContent>
+          </a:graphicData>
+        </a:graphic>
+      </p:graphicFrame>
+      <p:graphicFrame>
+        <p:nvGraphicFramePr>
+          <p:cNvPr id="7" name="Object 6">
+            <a:extLst>
+              <a:ext uri="{FF2B5EF4-FFF2-40B4-BE49-F238E27FC236}">
+                <a16:creationId xmlns:a16="http://schemas.microsoft.com/office/drawing/2014/main" id="{C591320B-D0E4-4E4A-A3BC-4FA52FB18B14}"/>
+              </a:ext>
+            </a:extLst>
+          </p:cNvPr>
+          <p:cNvGraphicFramePr>
+            <a:graphicFrameLocks noChangeAspect="1"/>
+          </p:cNvGraphicFramePr>
+          <p:nvPr>
+            <p:extLst>
+              <p:ext uri="{D42A27DB-BD31-4B8C-83A1-F6EECF244321}">
+                <p14:modId xmlns:p14="http://schemas.microsoft.com/office/powerpoint/2010/main" val="3061019058"/>
+              </p:ext>
+            </p:extLst>
+          </p:nvPr>
+        </p:nvGraphicFramePr>
+        <p:xfrm>
+          <a:off x="2073084" y="787215"/>
+          <a:ext cx="466916" cy="612828"/>
+        </p:xfrm>
+        <a:graphic>
+          <a:graphicData uri="http://schemas.openxmlformats.org/presentationml/2006/ole">
+            <mc:AlternateContent xmlns:mc="http://schemas.openxmlformats.org/markup-compatibility/2006">
+              <mc:Choice xmlns:v="urn:schemas-microsoft-com:vml" Requires="v">
+                <p:oleObj spid="_x0000_s12308" name="Equation" r:id="rId5" imgW="152268" imgH="203024" progId="Equation.DSMT4">
+                  <p:embed/>
+                </p:oleObj>
+              </mc:Choice>
+              <mc:Fallback>
+                <p:oleObj name="Equation" r:id="rId5" imgW="152268" imgH="203024" progId="Equation.DSMT4">
+                  <p:embed/>
+                  <p:pic>
+                    <p:nvPicPr>
+                      <p:cNvPr id="4" name="Object 3">
+                        <a:extLst>
+                          <a:ext uri="{FF2B5EF4-FFF2-40B4-BE49-F238E27FC236}">
+                            <a16:creationId xmlns:a16="http://schemas.microsoft.com/office/drawing/2014/main" id="{05A4F2C4-4226-4B5D-91BA-D2A78BAD4F58}"/>
+                          </a:ext>
+                        </a:extLst>
+                      </p:cNvPr>
+                      <p:cNvPicPr>
+                        <a:picLocks noChangeAspect="1" noChangeArrowheads="1"/>
+                      </p:cNvPicPr>
+                      <p:nvPr/>
+                    </p:nvPicPr>
+                    <p:blipFill>
+                      <a:blip r:embed="rId6">
+                        <a:extLst>
+                          <a:ext uri="{28A0092B-C50C-407E-A947-70E740481C1C}">
+                            <a14:useLocalDpi xmlns:a14="http://schemas.microsoft.com/office/drawing/2010/main" val="0"/>
+                          </a:ext>
+                        </a:extLst>
+                      </a:blip>
+                      <a:srcRect/>
+                      <a:stretch>
+                        <a:fillRect/>
+                      </a:stretch>
+                    </p:blipFill>
+                    <p:spPr bwMode="auto">
+                      <a:xfrm>
+                        <a:off x="2073084" y="787215"/>
                         <a:ext cx="466916" cy="612828"/>
                       </a:xfrm>
                       <a:prstGeom prst="rect">
@@ -15008,7 +15716,7 @@
                   <a:schemeClr val="tx1"/>
                 </a:solidFill>
               </a:rPr>
-              <a:t>Дополнительный слайд №9. Полученные значения лямбда по выборке</a:t>
+              <a:t>Дополнительный слайд №11. Полученные значения      по выборке</a:t>
             </a:r>
           </a:p>
         </p:txBody>
@@ -15387,7 +16095,7 @@
           <a:graphicData uri="http://schemas.openxmlformats.org/presentationml/2006/ole">
             <mc:AlternateContent xmlns:mc="http://schemas.openxmlformats.org/markup-compatibility/2006">
               <mc:Choice xmlns:v="urn:schemas-microsoft-com:vml" Requires="v">
-                <p:oleObj spid="_x0000_s13318" name="Equation" r:id="rId5" imgW="139579" imgH="177646" progId="Equation.DSMT4">
+                <p:oleObj spid="_x0000_s13331" name="Equation" r:id="rId5" imgW="139579" imgH="177646" progId="Equation.DSMT4">
                   <p:embed/>
                 </p:oleObj>
               </mc:Choice>
@@ -15432,10 +16140,453 @@
           </a:graphicData>
         </a:graphic>
       </p:graphicFrame>
+      <p:graphicFrame>
+        <p:nvGraphicFramePr>
+          <p:cNvPr id="7" name="Object 6">
+            <a:extLst>
+              <a:ext uri="{FF2B5EF4-FFF2-40B4-BE49-F238E27FC236}">
+                <a16:creationId xmlns:a16="http://schemas.microsoft.com/office/drawing/2014/main" id="{EC9569F9-DAEA-44CF-9D5E-57E32293B1A3}"/>
+              </a:ext>
+            </a:extLst>
+          </p:cNvPr>
+          <p:cNvGraphicFramePr>
+            <a:graphicFrameLocks noChangeAspect="1"/>
+          </p:cNvGraphicFramePr>
+          <p:nvPr>
+            <p:extLst>
+              <p:ext uri="{D42A27DB-BD31-4B8C-83A1-F6EECF244321}">
+                <p14:modId xmlns:p14="http://schemas.microsoft.com/office/powerpoint/2010/main" val="3964940874"/>
+              </p:ext>
+            </p:extLst>
+          </p:nvPr>
+        </p:nvGraphicFramePr>
+        <p:xfrm>
+          <a:off x="2106951" y="759854"/>
+          <a:ext cx="416116" cy="527080"/>
+        </p:xfrm>
+        <a:graphic>
+          <a:graphicData uri="http://schemas.openxmlformats.org/presentationml/2006/ole">
+            <mc:AlternateContent xmlns:mc="http://schemas.openxmlformats.org/markup-compatibility/2006">
+              <mc:Choice xmlns:v="urn:schemas-microsoft-com:vml" Requires="v">
+                <p:oleObj spid="_x0000_s13332" name="Equation" r:id="rId5" imgW="139579" imgH="177646" progId="Equation.DSMT4">
+                  <p:embed/>
+                </p:oleObj>
+              </mc:Choice>
+              <mc:Fallback>
+                <p:oleObj name="Equation" r:id="rId5" imgW="139579" imgH="177646" progId="Equation.DSMT4">
+                  <p:embed/>
+                  <p:pic>
+                    <p:nvPicPr>
+                      <p:cNvPr id="5" name="Object 4">
+                        <a:extLst>
+                          <a:ext uri="{FF2B5EF4-FFF2-40B4-BE49-F238E27FC236}">
+                            <a16:creationId xmlns:a16="http://schemas.microsoft.com/office/drawing/2014/main" id="{60FC9824-7809-4E96-8FCC-CF72683FE1A5}"/>
+                          </a:ext>
+                        </a:extLst>
+                      </p:cNvPr>
+                      <p:cNvPicPr>
+                        <a:picLocks noChangeAspect="1" noChangeArrowheads="1"/>
+                      </p:cNvPicPr>
+                      <p:nvPr/>
+                    </p:nvPicPr>
+                    <p:blipFill>
+                      <a:blip r:embed="rId6">
+                        <a:extLst>
+                          <a:ext uri="{28A0092B-C50C-407E-A947-70E740481C1C}">
+                            <a14:useLocalDpi xmlns:a14="http://schemas.microsoft.com/office/drawing/2010/main" val="0"/>
+                          </a:ext>
+                        </a:extLst>
+                      </a:blip>
+                      <a:srcRect/>
+                      <a:stretch>
+                        <a:fillRect/>
+                      </a:stretch>
+                    </p:blipFill>
+                    <p:spPr bwMode="auto">
+                      <a:xfrm>
+                        <a:off x="2106951" y="759854"/>
+                        <a:ext cx="416116" cy="527080"/>
+                      </a:xfrm>
+                      <a:prstGeom prst="rect">
+                        <a:avLst/>
+                      </a:prstGeom>
+                      <a:noFill/>
+                    </p:spPr>
+                  </p:pic>
+                </p:oleObj>
+              </mc:Fallback>
+            </mc:AlternateContent>
+          </a:graphicData>
+        </a:graphic>
+      </p:graphicFrame>
     </p:spTree>
     <p:extLst>
       <p:ext uri="{BB962C8B-B14F-4D97-AF65-F5344CB8AC3E}">
         <p14:creationId xmlns:p14="http://schemas.microsoft.com/office/powerpoint/2010/main" val="2375407416"/>
+      </p:ext>
+    </p:extLst>
+  </p:cSld>
+  <p:clrMapOvr>
+    <a:masterClrMapping/>
+  </p:clrMapOvr>
+</p:sld>
+</file>
+
+<file path=ppt/slides/slide28.xml><?xml version="1.0" encoding="utf-8"?>
+<p:sld xmlns:a="http://schemas.openxmlformats.org/drawingml/2006/main" xmlns:r="http://schemas.openxmlformats.org/officeDocument/2006/relationships" xmlns:p="http://schemas.openxmlformats.org/presentationml/2006/main">
+  <p:cSld>
+    <p:spTree>
+      <p:nvGrpSpPr>
+        <p:cNvPr id="1" name="Shape 67"/>
+        <p:cNvGrpSpPr/>
+        <p:nvPr/>
+      </p:nvGrpSpPr>
+      <p:grpSpPr>
+        <a:xfrm>
+          <a:off x="0" y="0"/>
+          <a:ext cx="0" cy="0"/>
+          <a:chOff x="0" y="0"/>
+          <a:chExt cx="0" cy="0"/>
+        </a:xfrm>
+      </p:grpSpPr>
+      <p:sp>
+        <p:nvSpPr>
+          <p:cNvPr id="68" name="Google Shape;68;p15"/>
+          <p:cNvSpPr txBox="1">
+            <a:spLocks noGrp="1"/>
+          </p:cNvSpPr>
+          <p:nvPr>
+            <p:ph type="title"/>
+          </p:nvPr>
+        </p:nvSpPr>
+        <p:spPr>
+          <a:xfrm>
+            <a:off x="311700" y="287867"/>
+            <a:ext cx="8709458" cy="1456265"/>
+          </a:xfrm>
+          <a:prstGeom prst="rect">
+            <a:avLst/>
+          </a:prstGeom>
+        </p:spPr>
+        <p:txBody>
+          <a:bodyPr spcFirstLastPara="1" wrap="square" lIns="91425" tIns="91425" rIns="91425" bIns="91425" anchor="t" anchorCtr="0">
+            <a:noAutofit/>
+          </a:bodyPr>
+          <a:lstStyle/>
+          <a:p>
+            <a:pPr algn="just"/>
+            <a:r>
+              <a:rPr lang="ru-RU" b="1" dirty="0">
+                <a:solidFill>
+                  <a:schemeClr val="tx1"/>
+                </a:solidFill>
+              </a:rPr>
+              <a:t>Дополнительный слайд №12. З</a:t>
+            </a:r>
+            <a:r>
+              <a:rPr lang="ru-RU" b="1" dirty="0"/>
+              <a:t>ависимость времени извлечения текста из </a:t>
+            </a:r>
+            <a:r>
+              <a:rPr lang="en-US" b="1" dirty="0"/>
+              <a:t>pdf</a:t>
+            </a:r>
+            <a:r>
+              <a:rPr lang="ru-RU" b="1" dirty="0"/>
+              <a:t> файла от его размера</a:t>
+            </a:r>
+            <a:endParaRPr lang="ru-RU" b="1" dirty="0">
+              <a:solidFill>
+                <a:schemeClr val="tx1"/>
+              </a:solidFill>
+            </a:endParaRPr>
+          </a:p>
+        </p:txBody>
+      </p:sp>
+      <p:sp>
+        <p:nvSpPr>
+          <p:cNvPr id="69" name="Google Shape;69;p15"/>
+          <p:cNvSpPr txBox="1">
+            <a:spLocks noGrp="1"/>
+          </p:cNvSpPr>
+          <p:nvPr>
+            <p:ph type="sldNum" idx="12"/>
+          </p:nvPr>
+        </p:nvSpPr>
+        <p:spPr>
+          <a:xfrm>
+            <a:off x="8472458" y="6217622"/>
+            <a:ext cx="548700" cy="524700"/>
+          </a:xfrm>
+          <a:prstGeom prst="rect">
+            <a:avLst/>
+          </a:prstGeom>
+        </p:spPr>
+        <p:txBody>
+          <a:bodyPr spcFirstLastPara="1" wrap="square" lIns="91425" tIns="91425" rIns="91425" bIns="91425" anchor="ctr" anchorCtr="0">
+            <a:noAutofit/>
+          </a:bodyPr>
+          <a:lstStyle/>
+          <a:p>
+            <a:pPr marL="0" lvl="0" indent="0" algn="r" rtl="0">
+              <a:spcBef>
+                <a:spcPts val="0"/>
+              </a:spcBef>
+              <a:spcAft>
+                <a:spcPts val="0"/>
+              </a:spcAft>
+              <a:buNone/>
+            </a:pPr>
+            <a:fld id="{00000000-1234-1234-1234-123412341234}" type="slidenum">
+              <a:rPr lang="en"/>
+              <a:t>28</a:t>
+            </a:fld>
+            <a:endParaRPr/>
+          </a:p>
+        </p:txBody>
+      </p:sp>
+      <p:pic>
+        <p:nvPicPr>
+          <p:cNvPr id="15362" name="Picture 4">
+            <a:extLst>
+              <a:ext uri="{FF2B5EF4-FFF2-40B4-BE49-F238E27FC236}">
+                <a16:creationId xmlns:a16="http://schemas.microsoft.com/office/drawing/2014/main" id="{D8A9A32F-A090-4B7A-9053-AC024AFACD46}"/>
+              </a:ext>
+            </a:extLst>
+          </p:cNvPr>
+          <p:cNvPicPr>
+            <a:picLocks noChangeAspect="1" noChangeArrowheads="1"/>
+          </p:cNvPicPr>
+          <p:nvPr/>
+        </p:nvPicPr>
+        <p:blipFill>
+          <a:blip r:embed="rId3">
+            <a:extLst>
+              <a:ext uri="{28A0092B-C50C-407E-A947-70E740481C1C}">
+                <a14:useLocalDpi xmlns:a14="http://schemas.microsoft.com/office/drawing/2010/main" val="0"/>
+              </a:ext>
+            </a:extLst>
+          </a:blip>
+          <a:srcRect/>
+          <a:stretch>
+            <a:fillRect/>
+          </a:stretch>
+        </p:blipFill>
+        <p:spPr bwMode="auto">
+          <a:xfrm>
+            <a:off x="406129" y="1629350"/>
+            <a:ext cx="8520600" cy="4736926"/>
+          </a:xfrm>
+          <a:prstGeom prst="rect">
+            <a:avLst/>
+          </a:prstGeom>
+          <a:noFill/>
+          <a:ln>
+            <a:noFill/>
+          </a:ln>
+          <a:extLst>
+            <a:ext uri="{909E8E84-426E-40DD-AFC4-6F175D3DCCD1}">
+              <a14:hiddenFill xmlns:a14="http://schemas.microsoft.com/office/drawing/2010/main">
+                <a:solidFill>
+                  <a:srgbClr val="FFFFFF"/>
+                </a:solidFill>
+              </a14:hiddenFill>
+            </a:ext>
+            <a:ext uri="{91240B29-F687-4F45-9708-019B960494DF}">
+              <a14:hiddenLine xmlns:a14="http://schemas.microsoft.com/office/drawing/2010/main" w="9525">
+                <a:solidFill>
+                  <a:srgbClr val="000000"/>
+                </a:solidFill>
+                <a:miter lim="800000"/>
+                <a:headEnd/>
+                <a:tailEnd/>
+              </a14:hiddenLine>
+            </a:ext>
+          </a:extLst>
+        </p:spPr>
+      </p:pic>
+    </p:spTree>
+    <p:extLst>
+      <p:ext uri="{BB962C8B-B14F-4D97-AF65-F5344CB8AC3E}">
+        <p14:creationId xmlns:p14="http://schemas.microsoft.com/office/powerpoint/2010/main" val="23236062"/>
+      </p:ext>
+    </p:extLst>
+  </p:cSld>
+  <p:clrMapOvr>
+    <a:masterClrMapping/>
+  </p:clrMapOvr>
+</p:sld>
+</file>
+
+<file path=ppt/slides/slide29.xml><?xml version="1.0" encoding="utf-8"?>
+<p:sld xmlns:a="http://schemas.openxmlformats.org/drawingml/2006/main" xmlns:r="http://schemas.openxmlformats.org/officeDocument/2006/relationships" xmlns:p="http://schemas.openxmlformats.org/presentationml/2006/main">
+  <p:cSld>
+    <p:spTree>
+      <p:nvGrpSpPr>
+        <p:cNvPr id="1" name="Shape 67"/>
+        <p:cNvGrpSpPr/>
+        <p:nvPr/>
+      </p:nvGrpSpPr>
+      <p:grpSpPr>
+        <a:xfrm>
+          <a:off x="0" y="0"/>
+          <a:ext cx="0" cy="0"/>
+          <a:chOff x="0" y="0"/>
+          <a:chExt cx="0" cy="0"/>
+        </a:xfrm>
+      </p:grpSpPr>
+      <p:sp>
+        <p:nvSpPr>
+          <p:cNvPr id="68" name="Google Shape;68;p15"/>
+          <p:cNvSpPr txBox="1">
+            <a:spLocks noGrp="1"/>
+          </p:cNvSpPr>
+          <p:nvPr>
+            <p:ph type="title"/>
+          </p:nvPr>
+        </p:nvSpPr>
+        <p:spPr>
+          <a:xfrm>
+            <a:off x="311700" y="287867"/>
+            <a:ext cx="8709458" cy="1456265"/>
+          </a:xfrm>
+          <a:prstGeom prst="rect">
+            <a:avLst/>
+          </a:prstGeom>
+        </p:spPr>
+        <p:txBody>
+          <a:bodyPr spcFirstLastPara="1" wrap="square" lIns="91425" tIns="91425" rIns="91425" bIns="91425" anchor="t" anchorCtr="0">
+            <a:noAutofit/>
+          </a:bodyPr>
+          <a:lstStyle/>
+          <a:p>
+            <a:pPr algn="just"/>
+            <a:r>
+              <a:rPr lang="ru-RU" b="1" dirty="0">
+                <a:solidFill>
+                  <a:schemeClr val="tx1"/>
+                </a:solidFill>
+              </a:rPr>
+              <a:t>Дополнительный слайд №13. З</a:t>
+            </a:r>
+            <a:r>
+              <a:rPr lang="ru-RU" b="1" dirty="0"/>
+              <a:t>ависимость времени анализа текста от количества символов</a:t>
+            </a:r>
+            <a:endParaRPr lang="ru-RU" b="1" dirty="0">
+              <a:solidFill>
+                <a:schemeClr val="tx1"/>
+              </a:solidFill>
+            </a:endParaRPr>
+          </a:p>
+        </p:txBody>
+      </p:sp>
+      <p:sp>
+        <p:nvSpPr>
+          <p:cNvPr id="69" name="Google Shape;69;p15"/>
+          <p:cNvSpPr txBox="1">
+            <a:spLocks noGrp="1"/>
+          </p:cNvSpPr>
+          <p:nvPr>
+            <p:ph type="sldNum" idx="12"/>
+          </p:nvPr>
+        </p:nvSpPr>
+        <p:spPr>
+          <a:xfrm>
+            <a:off x="8472458" y="6217622"/>
+            <a:ext cx="548700" cy="524700"/>
+          </a:xfrm>
+          <a:prstGeom prst="rect">
+            <a:avLst/>
+          </a:prstGeom>
+        </p:spPr>
+        <p:txBody>
+          <a:bodyPr spcFirstLastPara="1" wrap="square" lIns="91425" tIns="91425" rIns="91425" bIns="91425" anchor="ctr" anchorCtr="0">
+            <a:noAutofit/>
+          </a:bodyPr>
+          <a:lstStyle/>
+          <a:p>
+            <a:pPr marL="0" lvl="0" indent="0" algn="r" rtl="0">
+              <a:spcBef>
+                <a:spcPts val="0"/>
+              </a:spcBef>
+              <a:spcAft>
+                <a:spcPts val="0"/>
+              </a:spcAft>
+              <a:buNone/>
+            </a:pPr>
+            <a:fld id="{00000000-1234-1234-1234-123412341234}" type="slidenum">
+              <a:rPr lang="en"/>
+              <a:t>29</a:t>
+            </a:fld>
+            <a:endParaRPr/>
+          </a:p>
+        </p:txBody>
+      </p:sp>
+      <p:pic>
+        <p:nvPicPr>
+          <p:cNvPr id="16386" name="Picture 10">
+            <a:extLst>
+              <a:ext uri="{FF2B5EF4-FFF2-40B4-BE49-F238E27FC236}">
+                <a16:creationId xmlns:a16="http://schemas.microsoft.com/office/drawing/2014/main" id="{2D032CDD-2EE5-49F0-97A0-1E6D12EDFC61}"/>
+              </a:ext>
+            </a:extLst>
+          </p:cNvPr>
+          <p:cNvPicPr>
+            <a:picLocks noChangeAspect="1" noChangeArrowheads="1"/>
+          </p:cNvPicPr>
+          <p:nvPr/>
+        </p:nvPicPr>
+        <p:blipFill>
+          <a:blip r:embed="rId3">
+            <a:extLst>
+              <a:ext uri="{28A0092B-C50C-407E-A947-70E740481C1C}">
+                <a14:useLocalDpi xmlns:a14="http://schemas.microsoft.com/office/drawing/2010/main" val="0"/>
+              </a:ext>
+            </a:extLst>
+          </a:blip>
+          <a:srcRect/>
+          <a:stretch>
+            <a:fillRect/>
+          </a:stretch>
+        </p:blipFill>
+        <p:spPr bwMode="auto">
+          <a:xfrm>
+            <a:off x="311700" y="1744132"/>
+            <a:ext cx="8439576" cy="4605868"/>
+          </a:xfrm>
+          <a:prstGeom prst="rect">
+            <a:avLst/>
+          </a:prstGeom>
+          <a:noFill/>
+          <a:ln>
+            <a:noFill/>
+          </a:ln>
+          <a:extLst>
+            <a:ext uri="{909E8E84-426E-40DD-AFC4-6F175D3DCCD1}">
+              <a14:hiddenFill xmlns:a14="http://schemas.microsoft.com/office/drawing/2010/main">
+                <a:solidFill>
+                  <a:srgbClr val="FFFFFF"/>
+                </a:solidFill>
+              </a14:hiddenFill>
+            </a:ext>
+            <a:ext uri="{91240B29-F687-4F45-9708-019B960494DF}">
+              <a14:hiddenLine xmlns:a14="http://schemas.microsoft.com/office/drawing/2010/main" w="9525">
+                <a:solidFill>
+                  <a:srgbClr val="000000"/>
+                </a:solidFill>
+                <a:miter lim="800000"/>
+                <a:headEnd/>
+                <a:tailEnd/>
+              </a14:hiddenLine>
+            </a:ext>
+          </a:extLst>
+        </p:spPr>
+      </p:pic>
+    </p:spTree>
+    <p:extLst>
+      <p:ext uri="{BB962C8B-B14F-4D97-AF65-F5344CB8AC3E}">
+        <p14:creationId xmlns:p14="http://schemas.microsoft.com/office/powerpoint/2010/main" val="137658854"/>
       </p:ext>
     </p:extLst>
   </p:cSld>
@@ -15703,6 +16854,1188 @@
     <p:extLst>
       <p:ext uri="{BB962C8B-B14F-4D97-AF65-F5344CB8AC3E}">
         <p14:creationId xmlns:p14="http://schemas.microsoft.com/office/powerpoint/2010/main" val="3732158140"/>
+      </p:ext>
+    </p:extLst>
+  </p:cSld>
+  <p:clrMapOvr>
+    <a:masterClrMapping/>
+  </p:clrMapOvr>
+</p:sld>
+</file>
+
+<file path=ppt/slides/slide30.xml><?xml version="1.0" encoding="utf-8"?>
+<p:sld xmlns:a="http://schemas.openxmlformats.org/drawingml/2006/main" xmlns:r="http://schemas.openxmlformats.org/officeDocument/2006/relationships" xmlns:p="http://schemas.openxmlformats.org/presentationml/2006/main">
+  <p:cSld>
+    <p:spTree>
+      <p:nvGrpSpPr>
+        <p:cNvPr id="1" name="Shape 67"/>
+        <p:cNvGrpSpPr/>
+        <p:nvPr/>
+      </p:nvGrpSpPr>
+      <p:grpSpPr>
+        <a:xfrm>
+          <a:off x="0" y="0"/>
+          <a:ext cx="0" cy="0"/>
+          <a:chOff x="0" y="0"/>
+          <a:chExt cx="0" cy="0"/>
+        </a:xfrm>
+      </p:grpSpPr>
+      <p:sp>
+        <p:nvSpPr>
+          <p:cNvPr id="68" name="Google Shape;68;p15"/>
+          <p:cNvSpPr txBox="1">
+            <a:spLocks noGrp="1"/>
+          </p:cNvSpPr>
+          <p:nvPr>
+            <p:ph type="title"/>
+          </p:nvPr>
+        </p:nvSpPr>
+        <p:spPr>
+          <a:xfrm>
+            <a:off x="311700" y="115679"/>
+            <a:ext cx="8709458" cy="524700"/>
+          </a:xfrm>
+          <a:prstGeom prst="rect">
+            <a:avLst/>
+          </a:prstGeom>
+        </p:spPr>
+        <p:txBody>
+          <a:bodyPr spcFirstLastPara="1" wrap="square" lIns="91425" tIns="91425" rIns="91425" bIns="91425" anchor="t" anchorCtr="0">
+            <a:noAutofit/>
+          </a:bodyPr>
+          <a:lstStyle/>
+          <a:p>
+            <a:pPr algn="just"/>
+            <a:r>
+              <a:rPr lang="ru-RU" b="1" dirty="0">
+                <a:solidFill>
+                  <a:schemeClr val="tx1"/>
+                </a:solidFill>
+              </a:rPr>
+              <a:t>Дополнительный слайд №14</a:t>
+            </a:r>
+          </a:p>
+        </p:txBody>
+      </p:sp>
+      <p:sp>
+        <p:nvSpPr>
+          <p:cNvPr id="69" name="Google Shape;69;p15"/>
+          <p:cNvSpPr txBox="1">
+            <a:spLocks noGrp="1"/>
+          </p:cNvSpPr>
+          <p:nvPr>
+            <p:ph type="sldNum" idx="12"/>
+          </p:nvPr>
+        </p:nvSpPr>
+        <p:spPr>
+          <a:xfrm>
+            <a:off x="8472458" y="6217622"/>
+            <a:ext cx="548700" cy="524700"/>
+          </a:xfrm>
+          <a:prstGeom prst="rect">
+            <a:avLst/>
+          </a:prstGeom>
+        </p:spPr>
+        <p:txBody>
+          <a:bodyPr spcFirstLastPara="1" wrap="square" lIns="91425" tIns="91425" rIns="91425" bIns="91425" anchor="ctr" anchorCtr="0">
+            <a:noAutofit/>
+          </a:bodyPr>
+          <a:lstStyle/>
+          <a:p>
+            <a:pPr marL="0" lvl="0" indent="0" algn="r" rtl="0">
+              <a:spcBef>
+                <a:spcPts val="0"/>
+              </a:spcBef>
+              <a:spcAft>
+                <a:spcPts val="0"/>
+              </a:spcAft>
+              <a:buNone/>
+            </a:pPr>
+            <a:fld id="{00000000-1234-1234-1234-123412341234}" type="slidenum">
+              <a:rPr lang="en"/>
+              <a:t>30</a:t>
+            </a:fld>
+            <a:endParaRPr/>
+          </a:p>
+        </p:txBody>
+      </p:sp>
+      <p:pic>
+        <p:nvPicPr>
+          <p:cNvPr id="17410" name="Picture 13">
+            <a:extLst>
+              <a:ext uri="{FF2B5EF4-FFF2-40B4-BE49-F238E27FC236}">
+                <a16:creationId xmlns:a16="http://schemas.microsoft.com/office/drawing/2014/main" id="{22170D0F-FEFC-42AA-95BB-60C531341380}"/>
+              </a:ext>
+            </a:extLst>
+          </p:cNvPr>
+          <p:cNvPicPr>
+            <a:picLocks noChangeAspect="1" noChangeArrowheads="1"/>
+          </p:cNvPicPr>
+          <p:nvPr/>
+        </p:nvPicPr>
+        <p:blipFill>
+          <a:blip r:embed="rId3">
+            <a:extLst>
+              <a:ext uri="{28A0092B-C50C-407E-A947-70E740481C1C}">
+                <a14:useLocalDpi xmlns:a14="http://schemas.microsoft.com/office/drawing/2010/main" val="0"/>
+              </a:ext>
+            </a:extLst>
+          </a:blip>
+          <a:srcRect/>
+          <a:stretch>
+            <a:fillRect/>
+          </a:stretch>
+        </p:blipFill>
+        <p:spPr bwMode="auto">
+          <a:xfrm>
+            <a:off x="122842" y="640379"/>
+            <a:ext cx="8530092" cy="7548332"/>
+          </a:xfrm>
+          <a:prstGeom prst="rect">
+            <a:avLst/>
+          </a:prstGeom>
+          <a:noFill/>
+          <a:ln>
+            <a:noFill/>
+          </a:ln>
+          <a:extLst>
+            <a:ext uri="{909E8E84-426E-40DD-AFC4-6F175D3DCCD1}">
+              <a14:hiddenFill xmlns:a14="http://schemas.microsoft.com/office/drawing/2010/main">
+                <a:solidFill>
+                  <a:srgbClr val="FFFFFF"/>
+                </a:solidFill>
+              </a14:hiddenFill>
+            </a:ext>
+            <a:ext uri="{91240B29-F687-4F45-9708-019B960494DF}">
+              <a14:hiddenLine xmlns:a14="http://schemas.microsoft.com/office/drawing/2010/main" w="9525">
+                <a:solidFill>
+                  <a:srgbClr val="000000"/>
+                </a:solidFill>
+                <a:miter lim="800000"/>
+                <a:headEnd/>
+                <a:tailEnd/>
+              </a14:hiddenLine>
+            </a:ext>
+          </a:extLst>
+        </p:spPr>
+      </p:pic>
+    </p:spTree>
+    <p:extLst>
+      <p:ext uri="{BB962C8B-B14F-4D97-AF65-F5344CB8AC3E}">
+        <p14:creationId xmlns:p14="http://schemas.microsoft.com/office/powerpoint/2010/main" val="3550732589"/>
+      </p:ext>
+    </p:extLst>
+  </p:cSld>
+  <p:clrMapOvr>
+    <a:masterClrMapping/>
+  </p:clrMapOvr>
+</p:sld>
+</file>
+
+<file path=ppt/slides/slide31.xml><?xml version="1.0" encoding="utf-8"?>
+<p:sld xmlns:a="http://schemas.openxmlformats.org/drawingml/2006/main" xmlns:r="http://schemas.openxmlformats.org/officeDocument/2006/relationships" xmlns:p="http://schemas.openxmlformats.org/presentationml/2006/main">
+  <p:cSld>
+    <p:spTree>
+      <p:nvGrpSpPr>
+        <p:cNvPr id="1" name="Shape 67"/>
+        <p:cNvGrpSpPr/>
+        <p:nvPr/>
+      </p:nvGrpSpPr>
+      <p:grpSpPr>
+        <a:xfrm>
+          <a:off x="0" y="0"/>
+          <a:ext cx="0" cy="0"/>
+          <a:chOff x="0" y="0"/>
+          <a:chExt cx="0" cy="0"/>
+        </a:xfrm>
+      </p:grpSpPr>
+      <p:sp>
+        <p:nvSpPr>
+          <p:cNvPr id="68" name="Google Shape;68;p15"/>
+          <p:cNvSpPr txBox="1">
+            <a:spLocks noGrp="1"/>
+          </p:cNvSpPr>
+          <p:nvPr>
+            <p:ph type="title"/>
+          </p:nvPr>
+        </p:nvSpPr>
+        <p:spPr>
+          <a:xfrm>
+            <a:off x="311700" y="287868"/>
+            <a:ext cx="8709458" cy="999066"/>
+          </a:xfrm>
+          <a:prstGeom prst="rect">
+            <a:avLst/>
+          </a:prstGeom>
+        </p:spPr>
+        <p:txBody>
+          <a:bodyPr spcFirstLastPara="1" wrap="square" lIns="91425" tIns="91425" rIns="91425" bIns="91425" anchor="t" anchorCtr="0">
+            <a:noAutofit/>
+          </a:bodyPr>
+          <a:lstStyle/>
+          <a:p>
+            <a:pPr algn="just"/>
+            <a:r>
+              <a:rPr lang="ru-RU" b="1" dirty="0">
+                <a:solidFill>
+                  <a:schemeClr val="tx1"/>
+                </a:solidFill>
+              </a:rPr>
+              <a:t>Дополнительный слайд №15. Оценка времени анализа статьи</a:t>
+            </a:r>
+          </a:p>
+        </p:txBody>
+      </p:sp>
+      <p:sp>
+        <p:nvSpPr>
+          <p:cNvPr id="69" name="Google Shape;69;p15"/>
+          <p:cNvSpPr txBox="1">
+            <a:spLocks noGrp="1"/>
+          </p:cNvSpPr>
+          <p:nvPr>
+            <p:ph type="sldNum" idx="12"/>
+          </p:nvPr>
+        </p:nvSpPr>
+        <p:spPr>
+          <a:xfrm>
+            <a:off x="8472458" y="6217622"/>
+            <a:ext cx="548700" cy="524700"/>
+          </a:xfrm>
+          <a:prstGeom prst="rect">
+            <a:avLst/>
+          </a:prstGeom>
+        </p:spPr>
+        <p:txBody>
+          <a:bodyPr spcFirstLastPara="1" wrap="square" lIns="91425" tIns="91425" rIns="91425" bIns="91425" anchor="ctr" anchorCtr="0">
+            <a:noAutofit/>
+          </a:bodyPr>
+          <a:lstStyle/>
+          <a:p>
+            <a:pPr marL="0" lvl="0" indent="0" algn="r" rtl="0">
+              <a:spcBef>
+                <a:spcPts val="0"/>
+              </a:spcBef>
+              <a:spcAft>
+                <a:spcPts val="0"/>
+              </a:spcAft>
+              <a:buNone/>
+            </a:pPr>
+            <a:fld id="{00000000-1234-1234-1234-123412341234}" type="slidenum">
+              <a:rPr lang="en"/>
+              <a:t>31</a:t>
+            </a:fld>
+            <a:endParaRPr/>
+          </a:p>
+        </p:txBody>
+      </p:sp>
+      <p:sp>
+        <p:nvSpPr>
+          <p:cNvPr id="71" name="Google Shape;71;p15"/>
+          <p:cNvSpPr txBox="1"/>
+          <p:nvPr/>
+        </p:nvSpPr>
+        <p:spPr>
+          <a:xfrm>
+            <a:off x="217271" y="1286934"/>
+            <a:ext cx="8709458" cy="5607790"/>
+          </a:xfrm>
+          <a:prstGeom prst="rect">
+            <a:avLst/>
+          </a:prstGeom>
+          <a:noFill/>
+          <a:ln>
+            <a:noFill/>
+          </a:ln>
+        </p:spPr>
+        <p:txBody>
+          <a:bodyPr spcFirstLastPara="1" wrap="square" lIns="91425" tIns="91425" rIns="91425" bIns="91425" anchor="t" anchorCtr="0">
+            <a:noAutofit/>
+          </a:bodyPr>
+          <a:lstStyle/>
+          <a:p>
+            <a:pPr lvl="0"/>
+            <a:endParaRPr lang="ru-RU" sz="2400" dirty="0"/>
+          </a:p>
+          <a:p>
+            <a:pPr lvl="0"/>
+            <a:endParaRPr lang="ru-RU" sz="2400" dirty="0"/>
+          </a:p>
+          <a:p>
+            <a:pPr lvl="0"/>
+            <a:r>
+              <a:rPr lang="ru-RU" sz="2400" dirty="0"/>
+              <a:t>Где       – время извлечения текста в миллисекундах,     – размер файла в килобайтах.</a:t>
+            </a:r>
+          </a:p>
+          <a:p>
+            <a:pPr lvl="0"/>
+            <a:endParaRPr lang="ru-RU" sz="2400" dirty="0"/>
+          </a:p>
+          <a:p>
+            <a:pPr lvl="0"/>
+            <a:endParaRPr lang="ru-RU" sz="2400" dirty="0"/>
+          </a:p>
+          <a:p>
+            <a:pPr lvl="0"/>
+            <a:r>
+              <a:rPr lang="ru-RU" sz="2400" dirty="0"/>
+              <a:t>Где       – время анализа текста в миллисекундах,     – количество символов.</a:t>
+            </a:r>
+          </a:p>
+          <a:p>
+            <a:pPr lvl="0"/>
+            <a:endParaRPr lang="ru-RU" sz="2400" dirty="0"/>
+          </a:p>
+          <a:p>
+            <a:pPr lvl="0"/>
+            <a:endParaRPr lang="ru-RU" sz="2400" dirty="0"/>
+          </a:p>
+          <a:p>
+            <a:pPr lvl="0"/>
+            <a:endParaRPr lang="ru-RU" sz="2400" dirty="0"/>
+          </a:p>
+          <a:p>
+            <a:r>
+              <a:rPr lang="ru-RU" sz="2400" dirty="0"/>
+              <a:t>Где       – время обработки файла в миллисекундах,     – количество страниц.</a:t>
+            </a:r>
+          </a:p>
+          <a:p>
+            <a:pPr lvl="0"/>
+            <a:endParaRPr lang="ru-RU" sz="2400" dirty="0"/>
+          </a:p>
+        </p:txBody>
+      </p:sp>
+      <p:graphicFrame>
+        <p:nvGraphicFramePr>
+          <p:cNvPr id="3" name="Object 2">
+            <a:extLst>
+              <a:ext uri="{FF2B5EF4-FFF2-40B4-BE49-F238E27FC236}">
+                <a16:creationId xmlns:a16="http://schemas.microsoft.com/office/drawing/2014/main" id="{F080FFCF-7D01-44CE-8220-D1B24607B5B7}"/>
+              </a:ext>
+            </a:extLst>
+          </p:cNvPr>
+          <p:cNvGraphicFramePr>
+            <a:graphicFrameLocks noChangeAspect="1"/>
+          </p:cNvGraphicFramePr>
+          <p:nvPr>
+            <p:extLst>
+              <p:ext uri="{D42A27DB-BD31-4B8C-83A1-F6EECF244321}">
+                <p14:modId xmlns:p14="http://schemas.microsoft.com/office/powerpoint/2010/main" val="3757213805"/>
+              </p:ext>
+            </p:extLst>
+          </p:nvPr>
+        </p:nvGraphicFramePr>
+        <p:xfrm>
+          <a:off x="1685925" y="1337734"/>
+          <a:ext cx="5480602" cy="795863"/>
+        </p:xfrm>
+        <a:graphic>
+          <a:graphicData uri="http://schemas.openxmlformats.org/presentationml/2006/ole">
+            <mc:AlternateContent xmlns:mc="http://schemas.openxmlformats.org/markup-compatibility/2006">
+              <mc:Choice xmlns:v="urn:schemas-microsoft-com:vml" Requires="v">
+                <p:oleObj spid="_x0000_s18475" name="Equation" r:id="rId4" imgW="1574800" imgH="228600" progId="Equation.DSMT4">
+                  <p:embed/>
+                </p:oleObj>
+              </mc:Choice>
+              <mc:Fallback>
+                <p:oleObj name="Equation" r:id="rId4" imgW="1574800" imgH="228600" progId="Equation.DSMT4">
+                  <p:embed/>
+                  <p:pic>
+                    <p:nvPicPr>
+                      <p:cNvPr id="0" name="Object 1"/>
+                      <p:cNvPicPr>
+                        <a:picLocks noChangeAspect="1" noChangeArrowheads="1"/>
+                      </p:cNvPicPr>
+                      <p:nvPr/>
+                    </p:nvPicPr>
+                    <p:blipFill>
+                      <a:blip r:embed="rId5">
+                        <a:extLst>
+                          <a:ext uri="{28A0092B-C50C-407E-A947-70E740481C1C}">
+                            <a14:useLocalDpi xmlns:a14="http://schemas.microsoft.com/office/drawing/2010/main" val="0"/>
+                          </a:ext>
+                        </a:extLst>
+                      </a:blip>
+                      <a:srcRect/>
+                      <a:stretch>
+                        <a:fillRect/>
+                      </a:stretch>
+                    </p:blipFill>
+                    <p:spPr bwMode="auto">
+                      <a:xfrm>
+                        <a:off x="1685925" y="1337734"/>
+                        <a:ext cx="5480602" cy="795863"/>
+                      </a:xfrm>
+                      <a:prstGeom prst="rect">
+                        <a:avLst/>
+                      </a:prstGeom>
+                      <a:noFill/>
+                    </p:spPr>
+                  </p:pic>
+                </p:oleObj>
+              </mc:Fallback>
+            </mc:AlternateContent>
+          </a:graphicData>
+        </a:graphic>
+      </p:graphicFrame>
+      <p:graphicFrame>
+        <p:nvGraphicFramePr>
+          <p:cNvPr id="4" name="Object 3">
+            <a:extLst>
+              <a:ext uri="{FF2B5EF4-FFF2-40B4-BE49-F238E27FC236}">
+                <a16:creationId xmlns:a16="http://schemas.microsoft.com/office/drawing/2014/main" id="{6C2CC2FD-8738-4933-83B8-4B8B6DE6B0F6}"/>
+              </a:ext>
+            </a:extLst>
+          </p:cNvPr>
+          <p:cNvGraphicFramePr>
+            <a:graphicFrameLocks noChangeAspect="1"/>
+          </p:cNvGraphicFramePr>
+          <p:nvPr>
+            <p:extLst>
+              <p:ext uri="{D42A27DB-BD31-4B8C-83A1-F6EECF244321}">
+                <p14:modId xmlns:p14="http://schemas.microsoft.com/office/powerpoint/2010/main" val="3949292181"/>
+              </p:ext>
+            </p:extLst>
+          </p:nvPr>
+        </p:nvGraphicFramePr>
+        <p:xfrm>
+          <a:off x="940044" y="2008348"/>
+          <a:ext cx="439616" cy="555304"/>
+        </p:xfrm>
+        <a:graphic>
+          <a:graphicData uri="http://schemas.openxmlformats.org/presentationml/2006/ole">
+            <mc:AlternateContent xmlns:mc="http://schemas.openxmlformats.org/markup-compatibility/2006">
+              <mc:Choice xmlns:v="urn:schemas-microsoft-com:vml" Requires="v">
+                <p:oleObj spid="_x0000_s18476" name="Equation" r:id="rId6" imgW="177646" imgH="228402" progId="Equation.DSMT4">
+                  <p:embed/>
+                </p:oleObj>
+              </mc:Choice>
+              <mc:Fallback>
+                <p:oleObj name="Equation" r:id="rId6" imgW="177646" imgH="228402" progId="Equation.DSMT4">
+                  <p:embed/>
+                  <p:pic>
+                    <p:nvPicPr>
+                      <p:cNvPr id="0" name="Object 4"/>
+                      <p:cNvPicPr>
+                        <a:picLocks noChangeAspect="1" noChangeArrowheads="1"/>
+                      </p:cNvPicPr>
+                      <p:nvPr/>
+                    </p:nvPicPr>
+                    <p:blipFill>
+                      <a:blip r:embed="rId7">
+                        <a:extLst>
+                          <a:ext uri="{28A0092B-C50C-407E-A947-70E740481C1C}">
+                            <a14:useLocalDpi xmlns:a14="http://schemas.microsoft.com/office/drawing/2010/main" val="0"/>
+                          </a:ext>
+                        </a:extLst>
+                      </a:blip>
+                      <a:srcRect/>
+                      <a:stretch>
+                        <a:fillRect/>
+                      </a:stretch>
+                    </p:blipFill>
+                    <p:spPr bwMode="auto">
+                      <a:xfrm>
+                        <a:off x="940044" y="2008348"/>
+                        <a:ext cx="439616" cy="555304"/>
+                      </a:xfrm>
+                      <a:prstGeom prst="rect">
+                        <a:avLst/>
+                      </a:prstGeom>
+                      <a:noFill/>
+                    </p:spPr>
+                  </p:pic>
+                </p:oleObj>
+              </mc:Fallback>
+            </mc:AlternateContent>
+          </a:graphicData>
+        </a:graphic>
+      </p:graphicFrame>
+      <p:graphicFrame>
+        <p:nvGraphicFramePr>
+          <p:cNvPr id="5" name="Object 4">
+            <a:extLst>
+              <a:ext uri="{FF2B5EF4-FFF2-40B4-BE49-F238E27FC236}">
+                <a16:creationId xmlns:a16="http://schemas.microsoft.com/office/drawing/2014/main" id="{E337408A-4F59-4DC9-B123-0C7C38F5D2C9}"/>
+              </a:ext>
+            </a:extLst>
+          </p:cNvPr>
+          <p:cNvGraphicFramePr>
+            <a:graphicFrameLocks noChangeAspect="1"/>
+          </p:cNvGraphicFramePr>
+          <p:nvPr>
+            <p:extLst>
+              <p:ext uri="{D42A27DB-BD31-4B8C-83A1-F6EECF244321}">
+                <p14:modId xmlns:p14="http://schemas.microsoft.com/office/powerpoint/2010/main" val="938286770"/>
+              </p:ext>
+            </p:extLst>
+          </p:nvPr>
+        </p:nvGraphicFramePr>
+        <p:xfrm>
+          <a:off x="7939454" y="2168766"/>
+          <a:ext cx="264502" cy="305195"/>
+        </p:xfrm>
+        <a:graphic>
+          <a:graphicData uri="http://schemas.openxmlformats.org/presentationml/2006/ole">
+            <mc:AlternateContent xmlns:mc="http://schemas.openxmlformats.org/markup-compatibility/2006">
+              <mc:Choice xmlns:v="urn:schemas-microsoft-com:vml" Requires="v">
+                <p:oleObj spid="_x0000_s18477" name="Equation" r:id="rId8" imgW="126835" imgH="139518" progId="Equation.DSMT4">
+                  <p:embed/>
+                </p:oleObj>
+              </mc:Choice>
+              <mc:Fallback>
+                <p:oleObj name="Equation" r:id="rId8" imgW="126835" imgH="139518" progId="Equation.DSMT4">
+                  <p:embed/>
+                  <p:pic>
+                    <p:nvPicPr>
+                      <p:cNvPr id="0" name="Object 3"/>
+                      <p:cNvPicPr>
+                        <a:picLocks noChangeAspect="1" noChangeArrowheads="1"/>
+                      </p:cNvPicPr>
+                      <p:nvPr/>
+                    </p:nvPicPr>
+                    <p:blipFill>
+                      <a:blip r:embed="rId9">
+                        <a:extLst>
+                          <a:ext uri="{28A0092B-C50C-407E-A947-70E740481C1C}">
+                            <a14:useLocalDpi xmlns:a14="http://schemas.microsoft.com/office/drawing/2010/main" val="0"/>
+                          </a:ext>
+                        </a:extLst>
+                      </a:blip>
+                      <a:srcRect/>
+                      <a:stretch>
+                        <a:fillRect/>
+                      </a:stretch>
+                    </p:blipFill>
+                    <p:spPr bwMode="auto">
+                      <a:xfrm>
+                        <a:off x="7939454" y="2168766"/>
+                        <a:ext cx="264502" cy="305195"/>
+                      </a:xfrm>
+                      <a:prstGeom prst="rect">
+                        <a:avLst/>
+                      </a:prstGeom>
+                      <a:noFill/>
+                    </p:spPr>
+                  </p:pic>
+                </p:oleObj>
+              </mc:Fallback>
+            </mc:AlternateContent>
+          </a:graphicData>
+        </a:graphic>
+      </p:graphicFrame>
+      <p:graphicFrame>
+        <p:nvGraphicFramePr>
+          <p:cNvPr id="10" name="Object 9">
+            <a:extLst>
+              <a:ext uri="{FF2B5EF4-FFF2-40B4-BE49-F238E27FC236}">
+                <a16:creationId xmlns:a16="http://schemas.microsoft.com/office/drawing/2014/main" id="{42A3B037-E9F4-4EA9-B35E-0975C409BBBA}"/>
+              </a:ext>
+            </a:extLst>
+          </p:cNvPr>
+          <p:cNvGraphicFramePr>
+            <a:graphicFrameLocks noChangeAspect="1"/>
+          </p:cNvGraphicFramePr>
+          <p:nvPr>
+            <p:extLst>
+              <p:ext uri="{D42A27DB-BD31-4B8C-83A1-F6EECF244321}">
+                <p14:modId xmlns:p14="http://schemas.microsoft.com/office/powerpoint/2010/main" val="3084793414"/>
+              </p:ext>
+            </p:extLst>
+          </p:nvPr>
+        </p:nvGraphicFramePr>
+        <p:xfrm>
+          <a:off x="1685925" y="2880585"/>
+          <a:ext cx="5516778" cy="795863"/>
+        </p:xfrm>
+        <a:graphic>
+          <a:graphicData uri="http://schemas.openxmlformats.org/presentationml/2006/ole">
+            <mc:AlternateContent xmlns:mc="http://schemas.openxmlformats.org/markup-compatibility/2006">
+              <mc:Choice xmlns:v="urn:schemas-microsoft-com:vml" Requires="v">
+                <p:oleObj spid="_x0000_s18478" name="Equation" r:id="rId10" imgW="1587500" imgH="228600" progId="Equation.DSMT4">
+                  <p:embed/>
+                </p:oleObj>
+              </mc:Choice>
+              <mc:Fallback>
+                <p:oleObj name="Equation" r:id="rId10" imgW="1587500" imgH="228600" progId="Equation.DSMT4">
+                  <p:embed/>
+                  <p:pic>
+                    <p:nvPicPr>
+                      <p:cNvPr id="0" name="Object 11"/>
+                      <p:cNvPicPr>
+                        <a:picLocks noChangeAspect="1" noChangeArrowheads="1"/>
+                      </p:cNvPicPr>
+                      <p:nvPr/>
+                    </p:nvPicPr>
+                    <p:blipFill>
+                      <a:blip r:embed="rId11">
+                        <a:extLst>
+                          <a:ext uri="{28A0092B-C50C-407E-A947-70E740481C1C}">
+                            <a14:useLocalDpi xmlns:a14="http://schemas.microsoft.com/office/drawing/2010/main" val="0"/>
+                          </a:ext>
+                        </a:extLst>
+                      </a:blip>
+                      <a:srcRect/>
+                      <a:stretch>
+                        <a:fillRect/>
+                      </a:stretch>
+                    </p:blipFill>
+                    <p:spPr bwMode="auto">
+                      <a:xfrm>
+                        <a:off x="1685925" y="2880585"/>
+                        <a:ext cx="5516778" cy="795863"/>
+                      </a:xfrm>
+                      <a:prstGeom prst="rect">
+                        <a:avLst/>
+                      </a:prstGeom>
+                      <a:noFill/>
+                    </p:spPr>
+                  </p:pic>
+                </p:oleObj>
+              </mc:Fallback>
+            </mc:AlternateContent>
+          </a:graphicData>
+        </a:graphic>
+      </p:graphicFrame>
+      <p:graphicFrame>
+        <p:nvGraphicFramePr>
+          <p:cNvPr id="12" name="Object 11">
+            <a:extLst>
+              <a:ext uri="{FF2B5EF4-FFF2-40B4-BE49-F238E27FC236}">
+                <a16:creationId xmlns:a16="http://schemas.microsoft.com/office/drawing/2014/main" id="{DF1C6235-CD6D-4D9A-81D5-C1F777E9B177}"/>
+              </a:ext>
+            </a:extLst>
+          </p:cNvPr>
+          <p:cNvGraphicFramePr>
+            <a:graphicFrameLocks noChangeAspect="1"/>
+          </p:cNvGraphicFramePr>
+          <p:nvPr>
+            <p:extLst>
+              <p:ext uri="{D42A27DB-BD31-4B8C-83A1-F6EECF244321}">
+                <p14:modId xmlns:p14="http://schemas.microsoft.com/office/powerpoint/2010/main" val="3640202571"/>
+              </p:ext>
+            </p:extLst>
+          </p:nvPr>
+        </p:nvGraphicFramePr>
+        <p:xfrm>
+          <a:off x="940044" y="3475889"/>
+          <a:ext cx="439616" cy="555304"/>
+        </p:xfrm>
+        <a:graphic>
+          <a:graphicData uri="http://schemas.openxmlformats.org/presentationml/2006/ole">
+            <mc:AlternateContent xmlns:mc="http://schemas.openxmlformats.org/markup-compatibility/2006">
+              <mc:Choice xmlns:v="urn:schemas-microsoft-com:vml" Requires="v">
+                <p:oleObj spid="_x0000_s18479" name="Equation" r:id="rId12" imgW="177646" imgH="228402" progId="Equation.DSMT4">
+                  <p:embed/>
+                </p:oleObj>
+              </mc:Choice>
+              <mc:Fallback>
+                <p:oleObj name="Equation" r:id="rId12" imgW="177646" imgH="228402" progId="Equation.DSMT4">
+                  <p:embed/>
+                  <p:pic>
+                    <p:nvPicPr>
+                      <p:cNvPr id="0" name="Object 13"/>
+                      <p:cNvPicPr>
+                        <a:picLocks noChangeAspect="1" noChangeArrowheads="1"/>
+                      </p:cNvPicPr>
+                      <p:nvPr/>
+                    </p:nvPicPr>
+                    <p:blipFill>
+                      <a:blip r:embed="rId13">
+                        <a:extLst>
+                          <a:ext uri="{28A0092B-C50C-407E-A947-70E740481C1C}">
+                            <a14:useLocalDpi xmlns:a14="http://schemas.microsoft.com/office/drawing/2010/main" val="0"/>
+                          </a:ext>
+                        </a:extLst>
+                      </a:blip>
+                      <a:srcRect/>
+                      <a:stretch>
+                        <a:fillRect/>
+                      </a:stretch>
+                    </p:blipFill>
+                    <p:spPr bwMode="auto">
+                      <a:xfrm>
+                        <a:off x="940044" y="3475889"/>
+                        <a:ext cx="439616" cy="555304"/>
+                      </a:xfrm>
+                      <a:prstGeom prst="rect">
+                        <a:avLst/>
+                      </a:prstGeom>
+                      <a:noFill/>
+                    </p:spPr>
+                  </p:pic>
+                </p:oleObj>
+              </mc:Fallback>
+            </mc:AlternateContent>
+          </a:graphicData>
+        </a:graphic>
+      </p:graphicFrame>
+      <p:graphicFrame>
+        <p:nvGraphicFramePr>
+          <p:cNvPr id="14" name="Object 13">
+            <a:extLst>
+              <a:ext uri="{FF2B5EF4-FFF2-40B4-BE49-F238E27FC236}">
+                <a16:creationId xmlns:a16="http://schemas.microsoft.com/office/drawing/2014/main" id="{51CA95D2-E064-4690-8F45-25A03B0686AB}"/>
+              </a:ext>
+            </a:extLst>
+          </p:cNvPr>
+          <p:cNvGraphicFramePr>
+            <a:graphicFrameLocks noChangeAspect="1"/>
+          </p:cNvGraphicFramePr>
+          <p:nvPr>
+            <p:extLst>
+              <p:ext uri="{D42A27DB-BD31-4B8C-83A1-F6EECF244321}">
+                <p14:modId xmlns:p14="http://schemas.microsoft.com/office/powerpoint/2010/main" val="1332312839"/>
+              </p:ext>
+            </p:extLst>
+          </p:nvPr>
+        </p:nvGraphicFramePr>
+        <p:xfrm>
+          <a:off x="7423243" y="3671315"/>
+          <a:ext cx="317539" cy="359878"/>
+        </p:xfrm>
+        <a:graphic>
+          <a:graphicData uri="http://schemas.openxmlformats.org/presentationml/2006/ole">
+            <mc:AlternateContent xmlns:mc="http://schemas.openxmlformats.org/markup-compatibility/2006">
+              <mc:Choice xmlns:v="urn:schemas-microsoft-com:vml" Requires="v">
+                <p:oleObj spid="_x0000_s18480" name="Equation" r:id="rId14" imgW="139579" imgH="164957" progId="Equation.DSMT4">
+                  <p:embed/>
+                </p:oleObj>
+              </mc:Choice>
+              <mc:Fallback>
+                <p:oleObj name="Equation" r:id="rId14" imgW="139579" imgH="164957" progId="Equation.DSMT4">
+                  <p:embed/>
+                  <p:pic>
+                    <p:nvPicPr>
+                      <p:cNvPr id="0" name="Object 15"/>
+                      <p:cNvPicPr>
+                        <a:picLocks noChangeAspect="1" noChangeArrowheads="1"/>
+                      </p:cNvPicPr>
+                      <p:nvPr/>
+                    </p:nvPicPr>
+                    <p:blipFill>
+                      <a:blip r:embed="rId15">
+                        <a:extLst>
+                          <a:ext uri="{28A0092B-C50C-407E-A947-70E740481C1C}">
+                            <a14:useLocalDpi xmlns:a14="http://schemas.microsoft.com/office/drawing/2010/main" val="0"/>
+                          </a:ext>
+                        </a:extLst>
+                      </a:blip>
+                      <a:srcRect/>
+                      <a:stretch>
+                        <a:fillRect/>
+                      </a:stretch>
+                    </p:blipFill>
+                    <p:spPr bwMode="auto">
+                      <a:xfrm>
+                        <a:off x="7423243" y="3671315"/>
+                        <a:ext cx="317539" cy="359878"/>
+                      </a:xfrm>
+                      <a:prstGeom prst="rect">
+                        <a:avLst/>
+                      </a:prstGeom>
+                      <a:noFill/>
+                    </p:spPr>
+                  </p:pic>
+                </p:oleObj>
+              </mc:Fallback>
+            </mc:AlternateContent>
+          </a:graphicData>
+        </a:graphic>
+      </p:graphicFrame>
+      <p:graphicFrame>
+        <p:nvGraphicFramePr>
+          <p:cNvPr id="16" name="Object 15">
+            <a:extLst>
+              <a:ext uri="{FF2B5EF4-FFF2-40B4-BE49-F238E27FC236}">
+                <a16:creationId xmlns:a16="http://schemas.microsoft.com/office/drawing/2014/main" id="{F5E20C38-B388-4426-A118-58A129666CCB}"/>
+              </a:ext>
+            </a:extLst>
+          </p:cNvPr>
+          <p:cNvGraphicFramePr>
+            <a:graphicFrameLocks noChangeAspect="1"/>
+          </p:cNvGraphicFramePr>
+          <p:nvPr>
+            <p:extLst>
+              <p:ext uri="{D42A27DB-BD31-4B8C-83A1-F6EECF244321}">
+                <p14:modId xmlns:p14="http://schemas.microsoft.com/office/powerpoint/2010/main" val="1563424712"/>
+              </p:ext>
+            </p:extLst>
+          </p:nvPr>
+        </p:nvGraphicFramePr>
+        <p:xfrm>
+          <a:off x="1670799" y="4419736"/>
+          <a:ext cx="5802402" cy="780323"/>
+        </p:xfrm>
+        <a:graphic>
+          <a:graphicData uri="http://schemas.openxmlformats.org/presentationml/2006/ole">
+            <mc:AlternateContent xmlns:mc="http://schemas.openxmlformats.org/markup-compatibility/2006">
+              <mc:Choice xmlns:v="urn:schemas-microsoft-com:vml" Requires="v">
+                <p:oleObj spid="_x0000_s18481" name="Equation" r:id="rId16" imgW="1511300" imgH="203200" progId="Equation.DSMT4">
+                  <p:embed/>
+                </p:oleObj>
+              </mc:Choice>
+              <mc:Fallback>
+                <p:oleObj name="Equation" r:id="rId16" imgW="1511300" imgH="203200" progId="Equation.DSMT4">
+                  <p:embed/>
+                  <p:pic>
+                    <p:nvPicPr>
+                      <p:cNvPr id="0" name="Object 17"/>
+                      <p:cNvPicPr>
+                        <a:picLocks noChangeAspect="1" noChangeArrowheads="1"/>
+                      </p:cNvPicPr>
+                      <p:nvPr/>
+                    </p:nvPicPr>
+                    <p:blipFill>
+                      <a:blip r:embed="rId17">
+                        <a:extLst>
+                          <a:ext uri="{28A0092B-C50C-407E-A947-70E740481C1C}">
+                            <a14:useLocalDpi xmlns:a14="http://schemas.microsoft.com/office/drawing/2010/main" val="0"/>
+                          </a:ext>
+                        </a:extLst>
+                      </a:blip>
+                      <a:srcRect/>
+                      <a:stretch>
+                        <a:fillRect/>
+                      </a:stretch>
+                    </p:blipFill>
+                    <p:spPr bwMode="auto">
+                      <a:xfrm>
+                        <a:off x="1670799" y="4419736"/>
+                        <a:ext cx="5802402" cy="780323"/>
+                      </a:xfrm>
+                      <a:prstGeom prst="rect">
+                        <a:avLst/>
+                      </a:prstGeom>
+                      <a:noFill/>
+                    </p:spPr>
+                  </p:pic>
+                </p:oleObj>
+              </mc:Fallback>
+            </mc:AlternateContent>
+          </a:graphicData>
+        </a:graphic>
+      </p:graphicFrame>
+      <p:graphicFrame>
+        <p:nvGraphicFramePr>
+          <p:cNvPr id="20" name="Object 19">
+            <a:extLst>
+              <a:ext uri="{FF2B5EF4-FFF2-40B4-BE49-F238E27FC236}">
+                <a16:creationId xmlns:a16="http://schemas.microsoft.com/office/drawing/2014/main" id="{C3C893AF-4B5F-4363-953C-270E19DFDC5D}"/>
+              </a:ext>
+            </a:extLst>
+          </p:cNvPr>
+          <p:cNvGraphicFramePr>
+            <a:graphicFrameLocks noChangeAspect="1"/>
+          </p:cNvGraphicFramePr>
+          <p:nvPr>
+            <p:extLst>
+              <p:ext uri="{D42A27DB-BD31-4B8C-83A1-F6EECF244321}">
+                <p14:modId xmlns:p14="http://schemas.microsoft.com/office/powerpoint/2010/main" val="224516147"/>
+              </p:ext>
+            </p:extLst>
+          </p:nvPr>
+        </p:nvGraphicFramePr>
+        <p:xfrm>
+          <a:off x="940044" y="5355581"/>
+          <a:ext cx="380268" cy="430970"/>
+        </p:xfrm>
+        <a:graphic>
+          <a:graphicData uri="http://schemas.openxmlformats.org/presentationml/2006/ole">
+            <mc:AlternateContent xmlns:mc="http://schemas.openxmlformats.org/markup-compatibility/2006">
+              <mc:Choice xmlns:v="urn:schemas-microsoft-com:vml" Requires="v">
+                <p:oleObj spid="_x0000_s18482" name="Equation" r:id="rId18" imgW="139579" imgH="164957" progId="Equation.DSMT4">
+                  <p:embed/>
+                </p:oleObj>
+              </mc:Choice>
+              <mc:Fallback>
+                <p:oleObj name="Equation" r:id="rId18" imgW="139579" imgH="164957" progId="Equation.DSMT4">
+                  <p:embed/>
+                  <p:pic>
+                    <p:nvPicPr>
+                      <p:cNvPr id="0" name="Object 21"/>
+                      <p:cNvPicPr>
+                        <a:picLocks noChangeAspect="1" noChangeArrowheads="1"/>
+                      </p:cNvPicPr>
+                      <p:nvPr/>
+                    </p:nvPicPr>
+                    <p:blipFill>
+                      <a:blip r:embed="rId19">
+                        <a:extLst>
+                          <a:ext uri="{28A0092B-C50C-407E-A947-70E740481C1C}">
+                            <a14:useLocalDpi xmlns:a14="http://schemas.microsoft.com/office/drawing/2010/main" val="0"/>
+                          </a:ext>
+                        </a:extLst>
+                      </a:blip>
+                      <a:srcRect/>
+                      <a:stretch>
+                        <a:fillRect/>
+                      </a:stretch>
+                    </p:blipFill>
+                    <p:spPr bwMode="auto">
+                      <a:xfrm>
+                        <a:off x="940044" y="5355581"/>
+                        <a:ext cx="380268" cy="430970"/>
+                      </a:xfrm>
+                      <a:prstGeom prst="rect">
+                        <a:avLst/>
+                      </a:prstGeom>
+                      <a:noFill/>
+                    </p:spPr>
+                  </p:pic>
+                </p:oleObj>
+              </mc:Fallback>
+            </mc:AlternateContent>
+          </a:graphicData>
+        </a:graphic>
+      </p:graphicFrame>
+      <p:graphicFrame>
+        <p:nvGraphicFramePr>
+          <p:cNvPr id="22" name="Object 21">
+            <a:extLst>
+              <a:ext uri="{FF2B5EF4-FFF2-40B4-BE49-F238E27FC236}">
+                <a16:creationId xmlns:a16="http://schemas.microsoft.com/office/drawing/2014/main" id="{2E15B6CD-7081-48B9-9878-3042B7C9B8E7}"/>
+              </a:ext>
+            </a:extLst>
+          </p:cNvPr>
+          <p:cNvGraphicFramePr>
+            <a:graphicFrameLocks noChangeAspect="1"/>
+          </p:cNvGraphicFramePr>
+          <p:nvPr>
+            <p:extLst>
+              <p:ext uri="{D42A27DB-BD31-4B8C-83A1-F6EECF244321}">
+                <p14:modId xmlns:p14="http://schemas.microsoft.com/office/powerpoint/2010/main" val="1900880217"/>
+              </p:ext>
+            </p:extLst>
+          </p:nvPr>
+        </p:nvGraphicFramePr>
+        <p:xfrm>
+          <a:off x="7740782" y="5462301"/>
+          <a:ext cx="305195" cy="305195"/>
+        </p:xfrm>
+        <a:graphic>
+          <a:graphicData uri="http://schemas.openxmlformats.org/presentationml/2006/ole">
+            <mc:AlternateContent xmlns:mc="http://schemas.openxmlformats.org/markup-compatibility/2006">
+              <mc:Choice xmlns:v="urn:schemas-microsoft-com:vml" Requires="v">
+                <p:oleObj spid="_x0000_s18483" name="Equation" r:id="rId20" imgW="126725" imgH="126725" progId="Equation.DSMT4">
+                  <p:embed/>
+                </p:oleObj>
+              </mc:Choice>
+              <mc:Fallback>
+                <p:oleObj name="Equation" r:id="rId20" imgW="126725" imgH="126725" progId="Equation.DSMT4">
+                  <p:embed/>
+                  <p:pic>
+                    <p:nvPicPr>
+                      <p:cNvPr id="0" name="Object 23"/>
+                      <p:cNvPicPr>
+                        <a:picLocks noChangeAspect="1" noChangeArrowheads="1"/>
+                      </p:cNvPicPr>
+                      <p:nvPr/>
+                    </p:nvPicPr>
+                    <p:blipFill>
+                      <a:blip r:embed="rId21">
+                        <a:extLst>
+                          <a:ext uri="{28A0092B-C50C-407E-A947-70E740481C1C}">
+                            <a14:useLocalDpi xmlns:a14="http://schemas.microsoft.com/office/drawing/2010/main" val="0"/>
+                          </a:ext>
+                        </a:extLst>
+                      </a:blip>
+                      <a:srcRect/>
+                      <a:stretch>
+                        <a:fillRect/>
+                      </a:stretch>
+                    </p:blipFill>
+                    <p:spPr bwMode="auto">
+                      <a:xfrm>
+                        <a:off x="7740782" y="5462301"/>
+                        <a:ext cx="305195" cy="305195"/>
+                      </a:xfrm>
+                      <a:prstGeom prst="rect">
+                        <a:avLst/>
+                      </a:prstGeom>
+                      <a:noFill/>
+                    </p:spPr>
+                  </p:pic>
+                </p:oleObj>
+              </mc:Fallback>
+            </mc:AlternateContent>
+          </a:graphicData>
+        </a:graphic>
+      </p:graphicFrame>
+    </p:spTree>
+    <p:extLst>
+      <p:ext uri="{BB962C8B-B14F-4D97-AF65-F5344CB8AC3E}">
+        <p14:creationId xmlns:p14="http://schemas.microsoft.com/office/powerpoint/2010/main" val="4073859657"/>
+      </p:ext>
+    </p:extLst>
+  </p:cSld>
+  <p:clrMapOvr>
+    <a:masterClrMapping/>
+  </p:clrMapOvr>
+</p:sld>
+</file>
+
+<file path=ppt/slides/slide32.xml><?xml version="1.0" encoding="utf-8"?>
+<p:sld xmlns:a="http://schemas.openxmlformats.org/drawingml/2006/main" xmlns:r="http://schemas.openxmlformats.org/officeDocument/2006/relationships" xmlns:p="http://schemas.openxmlformats.org/presentationml/2006/main">
+  <p:cSld>
+    <p:spTree>
+      <p:nvGrpSpPr>
+        <p:cNvPr id="1" name="Shape 67"/>
+        <p:cNvGrpSpPr/>
+        <p:nvPr/>
+      </p:nvGrpSpPr>
+      <p:grpSpPr>
+        <a:xfrm>
+          <a:off x="0" y="0"/>
+          <a:ext cx="0" cy="0"/>
+          <a:chOff x="0" y="0"/>
+          <a:chExt cx="0" cy="0"/>
+        </a:xfrm>
+      </p:grpSpPr>
+      <p:sp>
+        <p:nvSpPr>
+          <p:cNvPr id="68" name="Google Shape;68;p15"/>
+          <p:cNvSpPr txBox="1">
+            <a:spLocks noGrp="1"/>
+          </p:cNvSpPr>
+          <p:nvPr>
+            <p:ph type="title"/>
+          </p:nvPr>
+        </p:nvSpPr>
+        <p:spPr>
+          <a:xfrm>
+            <a:off x="311700" y="115679"/>
+            <a:ext cx="8709458" cy="524700"/>
+          </a:xfrm>
+          <a:prstGeom prst="rect">
+            <a:avLst/>
+          </a:prstGeom>
+        </p:spPr>
+        <p:txBody>
+          <a:bodyPr spcFirstLastPara="1" wrap="square" lIns="91425" tIns="91425" rIns="91425" bIns="91425" anchor="t" anchorCtr="0">
+            <a:noAutofit/>
+          </a:bodyPr>
+          <a:lstStyle/>
+          <a:p>
+            <a:pPr algn="just"/>
+            <a:r>
+              <a:rPr lang="ru-RU" b="1" dirty="0">
+                <a:solidFill>
+                  <a:schemeClr val="tx1"/>
+                </a:solidFill>
+              </a:rPr>
+              <a:t>Дополнительный слайд №16. Потребление оперативной памяти приложением</a:t>
+            </a:r>
+          </a:p>
+        </p:txBody>
+      </p:sp>
+      <p:sp>
+        <p:nvSpPr>
+          <p:cNvPr id="69" name="Google Shape;69;p15"/>
+          <p:cNvSpPr txBox="1">
+            <a:spLocks noGrp="1"/>
+          </p:cNvSpPr>
+          <p:nvPr>
+            <p:ph type="sldNum" idx="12"/>
+          </p:nvPr>
+        </p:nvSpPr>
+        <p:spPr>
+          <a:xfrm>
+            <a:off x="8472458" y="6217622"/>
+            <a:ext cx="548700" cy="524700"/>
+          </a:xfrm>
+          <a:prstGeom prst="rect">
+            <a:avLst/>
+          </a:prstGeom>
+        </p:spPr>
+        <p:txBody>
+          <a:bodyPr spcFirstLastPara="1" wrap="square" lIns="91425" tIns="91425" rIns="91425" bIns="91425" anchor="ctr" anchorCtr="0">
+            <a:noAutofit/>
+          </a:bodyPr>
+          <a:lstStyle/>
+          <a:p>
+            <a:pPr marL="0" lvl="0" indent="0" algn="r" rtl="0">
+              <a:spcBef>
+                <a:spcPts val="0"/>
+              </a:spcBef>
+              <a:spcAft>
+                <a:spcPts val="0"/>
+              </a:spcAft>
+              <a:buNone/>
+            </a:pPr>
+            <a:fld id="{00000000-1234-1234-1234-123412341234}" type="slidenum">
+              <a:rPr lang="en"/>
+              <a:t>32</a:t>
+            </a:fld>
+            <a:endParaRPr/>
+          </a:p>
+        </p:txBody>
+      </p:sp>
+      <p:pic>
+        <p:nvPicPr>
+          <p:cNvPr id="20482" name="Picture 3">
+            <a:extLst>
+              <a:ext uri="{FF2B5EF4-FFF2-40B4-BE49-F238E27FC236}">
+                <a16:creationId xmlns:a16="http://schemas.microsoft.com/office/drawing/2014/main" id="{144D96BD-34D8-4811-8C03-26AD88B27F03}"/>
+              </a:ext>
+            </a:extLst>
+          </p:cNvPr>
+          <p:cNvPicPr>
+            <a:picLocks noChangeAspect="1" noChangeArrowheads="1"/>
+          </p:cNvPicPr>
+          <p:nvPr/>
+        </p:nvPicPr>
+        <p:blipFill>
+          <a:blip r:embed="rId3">
+            <a:extLst>
+              <a:ext uri="{28A0092B-C50C-407E-A947-70E740481C1C}">
+                <a14:useLocalDpi xmlns:a14="http://schemas.microsoft.com/office/drawing/2010/main" val="0"/>
+              </a:ext>
+            </a:extLst>
+          </a:blip>
+          <a:srcRect/>
+          <a:stretch>
+            <a:fillRect/>
+          </a:stretch>
+        </p:blipFill>
+        <p:spPr bwMode="auto">
+          <a:xfrm>
+            <a:off x="311699" y="1139296"/>
+            <a:ext cx="8493633" cy="5294909"/>
+          </a:xfrm>
+          <a:prstGeom prst="rect">
+            <a:avLst/>
+          </a:prstGeom>
+          <a:noFill/>
+          <a:ln>
+            <a:noFill/>
+          </a:ln>
+          <a:extLst>
+            <a:ext uri="{909E8E84-426E-40DD-AFC4-6F175D3DCCD1}">
+              <a14:hiddenFill xmlns:a14="http://schemas.microsoft.com/office/drawing/2010/main">
+                <a:solidFill>
+                  <a:srgbClr val="FFFFFF"/>
+                </a:solidFill>
+              </a14:hiddenFill>
+            </a:ext>
+            <a:ext uri="{91240B29-F687-4F45-9708-019B960494DF}">
+              <a14:hiddenLine xmlns:a14="http://schemas.microsoft.com/office/drawing/2010/main" w="9525">
+                <a:solidFill>
+                  <a:srgbClr val="000000"/>
+                </a:solidFill>
+                <a:miter lim="800000"/>
+                <a:headEnd/>
+                <a:tailEnd/>
+              </a14:hiddenLine>
+            </a:ext>
+          </a:extLst>
+        </p:spPr>
+      </p:pic>
+    </p:spTree>
+    <p:extLst>
+      <p:ext uri="{BB962C8B-B14F-4D97-AF65-F5344CB8AC3E}">
+        <p14:creationId xmlns:p14="http://schemas.microsoft.com/office/powerpoint/2010/main" val="823508171"/>
       </p:ext>
     </p:extLst>
   </p:cSld>

--- a/paper_work/masters thesis/msc_slides.pptx
+++ b/paper_work/masters thesis/msc_slides.pptx
@@ -5,41 +5,42 @@
     <p:sldMasterId id="2147483659" r:id="rId1"/>
   </p:sldMasterIdLst>
   <p:notesMasterIdLst>
-    <p:notesMasterId r:id="rId34"/>
+    <p:notesMasterId r:id="rId35"/>
   </p:notesMasterIdLst>
   <p:sldIdLst>
     <p:sldId id="256" r:id="rId2"/>
     <p:sldId id="257" r:id="rId3"/>
     <p:sldId id="265" r:id="rId4"/>
-    <p:sldId id="258" r:id="rId5"/>
+    <p:sldId id="268" r:id="rId5"/>
     <p:sldId id="266" r:id="rId6"/>
-    <p:sldId id="268" r:id="rId7"/>
-    <p:sldId id="269" r:id="rId8"/>
-    <p:sldId id="270" r:id="rId9"/>
-    <p:sldId id="271" r:id="rId10"/>
-    <p:sldId id="273" r:id="rId11"/>
-    <p:sldId id="272" r:id="rId12"/>
-    <p:sldId id="275" r:id="rId13"/>
-    <p:sldId id="274" r:id="rId14"/>
-    <p:sldId id="283" r:id="rId15"/>
-    <p:sldId id="262" r:id="rId16"/>
-    <p:sldId id="263" r:id="rId17"/>
-    <p:sldId id="267" r:id="rId18"/>
-    <p:sldId id="276" r:id="rId19"/>
-    <p:sldId id="277" r:id="rId20"/>
-    <p:sldId id="278" r:id="rId21"/>
-    <p:sldId id="279" r:id="rId22"/>
-    <p:sldId id="280" r:id="rId23"/>
-    <p:sldId id="281" r:id="rId24"/>
-    <p:sldId id="282" r:id="rId25"/>
-    <p:sldId id="284" r:id="rId26"/>
-    <p:sldId id="285" r:id="rId27"/>
-    <p:sldId id="286" r:id="rId28"/>
-    <p:sldId id="287" r:id="rId29"/>
-    <p:sldId id="288" r:id="rId30"/>
-    <p:sldId id="289" r:id="rId31"/>
-    <p:sldId id="290" r:id="rId32"/>
-    <p:sldId id="291" r:id="rId33"/>
+    <p:sldId id="270" r:id="rId7"/>
+    <p:sldId id="271" r:id="rId8"/>
+    <p:sldId id="273" r:id="rId9"/>
+    <p:sldId id="272" r:id="rId10"/>
+    <p:sldId id="275" r:id="rId11"/>
+    <p:sldId id="292" r:id="rId12"/>
+    <p:sldId id="274" r:id="rId13"/>
+    <p:sldId id="283" r:id="rId14"/>
+    <p:sldId id="262" r:id="rId15"/>
+    <p:sldId id="263" r:id="rId16"/>
+    <p:sldId id="267" r:id="rId17"/>
+    <p:sldId id="293" r:id="rId18"/>
+    <p:sldId id="294" r:id="rId19"/>
+    <p:sldId id="276" r:id="rId20"/>
+    <p:sldId id="277" r:id="rId21"/>
+    <p:sldId id="278" r:id="rId22"/>
+    <p:sldId id="279" r:id="rId23"/>
+    <p:sldId id="280" r:id="rId24"/>
+    <p:sldId id="281" r:id="rId25"/>
+    <p:sldId id="282" r:id="rId26"/>
+    <p:sldId id="284" r:id="rId27"/>
+    <p:sldId id="285" r:id="rId28"/>
+    <p:sldId id="286" r:id="rId29"/>
+    <p:sldId id="287" r:id="rId30"/>
+    <p:sldId id="288" r:id="rId31"/>
+    <p:sldId id="289" r:id="rId32"/>
+    <p:sldId id="290" r:id="rId33"/>
+    <p:sldId id="291" r:id="rId34"/>
   </p:sldIdLst>
   <p:sldSz cx="9144000" cy="6858000" type="screen4x3"/>
   <p:notesSz cx="6858000" cy="9144000"/>
@@ -933,7 +934,7 @@
     </p:spTree>
     <p:extLst>
       <p:ext uri="{BB962C8B-B14F-4D97-AF65-F5344CB8AC3E}">
-        <p14:creationId xmlns:p14="http://schemas.microsoft.com/office/powerpoint/2010/main" val="2941049528"/>
+        <p14:creationId xmlns:p14="http://schemas.microsoft.com/office/powerpoint/2010/main" val="777512737"/>
       </p:ext>
     </p:extLst>
   </p:cSld>
@@ -1042,7 +1043,7 @@
     </p:spTree>
     <p:extLst>
       <p:ext uri="{BB962C8B-B14F-4D97-AF65-F5344CB8AC3E}">
-        <p14:creationId xmlns:p14="http://schemas.microsoft.com/office/powerpoint/2010/main" val="2783623984"/>
+        <p14:creationId xmlns:p14="http://schemas.microsoft.com/office/powerpoint/2010/main" val="681826776"/>
       </p:ext>
     </p:extLst>
   </p:cSld>
@@ -1151,7 +1152,7 @@
     </p:spTree>
     <p:extLst>
       <p:ext uri="{BB962C8B-B14F-4D97-AF65-F5344CB8AC3E}">
-        <p14:creationId xmlns:p14="http://schemas.microsoft.com/office/powerpoint/2010/main" val="777512737"/>
+        <p14:creationId xmlns:p14="http://schemas.microsoft.com/office/powerpoint/2010/main" val="2009591741"/>
       </p:ext>
     </p:extLst>
   </p:cSld>
@@ -1260,7 +1261,7 @@
     </p:spTree>
     <p:extLst>
       <p:ext uri="{BB962C8B-B14F-4D97-AF65-F5344CB8AC3E}">
-        <p14:creationId xmlns:p14="http://schemas.microsoft.com/office/powerpoint/2010/main" val="2009591741"/>
+        <p14:creationId xmlns:p14="http://schemas.microsoft.com/office/powerpoint/2010/main" val="403405452"/>
       </p:ext>
     </p:extLst>
   </p:cSld>
@@ -1271,6 +1272,214 @@
 </file>
 
 <file path=ppt/notesSlides/notesSlide14.xml><?xml version="1.0" encoding="utf-8"?>
+<p:notes xmlns:a="http://schemas.openxmlformats.org/drawingml/2006/main" xmlns:r="http://schemas.openxmlformats.org/officeDocument/2006/relationships" xmlns:p="http://schemas.openxmlformats.org/presentationml/2006/main" showMasterSp="0" showMasterPhAnim="0">
+  <p:cSld>
+    <p:spTree>
+      <p:nvGrpSpPr>
+        <p:cNvPr id="1" name="Shape 97"/>
+        <p:cNvGrpSpPr/>
+        <p:nvPr/>
+      </p:nvGrpSpPr>
+      <p:grpSpPr>
+        <a:xfrm>
+          <a:off x="0" y="0"/>
+          <a:ext cx="0" cy="0"/>
+          <a:chOff x="0" y="0"/>
+          <a:chExt cx="0" cy="0"/>
+        </a:xfrm>
+      </p:grpSpPr>
+      <p:sp>
+        <p:nvSpPr>
+          <p:cNvPr id="98" name="Google Shape;98;g5a32bfd86c_0_15:notes"/>
+          <p:cNvSpPr>
+            <a:spLocks noGrp="1" noRot="1" noChangeAspect="1"/>
+          </p:cNvSpPr>
+          <p:nvPr>
+            <p:ph type="sldImg" idx="2"/>
+          </p:nvPr>
+        </p:nvSpPr>
+        <p:spPr>
+          <a:xfrm>
+            <a:off x="1143000" y="685800"/>
+            <a:ext cx="4572000" cy="3429000"/>
+          </a:xfrm>
+          <a:custGeom>
+            <a:avLst/>
+            <a:gdLst/>
+            <a:ahLst/>
+            <a:cxnLst/>
+            <a:rect l="l" t="t" r="r" b="b"/>
+            <a:pathLst>
+              <a:path w="120000" h="120000" extrusionOk="0">
+                <a:moveTo>
+                  <a:pt x="0" y="0"/>
+                </a:moveTo>
+                <a:lnTo>
+                  <a:pt x="120000" y="0"/>
+                </a:lnTo>
+                <a:lnTo>
+                  <a:pt x="120000" y="120000"/>
+                </a:lnTo>
+                <a:lnTo>
+                  <a:pt x="0" y="120000"/>
+                </a:lnTo>
+                <a:close/>
+              </a:path>
+            </a:pathLst>
+          </a:custGeom>
+        </p:spPr>
+      </p:sp>
+      <p:sp>
+        <p:nvSpPr>
+          <p:cNvPr id="99" name="Google Shape;99;g5a32bfd86c_0_15:notes"/>
+          <p:cNvSpPr txBox="1">
+            <a:spLocks noGrp="1"/>
+          </p:cNvSpPr>
+          <p:nvPr>
+            <p:ph type="body" idx="1"/>
+          </p:nvPr>
+        </p:nvSpPr>
+        <p:spPr>
+          <a:xfrm>
+            <a:off x="685800" y="4343400"/>
+            <a:ext cx="5486400" cy="4114800"/>
+          </a:xfrm>
+          <a:prstGeom prst="rect">
+            <a:avLst/>
+          </a:prstGeom>
+        </p:spPr>
+        <p:txBody>
+          <a:bodyPr spcFirstLastPara="1" wrap="square" lIns="91425" tIns="91425" rIns="91425" bIns="91425" anchor="t" anchorCtr="0">
+            <a:noAutofit/>
+          </a:bodyPr>
+          <a:lstStyle/>
+          <a:p>
+            <a:pPr marL="0" lvl="0" indent="0" algn="l" rtl="0">
+              <a:spcBef>
+                <a:spcPts val="0"/>
+              </a:spcBef>
+              <a:spcAft>
+                <a:spcPts val="0"/>
+              </a:spcAft>
+              <a:buNone/>
+            </a:pPr>
+            <a:endParaRPr/>
+          </a:p>
+        </p:txBody>
+      </p:sp>
+    </p:spTree>
+  </p:cSld>
+  <p:clrMapOvr>
+    <a:masterClrMapping/>
+  </p:clrMapOvr>
+</p:notes>
+</file>
+
+<file path=ppt/notesSlides/notesSlide15.xml><?xml version="1.0" encoding="utf-8"?>
+<p:notes xmlns:a="http://schemas.openxmlformats.org/drawingml/2006/main" xmlns:r="http://schemas.openxmlformats.org/officeDocument/2006/relationships" xmlns:p="http://schemas.openxmlformats.org/presentationml/2006/main" showMasterSp="0" showMasterPhAnim="0">
+  <p:cSld>
+    <p:spTree>
+      <p:nvGrpSpPr>
+        <p:cNvPr id="1" name="Shape 104"/>
+        <p:cNvGrpSpPr/>
+        <p:nvPr/>
+      </p:nvGrpSpPr>
+      <p:grpSpPr>
+        <a:xfrm>
+          <a:off x="0" y="0"/>
+          <a:ext cx="0" cy="0"/>
+          <a:chOff x="0" y="0"/>
+          <a:chExt cx="0" cy="0"/>
+        </a:xfrm>
+      </p:grpSpPr>
+      <p:sp>
+        <p:nvSpPr>
+          <p:cNvPr id="105" name="Google Shape;105;g5a32bfd86c_0_5:notes"/>
+          <p:cNvSpPr>
+            <a:spLocks noGrp="1" noRot="1" noChangeAspect="1"/>
+          </p:cNvSpPr>
+          <p:nvPr>
+            <p:ph type="sldImg" idx="2"/>
+          </p:nvPr>
+        </p:nvSpPr>
+        <p:spPr>
+          <a:xfrm>
+            <a:off x="1143000" y="685800"/>
+            <a:ext cx="4572000" cy="3429000"/>
+          </a:xfrm>
+          <a:custGeom>
+            <a:avLst/>
+            <a:gdLst/>
+            <a:ahLst/>
+            <a:cxnLst/>
+            <a:rect l="l" t="t" r="r" b="b"/>
+            <a:pathLst>
+              <a:path w="120000" h="120000" extrusionOk="0">
+                <a:moveTo>
+                  <a:pt x="0" y="0"/>
+                </a:moveTo>
+                <a:lnTo>
+                  <a:pt x="120000" y="0"/>
+                </a:lnTo>
+                <a:lnTo>
+                  <a:pt x="120000" y="120000"/>
+                </a:lnTo>
+                <a:lnTo>
+                  <a:pt x="0" y="120000"/>
+                </a:lnTo>
+                <a:close/>
+              </a:path>
+            </a:pathLst>
+          </a:custGeom>
+        </p:spPr>
+      </p:sp>
+      <p:sp>
+        <p:nvSpPr>
+          <p:cNvPr id="106" name="Google Shape;106;g5a32bfd86c_0_5:notes"/>
+          <p:cNvSpPr txBox="1">
+            <a:spLocks noGrp="1"/>
+          </p:cNvSpPr>
+          <p:nvPr>
+            <p:ph type="body" idx="1"/>
+          </p:nvPr>
+        </p:nvSpPr>
+        <p:spPr>
+          <a:xfrm>
+            <a:off x="685800" y="4343400"/>
+            <a:ext cx="5486400" cy="4114800"/>
+          </a:xfrm>
+          <a:prstGeom prst="rect">
+            <a:avLst/>
+          </a:prstGeom>
+        </p:spPr>
+        <p:txBody>
+          <a:bodyPr spcFirstLastPara="1" wrap="square" lIns="91425" tIns="91425" rIns="91425" bIns="91425" anchor="t" anchorCtr="0">
+            <a:noAutofit/>
+          </a:bodyPr>
+          <a:lstStyle/>
+          <a:p>
+            <a:pPr marL="0" lvl="0" indent="0" algn="l" rtl="0">
+              <a:spcBef>
+                <a:spcPts val="0"/>
+              </a:spcBef>
+              <a:spcAft>
+                <a:spcPts val="0"/>
+              </a:spcAft>
+              <a:buNone/>
+            </a:pPr>
+            <a:endParaRPr/>
+          </a:p>
+        </p:txBody>
+      </p:sp>
+    </p:spTree>
+  </p:cSld>
+  <p:clrMapOvr>
+    <a:masterClrMapping/>
+  </p:clrMapOvr>
+</p:notes>
+</file>
+
+<file path=ppt/notesSlides/notesSlide16.xml><?xml version="1.0" encoding="utf-8"?>
 <p:notes xmlns:a="http://schemas.openxmlformats.org/drawingml/2006/main" xmlns:r="http://schemas.openxmlformats.org/officeDocument/2006/relationships" xmlns:p="http://schemas.openxmlformats.org/presentationml/2006/main" showMasterSp="0" showMasterPhAnim="0">
   <p:cSld>
     <p:spTree>
@@ -1369,217 +1578,9 @@
     </p:spTree>
     <p:extLst>
       <p:ext uri="{BB962C8B-B14F-4D97-AF65-F5344CB8AC3E}">
-        <p14:creationId xmlns:p14="http://schemas.microsoft.com/office/powerpoint/2010/main" val="403405452"/>
+        <p14:creationId xmlns:p14="http://schemas.microsoft.com/office/powerpoint/2010/main" val="1418603895"/>
       </p:ext>
     </p:extLst>
-  </p:cSld>
-  <p:clrMapOvr>
-    <a:masterClrMapping/>
-  </p:clrMapOvr>
-</p:notes>
-</file>
-
-<file path=ppt/notesSlides/notesSlide15.xml><?xml version="1.0" encoding="utf-8"?>
-<p:notes xmlns:a="http://schemas.openxmlformats.org/drawingml/2006/main" xmlns:r="http://schemas.openxmlformats.org/officeDocument/2006/relationships" xmlns:p="http://schemas.openxmlformats.org/presentationml/2006/main" showMasterSp="0" showMasterPhAnim="0">
-  <p:cSld>
-    <p:spTree>
-      <p:nvGrpSpPr>
-        <p:cNvPr id="1" name="Shape 97"/>
-        <p:cNvGrpSpPr/>
-        <p:nvPr/>
-      </p:nvGrpSpPr>
-      <p:grpSpPr>
-        <a:xfrm>
-          <a:off x="0" y="0"/>
-          <a:ext cx="0" cy="0"/>
-          <a:chOff x="0" y="0"/>
-          <a:chExt cx="0" cy="0"/>
-        </a:xfrm>
-      </p:grpSpPr>
-      <p:sp>
-        <p:nvSpPr>
-          <p:cNvPr id="98" name="Google Shape;98;g5a32bfd86c_0_15:notes"/>
-          <p:cNvSpPr>
-            <a:spLocks noGrp="1" noRot="1" noChangeAspect="1"/>
-          </p:cNvSpPr>
-          <p:nvPr>
-            <p:ph type="sldImg" idx="2"/>
-          </p:nvPr>
-        </p:nvSpPr>
-        <p:spPr>
-          <a:xfrm>
-            <a:off x="1143000" y="685800"/>
-            <a:ext cx="4572000" cy="3429000"/>
-          </a:xfrm>
-          <a:custGeom>
-            <a:avLst/>
-            <a:gdLst/>
-            <a:ahLst/>
-            <a:cxnLst/>
-            <a:rect l="l" t="t" r="r" b="b"/>
-            <a:pathLst>
-              <a:path w="120000" h="120000" extrusionOk="0">
-                <a:moveTo>
-                  <a:pt x="0" y="0"/>
-                </a:moveTo>
-                <a:lnTo>
-                  <a:pt x="120000" y="0"/>
-                </a:lnTo>
-                <a:lnTo>
-                  <a:pt x="120000" y="120000"/>
-                </a:lnTo>
-                <a:lnTo>
-                  <a:pt x="0" y="120000"/>
-                </a:lnTo>
-                <a:close/>
-              </a:path>
-            </a:pathLst>
-          </a:custGeom>
-        </p:spPr>
-      </p:sp>
-      <p:sp>
-        <p:nvSpPr>
-          <p:cNvPr id="99" name="Google Shape;99;g5a32bfd86c_0_15:notes"/>
-          <p:cNvSpPr txBox="1">
-            <a:spLocks noGrp="1"/>
-          </p:cNvSpPr>
-          <p:nvPr>
-            <p:ph type="body" idx="1"/>
-          </p:nvPr>
-        </p:nvSpPr>
-        <p:spPr>
-          <a:xfrm>
-            <a:off x="685800" y="4343400"/>
-            <a:ext cx="5486400" cy="4114800"/>
-          </a:xfrm>
-          <a:prstGeom prst="rect">
-            <a:avLst/>
-          </a:prstGeom>
-        </p:spPr>
-        <p:txBody>
-          <a:bodyPr spcFirstLastPara="1" wrap="square" lIns="91425" tIns="91425" rIns="91425" bIns="91425" anchor="t" anchorCtr="0">
-            <a:noAutofit/>
-          </a:bodyPr>
-          <a:lstStyle/>
-          <a:p>
-            <a:pPr marL="0" lvl="0" indent="0" algn="l" rtl="0">
-              <a:spcBef>
-                <a:spcPts val="0"/>
-              </a:spcBef>
-              <a:spcAft>
-                <a:spcPts val="0"/>
-              </a:spcAft>
-              <a:buNone/>
-            </a:pPr>
-            <a:endParaRPr/>
-          </a:p>
-        </p:txBody>
-      </p:sp>
-    </p:spTree>
-  </p:cSld>
-  <p:clrMapOvr>
-    <a:masterClrMapping/>
-  </p:clrMapOvr>
-</p:notes>
-</file>
-
-<file path=ppt/notesSlides/notesSlide16.xml><?xml version="1.0" encoding="utf-8"?>
-<p:notes xmlns:a="http://schemas.openxmlformats.org/drawingml/2006/main" xmlns:r="http://schemas.openxmlformats.org/officeDocument/2006/relationships" xmlns:p="http://schemas.openxmlformats.org/presentationml/2006/main" showMasterSp="0" showMasterPhAnim="0">
-  <p:cSld>
-    <p:spTree>
-      <p:nvGrpSpPr>
-        <p:cNvPr id="1" name="Shape 104"/>
-        <p:cNvGrpSpPr/>
-        <p:nvPr/>
-      </p:nvGrpSpPr>
-      <p:grpSpPr>
-        <a:xfrm>
-          <a:off x="0" y="0"/>
-          <a:ext cx="0" cy="0"/>
-          <a:chOff x="0" y="0"/>
-          <a:chExt cx="0" cy="0"/>
-        </a:xfrm>
-      </p:grpSpPr>
-      <p:sp>
-        <p:nvSpPr>
-          <p:cNvPr id="105" name="Google Shape;105;g5a32bfd86c_0_5:notes"/>
-          <p:cNvSpPr>
-            <a:spLocks noGrp="1" noRot="1" noChangeAspect="1"/>
-          </p:cNvSpPr>
-          <p:nvPr>
-            <p:ph type="sldImg" idx="2"/>
-          </p:nvPr>
-        </p:nvSpPr>
-        <p:spPr>
-          <a:xfrm>
-            <a:off x="1143000" y="685800"/>
-            <a:ext cx="4572000" cy="3429000"/>
-          </a:xfrm>
-          <a:custGeom>
-            <a:avLst/>
-            <a:gdLst/>
-            <a:ahLst/>
-            <a:cxnLst/>
-            <a:rect l="l" t="t" r="r" b="b"/>
-            <a:pathLst>
-              <a:path w="120000" h="120000" extrusionOk="0">
-                <a:moveTo>
-                  <a:pt x="0" y="0"/>
-                </a:moveTo>
-                <a:lnTo>
-                  <a:pt x="120000" y="0"/>
-                </a:lnTo>
-                <a:lnTo>
-                  <a:pt x="120000" y="120000"/>
-                </a:lnTo>
-                <a:lnTo>
-                  <a:pt x="0" y="120000"/>
-                </a:lnTo>
-                <a:close/>
-              </a:path>
-            </a:pathLst>
-          </a:custGeom>
-        </p:spPr>
-      </p:sp>
-      <p:sp>
-        <p:nvSpPr>
-          <p:cNvPr id="106" name="Google Shape;106;g5a32bfd86c_0_5:notes"/>
-          <p:cNvSpPr txBox="1">
-            <a:spLocks noGrp="1"/>
-          </p:cNvSpPr>
-          <p:nvPr>
-            <p:ph type="body" idx="1"/>
-          </p:nvPr>
-        </p:nvSpPr>
-        <p:spPr>
-          <a:xfrm>
-            <a:off x="685800" y="4343400"/>
-            <a:ext cx="5486400" cy="4114800"/>
-          </a:xfrm>
-          <a:prstGeom prst="rect">
-            <a:avLst/>
-          </a:prstGeom>
-        </p:spPr>
-        <p:txBody>
-          <a:bodyPr spcFirstLastPara="1" wrap="square" lIns="91425" tIns="91425" rIns="91425" bIns="91425" anchor="t" anchorCtr="0">
-            <a:noAutofit/>
-          </a:bodyPr>
-          <a:lstStyle/>
-          <a:p>
-            <a:pPr marL="0" lvl="0" indent="0" algn="l" rtl="0">
-              <a:spcBef>
-                <a:spcPts val="0"/>
-              </a:spcBef>
-              <a:spcAft>
-                <a:spcPts val="0"/>
-              </a:spcAft>
-              <a:buNone/>
-            </a:pPr>
-            <a:endParaRPr/>
-          </a:p>
-        </p:txBody>
-      </p:sp>
-    </p:spTree>
   </p:cSld>
   <p:clrMapOvr>
     <a:masterClrMapping/>
@@ -1686,7 +1687,7 @@
     </p:spTree>
     <p:extLst>
       <p:ext uri="{BB962C8B-B14F-4D97-AF65-F5344CB8AC3E}">
-        <p14:creationId xmlns:p14="http://schemas.microsoft.com/office/powerpoint/2010/main" val="1418603895"/>
+        <p14:creationId xmlns:p14="http://schemas.microsoft.com/office/powerpoint/2010/main" val="3254913986"/>
       </p:ext>
     </p:extLst>
   </p:cSld>
@@ -1795,7 +1796,7 @@
     </p:spTree>
     <p:extLst>
       <p:ext uri="{BB962C8B-B14F-4D97-AF65-F5344CB8AC3E}">
-        <p14:creationId xmlns:p14="http://schemas.microsoft.com/office/powerpoint/2010/main" val="417795921"/>
+        <p14:creationId xmlns:p14="http://schemas.microsoft.com/office/powerpoint/2010/main" val="248990196"/>
       </p:ext>
     </p:extLst>
   </p:cSld>
@@ -1904,7 +1905,7 @@
     </p:spTree>
     <p:extLst>
       <p:ext uri="{BB962C8B-B14F-4D97-AF65-F5344CB8AC3E}">
-        <p14:creationId xmlns:p14="http://schemas.microsoft.com/office/powerpoint/2010/main" val="2750877124"/>
+        <p14:creationId xmlns:p14="http://schemas.microsoft.com/office/powerpoint/2010/main" val="417795921"/>
       </p:ext>
     </p:extLst>
   </p:cSld>
@@ -2117,7 +2118,7 @@
     </p:spTree>
     <p:extLst>
       <p:ext uri="{BB962C8B-B14F-4D97-AF65-F5344CB8AC3E}">
-        <p14:creationId xmlns:p14="http://schemas.microsoft.com/office/powerpoint/2010/main" val="2390485808"/>
+        <p14:creationId xmlns:p14="http://schemas.microsoft.com/office/powerpoint/2010/main" val="2750877124"/>
       </p:ext>
     </p:extLst>
   </p:cSld>
@@ -2226,7 +2227,7 @@
     </p:spTree>
     <p:extLst>
       <p:ext uri="{BB962C8B-B14F-4D97-AF65-F5344CB8AC3E}">
-        <p14:creationId xmlns:p14="http://schemas.microsoft.com/office/powerpoint/2010/main" val="795174169"/>
+        <p14:creationId xmlns:p14="http://schemas.microsoft.com/office/powerpoint/2010/main" val="2390485808"/>
       </p:ext>
     </p:extLst>
   </p:cSld>
@@ -2335,7 +2336,7 @@
     </p:spTree>
     <p:extLst>
       <p:ext uri="{BB962C8B-B14F-4D97-AF65-F5344CB8AC3E}">
-        <p14:creationId xmlns:p14="http://schemas.microsoft.com/office/powerpoint/2010/main" val="2100312784"/>
+        <p14:creationId xmlns:p14="http://schemas.microsoft.com/office/powerpoint/2010/main" val="795174169"/>
       </p:ext>
     </p:extLst>
   </p:cSld>
@@ -2444,7 +2445,7 @@
     </p:spTree>
     <p:extLst>
       <p:ext uri="{BB962C8B-B14F-4D97-AF65-F5344CB8AC3E}">
-        <p14:creationId xmlns:p14="http://schemas.microsoft.com/office/powerpoint/2010/main" val="2931287616"/>
+        <p14:creationId xmlns:p14="http://schemas.microsoft.com/office/powerpoint/2010/main" val="2100312784"/>
       </p:ext>
     </p:extLst>
   </p:cSld>
@@ -2553,7 +2554,7 @@
     </p:spTree>
     <p:extLst>
       <p:ext uri="{BB962C8B-B14F-4D97-AF65-F5344CB8AC3E}">
-        <p14:creationId xmlns:p14="http://schemas.microsoft.com/office/powerpoint/2010/main" val="2985767527"/>
+        <p14:creationId xmlns:p14="http://schemas.microsoft.com/office/powerpoint/2010/main" val="2931287616"/>
       </p:ext>
     </p:extLst>
   </p:cSld>
@@ -2662,7 +2663,7 @@
     </p:spTree>
     <p:extLst>
       <p:ext uri="{BB962C8B-B14F-4D97-AF65-F5344CB8AC3E}">
-        <p14:creationId xmlns:p14="http://schemas.microsoft.com/office/powerpoint/2010/main" val="1557138423"/>
+        <p14:creationId xmlns:p14="http://schemas.microsoft.com/office/powerpoint/2010/main" val="2985767527"/>
       </p:ext>
     </p:extLst>
   </p:cSld>
@@ -2771,7 +2772,7 @@
     </p:spTree>
     <p:extLst>
       <p:ext uri="{BB962C8B-B14F-4D97-AF65-F5344CB8AC3E}">
-        <p14:creationId xmlns:p14="http://schemas.microsoft.com/office/powerpoint/2010/main" val="1665275196"/>
+        <p14:creationId xmlns:p14="http://schemas.microsoft.com/office/powerpoint/2010/main" val="1557138423"/>
       </p:ext>
     </p:extLst>
   </p:cSld>
@@ -2880,7 +2881,7 @@
     </p:spTree>
     <p:extLst>
       <p:ext uri="{BB962C8B-B14F-4D97-AF65-F5344CB8AC3E}">
-        <p14:creationId xmlns:p14="http://schemas.microsoft.com/office/powerpoint/2010/main" val="3170761541"/>
+        <p14:creationId xmlns:p14="http://schemas.microsoft.com/office/powerpoint/2010/main" val="1665275196"/>
       </p:ext>
     </p:extLst>
   </p:cSld>
@@ -2989,7 +2990,7 @@
     </p:spTree>
     <p:extLst>
       <p:ext uri="{BB962C8B-B14F-4D97-AF65-F5344CB8AC3E}">
-        <p14:creationId xmlns:p14="http://schemas.microsoft.com/office/powerpoint/2010/main" val="1281774273"/>
+        <p14:creationId xmlns:p14="http://schemas.microsoft.com/office/powerpoint/2010/main" val="3170761541"/>
       </p:ext>
     </p:extLst>
   </p:cSld>
@@ -3098,7 +3099,7 @@
     </p:spTree>
     <p:extLst>
       <p:ext uri="{BB962C8B-B14F-4D97-AF65-F5344CB8AC3E}">
-        <p14:creationId xmlns:p14="http://schemas.microsoft.com/office/powerpoint/2010/main" val="1186411684"/>
+        <p14:creationId xmlns:p14="http://schemas.microsoft.com/office/powerpoint/2010/main" val="1281774273"/>
       </p:ext>
     </p:extLst>
   </p:cSld>
@@ -3316,7 +3317,7 @@
     </p:spTree>
     <p:extLst>
       <p:ext uri="{BB962C8B-B14F-4D97-AF65-F5344CB8AC3E}">
-        <p14:creationId xmlns:p14="http://schemas.microsoft.com/office/powerpoint/2010/main" val="78718253"/>
+        <p14:creationId xmlns:p14="http://schemas.microsoft.com/office/powerpoint/2010/main" val="1186411684"/>
       </p:ext>
     </p:extLst>
   </p:cSld>
@@ -3425,6 +3426,115 @@
     </p:spTree>
     <p:extLst>
       <p:ext uri="{BB962C8B-B14F-4D97-AF65-F5344CB8AC3E}">
+        <p14:creationId xmlns:p14="http://schemas.microsoft.com/office/powerpoint/2010/main" val="78718253"/>
+      </p:ext>
+    </p:extLst>
+  </p:cSld>
+  <p:clrMapOvr>
+    <a:masterClrMapping/>
+  </p:clrMapOvr>
+</p:notes>
+</file>
+
+<file path=ppt/notesSlides/notesSlide32.xml><?xml version="1.0" encoding="utf-8"?>
+<p:notes xmlns:a="http://schemas.openxmlformats.org/drawingml/2006/main" xmlns:r="http://schemas.openxmlformats.org/officeDocument/2006/relationships" xmlns:p="http://schemas.openxmlformats.org/presentationml/2006/main" showMasterSp="0" showMasterPhAnim="0">
+  <p:cSld>
+    <p:spTree>
+      <p:nvGrpSpPr>
+        <p:cNvPr id="1" name="Shape 64"/>
+        <p:cNvGrpSpPr/>
+        <p:nvPr/>
+      </p:nvGrpSpPr>
+      <p:grpSpPr>
+        <a:xfrm>
+          <a:off x="0" y="0"/>
+          <a:ext cx="0" cy="0"/>
+          <a:chOff x="0" y="0"/>
+          <a:chExt cx="0" cy="0"/>
+        </a:xfrm>
+      </p:grpSpPr>
+      <p:sp>
+        <p:nvSpPr>
+          <p:cNvPr id="65" name="Google Shape;65;g5a32bfd86c_0_10:notes"/>
+          <p:cNvSpPr>
+            <a:spLocks noGrp="1" noRot="1" noChangeAspect="1"/>
+          </p:cNvSpPr>
+          <p:nvPr>
+            <p:ph type="sldImg" idx="2"/>
+          </p:nvPr>
+        </p:nvSpPr>
+        <p:spPr>
+          <a:xfrm>
+            <a:off x="1143000" y="685800"/>
+            <a:ext cx="4572000" cy="3429000"/>
+          </a:xfrm>
+          <a:custGeom>
+            <a:avLst/>
+            <a:gdLst/>
+            <a:ahLst/>
+            <a:cxnLst/>
+            <a:rect l="l" t="t" r="r" b="b"/>
+            <a:pathLst>
+              <a:path w="120000" h="120000" extrusionOk="0">
+                <a:moveTo>
+                  <a:pt x="0" y="0"/>
+                </a:moveTo>
+                <a:lnTo>
+                  <a:pt x="120000" y="0"/>
+                </a:lnTo>
+                <a:lnTo>
+                  <a:pt x="120000" y="120000"/>
+                </a:lnTo>
+                <a:lnTo>
+                  <a:pt x="0" y="120000"/>
+                </a:lnTo>
+                <a:close/>
+              </a:path>
+            </a:pathLst>
+          </a:custGeom>
+        </p:spPr>
+      </p:sp>
+      <p:sp>
+        <p:nvSpPr>
+          <p:cNvPr id="66" name="Google Shape;66;g5a32bfd86c_0_10:notes"/>
+          <p:cNvSpPr txBox="1">
+            <a:spLocks noGrp="1"/>
+          </p:cNvSpPr>
+          <p:nvPr>
+            <p:ph type="body" idx="1"/>
+          </p:nvPr>
+        </p:nvSpPr>
+        <p:spPr>
+          <a:xfrm>
+            <a:off x="685800" y="4343400"/>
+            <a:ext cx="5486400" cy="4114800"/>
+          </a:xfrm>
+          <a:prstGeom prst="rect">
+            <a:avLst/>
+          </a:prstGeom>
+        </p:spPr>
+        <p:txBody>
+          <a:bodyPr spcFirstLastPara="1" wrap="square" lIns="91425" tIns="91425" rIns="91425" bIns="91425" anchor="t" anchorCtr="0">
+            <a:noAutofit/>
+          </a:bodyPr>
+          <a:lstStyle/>
+          <a:p>
+            <a:pPr marL="0" lvl="0" indent="0" algn="l" rtl="0">
+              <a:spcBef>
+                <a:spcPts val="0"/>
+              </a:spcBef>
+              <a:spcAft>
+                <a:spcPts val="0"/>
+              </a:spcAft>
+              <a:buNone/>
+            </a:pPr>
+            <a:endParaRPr/>
+          </a:p>
+        </p:txBody>
+      </p:sp>
+    </p:spTree>
+    <p:extLst>
+      <p:ext uri="{BB962C8B-B14F-4D97-AF65-F5344CB8AC3E}">
         <p14:creationId xmlns:p14="http://schemas.microsoft.com/office/powerpoint/2010/main" val="1532486644"/>
       </p:ext>
     </p:extLst>
@@ -3435,7 +3545,7 @@
 </p:notes>
 </file>
 
-<file path=ppt/notesSlides/notesSlide32.xml><?xml version="1.0" encoding="utf-8"?>
+<file path=ppt/notesSlides/notesSlide33.xml><?xml version="1.0" encoding="utf-8"?>
 <p:notes xmlns:a="http://schemas.openxmlformats.org/drawingml/2006/main" xmlns:r="http://schemas.openxmlformats.org/officeDocument/2006/relationships" xmlns:p="http://schemas.openxmlformats.org/presentationml/2006/main" showMasterSp="0" showMasterPhAnim="0">
   <p:cSld>
     <p:spTree>
@@ -3641,6 +3751,11 @@
         </p:txBody>
       </p:sp>
     </p:spTree>
+    <p:extLst>
+      <p:ext uri="{BB962C8B-B14F-4D97-AF65-F5344CB8AC3E}">
+        <p14:creationId xmlns:p14="http://schemas.microsoft.com/office/powerpoint/2010/main" val="2770349739"/>
+      </p:ext>
+    </p:extLst>
   </p:cSld>
   <p:clrMapOvr>
     <a:masterClrMapping/>
@@ -3856,7 +3971,7 @@
     </p:spTree>
     <p:extLst>
       <p:ext uri="{BB962C8B-B14F-4D97-AF65-F5344CB8AC3E}">
-        <p14:creationId xmlns:p14="http://schemas.microsoft.com/office/powerpoint/2010/main" val="2770349739"/>
+        <p14:creationId xmlns:p14="http://schemas.microsoft.com/office/powerpoint/2010/main" val="3218895476"/>
       </p:ext>
     </p:extLst>
   </p:cSld>
@@ -3965,7 +4080,7 @@
     </p:spTree>
     <p:extLst>
       <p:ext uri="{BB962C8B-B14F-4D97-AF65-F5344CB8AC3E}">
-        <p14:creationId xmlns:p14="http://schemas.microsoft.com/office/powerpoint/2010/main" val="3370046827"/>
+        <p14:creationId xmlns:p14="http://schemas.microsoft.com/office/powerpoint/2010/main" val="2815452548"/>
       </p:ext>
     </p:extLst>
   </p:cSld>
@@ -4074,7 +4189,7 @@
     </p:spTree>
     <p:extLst>
       <p:ext uri="{BB962C8B-B14F-4D97-AF65-F5344CB8AC3E}">
-        <p14:creationId xmlns:p14="http://schemas.microsoft.com/office/powerpoint/2010/main" val="3218895476"/>
+        <p14:creationId xmlns:p14="http://schemas.microsoft.com/office/powerpoint/2010/main" val="2941049528"/>
       </p:ext>
     </p:extLst>
   </p:cSld>
@@ -4183,7 +4298,7 @@
     </p:spTree>
     <p:extLst>
       <p:ext uri="{BB962C8B-B14F-4D97-AF65-F5344CB8AC3E}">
-        <p14:creationId xmlns:p14="http://schemas.microsoft.com/office/powerpoint/2010/main" val="2815452548"/>
+        <p14:creationId xmlns:p14="http://schemas.microsoft.com/office/powerpoint/2010/main" val="2783623984"/>
       </p:ext>
     </p:extLst>
   </p:cSld>
@@ -9155,7 +9270,7 @@
         <p:spPr>
           <a:xfrm>
             <a:off x="270934" y="287868"/>
-            <a:ext cx="8750224" cy="891124"/>
+            <a:ext cx="8750224" cy="747102"/>
           </a:xfrm>
           <a:prstGeom prst="rect">
             <a:avLst/>
@@ -9173,7 +9288,7 @@
                   <a:schemeClr val="tx1"/>
                 </a:solidFill>
               </a:rPr>
-              <a:t>Результаты экспериментального исследования</a:t>
+              <a:t>Математическая модель проверки статьи</a:t>
             </a:r>
             <a:endParaRPr lang="ru-RU" sz="2600" b="1" dirty="0">
               <a:solidFill>
@@ -9220,709 +9335,6 @@
             <a:fld id="{00000000-1234-1234-1234-123412341234}" type="slidenum">
               <a:rPr lang="en"/>
               <a:t>10</a:t>
-            </a:fld>
-            <a:endParaRPr/>
-          </a:p>
-        </p:txBody>
-      </p:sp>
-      <p:sp>
-        <p:nvSpPr>
-          <p:cNvPr id="71" name="Google Shape;71;p15"/>
-          <p:cNvSpPr txBox="1"/>
-          <p:nvPr/>
-        </p:nvSpPr>
-        <p:spPr>
-          <a:xfrm>
-            <a:off x="311699" y="1178992"/>
-            <a:ext cx="8561367" cy="5563331"/>
-          </a:xfrm>
-          <a:prstGeom prst="rect">
-            <a:avLst/>
-          </a:prstGeom>
-          <a:noFill/>
-          <a:ln>
-            <a:noFill/>
-          </a:ln>
-        </p:spPr>
-        <p:txBody>
-          <a:bodyPr spcFirstLastPara="1" wrap="square" lIns="91425" tIns="91425" rIns="91425" bIns="91425" anchor="t" anchorCtr="0">
-            <a:noAutofit/>
-          </a:bodyPr>
-          <a:lstStyle/>
-          <a:p>
-            <a:pPr lvl="0" algn="just"/>
-            <a:r>
-              <a:rPr lang="ru-RU" sz="2800" dirty="0"/>
-              <a:t>Числовые критерии:</a:t>
-            </a:r>
-          </a:p>
-          <a:p>
-            <a:pPr marL="457200" lvl="0" indent="-457200" algn="just">
-              <a:buFont typeface="Arial" panose="020B0604020202020204" pitchFamily="34" charset="0"/>
-              <a:buChar char="•"/>
-            </a:pPr>
-            <a:r>
-              <a:rPr lang="ru-RU" sz="2800" dirty="0"/>
-              <a:t>Тошнота текста – </a:t>
-            </a:r>
-            <a:r>
-              <a:rPr lang="ru-RU" sz="2800" dirty="0">
-                <a:sym typeface="Symbol" panose="05050102010706020507" pitchFamily="18" charset="2"/>
-              </a:rPr>
-              <a:t></a:t>
-            </a:r>
-            <a:r>
-              <a:rPr lang="ru-RU" sz="2800" dirty="0"/>
-              <a:t>;</a:t>
-            </a:r>
-          </a:p>
-          <a:p>
-            <a:pPr marL="457200" lvl="0" indent="-457200" algn="just">
-              <a:buFont typeface="Arial" panose="020B0604020202020204" pitchFamily="34" charset="0"/>
-              <a:buChar char="•"/>
-            </a:pPr>
-            <a:r>
-              <a:rPr lang="ru-RU" sz="2800" dirty="0"/>
-              <a:t>Уровень воды в тексте – </a:t>
-            </a:r>
-            <a:r>
-              <a:rPr lang="ru-RU" sz="2800" dirty="0">
-                <a:sym typeface="Symbol" panose="05050102010706020507" pitchFamily="18" charset="2"/>
-              </a:rPr>
-              <a:t></a:t>
-            </a:r>
-            <a:r>
-              <a:rPr lang="ru-RU" sz="2800" dirty="0"/>
-              <a:t>;</a:t>
-            </a:r>
-          </a:p>
-          <a:p>
-            <a:pPr marL="457200" lvl="0" indent="-457200" algn="just">
-              <a:buFont typeface="Arial" panose="020B0604020202020204" pitchFamily="34" charset="0"/>
-              <a:buChar char="•"/>
-            </a:pPr>
-            <a:r>
-              <a:rPr lang="ru-RU" sz="2800" dirty="0"/>
-              <a:t>Значение отклонения текста статьи от идеальной кривой по Ципфу – </a:t>
-            </a:r>
-            <a:r>
-              <a:rPr lang="ru-RU" sz="2800" dirty="0">
-                <a:sym typeface="Symbol" panose="05050102010706020507" pitchFamily="18" charset="2"/>
-              </a:rPr>
-              <a:t></a:t>
-            </a:r>
-            <a:r>
-              <a:rPr lang="ru-RU" sz="2800" dirty="0"/>
-              <a:t>.</a:t>
-            </a:r>
-          </a:p>
-          <a:p>
-            <a:pPr lvl="0" algn="just"/>
-            <a:r>
-              <a:rPr lang="ru-RU" sz="2800" dirty="0"/>
-              <a:t>Экспериментально установленные интервалы:</a:t>
-            </a:r>
-          </a:p>
-          <a:p>
-            <a:pPr lvl="0" algn="just"/>
-            <a:endParaRPr lang="ru-RU" sz="2800" dirty="0"/>
-          </a:p>
-        </p:txBody>
-      </p:sp>
-      <p:graphicFrame>
-        <p:nvGraphicFramePr>
-          <p:cNvPr id="3" name="Table 2">
-            <a:extLst>
-              <a:ext uri="{FF2B5EF4-FFF2-40B4-BE49-F238E27FC236}">
-                <a16:creationId xmlns:a16="http://schemas.microsoft.com/office/drawing/2014/main" id="{277040C0-8202-4039-AFA9-C46270C121C5}"/>
-              </a:ext>
-            </a:extLst>
-          </p:cNvPr>
-          <p:cNvGraphicFramePr>
-            <a:graphicFrameLocks noGrp="1"/>
-          </p:cNvGraphicFramePr>
-          <p:nvPr/>
-        </p:nvGraphicFramePr>
-        <p:xfrm>
-          <a:off x="311697" y="3979333"/>
-          <a:ext cx="8520604" cy="2094267"/>
-        </p:xfrm>
-        <a:graphic>
-          <a:graphicData uri="http://schemas.openxmlformats.org/drawingml/2006/table">
-            <a:tbl>
-              <a:tblPr firstRow="1" bandRow="1">
-                <a:tableStyleId>{224C2084-A9EC-46D5-958B-77548C50E710}</a:tableStyleId>
-              </a:tblPr>
-              <a:tblGrid>
-                <a:gridCol w="4260302">
-                  <a:extLst>
-                    <a:ext uri="{9D8B030D-6E8A-4147-A177-3AD203B41FA5}">
-                      <a16:colId xmlns:a16="http://schemas.microsoft.com/office/drawing/2014/main" val="2967877127"/>
-                    </a:ext>
-                  </a:extLst>
-                </a:gridCol>
-                <a:gridCol w="4260302">
-                  <a:extLst>
-                    <a:ext uri="{9D8B030D-6E8A-4147-A177-3AD203B41FA5}">
-                      <a16:colId xmlns:a16="http://schemas.microsoft.com/office/drawing/2014/main" val="3171160597"/>
-                    </a:ext>
-                  </a:extLst>
-                </a:gridCol>
-              </a:tblGrid>
-              <a:tr h="506693">
-                <a:tc>
-                  <a:txBody>
-                    <a:bodyPr/>
-                    <a:lstStyle/>
-                    <a:p>
-                      <a:r>
-                        <a:rPr lang="ru-RU" sz="2800" dirty="0"/>
-                        <a:t>Критерий</a:t>
-                      </a:r>
-                      <a:endParaRPr lang="en-US" sz="2800" dirty="0"/>
-                    </a:p>
-                  </a:txBody>
-                  <a:tcPr/>
-                </a:tc>
-                <a:tc>
-                  <a:txBody>
-                    <a:bodyPr/>
-                    <a:lstStyle/>
-                    <a:p>
-                      <a:r>
-                        <a:rPr lang="ru-RU" sz="2800" dirty="0"/>
-                        <a:t>Интервал</a:t>
-                      </a:r>
-                      <a:endParaRPr lang="en-US" sz="2800" dirty="0"/>
-                    </a:p>
-                  </a:txBody>
-                  <a:tcPr/>
-                </a:tc>
-                <a:extLst>
-                  <a:ext uri="{0D108BD9-81ED-4DB2-BD59-A6C34878D82A}">
-                    <a16:rowId xmlns:a16="http://schemas.microsoft.com/office/drawing/2014/main" val="287213974"/>
-                  </a:ext>
-                </a:extLst>
-              </a:tr>
-              <a:tr h="525369">
-                <a:tc>
-                  <a:txBody>
-                    <a:bodyPr/>
-                    <a:lstStyle/>
-                    <a:p>
-                      <a:r>
-                        <a:rPr lang="ru-RU" sz="2800" dirty="0">
-                          <a:sym typeface="Symbol" panose="05050102010706020507" pitchFamily="18" charset="2"/>
-                        </a:rPr>
-                        <a:t></a:t>
-                      </a:r>
-                      <a:endParaRPr lang="en-US" sz="2800" dirty="0"/>
-                    </a:p>
-                  </a:txBody>
-                  <a:tcPr/>
-                </a:tc>
-                <a:tc>
-                  <a:txBody>
-                    <a:bodyPr/>
-                    <a:lstStyle/>
-                    <a:p>
-                      <a:r>
-                        <a:rPr lang="en-US" sz="2800" dirty="0"/>
-                        <a:t>[6, 14]</a:t>
-                      </a:r>
-                    </a:p>
-                  </a:txBody>
-                  <a:tcPr/>
-                </a:tc>
-                <a:extLst>
-                  <a:ext uri="{0D108BD9-81ED-4DB2-BD59-A6C34878D82A}">
-                    <a16:rowId xmlns:a16="http://schemas.microsoft.com/office/drawing/2014/main" val="1036071245"/>
-                  </a:ext>
-                </a:extLst>
-              </a:tr>
-              <a:tr h="525369">
-                <a:tc>
-                  <a:txBody>
-                    <a:bodyPr/>
-                    <a:lstStyle/>
-                    <a:p>
-                      <a:r>
-                        <a:rPr lang="ru-RU" sz="2800" dirty="0">
-                          <a:sym typeface="Symbol" panose="05050102010706020507" pitchFamily="18" charset="2"/>
-                        </a:rPr>
-                        <a:t></a:t>
-                      </a:r>
-                      <a:endParaRPr lang="en-US" sz="2800" dirty="0"/>
-                    </a:p>
-                  </a:txBody>
-                  <a:tcPr/>
-                </a:tc>
-                <a:tc>
-                  <a:txBody>
-                    <a:bodyPr/>
-                    <a:lstStyle/>
-                    <a:p>
-                      <a:r>
-                        <a:rPr lang="en-US" sz="2800" dirty="0"/>
-                        <a:t>[14, 20]</a:t>
-                      </a:r>
-                    </a:p>
-                  </a:txBody>
-                  <a:tcPr/>
-                </a:tc>
-                <a:extLst>
-                  <a:ext uri="{0D108BD9-81ED-4DB2-BD59-A6C34878D82A}">
-                    <a16:rowId xmlns:a16="http://schemas.microsoft.com/office/drawing/2014/main" val="3048737441"/>
-                  </a:ext>
-                </a:extLst>
-              </a:tr>
-              <a:tr h="525369">
-                <a:tc>
-                  <a:txBody>
-                    <a:bodyPr/>
-                    <a:lstStyle/>
-                    <a:p>
-                      <a:r>
-                        <a:rPr lang="ru-RU" sz="2800" b="0" i="0" u="none" strike="noStrike" cap="none" dirty="0">
-                          <a:solidFill>
-                            <a:srgbClr val="000000"/>
-                          </a:solidFill>
-                          <a:effectLst/>
-                          <a:latin typeface="Arial"/>
-                          <a:ea typeface="Arial"/>
-                          <a:cs typeface="Arial"/>
-                          <a:sym typeface="Symbol" panose="05050102010706020507" pitchFamily="18" charset="2"/>
-                        </a:rPr>
-                        <a:t></a:t>
-                      </a:r>
-                      <a:endParaRPr lang="en-US" sz="2800" dirty="0"/>
-                    </a:p>
-                  </a:txBody>
-                  <a:tcPr/>
-                </a:tc>
-                <a:tc>
-                  <a:txBody>
-                    <a:bodyPr/>
-                    <a:lstStyle/>
-                    <a:p>
-                      <a:r>
-                        <a:rPr lang="en-US" sz="2800" dirty="0"/>
-                        <a:t>[5.5, 9.5]</a:t>
-                      </a:r>
-                    </a:p>
-                  </a:txBody>
-                  <a:tcPr/>
-                </a:tc>
-                <a:extLst>
-                  <a:ext uri="{0D108BD9-81ED-4DB2-BD59-A6C34878D82A}">
-                    <a16:rowId xmlns:a16="http://schemas.microsoft.com/office/drawing/2014/main" val="3751046519"/>
-                  </a:ext>
-                </a:extLst>
-              </a:tr>
-            </a:tbl>
-          </a:graphicData>
-        </a:graphic>
-      </p:graphicFrame>
-    </p:spTree>
-    <p:extLst>
-      <p:ext uri="{BB962C8B-B14F-4D97-AF65-F5344CB8AC3E}">
-        <p14:creationId xmlns:p14="http://schemas.microsoft.com/office/powerpoint/2010/main" val="2460586456"/>
-      </p:ext>
-    </p:extLst>
-  </p:cSld>
-  <p:clrMapOvr>
-    <a:masterClrMapping/>
-  </p:clrMapOvr>
-</p:sld>
-</file>
-
-<file path=ppt/slides/slide11.xml><?xml version="1.0" encoding="utf-8"?>
-<p:sld xmlns:a="http://schemas.openxmlformats.org/drawingml/2006/main" xmlns:r="http://schemas.openxmlformats.org/officeDocument/2006/relationships" xmlns:p="http://schemas.openxmlformats.org/presentationml/2006/main">
-  <p:cSld>
-    <p:spTree>
-      <p:nvGrpSpPr>
-        <p:cNvPr id="1" name="Shape 67"/>
-        <p:cNvGrpSpPr/>
-        <p:nvPr/>
-      </p:nvGrpSpPr>
-      <p:grpSpPr>
-        <a:xfrm>
-          <a:off x="0" y="0"/>
-          <a:ext cx="0" cy="0"/>
-          <a:chOff x="0" y="0"/>
-          <a:chExt cx="0" cy="0"/>
-        </a:xfrm>
-      </p:grpSpPr>
-      <p:sp>
-        <p:nvSpPr>
-          <p:cNvPr id="68" name="Google Shape;68;p15"/>
-          <p:cNvSpPr txBox="1">
-            <a:spLocks noGrp="1"/>
-          </p:cNvSpPr>
-          <p:nvPr>
-            <p:ph type="title"/>
-          </p:nvPr>
-        </p:nvSpPr>
-        <p:spPr>
-          <a:xfrm>
-            <a:off x="270934" y="287868"/>
-            <a:ext cx="8750224" cy="747102"/>
-          </a:xfrm>
-          <a:prstGeom prst="rect">
-            <a:avLst/>
-          </a:prstGeom>
-        </p:spPr>
-        <p:txBody>
-          <a:bodyPr spcFirstLastPara="1" wrap="square" lIns="91425" tIns="91425" rIns="91425" bIns="91425" anchor="t" anchorCtr="0">
-            <a:noAutofit/>
-          </a:bodyPr>
-          <a:lstStyle/>
-          <a:p>
-            <a:r>
-              <a:rPr lang="ru-RU" b="1" dirty="0">
-                <a:solidFill>
-                  <a:schemeClr val="tx1"/>
-                </a:solidFill>
-              </a:rPr>
-              <a:t>Математическая модель проверки статьи</a:t>
-            </a:r>
-            <a:endParaRPr lang="ru-RU" sz="2600" b="1" dirty="0">
-              <a:solidFill>
-                <a:schemeClr val="tx1"/>
-              </a:solidFill>
-            </a:endParaRPr>
-          </a:p>
-        </p:txBody>
-      </p:sp>
-      <p:sp>
-        <p:nvSpPr>
-          <p:cNvPr id="69" name="Google Shape;69;p15"/>
-          <p:cNvSpPr txBox="1">
-            <a:spLocks noGrp="1"/>
-          </p:cNvSpPr>
-          <p:nvPr>
-            <p:ph type="sldNum" idx="12"/>
-          </p:nvPr>
-        </p:nvSpPr>
-        <p:spPr>
-          <a:xfrm>
-            <a:off x="8472458" y="6217622"/>
-            <a:ext cx="548700" cy="524700"/>
-          </a:xfrm>
-          <a:prstGeom prst="rect">
-            <a:avLst/>
-          </a:prstGeom>
-        </p:spPr>
-        <p:txBody>
-          <a:bodyPr spcFirstLastPara="1" wrap="square" lIns="91425" tIns="91425" rIns="91425" bIns="91425" anchor="ctr" anchorCtr="0">
-            <a:noAutofit/>
-          </a:bodyPr>
-          <a:lstStyle/>
-          <a:p>
-            <a:pPr marL="0" lvl="0" indent="0" algn="r" rtl="0">
-              <a:spcBef>
-                <a:spcPts val="0"/>
-              </a:spcBef>
-              <a:spcAft>
-                <a:spcPts val="0"/>
-              </a:spcAft>
-              <a:buNone/>
-            </a:pPr>
-            <a:fld id="{00000000-1234-1234-1234-123412341234}" type="slidenum">
-              <a:rPr lang="en"/>
-              <a:t>11</a:t>
-            </a:fld>
-            <a:endParaRPr/>
-          </a:p>
-        </p:txBody>
-      </p:sp>
-      <p:sp>
-        <p:nvSpPr>
-          <p:cNvPr id="71" name="Google Shape;71;p15"/>
-          <p:cNvSpPr txBox="1"/>
-          <p:nvPr/>
-        </p:nvSpPr>
-        <p:spPr>
-          <a:xfrm>
-            <a:off x="311699" y="1178992"/>
-            <a:ext cx="8561367" cy="5563331"/>
-          </a:xfrm>
-          <a:prstGeom prst="rect">
-            <a:avLst/>
-          </a:prstGeom>
-          <a:noFill/>
-          <a:ln>
-            <a:noFill/>
-          </a:ln>
-        </p:spPr>
-        <p:txBody>
-          <a:bodyPr spcFirstLastPara="1" wrap="square" lIns="91425" tIns="91425" rIns="91425" bIns="91425" anchor="t" anchorCtr="0">
-            <a:noAutofit/>
-          </a:bodyPr>
-          <a:lstStyle/>
-          <a:p>
-            <a:pPr lvl="0" algn="just"/>
-            <a:r>
-              <a:rPr lang="ru-RU" sz="2800" dirty="0"/>
-              <a:t>В результате исследования было выделено:</a:t>
-            </a:r>
-          </a:p>
-          <a:p>
-            <a:pPr marL="457200" lvl="0" indent="-457200" algn="just">
-              <a:buFont typeface="Arial" panose="020B0604020202020204" pitchFamily="34" charset="0"/>
-              <a:buChar char="•"/>
-            </a:pPr>
-            <a:r>
-              <a:rPr lang="ru-RU" sz="2800" dirty="0"/>
-              <a:t>3 рассчитываемых числовых критерия;</a:t>
-            </a:r>
-          </a:p>
-          <a:p>
-            <a:pPr marL="457200" lvl="0" indent="-457200" algn="just">
-              <a:buFont typeface="Arial" panose="020B0604020202020204" pitchFamily="34" charset="0"/>
-              <a:buChar char="•"/>
-            </a:pPr>
-            <a:r>
-              <a:rPr lang="ru-RU" sz="2800" dirty="0"/>
-              <a:t>5 типов проверяемых стилистических ошибок;</a:t>
-            </a:r>
-          </a:p>
-          <a:p>
-            <a:pPr marL="457200" lvl="0" indent="-457200" algn="just">
-              <a:buFont typeface="Arial" panose="020B0604020202020204" pitchFamily="34" charset="0"/>
-              <a:buChar char="•"/>
-            </a:pPr>
-            <a:r>
-              <a:rPr lang="ru-RU" sz="2800" dirty="0"/>
-              <a:t>6 типов проверяемых структурных ошибок.</a:t>
-            </a:r>
-          </a:p>
-          <a:p>
-            <a:pPr lvl="0" algn="just"/>
-            <a:endParaRPr lang="ru-RU" sz="2800" dirty="0"/>
-          </a:p>
-          <a:p>
-            <a:pPr lvl="0" algn="just"/>
-            <a:r>
-              <a:rPr lang="ru-RU" sz="2800" dirty="0"/>
-              <a:t>Оценка статьи:</a:t>
-            </a:r>
-          </a:p>
-          <a:p>
-            <a:pPr lvl="0" algn="just"/>
-            <a:endParaRPr lang="ru-RU" sz="2800" dirty="0"/>
-          </a:p>
-          <a:p>
-            <a:pPr lvl="0" algn="just"/>
-            <a:endParaRPr lang="ru-RU" sz="2800" dirty="0"/>
-          </a:p>
-          <a:p>
-            <a:pPr lvl="0" algn="just"/>
-            <a:endParaRPr lang="ru-RU" sz="2800" dirty="0"/>
-          </a:p>
-          <a:p>
-            <a:pPr lvl="0" algn="just"/>
-            <a:r>
-              <a:rPr lang="ru-RU" sz="2800" dirty="0"/>
-              <a:t>Где К – оценка статьи, </a:t>
-            </a:r>
-            <a:r>
-              <a:rPr lang="en-US" sz="2800" dirty="0"/>
-              <a:t>B </a:t>
-            </a:r>
-            <a:r>
-              <a:rPr lang="ru-RU" sz="2800" dirty="0"/>
-              <a:t>– базовое значение </a:t>
-            </a:r>
-            <a:r>
-              <a:rPr lang="en-US" sz="2800" dirty="0"/>
-              <a:t>K</a:t>
-            </a:r>
-            <a:r>
-              <a:rPr lang="ru-RU" sz="2800" dirty="0"/>
-              <a:t>,</a:t>
-            </a:r>
-          </a:p>
-          <a:p>
-            <a:pPr lvl="0" algn="just"/>
-            <a:r>
-              <a:rPr lang="ru-RU" sz="2800" dirty="0"/>
-              <a:t>Ф – штраф.</a:t>
-            </a:r>
-          </a:p>
-        </p:txBody>
-      </p:sp>
-      <p:graphicFrame>
-        <p:nvGraphicFramePr>
-          <p:cNvPr id="2" name="Object 1">
-            <a:extLst>
-              <a:ext uri="{FF2B5EF4-FFF2-40B4-BE49-F238E27FC236}">
-                <a16:creationId xmlns:a16="http://schemas.microsoft.com/office/drawing/2014/main" id="{1AD7B076-FE79-4F3D-A487-826A609606A9}"/>
-              </a:ext>
-            </a:extLst>
-          </p:cNvPr>
-          <p:cNvGraphicFramePr>
-            <a:graphicFrameLocks noChangeAspect="1"/>
-          </p:cNvGraphicFramePr>
-          <p:nvPr>
-            <p:extLst>
-              <p:ext uri="{D42A27DB-BD31-4B8C-83A1-F6EECF244321}">
-                <p14:modId xmlns:p14="http://schemas.microsoft.com/office/powerpoint/2010/main" val="56739614"/>
-              </p:ext>
-            </p:extLst>
-          </p:nvPr>
-        </p:nvGraphicFramePr>
-        <p:xfrm>
-          <a:off x="2805642" y="4079191"/>
-          <a:ext cx="3532716" cy="659332"/>
-        </p:xfrm>
-        <a:graphic>
-          <a:graphicData uri="http://schemas.openxmlformats.org/presentationml/2006/ole">
-            <mc:AlternateContent xmlns:mc="http://schemas.openxmlformats.org/markup-compatibility/2006">
-              <mc:Choice xmlns:v="urn:schemas-microsoft-com:vml" Requires="v">
-                <p:oleObj spid="_x0000_s2072" name="Equation" r:id="rId4" imgW="672840" imgH="152280" progId="Equation.DSMT4">
-                  <p:embed/>
-                </p:oleObj>
-              </mc:Choice>
-              <mc:Fallback>
-                <p:oleObj name="Equation" r:id="rId4" imgW="672840" imgH="152280" progId="Equation.DSMT4">
-                  <p:embed/>
-                  <p:pic>
-                    <p:nvPicPr>
-                      <p:cNvPr id="0" name=""/>
-                      <p:cNvPicPr/>
-                      <p:nvPr/>
-                    </p:nvPicPr>
-                    <p:blipFill>
-                      <a:blip r:embed="rId5"/>
-                      <a:stretch>
-                        <a:fillRect/>
-                      </a:stretch>
-                    </p:blipFill>
-                    <p:spPr>
-                      <a:xfrm>
-                        <a:off x="2805642" y="4079191"/>
-                        <a:ext cx="3532716" cy="659332"/>
-                      </a:xfrm>
-                      <a:prstGeom prst="rect">
-                        <a:avLst/>
-                      </a:prstGeom>
-                    </p:spPr>
-                  </p:pic>
-                </p:oleObj>
-              </mc:Fallback>
-            </mc:AlternateContent>
-          </a:graphicData>
-        </a:graphic>
-      </p:graphicFrame>
-    </p:spTree>
-    <p:extLst>
-      <p:ext uri="{BB962C8B-B14F-4D97-AF65-F5344CB8AC3E}">
-        <p14:creationId xmlns:p14="http://schemas.microsoft.com/office/powerpoint/2010/main" val="2643239550"/>
-      </p:ext>
-    </p:extLst>
-  </p:cSld>
-  <p:clrMapOvr>
-    <a:masterClrMapping/>
-  </p:clrMapOvr>
-</p:sld>
-</file>
-
-<file path=ppt/slides/slide12.xml><?xml version="1.0" encoding="utf-8"?>
-<p:sld xmlns:a="http://schemas.openxmlformats.org/drawingml/2006/main" xmlns:r="http://schemas.openxmlformats.org/officeDocument/2006/relationships" xmlns:p="http://schemas.openxmlformats.org/presentationml/2006/main">
-  <p:cSld>
-    <p:spTree>
-      <p:nvGrpSpPr>
-        <p:cNvPr id="1" name="Shape 67"/>
-        <p:cNvGrpSpPr/>
-        <p:nvPr/>
-      </p:nvGrpSpPr>
-      <p:grpSpPr>
-        <a:xfrm>
-          <a:off x="0" y="0"/>
-          <a:ext cx="0" cy="0"/>
-          <a:chOff x="0" y="0"/>
-          <a:chExt cx="0" cy="0"/>
-        </a:xfrm>
-      </p:grpSpPr>
-      <p:sp>
-        <p:nvSpPr>
-          <p:cNvPr id="68" name="Google Shape;68;p15"/>
-          <p:cNvSpPr txBox="1">
-            <a:spLocks noGrp="1"/>
-          </p:cNvSpPr>
-          <p:nvPr>
-            <p:ph type="title"/>
-          </p:nvPr>
-        </p:nvSpPr>
-        <p:spPr>
-          <a:xfrm>
-            <a:off x="270934" y="287868"/>
-            <a:ext cx="8750224" cy="747102"/>
-          </a:xfrm>
-          <a:prstGeom prst="rect">
-            <a:avLst/>
-          </a:prstGeom>
-        </p:spPr>
-        <p:txBody>
-          <a:bodyPr spcFirstLastPara="1" wrap="square" lIns="91425" tIns="91425" rIns="91425" bIns="91425" anchor="t" anchorCtr="0">
-            <a:noAutofit/>
-          </a:bodyPr>
-          <a:lstStyle/>
-          <a:p>
-            <a:r>
-              <a:rPr lang="ru-RU" b="1" dirty="0">
-                <a:solidFill>
-                  <a:schemeClr val="tx1"/>
-                </a:solidFill>
-              </a:rPr>
-              <a:t>Математическая модель проверки статьи</a:t>
-            </a:r>
-            <a:endParaRPr lang="ru-RU" sz="2600" b="1" dirty="0">
-              <a:solidFill>
-                <a:schemeClr val="tx1"/>
-              </a:solidFill>
-            </a:endParaRPr>
-          </a:p>
-        </p:txBody>
-      </p:sp>
-      <p:sp>
-        <p:nvSpPr>
-          <p:cNvPr id="69" name="Google Shape;69;p15"/>
-          <p:cNvSpPr txBox="1">
-            <a:spLocks noGrp="1"/>
-          </p:cNvSpPr>
-          <p:nvPr>
-            <p:ph type="sldNum" idx="12"/>
-          </p:nvPr>
-        </p:nvSpPr>
-        <p:spPr>
-          <a:xfrm>
-            <a:off x="8472458" y="6217622"/>
-            <a:ext cx="548700" cy="524700"/>
-          </a:xfrm>
-          <a:prstGeom prst="rect">
-            <a:avLst/>
-          </a:prstGeom>
-        </p:spPr>
-        <p:txBody>
-          <a:bodyPr spcFirstLastPara="1" wrap="square" lIns="91425" tIns="91425" rIns="91425" bIns="91425" anchor="ctr" anchorCtr="0">
-            <a:noAutofit/>
-          </a:bodyPr>
-          <a:lstStyle/>
-          <a:p>
-            <a:pPr marL="0" lvl="0" indent="0" algn="r" rtl="0">
-              <a:spcBef>
-                <a:spcPts val="0"/>
-              </a:spcBef>
-              <a:spcAft>
-                <a:spcPts val="0"/>
-              </a:spcAft>
-              <a:buNone/>
-            </a:pPr>
-            <a:fld id="{00000000-1234-1234-1234-123412341234}" type="slidenum">
-              <a:rPr lang="en"/>
-              <a:t>12</a:t>
             </a:fld>
             <a:endParaRPr/>
           </a:p>
@@ -10005,18 +9417,6 @@
             <a:r>
               <a:rPr lang="en-US" sz="2800" dirty="0"/>
               <a:t>, C</a:t>
-            </a:r>
-            <a:r>
-              <a:rPr lang="ru-RU" sz="1600" dirty="0"/>
-              <a:t>1</a:t>
-            </a:r>
-            <a:r>
-              <a:rPr lang="en-US" sz="1600" dirty="0"/>
-              <a:t> </a:t>
-            </a:r>
-            <a:r>
-              <a:rPr lang="en-US" sz="2800" dirty="0"/>
-              <a:t>,C</a:t>
             </a:r>
             <a:r>
               <a:rPr lang="ru-RU" sz="1600" dirty="0"/>
@@ -10178,7 +9578,7 @@
           <a:graphicData uri="http://schemas.openxmlformats.org/presentationml/2006/ole">
             <mc:AlternateContent xmlns:mc="http://schemas.openxmlformats.org/markup-compatibility/2006">
               <mc:Choice xmlns:v="urn:schemas-microsoft-com:vml" Requires="v">
-                <p:oleObj spid="_x0000_s3142" name="Equation" r:id="rId4" imgW="2286000" imgH="228600" progId="Equation.DSMT4">
+                <p:oleObj spid="_x0000_s3175" name="Equation" r:id="rId4" imgW="2286000" imgH="228600" progId="Equation.DSMT4">
                   <p:embed/>
                 </p:oleObj>
               </mc:Choice>
@@ -10245,7 +9645,7 @@
           <a:graphicData uri="http://schemas.openxmlformats.org/presentationml/2006/ole">
             <mc:AlternateContent xmlns:mc="http://schemas.openxmlformats.org/markup-compatibility/2006">
               <mc:Choice xmlns:v="urn:schemas-microsoft-com:vml" Requires="v">
-                <p:oleObj spid="_x0000_s3143" name="Equation" r:id="rId6" imgW="1320800" imgH="508000" progId="Equation.DSMT4">
+                <p:oleObj spid="_x0000_s3176" name="Equation" r:id="rId6" imgW="1320800" imgH="508000" progId="Equation.DSMT4">
                   <p:embed/>
                 </p:oleObj>
               </mc:Choice>
@@ -10318,7 +9718,7 @@
           <a:graphicData uri="http://schemas.openxmlformats.org/presentationml/2006/ole">
             <mc:AlternateContent xmlns:mc="http://schemas.openxmlformats.org/markup-compatibility/2006">
               <mc:Choice xmlns:v="urn:schemas-microsoft-com:vml" Requires="v">
-                <p:oleObj spid="_x0000_s3144" name="Equation" r:id="rId8" imgW="1333440" imgH="228600" progId="Equation.DSMT4">
+                <p:oleObj spid="_x0000_s3177" name="Equation" r:id="rId8" imgW="1333440" imgH="228600" progId="Equation.DSMT4">
                   <p:embed/>
                 </p:oleObj>
               </mc:Choice>
@@ -10370,7 +9770,7 @@
 </p:sld>
 </file>
 
-<file path=ppt/slides/slide13.xml><?xml version="1.0" encoding="utf-8"?>
+<file path=ppt/slides/slide11.xml><?xml version="1.0" encoding="utf-8"?>
 <p:sld xmlns:a="http://schemas.openxmlformats.org/drawingml/2006/main" xmlns:r="http://schemas.openxmlformats.org/officeDocument/2006/relationships" xmlns:p="http://schemas.openxmlformats.org/presentationml/2006/main">
   <p:cSld>
     <p:spTree>
@@ -10418,7 +9818,7 @@
                   <a:schemeClr val="tx1"/>
                 </a:solidFill>
               </a:rPr>
-              <a:t>Разработанное решение. Архитектура</a:t>
+              <a:t>Разработанное решение</a:t>
             </a:r>
             <a:endParaRPr lang="ru-RU" sz="2600" b="1" dirty="0">
               <a:solidFill>
@@ -10464,7 +9864,268 @@
             </a:pPr>
             <a:fld id="{00000000-1234-1234-1234-123412341234}" type="slidenum">
               <a:rPr lang="en"/>
-              <a:t>13</a:t>
+              <a:t>11</a:t>
+            </a:fld>
+            <a:endParaRPr/>
+          </a:p>
+        </p:txBody>
+      </p:sp>
+      <p:sp>
+        <p:nvSpPr>
+          <p:cNvPr id="5" name="Google Shape;71;p15">
+            <a:extLst>
+              <a:ext uri="{FF2B5EF4-FFF2-40B4-BE49-F238E27FC236}">
+                <a16:creationId xmlns:a16="http://schemas.microsoft.com/office/drawing/2014/main" id="{CFE17101-A4FF-4951-AB74-B36AD856D128}"/>
+              </a:ext>
+            </a:extLst>
+          </p:cNvPr>
+          <p:cNvSpPr txBox="1"/>
+          <p:nvPr/>
+        </p:nvSpPr>
+        <p:spPr>
+          <a:xfrm>
+            <a:off x="311699" y="1178992"/>
+            <a:ext cx="8561367" cy="5563331"/>
+          </a:xfrm>
+          <a:prstGeom prst="rect">
+            <a:avLst/>
+          </a:prstGeom>
+          <a:noFill/>
+          <a:ln>
+            <a:noFill/>
+          </a:ln>
+        </p:spPr>
+        <p:txBody>
+          <a:bodyPr spcFirstLastPara="1" wrap="square" lIns="91425" tIns="91425" rIns="91425" bIns="91425" anchor="t" anchorCtr="0">
+            <a:noAutofit/>
+          </a:bodyPr>
+          <a:lstStyle/>
+          <a:p>
+            <a:pPr marL="457200" lvl="0" indent="-457200" algn="just">
+              <a:buFont typeface="Arial" panose="020B0604020202020204" pitchFamily="34" charset="0"/>
+              <a:buChar char="•"/>
+            </a:pPr>
+            <a:r>
+              <a:rPr lang="ru-RU" sz="2800" dirty="0"/>
+              <a:t>Платформа </a:t>
+            </a:r>
+            <a:r>
+              <a:rPr lang="en-US" sz="2800" dirty="0"/>
+              <a:t>.NET Core</a:t>
+            </a:r>
+            <a:r>
+              <a:rPr lang="ru-RU" sz="2800" dirty="0"/>
+              <a:t>;</a:t>
+            </a:r>
+          </a:p>
+          <a:p>
+            <a:pPr marL="457200" lvl="0" indent="-457200" algn="just">
+              <a:buFont typeface="Arial" panose="020B0604020202020204" pitchFamily="34" charset="0"/>
+              <a:buChar char="•"/>
+            </a:pPr>
+            <a:r>
+              <a:rPr lang="ru-RU" sz="2800" dirty="0"/>
+              <a:t>Фреймворк </a:t>
+            </a:r>
+            <a:r>
+              <a:rPr lang="en-US" sz="2800" dirty="0"/>
+              <a:t>ASP.NET Core</a:t>
+            </a:r>
+            <a:r>
+              <a:rPr lang="ru-RU" sz="2800" dirty="0"/>
+              <a:t> </a:t>
+            </a:r>
+            <a:r>
+              <a:rPr lang="en-US" sz="2800" dirty="0"/>
+              <a:t>MVC;</a:t>
+            </a:r>
+            <a:endParaRPr lang="ru-RU" sz="2800" dirty="0"/>
+          </a:p>
+          <a:p>
+            <a:pPr marL="457200" lvl="0" indent="-457200" algn="just">
+              <a:buFont typeface="Arial" panose="020B0604020202020204" pitchFamily="34" charset="0"/>
+              <a:buChar char="•"/>
+            </a:pPr>
+            <a:r>
+              <a:rPr lang="en-US" sz="2800" dirty="0"/>
+              <a:t>Web API (REST) Controllers;</a:t>
+            </a:r>
+          </a:p>
+          <a:p>
+            <a:pPr marL="457200" lvl="0" indent="-457200" algn="just">
+              <a:buFont typeface="Arial" panose="020B0604020202020204" pitchFamily="34" charset="0"/>
+              <a:buChar char="•"/>
+            </a:pPr>
+            <a:r>
+              <a:rPr lang="en-US" sz="2800" dirty="0"/>
+              <a:t>SQL Server</a:t>
+            </a:r>
+            <a:r>
+              <a:rPr lang="ru-RU" sz="2800" dirty="0"/>
+              <a:t> </a:t>
+            </a:r>
+            <a:r>
+              <a:rPr lang="en-US" sz="2800" dirty="0"/>
+              <a:t>+ ORM EF Core </a:t>
+            </a:r>
+            <a:r>
+              <a:rPr lang="ru-RU" sz="2800" dirty="0"/>
+              <a:t>(реализован паттерн </a:t>
+            </a:r>
+            <a:r>
+              <a:rPr lang="en-US" sz="2800" dirty="0"/>
+              <a:t>Repository</a:t>
+            </a:r>
+            <a:r>
+              <a:rPr lang="ru-RU" sz="2800" dirty="0"/>
+              <a:t>, легко поддержать другую, в том числе не реляционную БД);</a:t>
+            </a:r>
+            <a:endParaRPr lang="en-US" sz="2800" dirty="0"/>
+          </a:p>
+          <a:p>
+            <a:pPr marL="457200" lvl="0" indent="-457200" algn="just">
+              <a:buFont typeface="Arial" panose="020B0604020202020204" pitchFamily="34" charset="0"/>
+              <a:buChar char="•"/>
+            </a:pPr>
+            <a:r>
+              <a:rPr lang="ru-RU" sz="2800" dirty="0"/>
+              <a:t>Развернутое решение использует в среднем 450 Мбайт оперативной памяти, зафиксированная пиковая нагрузка не превышала 524 Мбайт;</a:t>
+            </a:r>
+          </a:p>
+          <a:p>
+            <a:pPr marL="457200" lvl="0" indent="-457200" algn="just">
+              <a:buFont typeface="Arial" panose="020B0604020202020204" pitchFamily="34" charset="0"/>
+              <a:buChar char="•"/>
+            </a:pPr>
+            <a:r>
+              <a:rPr lang="ru-RU" sz="2800" dirty="0"/>
+              <a:t>Среднее время обработки статьи на превышает 1 - 2 секунды.</a:t>
+            </a:r>
+          </a:p>
+          <a:p>
+            <a:pPr marL="457200" lvl="0" indent="-457200" algn="just">
+              <a:buFont typeface="Arial" panose="020B0604020202020204" pitchFamily="34" charset="0"/>
+              <a:buChar char="•"/>
+            </a:pPr>
+            <a:endParaRPr lang="ru-RU" sz="2800" dirty="0"/>
+          </a:p>
+          <a:p>
+            <a:pPr marL="457200" lvl="0" indent="-457200" algn="just">
+              <a:buFont typeface="Arial" panose="020B0604020202020204" pitchFamily="34" charset="0"/>
+              <a:buChar char="•"/>
+            </a:pPr>
+            <a:endParaRPr lang="ru-RU" sz="2800" dirty="0"/>
+          </a:p>
+        </p:txBody>
+      </p:sp>
+    </p:spTree>
+    <p:extLst>
+      <p:ext uri="{BB962C8B-B14F-4D97-AF65-F5344CB8AC3E}">
+        <p14:creationId xmlns:p14="http://schemas.microsoft.com/office/powerpoint/2010/main" val="1066044735"/>
+      </p:ext>
+    </p:extLst>
+  </p:cSld>
+  <p:clrMapOvr>
+    <a:masterClrMapping/>
+  </p:clrMapOvr>
+</p:sld>
+</file>
+
+<file path=ppt/slides/slide12.xml><?xml version="1.0" encoding="utf-8"?>
+<p:sld xmlns:a="http://schemas.openxmlformats.org/drawingml/2006/main" xmlns:r="http://schemas.openxmlformats.org/officeDocument/2006/relationships" xmlns:p="http://schemas.openxmlformats.org/presentationml/2006/main">
+  <p:cSld>
+    <p:spTree>
+      <p:nvGrpSpPr>
+        <p:cNvPr id="1" name="Shape 67"/>
+        <p:cNvGrpSpPr/>
+        <p:nvPr/>
+      </p:nvGrpSpPr>
+      <p:grpSpPr>
+        <a:xfrm>
+          <a:off x="0" y="0"/>
+          <a:ext cx="0" cy="0"/>
+          <a:chOff x="0" y="0"/>
+          <a:chExt cx="0" cy="0"/>
+        </a:xfrm>
+      </p:grpSpPr>
+      <p:sp>
+        <p:nvSpPr>
+          <p:cNvPr id="68" name="Google Shape;68;p15"/>
+          <p:cNvSpPr txBox="1">
+            <a:spLocks noGrp="1"/>
+          </p:cNvSpPr>
+          <p:nvPr>
+            <p:ph type="title"/>
+          </p:nvPr>
+        </p:nvSpPr>
+        <p:spPr>
+          <a:xfrm>
+            <a:off x="270934" y="287868"/>
+            <a:ext cx="8750224" cy="747102"/>
+          </a:xfrm>
+          <a:prstGeom prst="rect">
+            <a:avLst/>
+          </a:prstGeom>
+        </p:spPr>
+        <p:txBody>
+          <a:bodyPr spcFirstLastPara="1" wrap="square" lIns="91425" tIns="91425" rIns="91425" bIns="91425" anchor="t" anchorCtr="0">
+            <a:noAutofit/>
+          </a:bodyPr>
+          <a:lstStyle/>
+          <a:p>
+            <a:r>
+              <a:rPr lang="ru-RU" b="1" dirty="0">
+                <a:solidFill>
+                  <a:schemeClr val="tx1"/>
+                </a:solidFill>
+              </a:rPr>
+              <a:t>Разработанное решение. Архитектура</a:t>
+            </a:r>
+            <a:endParaRPr lang="ru-RU" sz="2600" b="1" dirty="0">
+              <a:solidFill>
+                <a:schemeClr val="tx1"/>
+              </a:solidFill>
+            </a:endParaRPr>
+          </a:p>
+        </p:txBody>
+      </p:sp>
+      <p:sp>
+        <p:nvSpPr>
+          <p:cNvPr id="69" name="Google Shape;69;p15"/>
+          <p:cNvSpPr txBox="1">
+            <a:spLocks noGrp="1"/>
+          </p:cNvSpPr>
+          <p:nvPr>
+            <p:ph type="sldNum" idx="12"/>
+          </p:nvPr>
+        </p:nvSpPr>
+        <p:spPr>
+          <a:xfrm>
+            <a:off x="8472458" y="6217622"/>
+            <a:ext cx="548700" cy="524700"/>
+          </a:xfrm>
+          <a:prstGeom prst="rect">
+            <a:avLst/>
+          </a:prstGeom>
+        </p:spPr>
+        <p:txBody>
+          <a:bodyPr spcFirstLastPara="1" wrap="square" lIns="91425" tIns="91425" rIns="91425" bIns="91425" anchor="ctr" anchorCtr="0">
+            <a:noAutofit/>
+          </a:bodyPr>
+          <a:lstStyle/>
+          <a:p>
+            <a:pPr marL="0" lvl="0" indent="0" algn="r" rtl="0">
+              <a:spcBef>
+                <a:spcPts val="0"/>
+              </a:spcBef>
+              <a:spcAft>
+                <a:spcPts val="0"/>
+              </a:spcAft>
+              <a:buNone/>
+            </a:pPr>
+            <a:fld id="{00000000-1234-1234-1234-123412341234}" type="slidenum">
+              <a:rPr lang="en"/>
+              <a:t>12</a:t>
             </a:fld>
             <a:endParaRPr/>
           </a:p>
@@ -10543,7 +10204,7 @@
 </p:sld>
 </file>
 
-<file path=ppt/slides/slide14.xml><?xml version="1.0" encoding="utf-8"?>
+<file path=ppt/slides/slide13.xml><?xml version="1.0" encoding="utf-8"?>
 <p:sld xmlns:a="http://schemas.openxmlformats.org/drawingml/2006/main" xmlns:r="http://schemas.openxmlformats.org/officeDocument/2006/relationships" xmlns:p="http://schemas.openxmlformats.org/presentationml/2006/main">
   <p:cSld>
     <p:spTree>
@@ -10637,7 +10298,7 @@
             </a:pPr>
             <a:fld id="{00000000-1234-1234-1234-123412341234}" type="slidenum">
               <a:rPr lang="en"/>
-              <a:t>14</a:t>
+              <a:t>13</a:t>
             </a:fld>
             <a:endParaRPr/>
           </a:p>
@@ -10716,7 +10377,7 @@
 </p:sld>
 </file>
 
-<file path=ppt/slides/slide15.xml><?xml version="1.0" encoding="utf-8"?>
+<file path=ppt/slides/slide14.xml><?xml version="1.0" encoding="utf-8"?>
 <p:sld xmlns:a="http://schemas.openxmlformats.org/drawingml/2006/main" xmlns:r="http://schemas.openxmlformats.org/officeDocument/2006/relationships" xmlns:p="http://schemas.openxmlformats.org/presentationml/2006/main">
   <p:cSld>
     <p:spTree>
@@ -10812,55 +10473,7 @@
                   <a:schemeClr val="tx1"/>
                 </a:solidFill>
               </a:rPr>
-              <a:t>Было проведено исследование возможности автоматизации проверки научных статей на соответствие научному стилю, по результатам которого были выделены критерии проверки статей;</a:t>
-            </a:r>
-          </a:p>
-          <a:p>
-            <a:pPr lvl="0" indent="-381000">
-              <a:buClr>
-                <a:schemeClr val="dk1"/>
-              </a:buClr>
-              <a:buSzPts val="2400"/>
-            </a:pPr>
-            <a:r>
-              <a:rPr lang="ru-RU" sz="2400" dirty="0">
-                <a:solidFill>
-                  <a:schemeClr val="tx1"/>
-                </a:solidFill>
-              </a:rPr>
-              <a:t>Была построена математическая модель проверки статьи;</a:t>
-            </a:r>
-          </a:p>
-          <a:p>
-            <a:pPr lvl="0" indent="-381000">
-              <a:buClr>
-                <a:schemeClr val="dk1"/>
-              </a:buClr>
-              <a:buSzPts val="2400"/>
-            </a:pPr>
-            <a:r>
-              <a:rPr lang="ru-RU" sz="2400" dirty="0">
-                <a:solidFill>
-                  <a:schemeClr val="tx1"/>
-                </a:solidFill>
-              </a:rPr>
-              <a:t>Было проведено экспериментальное исследование на научных статьях, по результатам которого была настроена и формализована модель;</a:t>
-            </a:r>
-          </a:p>
-          <a:p>
-            <a:pPr lvl="0" indent="-381000">
-              <a:buClr>
-                <a:schemeClr val="dk1"/>
-              </a:buClr>
-              <a:buSzPts val="2400"/>
-            </a:pPr>
-            <a:r>
-              <a:rPr lang="ru-RU" sz="2400" dirty="0">
-                <a:solidFill>
-                  <a:schemeClr val="tx1"/>
-                </a:solidFill>
-              </a:rPr>
-              <a:t>Было проведено экспериментальное исследование на статьях и произведениях других жанров, показавшее корректность разработанной модели проверки;</a:t>
+              <a:t>Было проведено исследование возможности автоматизации проверки научных статей, была построена и настроена математическая модель проверки статьи;</a:t>
             </a:r>
           </a:p>
           <a:p>
@@ -10878,7 +10491,15 @@
               </a:rPr>
               <a:t>Было разработано решение в виде веб-сервиса.</a:t>
             </a:r>
-            <a:endParaRPr sz="2400" dirty="0">
+          </a:p>
+          <a:p>
+            <a:pPr lvl="0" indent="-381000">
+              <a:buClr>
+                <a:schemeClr val="dk1"/>
+              </a:buClr>
+              <a:buSzPts val="2400"/>
+            </a:pPr>
+            <a:endParaRPr lang="ru-RU" sz="2400" dirty="0">
               <a:solidFill>
                 <a:schemeClr val="tx1"/>
               </a:solidFill>
@@ -10922,7 +10543,7 @@
             </a:pPr>
             <a:fld id="{00000000-1234-1234-1234-123412341234}" type="slidenum">
               <a:rPr lang="en"/>
-              <a:t>15</a:t>
+              <a:t>14</a:t>
             </a:fld>
             <a:endParaRPr/>
           </a:p>
@@ -10936,7 +10557,7 @@
 </p:sld>
 </file>
 
-<file path=ppt/slides/slide16.xml><?xml version="1.0" encoding="utf-8"?>
+<file path=ppt/slides/slide15.xml><?xml version="1.0" encoding="utf-8"?>
 <p:sld xmlns:a="http://schemas.openxmlformats.org/drawingml/2006/main" xmlns:r="http://schemas.openxmlformats.org/officeDocument/2006/relationships" xmlns:p="http://schemas.openxmlformats.org/presentationml/2006/main">
   <p:cSld>
     <p:spTree>
@@ -10965,7 +10586,7 @@
         </p:nvSpPr>
         <p:spPr>
           <a:xfrm>
-            <a:off x="311700" y="593367"/>
+            <a:off x="311700" y="352735"/>
             <a:ext cx="8520600" cy="763500"/>
           </a:xfrm>
           <a:prstGeom prst="rect">
@@ -11007,8 +10628,8 @@
         </p:nvSpPr>
         <p:spPr>
           <a:xfrm>
-            <a:off x="311700" y="1268299"/>
-            <a:ext cx="8709300" cy="5474023"/>
+            <a:off x="311700" y="1116235"/>
+            <a:ext cx="8709300" cy="5626087"/>
           </a:xfrm>
           <a:prstGeom prst="rect">
             <a:avLst/>
@@ -11040,7 +10661,7 @@
                   <a:schemeClr val="tx1"/>
                 </a:solidFill>
               </a:rPr>
-              <a:t> Э.И., Заславский М.М., Андросов В.Ю. Автоматизация процесса проверки текста на соответствие научному стилю // Современные технологии в теории и практике программирования: материалы научно-практической конференции студентов, аспирантов и молодых ученых -2018. - С. 118-121;</a:t>
+              <a:t> Э.И., Заславский М.М. Автоматизация процесса проверки текста на соответствие научному стилю // Современные технологии в теории и практике программирования: материалы научно-практической конференции студентов, аспирантов и молодых ученых -2018. - С. 118-121;</a:t>
             </a:r>
           </a:p>
           <a:p>
@@ -11158,13 +10779,172 @@
             </a:pPr>
             <a:fld id="{00000000-1234-1234-1234-123412341234}" type="slidenum">
               <a:rPr lang="en"/>
+              <a:t>15</a:t>
+            </a:fld>
+            <a:endParaRPr/>
+          </a:p>
+        </p:txBody>
+      </p:sp>
+    </p:spTree>
+  </p:cSld>
+  <p:clrMapOvr>
+    <a:masterClrMapping/>
+  </p:clrMapOvr>
+</p:sld>
+</file>
+
+<file path=ppt/slides/slide16.xml><?xml version="1.0" encoding="utf-8"?>
+<p:sld xmlns:a="http://schemas.openxmlformats.org/drawingml/2006/main" xmlns:r="http://schemas.openxmlformats.org/officeDocument/2006/relationships" xmlns:p="http://schemas.openxmlformats.org/presentationml/2006/main">
+  <p:cSld>
+    <p:spTree>
+      <p:nvGrpSpPr>
+        <p:cNvPr id="1" name="Shape 67"/>
+        <p:cNvGrpSpPr/>
+        <p:nvPr/>
+      </p:nvGrpSpPr>
+      <p:grpSpPr>
+        <a:xfrm>
+          <a:off x="0" y="0"/>
+          <a:ext cx="0" cy="0"/>
+          <a:chOff x="0" y="0"/>
+          <a:chExt cx="0" cy="0"/>
+        </a:xfrm>
+      </p:grpSpPr>
+      <p:sp>
+        <p:nvSpPr>
+          <p:cNvPr id="68" name="Google Shape;68;p15"/>
+          <p:cNvSpPr txBox="1">
+            <a:spLocks noGrp="1"/>
+          </p:cNvSpPr>
+          <p:nvPr>
+            <p:ph type="title"/>
+          </p:nvPr>
+        </p:nvSpPr>
+        <p:spPr>
+          <a:xfrm>
+            <a:off x="311700" y="287867"/>
+            <a:ext cx="8709458" cy="1168399"/>
+          </a:xfrm>
+          <a:prstGeom prst="rect">
+            <a:avLst/>
+          </a:prstGeom>
+        </p:spPr>
+        <p:txBody>
+          <a:bodyPr spcFirstLastPara="1" wrap="square" lIns="91425" tIns="91425" rIns="91425" bIns="91425" anchor="t" anchorCtr="0">
+            <a:noAutofit/>
+          </a:bodyPr>
+          <a:lstStyle/>
+          <a:p>
+            <a:pPr algn="just"/>
+            <a:r>
+              <a:rPr lang="ru-RU" b="1" dirty="0">
+                <a:solidFill>
+                  <a:schemeClr val="tx1"/>
+                </a:solidFill>
+              </a:rPr>
+              <a:t>Дополнительный слайд №1. Дальнейшее развитие</a:t>
+            </a:r>
+          </a:p>
+        </p:txBody>
+      </p:sp>
+      <p:sp>
+        <p:nvSpPr>
+          <p:cNvPr id="69" name="Google Shape;69;p15"/>
+          <p:cNvSpPr txBox="1">
+            <a:spLocks noGrp="1"/>
+          </p:cNvSpPr>
+          <p:nvPr>
+            <p:ph type="sldNum" idx="12"/>
+          </p:nvPr>
+        </p:nvSpPr>
+        <p:spPr>
+          <a:xfrm>
+            <a:off x="8472458" y="6217622"/>
+            <a:ext cx="548700" cy="524700"/>
+          </a:xfrm>
+          <a:prstGeom prst="rect">
+            <a:avLst/>
+          </a:prstGeom>
+        </p:spPr>
+        <p:txBody>
+          <a:bodyPr spcFirstLastPara="1" wrap="square" lIns="91425" tIns="91425" rIns="91425" bIns="91425" anchor="ctr" anchorCtr="0">
+            <a:noAutofit/>
+          </a:bodyPr>
+          <a:lstStyle/>
+          <a:p>
+            <a:pPr marL="0" lvl="0" indent="0" algn="r" rtl="0">
+              <a:spcBef>
+                <a:spcPts val="0"/>
+              </a:spcBef>
+              <a:spcAft>
+                <a:spcPts val="0"/>
+              </a:spcAft>
+              <a:buNone/>
+            </a:pPr>
+            <a:fld id="{00000000-1234-1234-1234-123412341234}" type="slidenum">
+              <a:rPr lang="en"/>
               <a:t>16</a:t>
             </a:fld>
             <a:endParaRPr/>
           </a:p>
         </p:txBody>
       </p:sp>
+      <p:sp>
+        <p:nvSpPr>
+          <p:cNvPr id="71" name="Google Shape;71;p15"/>
+          <p:cNvSpPr txBox="1"/>
+          <p:nvPr/>
+        </p:nvSpPr>
+        <p:spPr>
+          <a:xfrm>
+            <a:off x="311699" y="1764631"/>
+            <a:ext cx="8561367" cy="4977691"/>
+          </a:xfrm>
+          <a:prstGeom prst="rect">
+            <a:avLst/>
+          </a:prstGeom>
+          <a:noFill/>
+          <a:ln>
+            <a:noFill/>
+          </a:ln>
+        </p:spPr>
+        <p:txBody>
+          <a:bodyPr spcFirstLastPara="1" wrap="square" lIns="91425" tIns="91425" rIns="91425" bIns="91425" anchor="t" anchorCtr="0">
+            <a:noAutofit/>
+          </a:bodyPr>
+          <a:lstStyle/>
+          <a:p>
+            <a:pPr lvl="0" algn="just"/>
+            <a:r>
+              <a:rPr lang="ru-RU" sz="2800" dirty="0"/>
+              <a:t>Развертывание с помощью </a:t>
+            </a:r>
+            <a:r>
+              <a:rPr lang="en-US" sz="2800" dirty="0"/>
+              <a:t>docker </a:t>
+            </a:r>
+            <a:r>
+              <a:rPr lang="ru-RU" sz="2800" dirty="0"/>
+              <a:t>и использование на кафедре для проверки статей из курса на </a:t>
+            </a:r>
+            <a:r>
+              <a:rPr lang="en-US" sz="2800" dirty="0" err="1"/>
+              <a:t>Stepik</a:t>
+            </a:r>
+            <a:endParaRPr lang="en-US" sz="2800" dirty="0"/>
+          </a:p>
+          <a:p>
+            <a:pPr lvl="0" algn="just"/>
+            <a:endParaRPr lang="ru-RU" sz="2400" dirty="0"/>
+          </a:p>
+        </p:txBody>
+      </p:sp>
     </p:spTree>
+    <p:extLst>
+      <p:ext uri="{BB962C8B-B14F-4D97-AF65-F5344CB8AC3E}">
+        <p14:creationId xmlns:p14="http://schemas.microsoft.com/office/powerpoint/2010/main" val="2368092323"/>
+      </p:ext>
+    </p:extLst>
   </p:cSld>
   <p:clrMapOvr>
     <a:masterClrMapping/>
@@ -11221,21 +11001,8 @@
                   <a:schemeClr val="tx1"/>
                 </a:solidFill>
               </a:rPr>
-              <a:t>Дополнительный слайд №1. Собственно-научный </a:t>
+              <a:t>Дополнительный слайд №2. Почему не использовалось машинное обучение</a:t>
             </a:r>
-            <a:r>
-              <a:rPr lang="ru-RU" b="1" dirty="0" err="1">
-                <a:solidFill>
-                  <a:schemeClr val="tx1"/>
-                </a:solidFill>
-              </a:rPr>
-              <a:t>подстиль</a:t>
-            </a:r>
-            <a:endParaRPr lang="ru-RU" b="1" dirty="0">
-              <a:solidFill>
-                <a:schemeClr val="tx1"/>
-              </a:solidFill>
-            </a:endParaRPr>
           </a:p>
         </p:txBody>
       </p:sp>
@@ -11289,8 +11056,8 @@
         </p:nvSpPr>
         <p:spPr>
           <a:xfrm>
-            <a:off x="163609" y="1456267"/>
-            <a:ext cx="8709458" cy="5286056"/>
+            <a:off x="163609" y="1828800"/>
+            <a:ext cx="8709458" cy="3465096"/>
           </a:xfrm>
           <a:prstGeom prst="rect">
             <a:avLst/>
@@ -11308,94 +11075,19 @@
           <a:p>
             <a:pPr lvl="0" algn="just"/>
             <a:r>
-              <a:rPr lang="ru-RU" sz="2400" dirty="0"/>
-              <a:t>В рамках данной работы была реализована проверка статей на соответствие собственно-научному </a:t>
+              <a:rPr lang="ru-RU" sz="3200" dirty="0"/>
+              <a:t>Отсутствие корпуса для обучения.</a:t>
             </a:r>
-            <a:r>
-              <a:rPr lang="ru-RU" sz="2400" dirty="0" err="1"/>
-              <a:t>подстилю</a:t>
-            </a:r>
-            <a:r>
-              <a:rPr lang="ru-RU" sz="2400" dirty="0"/>
-              <a:t>. Собственно-научный </a:t>
-            </a:r>
-            <a:r>
-              <a:rPr lang="ru-RU" sz="2400" dirty="0" err="1"/>
-              <a:t>подстиль</a:t>
-            </a:r>
-            <a:r>
-              <a:rPr lang="ru-RU" sz="2400" dirty="0"/>
-              <a:t> — академическое изложение, адресованное специалистам.</a:t>
-            </a:r>
           </a:p>
           <a:p>
             <a:pPr lvl="0" algn="just"/>
-            <a:endParaRPr lang="ru-RU" sz="2400" dirty="0"/>
+            <a:endParaRPr lang="ru-RU" sz="3200" dirty="0"/>
           </a:p>
           <a:p>
             <a:pPr lvl="0" algn="just"/>
             <a:r>
-              <a:rPr lang="ru-RU" sz="2400" dirty="0"/>
-              <a:t>Характеристики:</a:t>
-            </a:r>
-          </a:p>
-          <a:p>
-            <a:pPr marL="342900" lvl="0" indent="-342900" algn="just">
-              <a:buFont typeface="Arial" panose="020B0604020202020204" pitchFamily="34" charset="0"/>
-              <a:buChar char="•"/>
-            </a:pPr>
-            <a:r>
-              <a:rPr lang="ru-RU" sz="2400" dirty="0"/>
-              <a:t>Точность передаваемой информации;</a:t>
-            </a:r>
-          </a:p>
-          <a:p>
-            <a:pPr marL="342900" lvl="0" indent="-342900" algn="just">
-              <a:buFont typeface="Arial" panose="020B0604020202020204" pitchFamily="34" charset="0"/>
-              <a:buChar char="•"/>
-            </a:pPr>
-            <a:r>
-              <a:rPr lang="ru-RU" sz="2400" dirty="0"/>
-              <a:t>Убедительность аргументации;</a:t>
-            </a:r>
-          </a:p>
-          <a:p>
-            <a:pPr marL="342900" lvl="0" indent="-342900" algn="just">
-              <a:buFont typeface="Arial" panose="020B0604020202020204" pitchFamily="34" charset="0"/>
-              <a:buChar char="•"/>
-            </a:pPr>
-            <a:r>
-              <a:rPr lang="ru-RU" sz="2400" dirty="0"/>
-              <a:t>Логическая последовательность изложения;</a:t>
-            </a:r>
-          </a:p>
-          <a:p>
-            <a:pPr marL="342900" lvl="0" indent="-342900" algn="just">
-              <a:buFont typeface="Arial" panose="020B0604020202020204" pitchFamily="34" charset="0"/>
-              <a:buChar char="•"/>
-            </a:pPr>
-            <a:r>
-              <a:rPr lang="ru-RU" sz="2400" dirty="0"/>
-              <a:t>Лаконичность.</a:t>
-            </a:r>
-          </a:p>
-          <a:p>
-            <a:pPr lvl="0" algn="just"/>
-            <a:endParaRPr lang="ru-RU" sz="2400" dirty="0"/>
-          </a:p>
-          <a:p>
-            <a:pPr lvl="0" algn="just"/>
-            <a:r>
-              <a:rPr lang="ru-RU" sz="2400" dirty="0"/>
-              <a:t>Цель </a:t>
-            </a:r>
-            <a:r>
-              <a:rPr lang="ru-RU" sz="2400" dirty="0" err="1"/>
-              <a:t>подстиля</a:t>
-            </a:r>
-            <a:r>
-              <a:rPr lang="ru-RU" sz="2400" dirty="0"/>
-              <a:t> — выявление и описание новых фактов, закономерностей, открытий.</a:t>
+              <a:rPr lang="ru-RU" sz="3200" dirty="0"/>
+              <a:t>Причина – политика изданий. Не был найден источник научных статей не прошедших рецензирование.</a:t>
             </a:r>
           </a:p>
         </p:txBody>
@@ -11403,7 +11095,7 @@
     </p:spTree>
     <p:extLst>
       <p:ext uri="{BB962C8B-B14F-4D97-AF65-F5344CB8AC3E}">
-        <p14:creationId xmlns:p14="http://schemas.microsoft.com/office/powerpoint/2010/main" val="2368092323"/>
+        <p14:creationId xmlns:p14="http://schemas.microsoft.com/office/powerpoint/2010/main" val="2379417756"/>
       </p:ext>
     </p:extLst>
   </p:cSld>
@@ -11462,7 +11154,7 @@
                   <a:schemeClr val="tx1"/>
                 </a:solidFill>
               </a:rPr>
-              <a:t>Дополнительный слайд №2. Примеры анализа текстов других жанров</a:t>
+              <a:t>Дополнительный слайд №3. Поддержка английского языка</a:t>
             </a:r>
           </a:p>
         </p:txBody>
@@ -11504,6 +11196,185 @@
             <a:fld id="{00000000-1234-1234-1234-123412341234}" type="slidenum">
               <a:rPr lang="en"/>
               <a:t>18</a:t>
+            </a:fld>
+            <a:endParaRPr/>
+          </a:p>
+        </p:txBody>
+      </p:sp>
+      <p:sp>
+        <p:nvSpPr>
+          <p:cNvPr id="71" name="Google Shape;71;p15"/>
+          <p:cNvSpPr txBox="1"/>
+          <p:nvPr/>
+        </p:nvSpPr>
+        <p:spPr>
+          <a:xfrm>
+            <a:off x="163609" y="1456267"/>
+            <a:ext cx="8709458" cy="5286056"/>
+          </a:xfrm>
+          <a:prstGeom prst="rect">
+            <a:avLst/>
+          </a:prstGeom>
+          <a:noFill/>
+          <a:ln>
+            <a:noFill/>
+          </a:ln>
+        </p:spPr>
+        <p:txBody>
+          <a:bodyPr spcFirstLastPara="1" wrap="square" lIns="91425" tIns="91425" rIns="91425" bIns="91425" anchor="t" anchorCtr="0">
+            <a:noAutofit/>
+          </a:bodyPr>
+          <a:lstStyle/>
+          <a:p>
+            <a:pPr lvl="0" algn="just"/>
+            <a:r>
+              <a:rPr lang="ru-RU" sz="2800" dirty="0"/>
+              <a:t>Морфологический анализ английского готов.</a:t>
+            </a:r>
+          </a:p>
+          <a:p>
+            <a:pPr lvl="0" algn="just"/>
+            <a:r>
+              <a:rPr lang="ru-RU" sz="2800" dirty="0"/>
+              <a:t>Необходимо:</a:t>
+            </a:r>
+          </a:p>
+          <a:p>
+            <a:pPr marL="342900" lvl="0" indent="-342900" algn="just">
+              <a:buFont typeface="Arial" panose="020B0604020202020204" pitchFamily="34" charset="0"/>
+              <a:buChar char="•"/>
+            </a:pPr>
+            <a:r>
+              <a:rPr lang="ru-RU" sz="2800" dirty="0"/>
+              <a:t>Провести исследование научного стиля английского языка;</a:t>
+            </a:r>
+          </a:p>
+          <a:p>
+            <a:pPr marL="342900" lvl="0" indent="-342900" algn="just">
+              <a:buFont typeface="Arial" panose="020B0604020202020204" pitchFamily="34" charset="0"/>
+              <a:buChar char="•"/>
+            </a:pPr>
+            <a:r>
+              <a:rPr lang="ru-RU" sz="2800" dirty="0"/>
+              <a:t>Выделить морфологические особенности научного стиля английского языка;</a:t>
+            </a:r>
+          </a:p>
+          <a:p>
+            <a:pPr marL="342900" lvl="0" indent="-342900" algn="just">
+              <a:buFont typeface="Arial" panose="020B0604020202020204" pitchFamily="34" charset="0"/>
+              <a:buChar char="•"/>
+            </a:pPr>
+            <a:r>
+              <a:rPr lang="ru-RU" sz="2800" dirty="0"/>
+              <a:t>Получить выборку опубликованных статей на английском языке и провести анализ числовых критериев для настройки модели проверки.</a:t>
+            </a:r>
+          </a:p>
+        </p:txBody>
+      </p:sp>
+    </p:spTree>
+    <p:extLst>
+      <p:ext uri="{BB962C8B-B14F-4D97-AF65-F5344CB8AC3E}">
+        <p14:creationId xmlns:p14="http://schemas.microsoft.com/office/powerpoint/2010/main" val="2111939569"/>
+      </p:ext>
+    </p:extLst>
+  </p:cSld>
+  <p:clrMapOvr>
+    <a:masterClrMapping/>
+  </p:clrMapOvr>
+</p:sld>
+</file>
+
+<file path=ppt/slides/slide19.xml><?xml version="1.0" encoding="utf-8"?>
+<p:sld xmlns:a="http://schemas.openxmlformats.org/drawingml/2006/main" xmlns:r="http://schemas.openxmlformats.org/officeDocument/2006/relationships" xmlns:p="http://schemas.openxmlformats.org/presentationml/2006/main">
+  <p:cSld>
+    <p:spTree>
+      <p:nvGrpSpPr>
+        <p:cNvPr id="1" name="Shape 67"/>
+        <p:cNvGrpSpPr/>
+        <p:nvPr/>
+      </p:nvGrpSpPr>
+      <p:grpSpPr>
+        <a:xfrm>
+          <a:off x="0" y="0"/>
+          <a:ext cx="0" cy="0"/>
+          <a:chOff x="0" y="0"/>
+          <a:chExt cx="0" cy="0"/>
+        </a:xfrm>
+      </p:grpSpPr>
+      <p:sp>
+        <p:nvSpPr>
+          <p:cNvPr id="68" name="Google Shape;68;p15"/>
+          <p:cNvSpPr txBox="1">
+            <a:spLocks noGrp="1"/>
+          </p:cNvSpPr>
+          <p:nvPr>
+            <p:ph type="title"/>
+          </p:nvPr>
+        </p:nvSpPr>
+        <p:spPr>
+          <a:xfrm>
+            <a:off x="311700" y="287867"/>
+            <a:ext cx="8709458" cy="1168399"/>
+          </a:xfrm>
+          <a:prstGeom prst="rect">
+            <a:avLst/>
+          </a:prstGeom>
+        </p:spPr>
+        <p:txBody>
+          <a:bodyPr spcFirstLastPara="1" wrap="square" lIns="91425" tIns="91425" rIns="91425" bIns="91425" anchor="t" anchorCtr="0">
+            <a:noAutofit/>
+          </a:bodyPr>
+          <a:lstStyle/>
+          <a:p>
+            <a:pPr algn="just"/>
+            <a:r>
+              <a:rPr lang="ru-RU" b="1" dirty="0">
+                <a:solidFill>
+                  <a:schemeClr val="tx1"/>
+                </a:solidFill>
+              </a:rPr>
+              <a:t>Дополнительный слайд №4. Примеры анализа текстов других жанров</a:t>
+            </a:r>
+          </a:p>
+        </p:txBody>
+      </p:sp>
+      <p:sp>
+        <p:nvSpPr>
+          <p:cNvPr id="69" name="Google Shape;69;p15"/>
+          <p:cNvSpPr txBox="1">
+            <a:spLocks noGrp="1"/>
+          </p:cNvSpPr>
+          <p:nvPr>
+            <p:ph type="sldNum" idx="12"/>
+          </p:nvPr>
+        </p:nvSpPr>
+        <p:spPr>
+          <a:xfrm>
+            <a:off x="8472458" y="6217622"/>
+            <a:ext cx="548700" cy="524700"/>
+          </a:xfrm>
+          <a:prstGeom prst="rect">
+            <a:avLst/>
+          </a:prstGeom>
+        </p:spPr>
+        <p:txBody>
+          <a:bodyPr spcFirstLastPara="1" wrap="square" lIns="91425" tIns="91425" rIns="91425" bIns="91425" anchor="ctr" anchorCtr="0">
+            <a:noAutofit/>
+          </a:bodyPr>
+          <a:lstStyle/>
+          <a:p>
+            <a:pPr marL="0" lvl="0" indent="0" algn="r" rtl="0">
+              <a:spcBef>
+                <a:spcPts val="0"/>
+              </a:spcBef>
+              <a:spcAft>
+                <a:spcPts val="0"/>
+              </a:spcAft>
+              <a:buNone/>
+            </a:pPr>
+            <a:fld id="{00000000-1234-1234-1234-123412341234}" type="slidenum">
+              <a:rPr lang="en"/>
+              <a:t>19</a:t>
             </a:fld>
             <a:endParaRPr/>
           </a:p>
@@ -12749,7 +12620,7 @@
           <a:graphicData uri="http://schemas.openxmlformats.org/presentationml/2006/ole">
             <mc:AlternateContent xmlns:mc="http://schemas.openxmlformats.org/markup-compatibility/2006">
               <mc:Choice xmlns:v="urn:schemas-microsoft-com:vml" Requires="v">
-                <p:oleObj spid="_x0000_s4225" name="Equation" r:id="rId4" imgW="152334" imgH="139639" progId="Equation.DSMT4">
+                <p:oleObj spid="_x0000_s4285" name="Equation" r:id="rId4" imgW="152334" imgH="139639" progId="Equation.DSMT4">
                   <p:embed/>
                 </p:oleObj>
               </mc:Choice>
@@ -12822,7 +12693,7 @@
           <a:graphicData uri="http://schemas.openxmlformats.org/presentationml/2006/ole">
             <mc:AlternateContent xmlns:mc="http://schemas.openxmlformats.org/markup-compatibility/2006">
               <mc:Choice xmlns:v="urn:schemas-microsoft-com:vml" Requires="v">
-                <p:oleObj spid="_x0000_s4226" name="Equation" r:id="rId6" imgW="660113" imgH="253890" progId="Equation.DSMT4">
+                <p:oleObj spid="_x0000_s4286" name="Equation" r:id="rId6" imgW="660113" imgH="253890" progId="Equation.DSMT4">
                   <p:embed/>
                 </p:oleObj>
               </mc:Choice>
@@ -12895,7 +12766,7 @@
           <a:graphicData uri="http://schemas.openxmlformats.org/presentationml/2006/ole">
             <mc:AlternateContent xmlns:mc="http://schemas.openxmlformats.org/markup-compatibility/2006">
               <mc:Choice xmlns:v="urn:schemas-microsoft-com:vml" Requires="v">
-                <p:oleObj spid="_x0000_s4227" name="Equation" r:id="rId8" imgW="152268" imgH="203024" progId="Equation.DSMT4">
+                <p:oleObj spid="_x0000_s4287" name="Equation" r:id="rId8" imgW="152268" imgH="203024" progId="Equation.DSMT4">
                   <p:embed/>
                 </p:oleObj>
               </mc:Choice>
@@ -12968,7 +12839,7 @@
           <a:graphicData uri="http://schemas.openxmlformats.org/presentationml/2006/ole">
             <mc:AlternateContent xmlns:mc="http://schemas.openxmlformats.org/markup-compatibility/2006">
               <mc:Choice xmlns:v="urn:schemas-microsoft-com:vml" Requires="v">
-                <p:oleObj spid="_x0000_s4228" name="Equation" r:id="rId10" imgW="736280" imgH="253890" progId="Equation.DSMT4">
+                <p:oleObj spid="_x0000_s4288" name="Equation" r:id="rId10" imgW="736280" imgH="253890" progId="Equation.DSMT4">
                   <p:embed/>
                 </p:oleObj>
               </mc:Choice>
@@ -13041,7 +12912,7 @@
           <a:graphicData uri="http://schemas.openxmlformats.org/presentationml/2006/ole">
             <mc:AlternateContent xmlns:mc="http://schemas.openxmlformats.org/markup-compatibility/2006">
               <mc:Choice xmlns:v="urn:schemas-microsoft-com:vml" Requires="v">
-                <p:oleObj spid="_x0000_s4229" name="Equation" r:id="rId12" imgW="139579" imgH="177646" progId="Equation.DSMT4">
+                <p:oleObj spid="_x0000_s4289" name="Equation" r:id="rId12" imgW="139579" imgH="177646" progId="Equation.DSMT4">
                   <p:embed/>
                 </p:oleObj>
               </mc:Choice>
@@ -13114,7 +12985,7 @@
           <a:graphicData uri="http://schemas.openxmlformats.org/presentationml/2006/ole">
             <mc:AlternateContent xmlns:mc="http://schemas.openxmlformats.org/markup-compatibility/2006">
               <mc:Choice xmlns:v="urn:schemas-microsoft-com:vml" Requires="v">
-                <p:oleObj spid="_x0000_s4230" name="Equation" r:id="rId14" imgW="850531" imgH="253890" progId="Equation.DSMT4">
+                <p:oleObj spid="_x0000_s4290" name="Equation" r:id="rId14" imgW="850531" imgH="253890" progId="Equation.DSMT4">
                   <p:embed/>
                 </p:oleObj>
               </mc:Choice>
@@ -13172,294 +13043,6 @@
 </p:sld>
 </file>
 
-<file path=ppt/slides/slide19.xml><?xml version="1.0" encoding="utf-8"?>
-<p:sld xmlns:a="http://schemas.openxmlformats.org/drawingml/2006/main" xmlns:r="http://schemas.openxmlformats.org/officeDocument/2006/relationships" xmlns:p="http://schemas.openxmlformats.org/presentationml/2006/main">
-  <p:cSld>
-    <p:spTree>
-      <p:nvGrpSpPr>
-        <p:cNvPr id="1" name="Shape 67"/>
-        <p:cNvGrpSpPr/>
-        <p:nvPr/>
-      </p:nvGrpSpPr>
-      <p:grpSpPr>
-        <a:xfrm>
-          <a:off x="0" y="0"/>
-          <a:ext cx="0" cy="0"/>
-          <a:chOff x="0" y="0"/>
-          <a:chExt cx="0" cy="0"/>
-        </a:xfrm>
-      </p:grpSpPr>
-      <p:sp>
-        <p:nvSpPr>
-          <p:cNvPr id="68" name="Google Shape;68;p15"/>
-          <p:cNvSpPr txBox="1">
-            <a:spLocks noGrp="1"/>
-          </p:cNvSpPr>
-          <p:nvPr>
-            <p:ph type="title"/>
-          </p:nvPr>
-        </p:nvSpPr>
-        <p:spPr>
-          <a:xfrm>
-            <a:off x="311700" y="287868"/>
-            <a:ext cx="8709458" cy="999066"/>
-          </a:xfrm>
-          <a:prstGeom prst="rect">
-            <a:avLst/>
-          </a:prstGeom>
-        </p:spPr>
-        <p:txBody>
-          <a:bodyPr spcFirstLastPara="1" wrap="square" lIns="91425" tIns="91425" rIns="91425" bIns="91425" anchor="t" anchorCtr="0">
-            <a:noAutofit/>
-          </a:bodyPr>
-          <a:lstStyle/>
-          <a:p>
-            <a:pPr algn="just"/>
-            <a:r>
-              <a:rPr lang="ru-RU" b="1" dirty="0">
-                <a:solidFill>
-                  <a:schemeClr val="tx1"/>
-                </a:solidFill>
-              </a:rPr>
-              <a:t>Дополнительный слайд №3. Проверяемые ошибки</a:t>
-            </a:r>
-          </a:p>
-        </p:txBody>
-      </p:sp>
-      <p:sp>
-        <p:nvSpPr>
-          <p:cNvPr id="69" name="Google Shape;69;p15"/>
-          <p:cNvSpPr txBox="1">
-            <a:spLocks noGrp="1"/>
-          </p:cNvSpPr>
-          <p:nvPr>
-            <p:ph type="sldNum" idx="12"/>
-          </p:nvPr>
-        </p:nvSpPr>
-        <p:spPr>
-          <a:xfrm>
-            <a:off x="8472458" y="6217622"/>
-            <a:ext cx="548700" cy="524700"/>
-          </a:xfrm>
-          <a:prstGeom prst="rect">
-            <a:avLst/>
-          </a:prstGeom>
-        </p:spPr>
-        <p:txBody>
-          <a:bodyPr spcFirstLastPara="1" wrap="square" lIns="91425" tIns="91425" rIns="91425" bIns="91425" anchor="ctr" anchorCtr="0">
-            <a:noAutofit/>
-          </a:bodyPr>
-          <a:lstStyle/>
-          <a:p>
-            <a:pPr marL="0" lvl="0" indent="0" algn="r" rtl="0">
-              <a:spcBef>
-                <a:spcPts val="0"/>
-              </a:spcBef>
-              <a:spcAft>
-                <a:spcPts val="0"/>
-              </a:spcAft>
-              <a:buNone/>
-            </a:pPr>
-            <a:fld id="{00000000-1234-1234-1234-123412341234}" type="slidenum">
-              <a:rPr lang="en"/>
-              <a:t>19</a:t>
-            </a:fld>
-            <a:endParaRPr/>
-          </a:p>
-        </p:txBody>
-      </p:sp>
-      <p:sp>
-        <p:nvSpPr>
-          <p:cNvPr id="71" name="Google Shape;71;p15"/>
-          <p:cNvSpPr txBox="1"/>
-          <p:nvPr/>
-        </p:nvSpPr>
-        <p:spPr>
-          <a:xfrm>
-            <a:off x="163609" y="1134533"/>
-            <a:ext cx="8709458" cy="5607790"/>
-          </a:xfrm>
-          <a:prstGeom prst="rect">
-            <a:avLst/>
-          </a:prstGeom>
-          <a:noFill/>
-          <a:ln>
-            <a:noFill/>
-          </a:ln>
-        </p:spPr>
-        <p:txBody>
-          <a:bodyPr spcFirstLastPara="1" wrap="square" lIns="91425" tIns="91425" rIns="91425" bIns="91425" anchor="t" anchorCtr="0">
-            <a:noAutofit/>
-          </a:bodyPr>
-          <a:lstStyle/>
-          <a:p>
-            <a:pPr lvl="0"/>
-            <a:r>
-              <a:rPr lang="ru-RU" sz="2400" dirty="0"/>
-              <a:t>Стилистические:</a:t>
-            </a:r>
-          </a:p>
-          <a:p>
-            <a:pPr marL="285750" lvl="0" indent="-285750">
-              <a:buFont typeface="Arial" panose="020B0604020202020204" pitchFamily="34" charset="0"/>
-              <a:buChar char="•"/>
-            </a:pPr>
-            <a:r>
-              <a:rPr lang="ru-RU" sz="2400" dirty="0"/>
-              <a:t>Использование личных местоимений</a:t>
-            </a:r>
-            <a:r>
-              <a:rPr lang="en-US" sz="2400" dirty="0"/>
-              <a:t>;</a:t>
-            </a:r>
-          </a:p>
-          <a:p>
-            <a:pPr marL="285750" lvl="0" indent="-285750">
-              <a:buFont typeface="Arial" panose="020B0604020202020204" pitchFamily="34" charset="0"/>
-              <a:buChar char="•"/>
-            </a:pPr>
-            <a:r>
-              <a:rPr lang="ru-RU" sz="2400" dirty="0"/>
-              <a:t>Использование обобщений</a:t>
-            </a:r>
-            <a:r>
-              <a:rPr lang="en-US" sz="2400" dirty="0"/>
-              <a:t>;</a:t>
-            </a:r>
-          </a:p>
-          <a:p>
-            <a:pPr marL="285750" lvl="0" indent="-285750">
-              <a:buFont typeface="Arial" panose="020B0604020202020204" pitchFamily="34" charset="0"/>
-              <a:buChar char="•"/>
-            </a:pPr>
-            <a:r>
-              <a:rPr lang="ru-RU" sz="2400" dirty="0"/>
-              <a:t>Необъективная оценка</a:t>
-            </a:r>
-            <a:r>
-              <a:rPr lang="en-US" sz="2400" dirty="0"/>
-              <a:t>;</a:t>
-            </a:r>
-          </a:p>
-          <a:p>
-            <a:pPr marL="285750" lvl="0" indent="-285750">
-              <a:buFont typeface="Arial" panose="020B0604020202020204" pitchFamily="34" charset="0"/>
-              <a:buChar char="•"/>
-            </a:pPr>
-            <a:r>
-              <a:rPr lang="ru-RU" sz="2400" dirty="0"/>
-              <a:t>Использование усилителей</a:t>
-            </a:r>
-            <a:r>
-              <a:rPr lang="en-US" sz="2400" dirty="0"/>
-              <a:t>;</a:t>
-            </a:r>
-          </a:p>
-          <a:p>
-            <a:pPr marL="285750" lvl="0" indent="-285750">
-              <a:buFont typeface="Arial" panose="020B0604020202020204" pitchFamily="34" charset="0"/>
-              <a:buChar char="•"/>
-            </a:pPr>
-            <a:r>
-              <a:rPr lang="ru-RU" sz="2400" dirty="0"/>
-              <a:t>Использование риторических вопросов.</a:t>
-            </a:r>
-          </a:p>
-          <a:p>
-            <a:pPr marL="285750" lvl="0" indent="-285750">
-              <a:buFont typeface="Arial" panose="020B0604020202020204" pitchFamily="34" charset="0"/>
-              <a:buChar char="•"/>
-            </a:pPr>
-            <a:endParaRPr lang="en-US" sz="2400" dirty="0"/>
-          </a:p>
-          <a:p>
-            <a:pPr lvl="0" algn="just"/>
-            <a:r>
-              <a:rPr lang="ru-RU" sz="2400" dirty="0"/>
-              <a:t>Структурные:</a:t>
-            </a:r>
-          </a:p>
-          <a:p>
-            <a:pPr marL="285750" lvl="0" indent="-285750">
-              <a:buFont typeface="Arial" panose="020B0604020202020204" pitchFamily="34" charset="0"/>
-              <a:buChar char="•"/>
-            </a:pPr>
-            <a:r>
-              <a:rPr lang="ru-RU" sz="2400" dirty="0"/>
-              <a:t>Отсутствие ссылки на указанный источник;</a:t>
-            </a:r>
-            <a:endParaRPr lang="en-US" sz="2400" dirty="0"/>
-          </a:p>
-          <a:p>
-            <a:pPr marL="285750" lvl="0" indent="-285750">
-              <a:buFont typeface="Arial" panose="020B0604020202020204" pitchFamily="34" charset="0"/>
-              <a:buChar char="•"/>
-            </a:pPr>
-            <a:r>
-              <a:rPr lang="ru-RU" sz="2400" dirty="0"/>
-              <a:t>Использование устаревшего источника;</a:t>
-            </a:r>
-            <a:endParaRPr lang="en-US" sz="2400" dirty="0"/>
-          </a:p>
-          <a:p>
-            <a:pPr marL="285750" lvl="0" indent="-285750">
-              <a:buFont typeface="Arial" panose="020B0604020202020204" pitchFamily="34" charset="0"/>
-              <a:buChar char="•"/>
-            </a:pPr>
-            <a:r>
-              <a:rPr lang="ru-RU" sz="2400" dirty="0"/>
-              <a:t>Отсутствие ссылки на рисунок;</a:t>
-            </a:r>
-            <a:endParaRPr lang="en-US" sz="2400" dirty="0"/>
-          </a:p>
-          <a:p>
-            <a:pPr marL="285750" lvl="0" indent="-285750">
-              <a:buFont typeface="Arial" panose="020B0604020202020204" pitchFamily="34" charset="0"/>
-              <a:buChar char="•"/>
-            </a:pPr>
-            <a:r>
-              <a:rPr lang="ru-RU" sz="2400" dirty="0"/>
-              <a:t>Отсутствие ссылки на таблицу;</a:t>
-            </a:r>
-            <a:endParaRPr lang="en-US" sz="2400" dirty="0"/>
-          </a:p>
-          <a:p>
-            <a:pPr marL="285750" lvl="0" indent="-285750">
-              <a:buFont typeface="Arial" panose="020B0604020202020204" pitchFamily="34" charset="0"/>
-              <a:buChar char="•"/>
-            </a:pPr>
-            <a:r>
-              <a:rPr lang="ru-RU" sz="2400" dirty="0"/>
-              <a:t>Наличие коротких разделов – разделов, состоящих менее чем из трёх предложений.</a:t>
-            </a:r>
-            <a:endParaRPr lang="en-US" sz="2400" dirty="0"/>
-          </a:p>
-          <a:p>
-            <a:pPr marL="285750" lvl="0" indent="-285750">
-              <a:buFont typeface="Arial" panose="020B0604020202020204" pitchFamily="34" charset="0"/>
-              <a:buChar char="•"/>
-            </a:pPr>
-            <a:r>
-              <a:rPr lang="ru-RU" sz="2400" dirty="0"/>
-              <a:t>Использование указанных ключевых слов в тексте.</a:t>
-            </a:r>
-            <a:endParaRPr lang="en-US" sz="2400" dirty="0"/>
-          </a:p>
-        </p:txBody>
-      </p:sp>
-    </p:spTree>
-    <p:extLst>
-      <p:ext uri="{BB962C8B-B14F-4D97-AF65-F5344CB8AC3E}">
-        <p14:creationId xmlns:p14="http://schemas.microsoft.com/office/powerpoint/2010/main" val="1688958172"/>
-      </p:ext>
-    </p:extLst>
-  </p:cSld>
-  <p:clrMapOvr>
-    <a:masterClrMapping/>
-  </p:clrMapOvr>
-</p:sld>
-</file>
-
 <file path=ppt/slides/slide2.xml><?xml version="1.0" encoding="utf-8"?>
 <p:sld xmlns:a="http://schemas.openxmlformats.org/drawingml/2006/main" xmlns:r="http://schemas.openxmlformats.org/officeDocument/2006/relationships" xmlns:p="http://schemas.openxmlformats.org/presentationml/2006/main">
   <p:cSld>
@@ -13623,7 +13206,7 @@
                   <a:schemeClr val="tx1"/>
                 </a:solidFill>
               </a:rPr>
-              <a:t>, для которого необходима частичная автоматизация проверки статей</a:t>
+              <a:t>, для которого необходима частичная автоматизация проверки статей.</a:t>
             </a:r>
           </a:p>
           <a:p>
@@ -13741,7 +13324,7 @@
                   <a:schemeClr val="tx1"/>
                 </a:solidFill>
               </a:rPr>
-              <a:t>Дополнительный слайд №4. Экран настройки анализа</a:t>
+              <a:t>Дополнительный слайд №5. Проверяемые ошибки</a:t>
             </a:r>
           </a:p>
         </p:txBody>
@@ -13783,6 +13366,294 @@
             <a:fld id="{00000000-1234-1234-1234-123412341234}" type="slidenum">
               <a:rPr lang="en"/>
               <a:t>20</a:t>
+            </a:fld>
+            <a:endParaRPr/>
+          </a:p>
+        </p:txBody>
+      </p:sp>
+      <p:sp>
+        <p:nvSpPr>
+          <p:cNvPr id="71" name="Google Shape;71;p15"/>
+          <p:cNvSpPr txBox="1"/>
+          <p:nvPr/>
+        </p:nvSpPr>
+        <p:spPr>
+          <a:xfrm>
+            <a:off x="163609" y="1134533"/>
+            <a:ext cx="8709458" cy="5607790"/>
+          </a:xfrm>
+          <a:prstGeom prst="rect">
+            <a:avLst/>
+          </a:prstGeom>
+          <a:noFill/>
+          <a:ln>
+            <a:noFill/>
+          </a:ln>
+        </p:spPr>
+        <p:txBody>
+          <a:bodyPr spcFirstLastPara="1" wrap="square" lIns="91425" tIns="91425" rIns="91425" bIns="91425" anchor="t" anchorCtr="0">
+            <a:noAutofit/>
+          </a:bodyPr>
+          <a:lstStyle/>
+          <a:p>
+            <a:pPr lvl="0"/>
+            <a:r>
+              <a:rPr lang="ru-RU" sz="2400" dirty="0"/>
+              <a:t>Стилистические:</a:t>
+            </a:r>
+          </a:p>
+          <a:p>
+            <a:pPr marL="285750" lvl="0" indent="-285750">
+              <a:buFont typeface="Arial" panose="020B0604020202020204" pitchFamily="34" charset="0"/>
+              <a:buChar char="•"/>
+            </a:pPr>
+            <a:r>
+              <a:rPr lang="ru-RU" sz="2400" dirty="0"/>
+              <a:t>Использование личных местоимений</a:t>
+            </a:r>
+            <a:r>
+              <a:rPr lang="en-US" sz="2400" dirty="0"/>
+              <a:t>;</a:t>
+            </a:r>
+          </a:p>
+          <a:p>
+            <a:pPr marL="285750" lvl="0" indent="-285750">
+              <a:buFont typeface="Arial" panose="020B0604020202020204" pitchFamily="34" charset="0"/>
+              <a:buChar char="•"/>
+            </a:pPr>
+            <a:r>
+              <a:rPr lang="ru-RU" sz="2400" dirty="0"/>
+              <a:t>Использование обобщений</a:t>
+            </a:r>
+            <a:r>
+              <a:rPr lang="en-US" sz="2400" dirty="0"/>
+              <a:t>;</a:t>
+            </a:r>
+          </a:p>
+          <a:p>
+            <a:pPr marL="285750" lvl="0" indent="-285750">
+              <a:buFont typeface="Arial" panose="020B0604020202020204" pitchFamily="34" charset="0"/>
+              <a:buChar char="•"/>
+            </a:pPr>
+            <a:r>
+              <a:rPr lang="ru-RU" sz="2400" dirty="0"/>
+              <a:t>Необъективная оценка</a:t>
+            </a:r>
+            <a:r>
+              <a:rPr lang="en-US" sz="2400" dirty="0"/>
+              <a:t>;</a:t>
+            </a:r>
+          </a:p>
+          <a:p>
+            <a:pPr marL="285750" lvl="0" indent="-285750">
+              <a:buFont typeface="Arial" panose="020B0604020202020204" pitchFamily="34" charset="0"/>
+              <a:buChar char="•"/>
+            </a:pPr>
+            <a:r>
+              <a:rPr lang="ru-RU" sz="2400" dirty="0"/>
+              <a:t>Использование усилителей</a:t>
+            </a:r>
+            <a:r>
+              <a:rPr lang="en-US" sz="2400" dirty="0"/>
+              <a:t>;</a:t>
+            </a:r>
+          </a:p>
+          <a:p>
+            <a:pPr marL="285750" lvl="0" indent="-285750">
+              <a:buFont typeface="Arial" panose="020B0604020202020204" pitchFamily="34" charset="0"/>
+              <a:buChar char="•"/>
+            </a:pPr>
+            <a:r>
+              <a:rPr lang="ru-RU" sz="2400" dirty="0"/>
+              <a:t>Использование риторических вопросов.</a:t>
+            </a:r>
+          </a:p>
+          <a:p>
+            <a:pPr marL="285750" lvl="0" indent="-285750">
+              <a:buFont typeface="Arial" panose="020B0604020202020204" pitchFamily="34" charset="0"/>
+              <a:buChar char="•"/>
+            </a:pPr>
+            <a:endParaRPr lang="en-US" sz="2400" dirty="0"/>
+          </a:p>
+          <a:p>
+            <a:pPr lvl="0" algn="just"/>
+            <a:r>
+              <a:rPr lang="ru-RU" sz="2400" dirty="0"/>
+              <a:t>Структурные:</a:t>
+            </a:r>
+          </a:p>
+          <a:p>
+            <a:pPr marL="285750" lvl="0" indent="-285750">
+              <a:buFont typeface="Arial" panose="020B0604020202020204" pitchFamily="34" charset="0"/>
+              <a:buChar char="•"/>
+            </a:pPr>
+            <a:r>
+              <a:rPr lang="ru-RU" sz="2400" dirty="0"/>
+              <a:t>Отсутствие ссылки на указанный источник;</a:t>
+            </a:r>
+            <a:endParaRPr lang="en-US" sz="2400" dirty="0"/>
+          </a:p>
+          <a:p>
+            <a:pPr marL="285750" lvl="0" indent="-285750">
+              <a:buFont typeface="Arial" panose="020B0604020202020204" pitchFamily="34" charset="0"/>
+              <a:buChar char="•"/>
+            </a:pPr>
+            <a:r>
+              <a:rPr lang="ru-RU" sz="2400" dirty="0"/>
+              <a:t>Использование устаревшего источника;</a:t>
+            </a:r>
+            <a:endParaRPr lang="en-US" sz="2400" dirty="0"/>
+          </a:p>
+          <a:p>
+            <a:pPr marL="285750" lvl="0" indent="-285750">
+              <a:buFont typeface="Arial" panose="020B0604020202020204" pitchFamily="34" charset="0"/>
+              <a:buChar char="•"/>
+            </a:pPr>
+            <a:r>
+              <a:rPr lang="ru-RU" sz="2400" dirty="0"/>
+              <a:t>Отсутствие ссылки на рисунок;</a:t>
+            </a:r>
+            <a:endParaRPr lang="en-US" sz="2400" dirty="0"/>
+          </a:p>
+          <a:p>
+            <a:pPr marL="285750" lvl="0" indent="-285750">
+              <a:buFont typeface="Arial" panose="020B0604020202020204" pitchFamily="34" charset="0"/>
+              <a:buChar char="•"/>
+            </a:pPr>
+            <a:r>
+              <a:rPr lang="ru-RU" sz="2400" dirty="0"/>
+              <a:t>Отсутствие ссылки на таблицу;</a:t>
+            </a:r>
+            <a:endParaRPr lang="en-US" sz="2400" dirty="0"/>
+          </a:p>
+          <a:p>
+            <a:pPr marL="285750" lvl="0" indent="-285750">
+              <a:buFont typeface="Arial" panose="020B0604020202020204" pitchFamily="34" charset="0"/>
+              <a:buChar char="•"/>
+            </a:pPr>
+            <a:r>
+              <a:rPr lang="ru-RU" sz="2400" dirty="0"/>
+              <a:t>Наличие коротких разделов – разделов, состоящих менее чем из трёх предложений.</a:t>
+            </a:r>
+            <a:endParaRPr lang="en-US" sz="2400" dirty="0"/>
+          </a:p>
+          <a:p>
+            <a:pPr marL="285750" lvl="0" indent="-285750">
+              <a:buFont typeface="Arial" panose="020B0604020202020204" pitchFamily="34" charset="0"/>
+              <a:buChar char="•"/>
+            </a:pPr>
+            <a:r>
+              <a:rPr lang="ru-RU" sz="2400" dirty="0"/>
+              <a:t>Использование указанных ключевых слов в тексте.</a:t>
+            </a:r>
+            <a:endParaRPr lang="en-US" sz="2400" dirty="0"/>
+          </a:p>
+        </p:txBody>
+      </p:sp>
+    </p:spTree>
+    <p:extLst>
+      <p:ext uri="{BB962C8B-B14F-4D97-AF65-F5344CB8AC3E}">
+        <p14:creationId xmlns:p14="http://schemas.microsoft.com/office/powerpoint/2010/main" val="1688958172"/>
+      </p:ext>
+    </p:extLst>
+  </p:cSld>
+  <p:clrMapOvr>
+    <a:masterClrMapping/>
+  </p:clrMapOvr>
+</p:sld>
+</file>
+
+<file path=ppt/slides/slide21.xml><?xml version="1.0" encoding="utf-8"?>
+<p:sld xmlns:a="http://schemas.openxmlformats.org/drawingml/2006/main" xmlns:r="http://schemas.openxmlformats.org/officeDocument/2006/relationships" xmlns:p="http://schemas.openxmlformats.org/presentationml/2006/main">
+  <p:cSld>
+    <p:spTree>
+      <p:nvGrpSpPr>
+        <p:cNvPr id="1" name="Shape 67"/>
+        <p:cNvGrpSpPr/>
+        <p:nvPr/>
+      </p:nvGrpSpPr>
+      <p:grpSpPr>
+        <a:xfrm>
+          <a:off x="0" y="0"/>
+          <a:ext cx="0" cy="0"/>
+          <a:chOff x="0" y="0"/>
+          <a:chExt cx="0" cy="0"/>
+        </a:xfrm>
+      </p:grpSpPr>
+      <p:sp>
+        <p:nvSpPr>
+          <p:cNvPr id="68" name="Google Shape;68;p15"/>
+          <p:cNvSpPr txBox="1">
+            <a:spLocks noGrp="1"/>
+          </p:cNvSpPr>
+          <p:nvPr>
+            <p:ph type="title"/>
+          </p:nvPr>
+        </p:nvSpPr>
+        <p:spPr>
+          <a:xfrm>
+            <a:off x="311700" y="287868"/>
+            <a:ext cx="8709458" cy="999066"/>
+          </a:xfrm>
+          <a:prstGeom prst="rect">
+            <a:avLst/>
+          </a:prstGeom>
+        </p:spPr>
+        <p:txBody>
+          <a:bodyPr spcFirstLastPara="1" wrap="square" lIns="91425" tIns="91425" rIns="91425" bIns="91425" anchor="t" anchorCtr="0">
+            <a:noAutofit/>
+          </a:bodyPr>
+          <a:lstStyle/>
+          <a:p>
+            <a:pPr algn="just"/>
+            <a:r>
+              <a:rPr lang="ru-RU" b="1" dirty="0">
+                <a:solidFill>
+                  <a:schemeClr val="tx1"/>
+                </a:solidFill>
+              </a:rPr>
+              <a:t>Дополнительный слайд №6. Экран настройки анализа</a:t>
+            </a:r>
+          </a:p>
+        </p:txBody>
+      </p:sp>
+      <p:sp>
+        <p:nvSpPr>
+          <p:cNvPr id="69" name="Google Shape;69;p15"/>
+          <p:cNvSpPr txBox="1">
+            <a:spLocks noGrp="1"/>
+          </p:cNvSpPr>
+          <p:nvPr>
+            <p:ph type="sldNum" idx="12"/>
+          </p:nvPr>
+        </p:nvSpPr>
+        <p:spPr>
+          <a:xfrm>
+            <a:off x="8472458" y="6217622"/>
+            <a:ext cx="548700" cy="524700"/>
+          </a:xfrm>
+          <a:prstGeom prst="rect">
+            <a:avLst/>
+          </a:prstGeom>
+        </p:spPr>
+        <p:txBody>
+          <a:bodyPr spcFirstLastPara="1" wrap="square" lIns="91425" tIns="91425" rIns="91425" bIns="91425" anchor="ctr" anchorCtr="0">
+            <a:noAutofit/>
+          </a:bodyPr>
+          <a:lstStyle/>
+          <a:p>
+            <a:pPr marL="0" lvl="0" indent="0" algn="r" rtl="0">
+              <a:spcBef>
+                <a:spcPts val="0"/>
+              </a:spcBef>
+              <a:spcAft>
+                <a:spcPts val="0"/>
+              </a:spcAft>
+              <a:buNone/>
+            </a:pPr>
+            <a:fld id="{00000000-1234-1234-1234-123412341234}" type="slidenum">
+              <a:rPr lang="en"/>
+              <a:t>21</a:t>
             </a:fld>
             <a:endParaRPr/>
           </a:p>
@@ -13861,7 +13732,7 @@
 </p:sld>
 </file>
 
-<file path=ppt/slides/slide21.xml><?xml version="1.0" encoding="utf-8"?>
+<file path=ppt/slides/slide22.xml><?xml version="1.0" encoding="utf-8"?>
 <p:sld xmlns:a="http://schemas.openxmlformats.org/drawingml/2006/main" xmlns:r="http://schemas.openxmlformats.org/officeDocument/2006/relationships" xmlns:p="http://schemas.openxmlformats.org/presentationml/2006/main">
   <p:cSld>
     <p:spTree>
@@ -13910,7 +13781,7 @@
                   <a:schemeClr val="tx1"/>
                 </a:solidFill>
               </a:rPr>
-              <a:t>Дополнительный слайд №5. Экран результата анализа статьи</a:t>
+              <a:t>Дополнительный слайд №7. Экран результата анализа статьи</a:t>
             </a:r>
           </a:p>
         </p:txBody>
@@ -13951,7 +13822,7 @@
             </a:pPr>
             <a:fld id="{00000000-1234-1234-1234-123412341234}" type="slidenum">
               <a:rPr lang="en"/>
-              <a:t>21</a:t>
+              <a:t>22</a:t>
             </a:fld>
             <a:endParaRPr/>
           </a:p>
@@ -14030,7 +13901,7 @@
 </p:sld>
 </file>
 
-<file path=ppt/slides/slide22.xml><?xml version="1.0" encoding="utf-8"?>
+<file path=ppt/slides/slide23.xml><?xml version="1.0" encoding="utf-8"?>
 <p:sld xmlns:a="http://schemas.openxmlformats.org/drawingml/2006/main" xmlns:r="http://schemas.openxmlformats.org/officeDocument/2006/relationships" xmlns:p="http://schemas.openxmlformats.org/presentationml/2006/main">
   <p:cSld>
     <p:spTree>
@@ -14079,7 +13950,7 @@
                   <a:schemeClr val="tx1"/>
                 </a:solidFill>
               </a:rPr>
-              <a:t>Дополнительный слайд №6. Пример отображения критерия проверки</a:t>
+              <a:t>Дополнительный слайд №8. Пример отображения критерия проверки</a:t>
             </a:r>
           </a:p>
         </p:txBody>
@@ -14120,7 +13991,7 @@
             </a:pPr>
             <a:fld id="{00000000-1234-1234-1234-123412341234}" type="slidenum">
               <a:rPr lang="en"/>
-              <a:t>22</a:t>
+              <a:t>23</a:t>
             </a:fld>
             <a:endParaRPr/>
           </a:p>
@@ -14199,7 +14070,7 @@
 </p:sld>
 </file>
 
-<file path=ppt/slides/slide23.xml><?xml version="1.0" encoding="utf-8"?>
+<file path=ppt/slides/slide24.xml><?xml version="1.0" encoding="utf-8"?>
 <p:sld xmlns:a="http://schemas.openxmlformats.org/drawingml/2006/main" xmlns:r="http://schemas.openxmlformats.org/officeDocument/2006/relationships" xmlns:p="http://schemas.openxmlformats.org/presentationml/2006/main">
   <p:cSld>
     <p:spTree>
@@ -14248,7 +14119,7 @@
                   <a:schemeClr val="tx1"/>
                 </a:solidFill>
               </a:rPr>
-              <a:t>Дополнительный слайд №7. Пример отображения ошибки</a:t>
+              <a:t>Дополнительный слайд №9. Пример отображения ошибки</a:t>
             </a:r>
           </a:p>
         </p:txBody>
@@ -14289,7 +14160,7 @@
             </a:pPr>
             <a:fld id="{00000000-1234-1234-1234-123412341234}" type="slidenum">
               <a:rPr lang="en"/>
-              <a:t>23</a:t>
+              <a:t>24</a:t>
             </a:fld>
             <a:endParaRPr/>
           </a:p>
@@ -14368,7 +14239,7 @@
 </p:sld>
 </file>
 
-<file path=ppt/slides/slide24.xml><?xml version="1.0" encoding="utf-8"?>
+<file path=ppt/slides/slide25.xml><?xml version="1.0" encoding="utf-8"?>
 <p:sld xmlns:a="http://schemas.openxmlformats.org/drawingml/2006/main" xmlns:r="http://schemas.openxmlformats.org/officeDocument/2006/relationships" xmlns:p="http://schemas.openxmlformats.org/presentationml/2006/main">
   <p:cSld>
     <p:spTree>
@@ -14417,7 +14288,7 @@
                   <a:schemeClr val="tx1"/>
                 </a:solidFill>
               </a:rPr>
-              <a:t>Дополнительный слайд №8. Пример отображения выделения типа ошибки по слову</a:t>
+              <a:t>Дополнительный слайд №10. Пример отображения выделения типа ошибки по слову</a:t>
             </a:r>
           </a:p>
         </p:txBody>
@@ -14458,7 +14329,7 @@
             </a:pPr>
             <a:fld id="{00000000-1234-1234-1234-123412341234}" type="slidenum">
               <a:rPr lang="en"/>
-              <a:t>24</a:t>
+              <a:t>25</a:t>
             </a:fld>
             <a:endParaRPr/>
           </a:p>
@@ -14537,7 +14408,7 @@
 </p:sld>
 </file>
 
-<file path=ppt/slides/slide25.xml><?xml version="1.0" encoding="utf-8"?>
+<file path=ppt/slides/slide26.xml><?xml version="1.0" encoding="utf-8"?>
 <p:sld xmlns:a="http://schemas.openxmlformats.org/drawingml/2006/main" xmlns:r="http://schemas.openxmlformats.org/officeDocument/2006/relationships" xmlns:p="http://schemas.openxmlformats.org/presentationml/2006/main">
   <p:cSld>
     <p:spTree>
@@ -14586,7 +14457,7 @@
                   <a:schemeClr val="tx1"/>
                 </a:solidFill>
               </a:rPr>
-              <a:t>Дополнительный слайд №9. Полученные значения      по выборке</a:t>
+              <a:t>Дополнительный слайд №11. Полученные значения      по выборке</a:t>
             </a:r>
           </a:p>
         </p:txBody>
@@ -14627,7 +14498,7 @@
             </a:pPr>
             <a:fld id="{00000000-1234-1234-1234-123412341234}" type="slidenum">
               <a:rPr lang="en"/>
-              <a:t>25</a:t>
+              <a:t>26</a:t>
             </a:fld>
             <a:endParaRPr/>
           </a:p>
@@ -14965,7 +14836,7 @@
           <a:graphicData uri="http://schemas.openxmlformats.org/presentationml/2006/ole">
             <mc:AlternateContent xmlns:mc="http://schemas.openxmlformats.org/markup-compatibility/2006">
               <mc:Choice xmlns:v="urn:schemas-microsoft-com:vml" Requires="v">
-                <p:oleObj spid="_x0000_s11283" name="Equation" r:id="rId5" imgW="152334" imgH="139639" progId="Equation.DSMT4">
+                <p:oleObj spid="_x0000_s11303" name="Equation" r:id="rId5" imgW="152334" imgH="139639" progId="Equation.DSMT4">
                   <p:embed/>
                 </p:oleObj>
               </mc:Choice>
@@ -15038,7 +14909,7 @@
           <a:graphicData uri="http://schemas.openxmlformats.org/presentationml/2006/ole">
             <mc:AlternateContent xmlns:mc="http://schemas.openxmlformats.org/markup-compatibility/2006">
               <mc:Choice xmlns:v="urn:schemas-microsoft-com:vml" Requires="v">
-                <p:oleObj spid="_x0000_s11284" name="Equation" r:id="rId5" imgW="152334" imgH="139639" progId="Equation.DSMT4">
+                <p:oleObj spid="_x0000_s11304" name="Equation" r:id="rId5" imgW="152334" imgH="139639" progId="Equation.DSMT4">
                   <p:embed/>
                 </p:oleObj>
               </mc:Choice>
@@ -15102,7 +14973,7 @@
 </p:sld>
 </file>
 
-<file path=ppt/slides/slide26.xml><?xml version="1.0" encoding="utf-8"?>
+<file path=ppt/slides/slide27.xml><?xml version="1.0" encoding="utf-8"?>
 <p:sld xmlns:a="http://schemas.openxmlformats.org/drawingml/2006/main" xmlns:r="http://schemas.openxmlformats.org/officeDocument/2006/relationships" xmlns:p="http://schemas.openxmlformats.org/presentationml/2006/main">
   <p:cSld>
     <p:spTree>
@@ -15151,7 +15022,7 @@
                   <a:schemeClr val="tx1"/>
                 </a:solidFill>
               </a:rPr>
-              <a:t>Дополнительный слайд №10. Полученные значения      по выборке</a:t>
+              <a:t>Дополнительный слайд №12. Полученные значения      по выборке</a:t>
             </a:r>
           </a:p>
         </p:txBody>
@@ -15192,7 +15063,7 @@
             </a:pPr>
             <a:fld id="{00000000-1234-1234-1234-123412341234}" type="slidenum">
               <a:rPr lang="en"/>
-              <a:t>26</a:t>
+              <a:t>27</a:t>
             </a:fld>
             <a:endParaRPr/>
           </a:p>
@@ -15530,7 +15401,7 @@
           <a:graphicData uri="http://schemas.openxmlformats.org/presentationml/2006/ole">
             <mc:AlternateContent xmlns:mc="http://schemas.openxmlformats.org/markup-compatibility/2006">
               <mc:Choice xmlns:v="urn:schemas-microsoft-com:vml" Requires="v">
-                <p:oleObj spid="_x0000_s12307" name="Equation" r:id="rId5" imgW="152268" imgH="203024" progId="Equation.DSMT4">
+                <p:oleObj spid="_x0000_s12327" name="Equation" r:id="rId5" imgW="152268" imgH="203024" progId="Equation.DSMT4">
                   <p:embed/>
                 </p:oleObj>
               </mc:Choice>
@@ -15603,7 +15474,7 @@
           <a:graphicData uri="http://schemas.openxmlformats.org/presentationml/2006/ole">
             <mc:AlternateContent xmlns:mc="http://schemas.openxmlformats.org/markup-compatibility/2006">
               <mc:Choice xmlns:v="urn:schemas-microsoft-com:vml" Requires="v">
-                <p:oleObj spid="_x0000_s12308" name="Equation" r:id="rId5" imgW="152268" imgH="203024" progId="Equation.DSMT4">
+                <p:oleObj spid="_x0000_s12328" name="Equation" r:id="rId5" imgW="152268" imgH="203024" progId="Equation.DSMT4">
                   <p:embed/>
                 </p:oleObj>
               </mc:Choice>
@@ -15667,7 +15538,7 @@
 </p:sld>
 </file>
 
-<file path=ppt/slides/slide27.xml><?xml version="1.0" encoding="utf-8"?>
+<file path=ppt/slides/slide28.xml><?xml version="1.0" encoding="utf-8"?>
 <p:sld xmlns:a="http://schemas.openxmlformats.org/drawingml/2006/main" xmlns:r="http://schemas.openxmlformats.org/officeDocument/2006/relationships" xmlns:p="http://schemas.openxmlformats.org/presentationml/2006/main">
   <p:cSld>
     <p:spTree>
@@ -15716,7 +15587,7 @@
                   <a:schemeClr val="tx1"/>
                 </a:solidFill>
               </a:rPr>
-              <a:t>Дополнительный слайд №11. Полученные значения      по выборке</a:t>
+              <a:t>Дополнительный слайд №13. Полученные значения      по выборке</a:t>
             </a:r>
           </a:p>
         </p:txBody>
@@ -15757,7 +15628,7 @@
             </a:pPr>
             <a:fld id="{00000000-1234-1234-1234-123412341234}" type="slidenum">
               <a:rPr lang="en"/>
-              <a:t>27</a:t>
+              <a:t>28</a:t>
             </a:fld>
             <a:endParaRPr/>
           </a:p>
@@ -16095,7 +15966,7 @@
           <a:graphicData uri="http://schemas.openxmlformats.org/presentationml/2006/ole">
             <mc:AlternateContent xmlns:mc="http://schemas.openxmlformats.org/markup-compatibility/2006">
               <mc:Choice xmlns:v="urn:schemas-microsoft-com:vml" Requires="v">
-                <p:oleObj spid="_x0000_s13331" name="Equation" r:id="rId5" imgW="139579" imgH="177646" progId="Equation.DSMT4">
+                <p:oleObj spid="_x0000_s13351" name="Equation" r:id="rId5" imgW="139579" imgH="177646" progId="Equation.DSMT4">
                   <p:embed/>
                 </p:oleObj>
               </mc:Choice>
@@ -16168,7 +16039,7 @@
           <a:graphicData uri="http://schemas.openxmlformats.org/presentationml/2006/ole">
             <mc:AlternateContent xmlns:mc="http://schemas.openxmlformats.org/markup-compatibility/2006">
               <mc:Choice xmlns:v="urn:schemas-microsoft-com:vml" Requires="v">
-                <p:oleObj spid="_x0000_s13332" name="Equation" r:id="rId5" imgW="139579" imgH="177646" progId="Equation.DSMT4">
+                <p:oleObj spid="_x0000_s13352" name="Equation" r:id="rId5" imgW="139579" imgH="177646" progId="Equation.DSMT4">
                   <p:embed/>
                 </p:oleObj>
               </mc:Choice>
@@ -16232,7 +16103,7 @@
 </p:sld>
 </file>
 
-<file path=ppt/slides/slide28.xml><?xml version="1.0" encoding="utf-8"?>
+<file path=ppt/slides/slide29.xml><?xml version="1.0" encoding="utf-8"?>
 <p:sld xmlns:a="http://schemas.openxmlformats.org/drawingml/2006/main" xmlns:r="http://schemas.openxmlformats.org/officeDocument/2006/relationships" xmlns:p="http://schemas.openxmlformats.org/presentationml/2006/main">
   <p:cSld>
     <p:spTree>
@@ -16281,7 +16152,7 @@
                   <a:schemeClr val="tx1"/>
                 </a:solidFill>
               </a:rPr>
-              <a:t>Дополнительный слайд №12. З</a:t>
+              <a:t>Дополнительный слайд №14. З</a:t>
             </a:r>
             <a:r>
               <a:rPr lang="ru-RU" b="1" dirty="0"/>
@@ -16339,7 +16210,7 @@
             </a:pPr>
             <a:fld id="{00000000-1234-1234-1234-123412341234}" type="slidenum">
               <a:rPr lang="en"/>
-              <a:t>28</a:t>
+              <a:t>29</a:t>
             </a:fld>
             <a:endParaRPr/>
           </a:p>
@@ -16418,7 +16289,274 @@
 </p:sld>
 </file>
 
-<file path=ppt/slides/slide29.xml><?xml version="1.0" encoding="utf-8"?>
+<file path=ppt/slides/slide3.xml><?xml version="1.0" encoding="utf-8"?>
+<p:sld xmlns:a="http://schemas.openxmlformats.org/drawingml/2006/main" xmlns:r="http://schemas.openxmlformats.org/officeDocument/2006/relationships" xmlns:p="http://schemas.openxmlformats.org/presentationml/2006/main">
+  <p:cSld>
+    <p:spTree>
+      <p:nvGrpSpPr>
+        <p:cNvPr id="1" name="Shape 60"/>
+        <p:cNvGrpSpPr/>
+        <p:nvPr/>
+      </p:nvGrpSpPr>
+      <p:grpSpPr>
+        <a:xfrm>
+          <a:off x="0" y="0"/>
+          <a:ext cx="0" cy="0"/>
+          <a:chOff x="0" y="0"/>
+          <a:chExt cx="0" cy="0"/>
+        </a:xfrm>
+      </p:grpSpPr>
+      <p:sp>
+        <p:nvSpPr>
+          <p:cNvPr id="61" name="Google Shape;61;p14"/>
+          <p:cNvSpPr txBox="1">
+            <a:spLocks noGrp="1"/>
+          </p:cNvSpPr>
+          <p:nvPr>
+            <p:ph type="title"/>
+          </p:nvPr>
+        </p:nvSpPr>
+        <p:spPr>
+          <a:xfrm>
+            <a:off x="311700" y="593367"/>
+            <a:ext cx="8520600" cy="763500"/>
+          </a:xfrm>
+          <a:prstGeom prst="rect">
+            <a:avLst/>
+          </a:prstGeom>
+        </p:spPr>
+        <p:txBody>
+          <a:bodyPr spcFirstLastPara="1" wrap="square" lIns="91425" tIns="91425" rIns="91425" bIns="91425" anchor="t" anchorCtr="0">
+            <a:noAutofit/>
+          </a:bodyPr>
+          <a:lstStyle/>
+          <a:p>
+            <a:pPr marL="0" lvl="0" indent="0" algn="l" rtl="0">
+              <a:spcBef>
+                <a:spcPts val="0"/>
+              </a:spcBef>
+              <a:spcAft>
+                <a:spcPts val="0"/>
+              </a:spcAft>
+              <a:buNone/>
+            </a:pPr>
+            <a:r>
+              <a:rPr lang="en" b="1" dirty="0"/>
+              <a:t>Цель и задачи</a:t>
+            </a:r>
+            <a:endParaRPr b="1" dirty="0"/>
+          </a:p>
+        </p:txBody>
+      </p:sp>
+      <p:sp>
+        <p:nvSpPr>
+          <p:cNvPr id="62" name="Google Shape;62;p14"/>
+          <p:cNvSpPr txBox="1">
+            <a:spLocks noGrp="1"/>
+          </p:cNvSpPr>
+          <p:nvPr>
+            <p:ph type="body" idx="1"/>
+          </p:nvPr>
+        </p:nvSpPr>
+        <p:spPr>
+          <a:xfrm>
+            <a:off x="311700" y="1536633"/>
+            <a:ext cx="8520600" cy="4555200"/>
+          </a:xfrm>
+          <a:prstGeom prst="rect">
+            <a:avLst/>
+          </a:prstGeom>
+        </p:spPr>
+        <p:txBody>
+          <a:bodyPr spcFirstLastPara="1" wrap="square" lIns="91425" tIns="91425" rIns="91425" bIns="91425" anchor="t" anchorCtr="0">
+            <a:noAutofit/>
+          </a:bodyPr>
+          <a:lstStyle/>
+          <a:p>
+            <a:pPr marL="0" lvl="0" indent="0">
+              <a:spcBef>
+                <a:spcPts val="1600"/>
+              </a:spcBef>
+              <a:buNone/>
+            </a:pPr>
+            <a:r>
+              <a:rPr lang="en" sz="2400" b="1" dirty="0">
+                <a:solidFill>
+                  <a:schemeClr val="tx1"/>
+                </a:solidFill>
+              </a:rPr>
+              <a:t>Цель</a:t>
+            </a:r>
+            <a:r>
+              <a:rPr lang="en" sz="2400" dirty="0">
+                <a:solidFill>
+                  <a:schemeClr val="tx1"/>
+                </a:solidFill>
+              </a:rPr>
+              <a:t>: </a:t>
+            </a:r>
+            <a:r>
+              <a:rPr lang="ru-RU" sz="2400" dirty="0">
+                <a:solidFill>
+                  <a:schemeClr val="tx1"/>
+                </a:solidFill>
+              </a:rPr>
+              <a:t>Разработать программу для проверки статьи на соответствие научному стилю и поиску наиболее частых ошибок в ней</a:t>
+            </a:r>
+            <a:r>
+              <a:rPr lang="en" sz="2400" dirty="0">
+                <a:solidFill>
+                  <a:schemeClr val="tx1"/>
+                </a:solidFill>
+              </a:rPr>
+              <a:t>.</a:t>
+            </a:r>
+            <a:endParaRPr sz="2400" dirty="0">
+              <a:solidFill>
+                <a:schemeClr val="tx1"/>
+              </a:solidFill>
+            </a:endParaRPr>
+          </a:p>
+          <a:p>
+            <a:pPr marL="0" lvl="0" indent="0" algn="l" rtl="0">
+              <a:spcBef>
+                <a:spcPts val="1600"/>
+              </a:spcBef>
+              <a:spcAft>
+                <a:spcPts val="0"/>
+              </a:spcAft>
+              <a:buNone/>
+            </a:pPr>
+            <a:r>
+              <a:rPr lang="en" sz="2400" b="1" dirty="0">
+                <a:solidFill>
+                  <a:schemeClr val="tx1"/>
+                </a:solidFill>
+              </a:rPr>
+              <a:t>Задачи</a:t>
+            </a:r>
+            <a:r>
+              <a:rPr lang="en" sz="2400" dirty="0">
+                <a:solidFill>
+                  <a:schemeClr val="tx1"/>
+                </a:solidFill>
+              </a:rPr>
+              <a:t>:</a:t>
+            </a:r>
+            <a:endParaRPr sz="2400" dirty="0">
+              <a:solidFill>
+                <a:schemeClr val="tx1"/>
+              </a:solidFill>
+            </a:endParaRPr>
+          </a:p>
+          <a:p>
+            <a:pPr algn="just"/>
+            <a:r>
+              <a:rPr lang="ru-RU" sz="2400" dirty="0">
+                <a:solidFill>
+                  <a:schemeClr val="tx1"/>
+                </a:solidFill>
+              </a:rPr>
+              <a:t>Исследовать возможность автоматизации проверки научных статей на соответствие научному стилю;</a:t>
+            </a:r>
+          </a:p>
+          <a:p>
+            <a:pPr algn="just"/>
+            <a:r>
+              <a:rPr lang="ru-RU" sz="2400" dirty="0">
+                <a:solidFill>
+                  <a:schemeClr val="tx1"/>
+                </a:solidFill>
+              </a:rPr>
+              <a:t>Построить математическую модель проверки статьи;</a:t>
+            </a:r>
+          </a:p>
+          <a:p>
+            <a:pPr algn="just"/>
+            <a:r>
+              <a:rPr lang="ru-RU" sz="2400" dirty="0">
+                <a:solidFill>
+                  <a:schemeClr val="tx1"/>
+                </a:solidFill>
+              </a:rPr>
+              <a:t>Провести экспериментальное исследование для определения допустимых значений критериев;</a:t>
+            </a:r>
+          </a:p>
+          <a:p>
+            <a:pPr algn="just"/>
+            <a:r>
+              <a:rPr lang="ru-RU" sz="2400" dirty="0">
+                <a:solidFill>
+                  <a:schemeClr val="tx1"/>
+                </a:solidFill>
+              </a:rPr>
+              <a:t>Реализовать программный прототип решения.</a:t>
+            </a:r>
+            <a:endParaRPr lang="ru-RU" sz="2400" dirty="0">
+              <a:solidFill>
+                <a:schemeClr val="tx1"/>
+              </a:solidFill>
+              <a:cs typeface="Times New Roman" panose="02020603050405020304" pitchFamily="18" charset="0"/>
+            </a:endParaRPr>
+          </a:p>
+        </p:txBody>
+      </p:sp>
+      <p:sp>
+        <p:nvSpPr>
+          <p:cNvPr id="63" name="Google Shape;63;p14"/>
+          <p:cNvSpPr txBox="1">
+            <a:spLocks noGrp="1"/>
+          </p:cNvSpPr>
+          <p:nvPr>
+            <p:ph type="sldNum" idx="12"/>
+          </p:nvPr>
+        </p:nvSpPr>
+        <p:spPr>
+          <a:xfrm>
+            <a:off x="8472458" y="6217622"/>
+            <a:ext cx="548700" cy="524700"/>
+          </a:xfrm>
+          <a:prstGeom prst="rect">
+            <a:avLst/>
+          </a:prstGeom>
+        </p:spPr>
+        <p:txBody>
+          <a:bodyPr spcFirstLastPara="1" wrap="square" lIns="91425" tIns="91425" rIns="91425" bIns="91425" anchor="ctr" anchorCtr="0">
+            <a:noAutofit/>
+          </a:bodyPr>
+          <a:lstStyle/>
+          <a:p>
+            <a:pPr marL="0" lvl="0" indent="0" algn="r" rtl="0">
+              <a:spcBef>
+                <a:spcPts val="0"/>
+              </a:spcBef>
+              <a:spcAft>
+                <a:spcPts val="0"/>
+              </a:spcAft>
+              <a:buNone/>
+            </a:pPr>
+            <a:fld id="{00000000-1234-1234-1234-123412341234}" type="slidenum">
+              <a:rPr lang="en"/>
+              <a:t>3</a:t>
+            </a:fld>
+            <a:endParaRPr/>
+          </a:p>
+        </p:txBody>
+      </p:sp>
+    </p:spTree>
+    <p:extLst>
+      <p:ext uri="{BB962C8B-B14F-4D97-AF65-F5344CB8AC3E}">
+        <p14:creationId xmlns:p14="http://schemas.microsoft.com/office/powerpoint/2010/main" val="3732158140"/>
+      </p:ext>
+    </p:extLst>
+  </p:cSld>
+  <p:clrMapOvr>
+    <a:masterClrMapping/>
+  </p:clrMapOvr>
+</p:sld>
+</file>
+
+<file path=ppt/slides/slide30.xml><?xml version="1.0" encoding="utf-8"?>
 <p:sld xmlns:a="http://schemas.openxmlformats.org/drawingml/2006/main" xmlns:r="http://schemas.openxmlformats.org/officeDocument/2006/relationships" xmlns:p="http://schemas.openxmlformats.org/presentationml/2006/main">
   <p:cSld>
     <p:spTree>
@@ -16467,7 +16605,7 @@
                   <a:schemeClr val="tx1"/>
                 </a:solidFill>
               </a:rPr>
-              <a:t>Дополнительный слайд №13. З</a:t>
+              <a:t>Дополнительный слайд №15. З</a:t>
             </a:r>
             <a:r>
               <a:rPr lang="ru-RU" b="1" dirty="0"/>
@@ -16517,7 +16655,7 @@
             </a:pPr>
             <a:fld id="{00000000-1234-1234-1234-123412341234}" type="slidenum">
               <a:rPr lang="en"/>
-              <a:t>29</a:t>
+              <a:t>30</a:t>
             </a:fld>
             <a:endParaRPr/>
           </a:p>
@@ -16596,274 +16734,7 @@
 </p:sld>
 </file>
 
-<file path=ppt/slides/slide3.xml><?xml version="1.0" encoding="utf-8"?>
-<p:sld xmlns:a="http://schemas.openxmlformats.org/drawingml/2006/main" xmlns:r="http://schemas.openxmlformats.org/officeDocument/2006/relationships" xmlns:p="http://schemas.openxmlformats.org/presentationml/2006/main">
-  <p:cSld>
-    <p:spTree>
-      <p:nvGrpSpPr>
-        <p:cNvPr id="1" name="Shape 60"/>
-        <p:cNvGrpSpPr/>
-        <p:nvPr/>
-      </p:nvGrpSpPr>
-      <p:grpSpPr>
-        <a:xfrm>
-          <a:off x="0" y="0"/>
-          <a:ext cx="0" cy="0"/>
-          <a:chOff x="0" y="0"/>
-          <a:chExt cx="0" cy="0"/>
-        </a:xfrm>
-      </p:grpSpPr>
-      <p:sp>
-        <p:nvSpPr>
-          <p:cNvPr id="61" name="Google Shape;61;p14"/>
-          <p:cNvSpPr txBox="1">
-            <a:spLocks noGrp="1"/>
-          </p:cNvSpPr>
-          <p:nvPr>
-            <p:ph type="title"/>
-          </p:nvPr>
-        </p:nvSpPr>
-        <p:spPr>
-          <a:xfrm>
-            <a:off x="311700" y="593367"/>
-            <a:ext cx="8520600" cy="763500"/>
-          </a:xfrm>
-          <a:prstGeom prst="rect">
-            <a:avLst/>
-          </a:prstGeom>
-        </p:spPr>
-        <p:txBody>
-          <a:bodyPr spcFirstLastPara="1" wrap="square" lIns="91425" tIns="91425" rIns="91425" bIns="91425" anchor="t" anchorCtr="0">
-            <a:noAutofit/>
-          </a:bodyPr>
-          <a:lstStyle/>
-          <a:p>
-            <a:pPr marL="0" lvl="0" indent="0" algn="l" rtl="0">
-              <a:spcBef>
-                <a:spcPts val="0"/>
-              </a:spcBef>
-              <a:spcAft>
-                <a:spcPts val="0"/>
-              </a:spcAft>
-              <a:buNone/>
-            </a:pPr>
-            <a:r>
-              <a:rPr lang="en" b="1" dirty="0"/>
-              <a:t>Цель и задачи</a:t>
-            </a:r>
-            <a:endParaRPr b="1" dirty="0"/>
-          </a:p>
-        </p:txBody>
-      </p:sp>
-      <p:sp>
-        <p:nvSpPr>
-          <p:cNvPr id="62" name="Google Shape;62;p14"/>
-          <p:cNvSpPr txBox="1">
-            <a:spLocks noGrp="1"/>
-          </p:cNvSpPr>
-          <p:nvPr>
-            <p:ph type="body" idx="1"/>
-          </p:nvPr>
-        </p:nvSpPr>
-        <p:spPr>
-          <a:xfrm>
-            <a:off x="311700" y="1536633"/>
-            <a:ext cx="8520600" cy="4555200"/>
-          </a:xfrm>
-          <a:prstGeom prst="rect">
-            <a:avLst/>
-          </a:prstGeom>
-        </p:spPr>
-        <p:txBody>
-          <a:bodyPr spcFirstLastPara="1" wrap="square" lIns="91425" tIns="91425" rIns="91425" bIns="91425" anchor="t" anchorCtr="0">
-            <a:noAutofit/>
-          </a:bodyPr>
-          <a:lstStyle/>
-          <a:p>
-            <a:pPr marL="0" lvl="0" indent="0">
-              <a:spcBef>
-                <a:spcPts val="1600"/>
-              </a:spcBef>
-              <a:buNone/>
-            </a:pPr>
-            <a:r>
-              <a:rPr lang="en" sz="2400" b="1" dirty="0">
-                <a:solidFill>
-                  <a:schemeClr val="tx1"/>
-                </a:solidFill>
-              </a:rPr>
-              <a:t>Цель</a:t>
-            </a:r>
-            <a:r>
-              <a:rPr lang="en" sz="2400" dirty="0">
-                <a:solidFill>
-                  <a:schemeClr val="tx1"/>
-                </a:solidFill>
-              </a:rPr>
-              <a:t>: </a:t>
-            </a:r>
-            <a:r>
-              <a:rPr lang="ru-RU" sz="2400" dirty="0">
-                <a:solidFill>
-                  <a:schemeClr val="tx1"/>
-                </a:solidFill>
-              </a:rPr>
-              <a:t>Разработать программу для проверки статьи на соответствие научному стилю и поиску наиболее частых ошибок в ней</a:t>
-            </a:r>
-            <a:r>
-              <a:rPr lang="en" sz="2400" dirty="0">
-                <a:solidFill>
-                  <a:schemeClr val="tx1"/>
-                </a:solidFill>
-              </a:rPr>
-              <a:t>.</a:t>
-            </a:r>
-            <a:endParaRPr sz="2400" dirty="0">
-              <a:solidFill>
-                <a:schemeClr val="tx1"/>
-              </a:solidFill>
-            </a:endParaRPr>
-          </a:p>
-          <a:p>
-            <a:pPr marL="0" lvl="0" indent="0" algn="l" rtl="0">
-              <a:spcBef>
-                <a:spcPts val="1600"/>
-              </a:spcBef>
-              <a:spcAft>
-                <a:spcPts val="0"/>
-              </a:spcAft>
-              <a:buNone/>
-            </a:pPr>
-            <a:r>
-              <a:rPr lang="en" sz="2400" b="1" dirty="0">
-                <a:solidFill>
-                  <a:schemeClr val="tx1"/>
-                </a:solidFill>
-              </a:rPr>
-              <a:t>Задачи</a:t>
-            </a:r>
-            <a:r>
-              <a:rPr lang="en" sz="2400" dirty="0">
-                <a:solidFill>
-                  <a:schemeClr val="tx1"/>
-                </a:solidFill>
-              </a:rPr>
-              <a:t>:</a:t>
-            </a:r>
-            <a:endParaRPr sz="2400" dirty="0">
-              <a:solidFill>
-                <a:schemeClr val="tx1"/>
-              </a:solidFill>
-            </a:endParaRPr>
-          </a:p>
-          <a:p>
-            <a:pPr algn="just"/>
-            <a:r>
-              <a:rPr lang="ru-RU" sz="2400" dirty="0">
-                <a:solidFill>
-                  <a:schemeClr val="tx1"/>
-                </a:solidFill>
-              </a:rPr>
-              <a:t>Исследовать возможность автоматизации проверки научных статей на соответствие научному стилю;</a:t>
-            </a:r>
-          </a:p>
-          <a:p>
-            <a:pPr algn="just"/>
-            <a:r>
-              <a:rPr lang="ru-RU" sz="2400" dirty="0">
-                <a:solidFill>
-                  <a:schemeClr val="tx1"/>
-                </a:solidFill>
-              </a:rPr>
-              <a:t>Построить математическую модель проверки статьи;</a:t>
-            </a:r>
-          </a:p>
-          <a:p>
-            <a:pPr algn="just"/>
-            <a:r>
-              <a:rPr lang="ru-RU" sz="2400" dirty="0">
-                <a:solidFill>
-                  <a:schemeClr val="tx1"/>
-                </a:solidFill>
-              </a:rPr>
-              <a:t>Провести экспериментальное исследование для определения допустимых значений критериев;</a:t>
-            </a:r>
-          </a:p>
-          <a:p>
-            <a:pPr algn="just"/>
-            <a:r>
-              <a:rPr lang="ru-RU" sz="2400" dirty="0">
-                <a:solidFill>
-                  <a:schemeClr val="tx1"/>
-                </a:solidFill>
-              </a:rPr>
-              <a:t>Реализовать программный прототип решения.</a:t>
-            </a:r>
-            <a:endParaRPr lang="ru-RU" sz="2400" dirty="0">
-              <a:solidFill>
-                <a:schemeClr val="tx1"/>
-              </a:solidFill>
-              <a:cs typeface="Times New Roman" panose="02020603050405020304" pitchFamily="18" charset="0"/>
-            </a:endParaRPr>
-          </a:p>
-        </p:txBody>
-      </p:sp>
-      <p:sp>
-        <p:nvSpPr>
-          <p:cNvPr id="63" name="Google Shape;63;p14"/>
-          <p:cNvSpPr txBox="1">
-            <a:spLocks noGrp="1"/>
-          </p:cNvSpPr>
-          <p:nvPr>
-            <p:ph type="sldNum" idx="12"/>
-          </p:nvPr>
-        </p:nvSpPr>
-        <p:spPr>
-          <a:xfrm>
-            <a:off x="8472458" y="6217622"/>
-            <a:ext cx="548700" cy="524700"/>
-          </a:xfrm>
-          <a:prstGeom prst="rect">
-            <a:avLst/>
-          </a:prstGeom>
-        </p:spPr>
-        <p:txBody>
-          <a:bodyPr spcFirstLastPara="1" wrap="square" lIns="91425" tIns="91425" rIns="91425" bIns="91425" anchor="ctr" anchorCtr="0">
-            <a:noAutofit/>
-          </a:bodyPr>
-          <a:lstStyle/>
-          <a:p>
-            <a:pPr marL="0" lvl="0" indent="0" algn="r" rtl="0">
-              <a:spcBef>
-                <a:spcPts val="0"/>
-              </a:spcBef>
-              <a:spcAft>
-                <a:spcPts val="0"/>
-              </a:spcAft>
-              <a:buNone/>
-            </a:pPr>
-            <a:fld id="{00000000-1234-1234-1234-123412341234}" type="slidenum">
-              <a:rPr lang="en"/>
-              <a:t>3</a:t>
-            </a:fld>
-            <a:endParaRPr/>
-          </a:p>
-        </p:txBody>
-      </p:sp>
-    </p:spTree>
-    <p:extLst>
-      <p:ext uri="{BB962C8B-B14F-4D97-AF65-F5344CB8AC3E}">
-        <p14:creationId xmlns:p14="http://schemas.microsoft.com/office/powerpoint/2010/main" val="3732158140"/>
-      </p:ext>
-    </p:extLst>
-  </p:cSld>
-  <p:clrMapOvr>
-    <a:masterClrMapping/>
-  </p:clrMapOvr>
-</p:sld>
-</file>
-
-<file path=ppt/slides/slide30.xml><?xml version="1.0" encoding="utf-8"?>
+<file path=ppt/slides/slide31.xml><?xml version="1.0" encoding="utf-8"?>
 <p:sld xmlns:a="http://schemas.openxmlformats.org/drawingml/2006/main" xmlns:r="http://schemas.openxmlformats.org/officeDocument/2006/relationships" xmlns:p="http://schemas.openxmlformats.org/presentationml/2006/main">
   <p:cSld>
     <p:spTree>
@@ -16912,7 +16783,7 @@
                   <a:schemeClr val="tx1"/>
                 </a:solidFill>
               </a:rPr>
-              <a:t>Дополнительный слайд №14</a:t>
+              <a:t>Дополнительный слайд №16</a:t>
             </a:r>
           </a:p>
         </p:txBody>
@@ -16953,7 +16824,7 @@
             </a:pPr>
             <a:fld id="{00000000-1234-1234-1234-123412341234}" type="slidenum">
               <a:rPr lang="en"/>
-              <a:t>30</a:t>
+              <a:t>31</a:t>
             </a:fld>
             <a:endParaRPr/>
           </a:p>
@@ -17032,7 +16903,7 @@
 </p:sld>
 </file>
 
-<file path=ppt/slides/slide31.xml><?xml version="1.0" encoding="utf-8"?>
+<file path=ppt/slides/slide32.xml><?xml version="1.0" encoding="utf-8"?>
 <p:sld xmlns:a="http://schemas.openxmlformats.org/drawingml/2006/main" xmlns:r="http://schemas.openxmlformats.org/officeDocument/2006/relationships" xmlns:p="http://schemas.openxmlformats.org/presentationml/2006/main">
   <p:cSld>
     <p:spTree>
@@ -17081,7 +16952,7 @@
                   <a:schemeClr val="tx1"/>
                 </a:solidFill>
               </a:rPr>
-              <a:t>Дополнительный слайд №15. Оценка времени анализа статьи</a:t>
+              <a:t>Дополнительный слайд №17. Оценка времени анализа статьи</a:t>
             </a:r>
           </a:p>
         </p:txBody>
@@ -17122,7 +16993,7 @@
             </a:pPr>
             <a:fld id="{00000000-1234-1234-1234-123412341234}" type="slidenum">
               <a:rPr lang="en"/>
-              <a:t>31</a:t>
+              <a:t>32</a:t>
             </a:fld>
             <a:endParaRPr/>
           </a:p>
@@ -17234,7 +17105,7 @@
           <a:graphicData uri="http://schemas.openxmlformats.org/presentationml/2006/ole">
             <mc:AlternateContent xmlns:mc="http://schemas.openxmlformats.org/markup-compatibility/2006">
               <mc:Choice xmlns:v="urn:schemas-microsoft-com:vml" Requires="v">
-                <p:oleObj spid="_x0000_s18475" name="Equation" r:id="rId4" imgW="1574800" imgH="228600" progId="Equation.DSMT4">
+                <p:oleObj spid="_x0000_s18565" name="Equation" r:id="rId4" imgW="1574800" imgH="228600" progId="Equation.DSMT4">
                   <p:embed/>
                 </p:oleObj>
               </mc:Choice>
@@ -17307,7 +17178,7 @@
           <a:graphicData uri="http://schemas.openxmlformats.org/presentationml/2006/ole">
             <mc:AlternateContent xmlns:mc="http://schemas.openxmlformats.org/markup-compatibility/2006">
               <mc:Choice xmlns:v="urn:schemas-microsoft-com:vml" Requires="v">
-                <p:oleObj spid="_x0000_s18476" name="Equation" r:id="rId6" imgW="177646" imgH="228402" progId="Equation.DSMT4">
+                <p:oleObj spid="_x0000_s18566" name="Equation" r:id="rId6" imgW="177646" imgH="228402" progId="Equation.DSMT4">
                   <p:embed/>
                 </p:oleObj>
               </mc:Choice>
@@ -17380,7 +17251,7 @@
           <a:graphicData uri="http://schemas.openxmlformats.org/presentationml/2006/ole">
             <mc:AlternateContent xmlns:mc="http://schemas.openxmlformats.org/markup-compatibility/2006">
               <mc:Choice xmlns:v="urn:schemas-microsoft-com:vml" Requires="v">
-                <p:oleObj spid="_x0000_s18477" name="Equation" r:id="rId8" imgW="126835" imgH="139518" progId="Equation.DSMT4">
+                <p:oleObj spid="_x0000_s18567" name="Equation" r:id="rId8" imgW="126835" imgH="139518" progId="Equation.DSMT4">
                   <p:embed/>
                 </p:oleObj>
               </mc:Choice>
@@ -17453,7 +17324,7 @@
           <a:graphicData uri="http://schemas.openxmlformats.org/presentationml/2006/ole">
             <mc:AlternateContent xmlns:mc="http://schemas.openxmlformats.org/markup-compatibility/2006">
               <mc:Choice xmlns:v="urn:schemas-microsoft-com:vml" Requires="v">
-                <p:oleObj spid="_x0000_s18478" name="Equation" r:id="rId10" imgW="1587500" imgH="228600" progId="Equation.DSMT4">
+                <p:oleObj spid="_x0000_s18568" name="Equation" r:id="rId10" imgW="1587500" imgH="228600" progId="Equation.DSMT4">
                   <p:embed/>
                 </p:oleObj>
               </mc:Choice>
@@ -17526,7 +17397,7 @@
           <a:graphicData uri="http://schemas.openxmlformats.org/presentationml/2006/ole">
             <mc:AlternateContent xmlns:mc="http://schemas.openxmlformats.org/markup-compatibility/2006">
               <mc:Choice xmlns:v="urn:schemas-microsoft-com:vml" Requires="v">
-                <p:oleObj spid="_x0000_s18479" name="Equation" r:id="rId12" imgW="177646" imgH="228402" progId="Equation.DSMT4">
+                <p:oleObj spid="_x0000_s18569" name="Equation" r:id="rId12" imgW="177646" imgH="228402" progId="Equation.DSMT4">
                   <p:embed/>
                 </p:oleObj>
               </mc:Choice>
@@ -17599,7 +17470,7 @@
           <a:graphicData uri="http://schemas.openxmlformats.org/presentationml/2006/ole">
             <mc:AlternateContent xmlns:mc="http://schemas.openxmlformats.org/markup-compatibility/2006">
               <mc:Choice xmlns:v="urn:schemas-microsoft-com:vml" Requires="v">
-                <p:oleObj spid="_x0000_s18480" name="Equation" r:id="rId14" imgW="139579" imgH="164957" progId="Equation.DSMT4">
+                <p:oleObj spid="_x0000_s18570" name="Equation" r:id="rId14" imgW="139579" imgH="164957" progId="Equation.DSMT4">
                   <p:embed/>
                 </p:oleObj>
               </mc:Choice>
@@ -17672,7 +17543,7 @@
           <a:graphicData uri="http://schemas.openxmlformats.org/presentationml/2006/ole">
             <mc:AlternateContent xmlns:mc="http://schemas.openxmlformats.org/markup-compatibility/2006">
               <mc:Choice xmlns:v="urn:schemas-microsoft-com:vml" Requires="v">
-                <p:oleObj spid="_x0000_s18481" name="Equation" r:id="rId16" imgW="1511300" imgH="203200" progId="Equation.DSMT4">
+                <p:oleObj spid="_x0000_s18571" name="Equation" r:id="rId16" imgW="1511300" imgH="203200" progId="Equation.DSMT4">
                   <p:embed/>
                 </p:oleObj>
               </mc:Choice>
@@ -17745,7 +17616,7 @@
           <a:graphicData uri="http://schemas.openxmlformats.org/presentationml/2006/ole">
             <mc:AlternateContent xmlns:mc="http://schemas.openxmlformats.org/markup-compatibility/2006">
               <mc:Choice xmlns:v="urn:schemas-microsoft-com:vml" Requires="v">
-                <p:oleObj spid="_x0000_s18482" name="Equation" r:id="rId18" imgW="139579" imgH="164957" progId="Equation.DSMT4">
+                <p:oleObj spid="_x0000_s18572" name="Equation" r:id="rId18" imgW="139579" imgH="164957" progId="Equation.DSMT4">
                   <p:embed/>
                 </p:oleObj>
               </mc:Choice>
@@ -17818,7 +17689,7 @@
           <a:graphicData uri="http://schemas.openxmlformats.org/presentationml/2006/ole">
             <mc:AlternateContent xmlns:mc="http://schemas.openxmlformats.org/markup-compatibility/2006">
               <mc:Choice xmlns:v="urn:schemas-microsoft-com:vml" Requires="v">
-                <p:oleObj spid="_x0000_s18483" name="Equation" r:id="rId20" imgW="126725" imgH="126725" progId="Equation.DSMT4">
+                <p:oleObj spid="_x0000_s18573" name="Equation" r:id="rId20" imgW="126725" imgH="126725" progId="Equation.DSMT4">
                   <p:embed/>
                 </p:oleObj>
               </mc:Choice>
@@ -17876,7 +17747,7 @@
 </p:sld>
 </file>
 
-<file path=ppt/slides/slide32.xml><?xml version="1.0" encoding="utf-8"?>
+<file path=ppt/slides/slide33.xml><?xml version="1.0" encoding="utf-8"?>
 <p:sld xmlns:a="http://schemas.openxmlformats.org/drawingml/2006/main" xmlns:r="http://schemas.openxmlformats.org/officeDocument/2006/relationships" xmlns:p="http://schemas.openxmlformats.org/presentationml/2006/main">
   <p:cSld>
     <p:spTree>
@@ -17966,7 +17837,7 @@
             </a:pPr>
             <a:fld id="{00000000-1234-1234-1234-123412341234}" type="slidenum">
               <a:rPr lang="en"/>
-              <a:t>32</a:t>
+              <a:t>33</a:t>
             </a:fld>
             <a:endParaRPr/>
           </a:p>
@@ -18074,8 +17945,8 @@
         </p:nvSpPr>
         <p:spPr>
           <a:xfrm>
-            <a:off x="338667" y="287867"/>
-            <a:ext cx="8682491" cy="1168399"/>
+            <a:off x="311700" y="287867"/>
+            <a:ext cx="8709458" cy="1168399"/>
           </a:xfrm>
           <a:prstGeom prst="rect">
             <a:avLst/>
@@ -18094,8 +17965,13 @@
                   <a:schemeClr val="tx1"/>
                 </a:solidFill>
               </a:rPr>
-              <a:t>Исследование возможности автоматизации проверки статей на соответствие научному стилю</a:t>
+              <a:t>Исследование. Научный стиль. Применимость решения.</a:t>
             </a:r>
+            <a:endParaRPr lang="ru-RU" sz="2600" dirty="0">
+              <a:solidFill>
+                <a:schemeClr val="tx1"/>
+              </a:solidFill>
+            </a:endParaRPr>
           </a:p>
         </p:txBody>
       </p:sp>
@@ -18149,8 +18025,8 @@
         </p:nvSpPr>
         <p:spPr>
           <a:xfrm>
-            <a:off x="217271" y="1727200"/>
-            <a:ext cx="8709458" cy="5015122"/>
+            <a:off x="311699" y="1251283"/>
+            <a:ext cx="8561367" cy="5491039"/>
           </a:xfrm>
           <a:prstGeom prst="rect">
             <a:avLst/>
@@ -18166,35 +18042,70 @@
           </a:bodyPr>
           <a:lstStyle/>
           <a:p>
+            <a:pPr lvl="0" algn="just"/>
+            <a:r>
+              <a:rPr lang="ru-RU" sz="2800" dirty="0"/>
+              <a:t>Научный стиль - наиболее строгий стиль речи в русском языке. Собственно-научный </a:t>
+            </a:r>
+            <a:r>
+              <a:rPr lang="ru-RU" sz="2800" dirty="0" err="1"/>
+              <a:t>подстиль</a:t>
+            </a:r>
+            <a:r>
+              <a:rPr lang="ru-RU" sz="2800" dirty="0"/>
+              <a:t> — академическое изложение, адресованное специалистам. Морфологические ограничения.</a:t>
+            </a:r>
+          </a:p>
+          <a:p>
+            <a:pPr lvl="0" algn="just"/>
+            <a:endParaRPr lang="ru-RU" sz="2800" dirty="0"/>
+          </a:p>
+          <a:p>
             <a:pPr lvl="0"/>
             <a:r>
               <a:rPr lang="ru-RU" sz="2800" dirty="0"/>
-              <a:t>В результате обзора были выделены морфологические особенности научного стиля:</a:t>
+              <a:t>Разработка модели направлена на проверку </a:t>
             </a:r>
-          </a:p>
-          <a:p>
-            <a:pPr marL="342900" lvl="0" indent="-342900" algn="just">
-              <a:buFont typeface="Arial" panose="020B0604020202020204" pitchFamily="34" charset="0"/>
-              <a:buChar char="•"/>
-            </a:pPr>
+            <a:r>
+              <a:rPr lang="ru-RU" sz="2800" b="1" dirty="0"/>
+              <a:t>необходимых, но не достаточных </a:t>
+            </a:r>
             <a:r>
               <a:rPr lang="ru-RU" sz="2800" dirty="0"/>
-              <a:t>Запрет использования личных местоимений. Личные и притяжательные местоимения (я, ты, мною, вы, наш) имеют отвлеченно-обобщенный характер и их употребление необходимо избегать;</a:t>
+              <a:t>условий соответствия текста научному стилю.</a:t>
             </a:r>
-          </a:p>
-          <a:p>
-            <a:pPr marL="342900" lvl="0" indent="-342900" algn="just">
-              <a:buFont typeface="Arial" panose="020B0604020202020204" pitchFamily="34" charset="0"/>
-              <a:buChar char="•"/>
-            </a:pPr>
+            <a:br>
+              <a:rPr lang="ru-RU" sz="2800" dirty="0"/>
+            </a:br>
             <a:r>
               <a:rPr lang="ru-RU" sz="2800" dirty="0"/>
-              <a:t>Запрет использования неопределенных местоимений (кое-что, что-нибудь). Эти местоимения, в силу их неопределенности, не употребляются.</a:t>
+              <a:t>Автоматическая оценка </a:t>
+            </a:r>
+            <a:r>
+              <a:rPr lang="ru-RU" sz="2800" b="1" dirty="0"/>
+              <a:t>научной ценности</a:t>
+            </a:r>
+            <a:r>
+              <a:rPr lang="ru-RU" sz="2800" dirty="0"/>
+              <a:t> статьи – не решенная на данный момент задача. Над подобной задачей работают </a:t>
+            </a:r>
+            <a:r>
+              <a:rPr lang="en-US" sz="2800" dirty="0"/>
+              <a:t>Google</a:t>
+            </a:r>
+            <a:r>
+              <a:rPr lang="ru-RU" sz="2800" dirty="0"/>
+              <a:t> и другие компании.</a:t>
             </a:r>
           </a:p>
         </p:txBody>
       </p:sp>
     </p:spTree>
+    <p:extLst>
+      <p:ext uri="{BB962C8B-B14F-4D97-AF65-F5344CB8AC3E}">
+        <p14:creationId xmlns:p14="http://schemas.microsoft.com/office/powerpoint/2010/main" val="2789996863"/>
+      </p:ext>
+    </p:extLst>
   </p:cSld>
   <p:clrMapOvr>
     <a:masterClrMapping/>
@@ -18359,8 +18270,40 @@
               <a:buChar char="•"/>
             </a:pPr>
             <a:r>
+              <a:rPr lang="ru-RU" sz="2400" b="1" dirty="0"/>
+              <a:t>Плотность текста </a:t>
+            </a:r>
+            <a:r>
               <a:rPr lang="ru-RU" sz="2400" dirty="0"/>
-              <a:t>Тошнота – это показатель повторений в текстовом документе ключевых слов и фраз. Синонимом тошноты является термин плотность.</a:t>
+              <a:t>– это показатель повторений в текстовом документе ключевых слов и фраз. Используется и другое название – «тошнота» текста.</a:t>
+            </a:r>
+          </a:p>
+          <a:p>
+            <a:pPr marL="342900" lvl="0" indent="-342900" algn="just">
+              <a:buFont typeface="Arial" panose="020B0604020202020204" pitchFamily="34" charset="0"/>
+              <a:buChar char="•"/>
+            </a:pPr>
+            <a:r>
+              <a:rPr lang="ru-RU" sz="2400" b="1" dirty="0"/>
+              <a:t>Стоп-слова</a:t>
+            </a:r>
+            <a:r>
+              <a:rPr lang="ru-RU" sz="2400" dirty="0"/>
+              <a:t> – это слова в тексте, которые не несут смысловой нагрузки (предлоги, союзы, частицы и т.п.)</a:t>
+            </a:r>
+          </a:p>
+          <a:p>
+            <a:pPr marL="342900" lvl="0" indent="-342900" algn="just">
+              <a:buFont typeface="Arial" panose="020B0604020202020204" pitchFamily="34" charset="0"/>
+              <a:buChar char="•"/>
+            </a:pPr>
+            <a:r>
+              <a:rPr lang="ru-RU" sz="2400" b="1" dirty="0"/>
+              <a:t>Вода</a:t>
+            </a:r>
+            <a:r>
+              <a:rPr lang="ru-RU" sz="2400" dirty="0"/>
+              <a:t> - процентное соотношение стоп-слов и общего количества слов в тексте</a:t>
             </a:r>
           </a:p>
           <a:p>
@@ -18370,27 +18313,11 @@
             </a:pPr>
             <a:r>
               <a:rPr lang="ru-RU" sz="2400" dirty="0"/>
-              <a:t>Стоп-слова – это слова в тексте, которые не несут смысловой нагрузки</a:t>
+              <a:t>Эмпирическая закономерность распределения частоты слов естественного языка - </a:t>
             </a:r>
-          </a:p>
-          <a:p>
-            <a:pPr marL="342900" lvl="0" indent="-342900" algn="just">
-              <a:buFont typeface="Arial" panose="020B0604020202020204" pitchFamily="34" charset="0"/>
-              <a:buChar char="•"/>
-            </a:pPr>
             <a:r>
-              <a:rPr lang="ru-RU" sz="2400" dirty="0"/>
-              <a:t>Вода - процентное соотношение стоп-слов и общего количества слов в тексте</a:t>
-            </a:r>
-          </a:p>
-          <a:p>
-            <a:pPr marL="342900" lvl="0" indent="-342900" algn="just">
-              <a:buFont typeface="Arial" panose="020B0604020202020204" pitchFamily="34" charset="0"/>
-              <a:buChar char="•"/>
-            </a:pPr>
-            <a:r>
-              <a:rPr lang="ru-RU" sz="2400" dirty="0"/>
-              <a:t>Эмпирическая закономерность распределения частоты слов естественного языка - Закон Ципфа</a:t>
+              <a:rPr lang="ru-RU" sz="2400" b="1" dirty="0"/>
+              <a:t>Закон Ципфа</a:t>
             </a:r>
           </a:p>
         </p:txBody>
@@ -18504,396 +18431,6 @@
             <a:fld id="{00000000-1234-1234-1234-123412341234}" type="slidenum">
               <a:rPr lang="en"/>
               <a:t>6</a:t>
-            </a:fld>
-            <a:endParaRPr/>
-          </a:p>
-        </p:txBody>
-      </p:sp>
-      <p:sp>
-        <p:nvSpPr>
-          <p:cNvPr id="71" name="Google Shape;71;p15"/>
-          <p:cNvSpPr txBox="1"/>
-          <p:nvPr/>
-        </p:nvSpPr>
-        <p:spPr>
-          <a:xfrm>
-            <a:off x="311699" y="1456267"/>
-            <a:ext cx="8561367" cy="5286056"/>
-          </a:xfrm>
-          <a:prstGeom prst="rect">
-            <a:avLst/>
-          </a:prstGeom>
-          <a:noFill/>
-          <a:ln>
-            <a:noFill/>
-          </a:ln>
-        </p:spPr>
-        <p:txBody>
-          <a:bodyPr spcFirstLastPara="1" wrap="square" lIns="91425" tIns="91425" rIns="91425" bIns="91425" anchor="t" anchorCtr="0">
-            <a:noAutofit/>
-          </a:bodyPr>
-          <a:lstStyle/>
-          <a:p>
-            <a:pPr lvl="0" algn="just"/>
-            <a:r>
-              <a:rPr lang="ru-RU" sz="2800" dirty="0"/>
-              <a:t>Информационный стиль и </a:t>
-            </a:r>
-            <a:r>
-              <a:rPr lang="en-US" sz="2800" dirty="0"/>
-              <a:t>SEO-</a:t>
-            </a:r>
-            <a:r>
-              <a:rPr lang="ru-RU" sz="2800" dirty="0"/>
-              <a:t>анализ вводят морфологические ограничения:</a:t>
-            </a:r>
-          </a:p>
-          <a:p>
-            <a:pPr lvl="0" algn="just"/>
-            <a:endParaRPr lang="ru-RU" sz="2800" dirty="0"/>
-          </a:p>
-          <a:p>
-            <a:pPr marL="342900" lvl="0" indent="-342900" algn="just">
-              <a:buFont typeface="Arial" panose="020B0604020202020204" pitchFamily="34" charset="0"/>
-              <a:buChar char="•"/>
-            </a:pPr>
-            <a:r>
-              <a:rPr lang="ru-RU" sz="2800" dirty="0"/>
-              <a:t>Использование слов усилителей (безусловно, очень, абсолютно и др.);</a:t>
-            </a:r>
-          </a:p>
-          <a:p>
-            <a:pPr marL="342900" lvl="0" indent="-342900" algn="just">
-              <a:buFont typeface="Arial" panose="020B0604020202020204" pitchFamily="34" charset="0"/>
-              <a:buChar char="•"/>
-            </a:pPr>
-            <a:r>
-              <a:rPr lang="ru-RU" sz="2800" dirty="0"/>
-              <a:t>Использование обобщений (со всего мира, весь, в общем);</a:t>
-            </a:r>
-          </a:p>
-          <a:p>
-            <a:pPr marL="342900" lvl="0" indent="-342900" algn="just">
-              <a:buFont typeface="Arial" panose="020B0604020202020204" pitchFamily="34" charset="0"/>
-              <a:buChar char="•"/>
-            </a:pPr>
-            <a:r>
-              <a:rPr lang="ru-RU" sz="2800" dirty="0"/>
-              <a:t>Необъективная оценка (уникальный, новейший);</a:t>
-            </a:r>
-          </a:p>
-          <a:p>
-            <a:pPr marL="342900" lvl="0" indent="-342900" algn="just">
-              <a:buFont typeface="Arial" panose="020B0604020202020204" pitchFamily="34" charset="0"/>
-              <a:buChar char="•"/>
-            </a:pPr>
-            <a:r>
-              <a:rPr lang="ru-RU" sz="2800" dirty="0"/>
-              <a:t>Использование риторических вопросов. </a:t>
-            </a:r>
-          </a:p>
-        </p:txBody>
-      </p:sp>
-    </p:spTree>
-    <p:extLst>
-      <p:ext uri="{BB962C8B-B14F-4D97-AF65-F5344CB8AC3E}">
-        <p14:creationId xmlns:p14="http://schemas.microsoft.com/office/powerpoint/2010/main" val="2789996863"/>
-      </p:ext>
-    </p:extLst>
-  </p:cSld>
-  <p:clrMapOvr>
-    <a:masterClrMapping/>
-  </p:clrMapOvr>
-</p:sld>
-</file>
-
-<file path=ppt/slides/slide7.xml><?xml version="1.0" encoding="utf-8"?>
-<p:sld xmlns:a="http://schemas.openxmlformats.org/drawingml/2006/main" xmlns:r="http://schemas.openxmlformats.org/officeDocument/2006/relationships" xmlns:p="http://schemas.openxmlformats.org/presentationml/2006/main">
-  <p:cSld>
-    <p:spTree>
-      <p:nvGrpSpPr>
-        <p:cNvPr id="1" name="Shape 67"/>
-        <p:cNvGrpSpPr/>
-        <p:nvPr/>
-      </p:nvGrpSpPr>
-      <p:grpSpPr>
-        <a:xfrm>
-          <a:off x="0" y="0"/>
-          <a:ext cx="0" cy="0"/>
-          <a:chOff x="0" y="0"/>
-          <a:chExt cx="0" cy="0"/>
-        </a:xfrm>
-      </p:grpSpPr>
-      <p:sp>
-        <p:nvSpPr>
-          <p:cNvPr id="68" name="Google Shape;68;p15"/>
-          <p:cNvSpPr txBox="1">
-            <a:spLocks noGrp="1"/>
-          </p:cNvSpPr>
-          <p:nvPr>
-            <p:ph type="title"/>
-          </p:nvPr>
-        </p:nvSpPr>
-        <p:spPr>
-          <a:xfrm>
-            <a:off x="311700" y="287867"/>
-            <a:ext cx="8709458" cy="1168399"/>
-          </a:xfrm>
-          <a:prstGeom prst="rect">
-            <a:avLst/>
-          </a:prstGeom>
-        </p:spPr>
-        <p:txBody>
-          <a:bodyPr spcFirstLastPara="1" wrap="square" lIns="91425" tIns="91425" rIns="91425" bIns="91425" anchor="t" anchorCtr="0">
-            <a:noAutofit/>
-          </a:bodyPr>
-          <a:lstStyle/>
-          <a:p>
-            <a:pPr algn="just"/>
-            <a:r>
-              <a:rPr lang="ru-RU" sz="2600" b="1" dirty="0">
-                <a:solidFill>
-                  <a:schemeClr val="tx1"/>
-                </a:solidFill>
-              </a:rPr>
-              <a:t>Исследование возможности автоматизации проверки статей на соответствие научному стилю</a:t>
-            </a:r>
-            <a:endParaRPr lang="ru-RU" sz="2600" dirty="0">
-              <a:solidFill>
-                <a:schemeClr val="tx1"/>
-              </a:solidFill>
-            </a:endParaRPr>
-          </a:p>
-        </p:txBody>
-      </p:sp>
-      <p:sp>
-        <p:nvSpPr>
-          <p:cNvPr id="69" name="Google Shape;69;p15"/>
-          <p:cNvSpPr txBox="1">
-            <a:spLocks noGrp="1"/>
-          </p:cNvSpPr>
-          <p:nvPr>
-            <p:ph type="sldNum" idx="12"/>
-          </p:nvPr>
-        </p:nvSpPr>
-        <p:spPr>
-          <a:xfrm>
-            <a:off x="8472458" y="6217622"/>
-            <a:ext cx="548700" cy="524700"/>
-          </a:xfrm>
-          <a:prstGeom prst="rect">
-            <a:avLst/>
-          </a:prstGeom>
-        </p:spPr>
-        <p:txBody>
-          <a:bodyPr spcFirstLastPara="1" wrap="square" lIns="91425" tIns="91425" rIns="91425" bIns="91425" anchor="ctr" anchorCtr="0">
-            <a:noAutofit/>
-          </a:bodyPr>
-          <a:lstStyle/>
-          <a:p>
-            <a:pPr marL="0" lvl="0" indent="0" algn="r" rtl="0">
-              <a:spcBef>
-                <a:spcPts val="0"/>
-              </a:spcBef>
-              <a:spcAft>
-                <a:spcPts val="0"/>
-              </a:spcAft>
-              <a:buNone/>
-            </a:pPr>
-            <a:fld id="{00000000-1234-1234-1234-123412341234}" type="slidenum">
-              <a:rPr lang="en"/>
-              <a:t>7</a:t>
-            </a:fld>
-            <a:endParaRPr/>
-          </a:p>
-        </p:txBody>
-      </p:sp>
-      <p:sp>
-        <p:nvSpPr>
-          <p:cNvPr id="71" name="Google Shape;71;p15"/>
-          <p:cNvSpPr txBox="1"/>
-          <p:nvPr/>
-        </p:nvSpPr>
-        <p:spPr>
-          <a:xfrm>
-            <a:off x="311699" y="1456267"/>
-            <a:ext cx="8561367" cy="5286056"/>
-          </a:xfrm>
-          <a:prstGeom prst="rect">
-            <a:avLst/>
-          </a:prstGeom>
-          <a:noFill/>
-          <a:ln>
-            <a:noFill/>
-          </a:ln>
-        </p:spPr>
-        <p:txBody>
-          <a:bodyPr spcFirstLastPara="1" wrap="square" lIns="91425" tIns="91425" rIns="91425" bIns="91425" anchor="t" anchorCtr="0">
-            <a:noAutofit/>
-          </a:bodyPr>
-          <a:lstStyle/>
-          <a:p>
-            <a:pPr lvl="0" algn="just"/>
-            <a:r>
-              <a:rPr lang="ru-RU" sz="2800" dirty="0"/>
-              <a:t>Автоматизируемые правила проверки научных статей в существующем курсе:</a:t>
-            </a:r>
-          </a:p>
-          <a:p>
-            <a:pPr lvl="0" algn="just"/>
-            <a:endParaRPr lang="ru-RU" sz="2800" dirty="0"/>
-          </a:p>
-          <a:p>
-            <a:pPr marL="342900" lvl="0" indent="-342900" algn="just">
-              <a:buFont typeface="Arial" panose="020B0604020202020204" pitchFamily="34" charset="0"/>
-              <a:buChar char="•"/>
-            </a:pPr>
-            <a:r>
-              <a:rPr lang="ru-RU" sz="2800" dirty="0"/>
-              <a:t>Каждое ключевое слово упоминается в основном тексте хотя бы один раз;</a:t>
-            </a:r>
-          </a:p>
-          <a:p>
-            <a:pPr marL="342900" lvl="0" indent="-342900" algn="just">
-              <a:buFont typeface="Arial" panose="020B0604020202020204" pitchFamily="34" charset="0"/>
-              <a:buChar char="•"/>
-            </a:pPr>
-            <a:r>
-              <a:rPr lang="ru-RU" sz="2800" dirty="0"/>
-              <a:t>Более половины элементов списка литературы - актуальные и значимые научные работы;</a:t>
-            </a:r>
-          </a:p>
-          <a:p>
-            <a:pPr marL="342900" lvl="0" indent="-342900" algn="just">
-              <a:buFont typeface="Arial" panose="020B0604020202020204" pitchFamily="34" charset="0"/>
-              <a:buChar char="•"/>
-            </a:pPr>
-            <a:r>
-              <a:rPr lang="ru-RU" sz="2800" dirty="0"/>
-              <a:t>Все элементы списка литературы имеют минимум одно упоминание в тексте;</a:t>
-            </a:r>
-          </a:p>
-          <a:p>
-            <a:pPr marL="342900" lvl="0" indent="-342900" algn="just">
-              <a:buFont typeface="Arial" panose="020B0604020202020204" pitchFamily="34" charset="0"/>
-              <a:buChar char="•"/>
-            </a:pPr>
-            <a:r>
-              <a:rPr lang="ru-RU" sz="2800" dirty="0"/>
-              <a:t>Все рисунки и таблицы имеют подрисуночные подписи и ссылки в тексте.</a:t>
-            </a:r>
-          </a:p>
-        </p:txBody>
-      </p:sp>
-    </p:spTree>
-    <p:extLst>
-      <p:ext uri="{BB962C8B-B14F-4D97-AF65-F5344CB8AC3E}">
-        <p14:creationId xmlns:p14="http://schemas.microsoft.com/office/powerpoint/2010/main" val="2762920190"/>
-      </p:ext>
-    </p:extLst>
-  </p:cSld>
-  <p:clrMapOvr>
-    <a:masterClrMapping/>
-  </p:clrMapOvr>
-</p:sld>
-</file>
-
-<file path=ppt/slides/slide8.xml><?xml version="1.0" encoding="utf-8"?>
-<p:sld xmlns:a="http://schemas.openxmlformats.org/drawingml/2006/main" xmlns:r="http://schemas.openxmlformats.org/officeDocument/2006/relationships" xmlns:p="http://schemas.openxmlformats.org/presentationml/2006/main">
-  <p:cSld>
-    <p:spTree>
-      <p:nvGrpSpPr>
-        <p:cNvPr id="1" name="Shape 67"/>
-        <p:cNvGrpSpPr/>
-        <p:nvPr/>
-      </p:nvGrpSpPr>
-      <p:grpSpPr>
-        <a:xfrm>
-          <a:off x="0" y="0"/>
-          <a:ext cx="0" cy="0"/>
-          <a:chOff x="0" y="0"/>
-          <a:chExt cx="0" cy="0"/>
-        </a:xfrm>
-      </p:grpSpPr>
-      <p:sp>
-        <p:nvSpPr>
-          <p:cNvPr id="68" name="Google Shape;68;p15"/>
-          <p:cNvSpPr txBox="1">
-            <a:spLocks noGrp="1"/>
-          </p:cNvSpPr>
-          <p:nvPr>
-            <p:ph type="title"/>
-          </p:nvPr>
-        </p:nvSpPr>
-        <p:spPr>
-          <a:xfrm>
-            <a:off x="311700" y="287867"/>
-            <a:ext cx="8709458" cy="1168399"/>
-          </a:xfrm>
-          <a:prstGeom prst="rect">
-            <a:avLst/>
-          </a:prstGeom>
-        </p:spPr>
-        <p:txBody>
-          <a:bodyPr spcFirstLastPara="1" wrap="square" lIns="91425" tIns="91425" rIns="91425" bIns="91425" anchor="t" anchorCtr="0">
-            <a:noAutofit/>
-          </a:bodyPr>
-          <a:lstStyle/>
-          <a:p>
-            <a:pPr algn="just"/>
-            <a:r>
-              <a:rPr lang="ru-RU" sz="2600" b="1" dirty="0">
-                <a:solidFill>
-                  <a:schemeClr val="tx1"/>
-                </a:solidFill>
-              </a:rPr>
-              <a:t>Исследование возможности автоматизации проверки статей на соответствие научному стилю</a:t>
-            </a:r>
-            <a:endParaRPr lang="ru-RU" sz="2600" dirty="0">
-              <a:solidFill>
-                <a:schemeClr val="tx1"/>
-              </a:solidFill>
-            </a:endParaRPr>
-          </a:p>
-        </p:txBody>
-      </p:sp>
-      <p:sp>
-        <p:nvSpPr>
-          <p:cNvPr id="69" name="Google Shape;69;p15"/>
-          <p:cNvSpPr txBox="1">
-            <a:spLocks noGrp="1"/>
-          </p:cNvSpPr>
-          <p:nvPr>
-            <p:ph type="sldNum" idx="12"/>
-          </p:nvPr>
-        </p:nvSpPr>
-        <p:spPr>
-          <a:xfrm>
-            <a:off x="8472458" y="6217622"/>
-            <a:ext cx="548700" cy="524700"/>
-          </a:xfrm>
-          <a:prstGeom prst="rect">
-            <a:avLst/>
-          </a:prstGeom>
-        </p:spPr>
-        <p:txBody>
-          <a:bodyPr spcFirstLastPara="1" wrap="square" lIns="91425" tIns="91425" rIns="91425" bIns="91425" anchor="ctr" anchorCtr="0">
-            <a:noAutofit/>
-          </a:bodyPr>
-          <a:lstStyle/>
-          <a:p>
-            <a:pPr marL="0" lvl="0" indent="0" algn="r" rtl="0">
-              <a:spcBef>
-                <a:spcPts val="0"/>
-              </a:spcBef>
-              <a:spcAft>
-                <a:spcPts val="0"/>
-              </a:spcAft>
-              <a:buNone/>
-            </a:pPr>
-            <a:fld id="{00000000-1234-1234-1234-123412341234}" type="slidenum">
-              <a:rPr lang="en"/>
-              <a:t>8</a:t>
             </a:fld>
             <a:endParaRPr/>
           </a:p>
@@ -19392,7 +18929,7 @@
 </p:sld>
 </file>
 
-<file path=ppt/slides/slide9.xml><?xml version="1.0" encoding="utf-8"?>
+<file path=ppt/slides/slide7.xml><?xml version="1.0" encoding="utf-8"?>
 <p:sld xmlns:a="http://schemas.openxmlformats.org/drawingml/2006/main" xmlns:r="http://schemas.openxmlformats.org/officeDocument/2006/relationships" xmlns:p="http://schemas.openxmlformats.org/presentationml/2006/main">
   <p:cSld>
     <p:spTree>
@@ -19486,7 +19023,7 @@
             </a:pPr>
             <a:fld id="{00000000-1234-1234-1234-123412341234}" type="slidenum">
               <a:rPr lang="en"/>
-              <a:t>9</a:t>
+              <a:t>7</a:t>
             </a:fld>
             <a:endParaRPr/>
           </a:p>
@@ -19538,7 +19075,7 @@
             <a:pPr lvl="0" algn="just"/>
             <a:r>
               <a:rPr lang="ru-RU" sz="2800" dirty="0"/>
-              <a:t>Качество научной статьи влияет на значения определенных числовых критериев, а также полученная выборка значений критериев соответствует нормальному распределению</a:t>
+              <a:t>Качество научной статьи влияет на значения определенных числовых критериев, а также полученная выборка значений критериев соответствует нормальному распределению.</a:t>
             </a:r>
           </a:p>
           <a:p>
@@ -19555,6 +19092,709 @@
     <p:extLst>
       <p:ext uri="{BB962C8B-B14F-4D97-AF65-F5344CB8AC3E}">
         <p14:creationId xmlns:p14="http://schemas.microsoft.com/office/powerpoint/2010/main" val="569937113"/>
+      </p:ext>
+    </p:extLst>
+  </p:cSld>
+  <p:clrMapOvr>
+    <a:masterClrMapping/>
+  </p:clrMapOvr>
+</p:sld>
+</file>
+
+<file path=ppt/slides/slide8.xml><?xml version="1.0" encoding="utf-8"?>
+<p:sld xmlns:a="http://schemas.openxmlformats.org/drawingml/2006/main" xmlns:r="http://schemas.openxmlformats.org/officeDocument/2006/relationships" xmlns:p="http://schemas.openxmlformats.org/presentationml/2006/main">
+  <p:cSld>
+    <p:spTree>
+      <p:nvGrpSpPr>
+        <p:cNvPr id="1" name="Shape 67"/>
+        <p:cNvGrpSpPr/>
+        <p:nvPr/>
+      </p:nvGrpSpPr>
+      <p:grpSpPr>
+        <a:xfrm>
+          <a:off x="0" y="0"/>
+          <a:ext cx="0" cy="0"/>
+          <a:chOff x="0" y="0"/>
+          <a:chExt cx="0" cy="0"/>
+        </a:xfrm>
+      </p:grpSpPr>
+      <p:sp>
+        <p:nvSpPr>
+          <p:cNvPr id="68" name="Google Shape;68;p15"/>
+          <p:cNvSpPr txBox="1">
+            <a:spLocks noGrp="1"/>
+          </p:cNvSpPr>
+          <p:nvPr>
+            <p:ph type="title"/>
+          </p:nvPr>
+        </p:nvSpPr>
+        <p:spPr>
+          <a:xfrm>
+            <a:off x="270934" y="287868"/>
+            <a:ext cx="8750224" cy="891124"/>
+          </a:xfrm>
+          <a:prstGeom prst="rect">
+            <a:avLst/>
+          </a:prstGeom>
+        </p:spPr>
+        <p:txBody>
+          <a:bodyPr spcFirstLastPara="1" wrap="square" lIns="91425" tIns="91425" rIns="91425" bIns="91425" anchor="t" anchorCtr="0">
+            <a:noAutofit/>
+          </a:bodyPr>
+          <a:lstStyle/>
+          <a:p>
+            <a:r>
+              <a:rPr lang="ru-RU" b="1" dirty="0">
+                <a:solidFill>
+                  <a:schemeClr val="tx1"/>
+                </a:solidFill>
+              </a:rPr>
+              <a:t>Результаты экспериментального исследования</a:t>
+            </a:r>
+            <a:endParaRPr lang="ru-RU" sz="2600" b="1" dirty="0">
+              <a:solidFill>
+                <a:schemeClr val="tx1"/>
+              </a:solidFill>
+            </a:endParaRPr>
+          </a:p>
+        </p:txBody>
+      </p:sp>
+      <p:sp>
+        <p:nvSpPr>
+          <p:cNvPr id="69" name="Google Shape;69;p15"/>
+          <p:cNvSpPr txBox="1">
+            <a:spLocks noGrp="1"/>
+          </p:cNvSpPr>
+          <p:nvPr>
+            <p:ph type="sldNum" idx="12"/>
+          </p:nvPr>
+        </p:nvSpPr>
+        <p:spPr>
+          <a:xfrm>
+            <a:off x="8472458" y="6217622"/>
+            <a:ext cx="548700" cy="524700"/>
+          </a:xfrm>
+          <a:prstGeom prst="rect">
+            <a:avLst/>
+          </a:prstGeom>
+        </p:spPr>
+        <p:txBody>
+          <a:bodyPr spcFirstLastPara="1" wrap="square" lIns="91425" tIns="91425" rIns="91425" bIns="91425" anchor="ctr" anchorCtr="0">
+            <a:noAutofit/>
+          </a:bodyPr>
+          <a:lstStyle/>
+          <a:p>
+            <a:pPr marL="0" lvl="0" indent="0" algn="r" rtl="0">
+              <a:spcBef>
+                <a:spcPts val="0"/>
+              </a:spcBef>
+              <a:spcAft>
+                <a:spcPts val="0"/>
+              </a:spcAft>
+              <a:buNone/>
+            </a:pPr>
+            <a:fld id="{00000000-1234-1234-1234-123412341234}" type="slidenum">
+              <a:rPr lang="en"/>
+              <a:t>8</a:t>
+            </a:fld>
+            <a:endParaRPr/>
+          </a:p>
+        </p:txBody>
+      </p:sp>
+      <p:sp>
+        <p:nvSpPr>
+          <p:cNvPr id="71" name="Google Shape;71;p15"/>
+          <p:cNvSpPr txBox="1"/>
+          <p:nvPr/>
+        </p:nvSpPr>
+        <p:spPr>
+          <a:xfrm>
+            <a:off x="311699" y="1178992"/>
+            <a:ext cx="8561367" cy="5563331"/>
+          </a:xfrm>
+          <a:prstGeom prst="rect">
+            <a:avLst/>
+          </a:prstGeom>
+          <a:noFill/>
+          <a:ln>
+            <a:noFill/>
+          </a:ln>
+        </p:spPr>
+        <p:txBody>
+          <a:bodyPr spcFirstLastPara="1" wrap="square" lIns="91425" tIns="91425" rIns="91425" bIns="91425" anchor="t" anchorCtr="0">
+            <a:noAutofit/>
+          </a:bodyPr>
+          <a:lstStyle/>
+          <a:p>
+            <a:pPr lvl="0" algn="just"/>
+            <a:r>
+              <a:rPr lang="ru-RU" sz="2800" dirty="0"/>
+              <a:t>Числовые критерии:</a:t>
+            </a:r>
+          </a:p>
+          <a:p>
+            <a:pPr marL="457200" lvl="0" indent="-457200" algn="just">
+              <a:buFont typeface="Arial" panose="020B0604020202020204" pitchFamily="34" charset="0"/>
+              <a:buChar char="•"/>
+            </a:pPr>
+            <a:r>
+              <a:rPr lang="ru-RU" sz="2800" dirty="0"/>
+              <a:t>Тошнота/Плотность текста – </a:t>
+            </a:r>
+            <a:r>
+              <a:rPr lang="ru-RU" sz="2800" dirty="0">
+                <a:sym typeface="Symbol" panose="05050102010706020507" pitchFamily="18" charset="2"/>
+              </a:rPr>
+              <a:t></a:t>
+            </a:r>
+            <a:r>
+              <a:rPr lang="ru-RU" sz="2800" dirty="0"/>
+              <a:t>;</a:t>
+            </a:r>
+          </a:p>
+          <a:p>
+            <a:pPr marL="457200" lvl="0" indent="-457200" algn="just">
+              <a:buFont typeface="Arial" panose="020B0604020202020204" pitchFamily="34" charset="0"/>
+              <a:buChar char="•"/>
+            </a:pPr>
+            <a:r>
+              <a:rPr lang="ru-RU" sz="2800" dirty="0"/>
+              <a:t>Уровень воды в тексте – </a:t>
+            </a:r>
+            <a:r>
+              <a:rPr lang="ru-RU" sz="2800" dirty="0">
+                <a:sym typeface="Symbol" panose="05050102010706020507" pitchFamily="18" charset="2"/>
+              </a:rPr>
+              <a:t></a:t>
+            </a:r>
+            <a:r>
+              <a:rPr lang="ru-RU" sz="2800" dirty="0"/>
+              <a:t>;</a:t>
+            </a:r>
+          </a:p>
+          <a:p>
+            <a:pPr marL="457200" lvl="0" indent="-457200" algn="just">
+              <a:buFont typeface="Arial" panose="020B0604020202020204" pitchFamily="34" charset="0"/>
+              <a:buChar char="•"/>
+            </a:pPr>
+            <a:r>
+              <a:rPr lang="ru-RU" sz="2800" dirty="0"/>
+              <a:t>Значение отклонения текста статьи от идеальной кривой по Ципфу – </a:t>
+            </a:r>
+            <a:r>
+              <a:rPr lang="ru-RU" sz="2800" dirty="0">
+                <a:sym typeface="Symbol" panose="05050102010706020507" pitchFamily="18" charset="2"/>
+              </a:rPr>
+              <a:t></a:t>
+            </a:r>
+            <a:r>
+              <a:rPr lang="ru-RU" sz="2800" dirty="0"/>
+              <a:t>.</a:t>
+            </a:r>
+          </a:p>
+          <a:p>
+            <a:pPr lvl="0" algn="just"/>
+            <a:r>
+              <a:rPr lang="ru-RU" sz="2800" dirty="0"/>
+              <a:t>Экспериментально установленные интервалы:</a:t>
+            </a:r>
+          </a:p>
+          <a:p>
+            <a:pPr lvl="0" algn="just"/>
+            <a:endParaRPr lang="ru-RU" sz="2800" dirty="0"/>
+          </a:p>
+        </p:txBody>
+      </p:sp>
+      <p:graphicFrame>
+        <p:nvGraphicFramePr>
+          <p:cNvPr id="3" name="Table 2">
+            <a:extLst>
+              <a:ext uri="{FF2B5EF4-FFF2-40B4-BE49-F238E27FC236}">
+                <a16:creationId xmlns:a16="http://schemas.microsoft.com/office/drawing/2014/main" id="{277040C0-8202-4039-AFA9-C46270C121C5}"/>
+              </a:ext>
+            </a:extLst>
+          </p:cNvPr>
+          <p:cNvGraphicFramePr>
+            <a:graphicFrameLocks noGrp="1"/>
+          </p:cNvGraphicFramePr>
+          <p:nvPr/>
+        </p:nvGraphicFramePr>
+        <p:xfrm>
+          <a:off x="311697" y="3979333"/>
+          <a:ext cx="8520604" cy="2094267"/>
+        </p:xfrm>
+        <a:graphic>
+          <a:graphicData uri="http://schemas.openxmlformats.org/drawingml/2006/table">
+            <a:tbl>
+              <a:tblPr firstRow="1" bandRow="1">
+                <a:tableStyleId>{224C2084-A9EC-46D5-958B-77548C50E710}</a:tableStyleId>
+              </a:tblPr>
+              <a:tblGrid>
+                <a:gridCol w="4260302">
+                  <a:extLst>
+                    <a:ext uri="{9D8B030D-6E8A-4147-A177-3AD203B41FA5}">
+                      <a16:colId xmlns:a16="http://schemas.microsoft.com/office/drawing/2014/main" val="2967877127"/>
+                    </a:ext>
+                  </a:extLst>
+                </a:gridCol>
+                <a:gridCol w="4260302">
+                  <a:extLst>
+                    <a:ext uri="{9D8B030D-6E8A-4147-A177-3AD203B41FA5}">
+                      <a16:colId xmlns:a16="http://schemas.microsoft.com/office/drawing/2014/main" val="3171160597"/>
+                    </a:ext>
+                  </a:extLst>
+                </a:gridCol>
+              </a:tblGrid>
+              <a:tr h="506693">
+                <a:tc>
+                  <a:txBody>
+                    <a:bodyPr/>
+                    <a:lstStyle/>
+                    <a:p>
+                      <a:r>
+                        <a:rPr lang="ru-RU" sz="2800" dirty="0"/>
+                        <a:t>Критерий</a:t>
+                      </a:r>
+                      <a:endParaRPr lang="en-US" sz="2800" dirty="0"/>
+                    </a:p>
+                  </a:txBody>
+                  <a:tcPr/>
+                </a:tc>
+                <a:tc>
+                  <a:txBody>
+                    <a:bodyPr/>
+                    <a:lstStyle/>
+                    <a:p>
+                      <a:r>
+                        <a:rPr lang="ru-RU" sz="2800" dirty="0"/>
+                        <a:t>Интервал</a:t>
+                      </a:r>
+                      <a:endParaRPr lang="en-US" sz="2800" dirty="0"/>
+                    </a:p>
+                  </a:txBody>
+                  <a:tcPr/>
+                </a:tc>
+                <a:extLst>
+                  <a:ext uri="{0D108BD9-81ED-4DB2-BD59-A6C34878D82A}">
+                    <a16:rowId xmlns:a16="http://schemas.microsoft.com/office/drawing/2014/main" val="287213974"/>
+                  </a:ext>
+                </a:extLst>
+              </a:tr>
+              <a:tr h="525369">
+                <a:tc>
+                  <a:txBody>
+                    <a:bodyPr/>
+                    <a:lstStyle/>
+                    <a:p>
+                      <a:r>
+                        <a:rPr lang="ru-RU" sz="2800" dirty="0">
+                          <a:sym typeface="Symbol" panose="05050102010706020507" pitchFamily="18" charset="2"/>
+                        </a:rPr>
+                        <a:t></a:t>
+                      </a:r>
+                      <a:endParaRPr lang="en-US" sz="2800" dirty="0"/>
+                    </a:p>
+                  </a:txBody>
+                  <a:tcPr/>
+                </a:tc>
+                <a:tc>
+                  <a:txBody>
+                    <a:bodyPr/>
+                    <a:lstStyle/>
+                    <a:p>
+                      <a:r>
+                        <a:rPr lang="en-US" sz="2800" dirty="0"/>
+                        <a:t>[6, 14]</a:t>
+                      </a:r>
+                    </a:p>
+                  </a:txBody>
+                  <a:tcPr/>
+                </a:tc>
+                <a:extLst>
+                  <a:ext uri="{0D108BD9-81ED-4DB2-BD59-A6C34878D82A}">
+                    <a16:rowId xmlns:a16="http://schemas.microsoft.com/office/drawing/2014/main" val="1036071245"/>
+                  </a:ext>
+                </a:extLst>
+              </a:tr>
+              <a:tr h="525369">
+                <a:tc>
+                  <a:txBody>
+                    <a:bodyPr/>
+                    <a:lstStyle/>
+                    <a:p>
+                      <a:r>
+                        <a:rPr lang="ru-RU" sz="2800" dirty="0">
+                          <a:sym typeface="Symbol" panose="05050102010706020507" pitchFamily="18" charset="2"/>
+                        </a:rPr>
+                        <a:t></a:t>
+                      </a:r>
+                      <a:endParaRPr lang="en-US" sz="2800" dirty="0"/>
+                    </a:p>
+                  </a:txBody>
+                  <a:tcPr/>
+                </a:tc>
+                <a:tc>
+                  <a:txBody>
+                    <a:bodyPr/>
+                    <a:lstStyle/>
+                    <a:p>
+                      <a:r>
+                        <a:rPr lang="en-US" sz="2800" dirty="0"/>
+                        <a:t>[14, 20]</a:t>
+                      </a:r>
+                    </a:p>
+                  </a:txBody>
+                  <a:tcPr/>
+                </a:tc>
+                <a:extLst>
+                  <a:ext uri="{0D108BD9-81ED-4DB2-BD59-A6C34878D82A}">
+                    <a16:rowId xmlns:a16="http://schemas.microsoft.com/office/drawing/2014/main" val="3048737441"/>
+                  </a:ext>
+                </a:extLst>
+              </a:tr>
+              <a:tr h="525369">
+                <a:tc>
+                  <a:txBody>
+                    <a:bodyPr/>
+                    <a:lstStyle/>
+                    <a:p>
+                      <a:r>
+                        <a:rPr lang="ru-RU" sz="2800" b="0" i="0" u="none" strike="noStrike" cap="none" dirty="0">
+                          <a:solidFill>
+                            <a:srgbClr val="000000"/>
+                          </a:solidFill>
+                          <a:effectLst/>
+                          <a:latin typeface="Arial"/>
+                          <a:ea typeface="Arial"/>
+                          <a:cs typeface="Arial"/>
+                          <a:sym typeface="Symbol" panose="05050102010706020507" pitchFamily="18" charset="2"/>
+                        </a:rPr>
+                        <a:t></a:t>
+                      </a:r>
+                      <a:endParaRPr lang="en-US" sz="2800" dirty="0"/>
+                    </a:p>
+                  </a:txBody>
+                  <a:tcPr/>
+                </a:tc>
+                <a:tc>
+                  <a:txBody>
+                    <a:bodyPr/>
+                    <a:lstStyle/>
+                    <a:p>
+                      <a:r>
+                        <a:rPr lang="en-US" sz="2800" dirty="0"/>
+                        <a:t>[5.5, 9.5]</a:t>
+                      </a:r>
+                    </a:p>
+                  </a:txBody>
+                  <a:tcPr/>
+                </a:tc>
+                <a:extLst>
+                  <a:ext uri="{0D108BD9-81ED-4DB2-BD59-A6C34878D82A}">
+                    <a16:rowId xmlns:a16="http://schemas.microsoft.com/office/drawing/2014/main" val="3751046519"/>
+                  </a:ext>
+                </a:extLst>
+              </a:tr>
+            </a:tbl>
+          </a:graphicData>
+        </a:graphic>
+      </p:graphicFrame>
+    </p:spTree>
+    <p:extLst>
+      <p:ext uri="{BB962C8B-B14F-4D97-AF65-F5344CB8AC3E}">
+        <p14:creationId xmlns:p14="http://schemas.microsoft.com/office/powerpoint/2010/main" val="2460586456"/>
+      </p:ext>
+    </p:extLst>
+  </p:cSld>
+  <p:clrMapOvr>
+    <a:masterClrMapping/>
+  </p:clrMapOvr>
+</p:sld>
+</file>
+
+<file path=ppt/slides/slide9.xml><?xml version="1.0" encoding="utf-8"?>
+<p:sld xmlns:a="http://schemas.openxmlformats.org/drawingml/2006/main" xmlns:r="http://schemas.openxmlformats.org/officeDocument/2006/relationships" xmlns:p="http://schemas.openxmlformats.org/presentationml/2006/main">
+  <p:cSld>
+    <p:spTree>
+      <p:nvGrpSpPr>
+        <p:cNvPr id="1" name="Shape 67"/>
+        <p:cNvGrpSpPr/>
+        <p:nvPr/>
+      </p:nvGrpSpPr>
+      <p:grpSpPr>
+        <a:xfrm>
+          <a:off x="0" y="0"/>
+          <a:ext cx="0" cy="0"/>
+          <a:chOff x="0" y="0"/>
+          <a:chExt cx="0" cy="0"/>
+        </a:xfrm>
+      </p:grpSpPr>
+      <p:sp>
+        <p:nvSpPr>
+          <p:cNvPr id="68" name="Google Shape;68;p15"/>
+          <p:cNvSpPr txBox="1">
+            <a:spLocks noGrp="1"/>
+          </p:cNvSpPr>
+          <p:nvPr>
+            <p:ph type="title"/>
+          </p:nvPr>
+        </p:nvSpPr>
+        <p:spPr>
+          <a:xfrm>
+            <a:off x="270934" y="287868"/>
+            <a:ext cx="8750224" cy="747102"/>
+          </a:xfrm>
+          <a:prstGeom prst="rect">
+            <a:avLst/>
+          </a:prstGeom>
+        </p:spPr>
+        <p:txBody>
+          <a:bodyPr spcFirstLastPara="1" wrap="square" lIns="91425" tIns="91425" rIns="91425" bIns="91425" anchor="t" anchorCtr="0">
+            <a:noAutofit/>
+          </a:bodyPr>
+          <a:lstStyle/>
+          <a:p>
+            <a:r>
+              <a:rPr lang="ru-RU" b="1" dirty="0">
+                <a:solidFill>
+                  <a:schemeClr val="tx1"/>
+                </a:solidFill>
+              </a:rPr>
+              <a:t>Математическая модель проверки статьи</a:t>
+            </a:r>
+            <a:endParaRPr lang="ru-RU" sz="2600" b="1" dirty="0">
+              <a:solidFill>
+                <a:schemeClr val="tx1"/>
+              </a:solidFill>
+            </a:endParaRPr>
+          </a:p>
+        </p:txBody>
+      </p:sp>
+      <p:sp>
+        <p:nvSpPr>
+          <p:cNvPr id="69" name="Google Shape;69;p15"/>
+          <p:cNvSpPr txBox="1">
+            <a:spLocks noGrp="1"/>
+          </p:cNvSpPr>
+          <p:nvPr>
+            <p:ph type="sldNum" idx="12"/>
+          </p:nvPr>
+        </p:nvSpPr>
+        <p:spPr>
+          <a:xfrm>
+            <a:off x="8472458" y="6217622"/>
+            <a:ext cx="548700" cy="524700"/>
+          </a:xfrm>
+          <a:prstGeom prst="rect">
+            <a:avLst/>
+          </a:prstGeom>
+        </p:spPr>
+        <p:txBody>
+          <a:bodyPr spcFirstLastPara="1" wrap="square" lIns="91425" tIns="91425" rIns="91425" bIns="91425" anchor="ctr" anchorCtr="0">
+            <a:noAutofit/>
+          </a:bodyPr>
+          <a:lstStyle/>
+          <a:p>
+            <a:pPr marL="0" lvl="0" indent="0" algn="r" rtl="0">
+              <a:spcBef>
+                <a:spcPts val="0"/>
+              </a:spcBef>
+              <a:spcAft>
+                <a:spcPts val="0"/>
+              </a:spcAft>
+              <a:buNone/>
+            </a:pPr>
+            <a:fld id="{00000000-1234-1234-1234-123412341234}" type="slidenum">
+              <a:rPr lang="en"/>
+              <a:t>9</a:t>
+            </a:fld>
+            <a:endParaRPr/>
+          </a:p>
+        </p:txBody>
+      </p:sp>
+      <p:sp>
+        <p:nvSpPr>
+          <p:cNvPr id="71" name="Google Shape;71;p15"/>
+          <p:cNvSpPr txBox="1"/>
+          <p:nvPr/>
+        </p:nvSpPr>
+        <p:spPr>
+          <a:xfrm>
+            <a:off x="311699" y="1178992"/>
+            <a:ext cx="8561367" cy="5563331"/>
+          </a:xfrm>
+          <a:prstGeom prst="rect">
+            <a:avLst/>
+          </a:prstGeom>
+          <a:noFill/>
+          <a:ln>
+            <a:noFill/>
+          </a:ln>
+        </p:spPr>
+        <p:txBody>
+          <a:bodyPr spcFirstLastPara="1" wrap="square" lIns="91425" tIns="91425" rIns="91425" bIns="91425" anchor="t" anchorCtr="0">
+            <a:noAutofit/>
+          </a:bodyPr>
+          <a:lstStyle/>
+          <a:p>
+            <a:pPr lvl="0" algn="just"/>
+            <a:r>
+              <a:rPr lang="ru-RU" sz="2800" dirty="0"/>
+              <a:t>В результате исследования было выделено:</a:t>
+            </a:r>
+          </a:p>
+          <a:p>
+            <a:pPr marL="457200" lvl="0" indent="-457200" algn="just">
+              <a:buFont typeface="Arial" panose="020B0604020202020204" pitchFamily="34" charset="0"/>
+              <a:buChar char="•"/>
+            </a:pPr>
+            <a:r>
+              <a:rPr lang="ru-RU" sz="2800" dirty="0"/>
+              <a:t>3 рассчитываемых числовых критерия;</a:t>
+            </a:r>
+          </a:p>
+          <a:p>
+            <a:pPr marL="457200" lvl="0" indent="-457200" algn="just">
+              <a:buFont typeface="Arial" panose="020B0604020202020204" pitchFamily="34" charset="0"/>
+              <a:buChar char="•"/>
+            </a:pPr>
+            <a:r>
+              <a:rPr lang="ru-RU" sz="2800" dirty="0"/>
+              <a:t>5 типов проверяемых стилистических ошибок;</a:t>
+            </a:r>
+          </a:p>
+          <a:p>
+            <a:pPr marL="457200" lvl="0" indent="-457200" algn="just">
+              <a:buFont typeface="Arial" panose="020B0604020202020204" pitchFamily="34" charset="0"/>
+              <a:buChar char="•"/>
+            </a:pPr>
+            <a:r>
+              <a:rPr lang="ru-RU" sz="2800" dirty="0"/>
+              <a:t>6 типов проверяемых структурных ошибок.</a:t>
+            </a:r>
+          </a:p>
+          <a:p>
+            <a:pPr lvl="0" algn="just"/>
+            <a:endParaRPr lang="ru-RU" sz="2800" dirty="0"/>
+          </a:p>
+          <a:p>
+            <a:pPr lvl="0" algn="just"/>
+            <a:r>
+              <a:rPr lang="ru-RU" sz="2800" dirty="0"/>
+              <a:t>Оценка статьи:</a:t>
+            </a:r>
+          </a:p>
+          <a:p>
+            <a:pPr lvl="0" algn="just"/>
+            <a:endParaRPr lang="ru-RU" sz="2800" dirty="0"/>
+          </a:p>
+          <a:p>
+            <a:pPr lvl="0" algn="just"/>
+            <a:endParaRPr lang="ru-RU" sz="2800" dirty="0"/>
+          </a:p>
+          <a:p>
+            <a:pPr lvl="0" algn="just"/>
+            <a:endParaRPr lang="ru-RU" sz="2800" dirty="0"/>
+          </a:p>
+          <a:p>
+            <a:pPr lvl="0" algn="just"/>
+            <a:r>
+              <a:rPr lang="ru-RU" sz="2800" dirty="0"/>
+              <a:t>Где К – оценка статьи, </a:t>
+            </a:r>
+            <a:r>
+              <a:rPr lang="en-US" sz="2800" dirty="0"/>
+              <a:t>B </a:t>
+            </a:r>
+            <a:r>
+              <a:rPr lang="ru-RU" sz="2800" dirty="0"/>
+              <a:t>– базовое значение </a:t>
+            </a:r>
+            <a:r>
+              <a:rPr lang="en-US" sz="2800" dirty="0"/>
+              <a:t>K</a:t>
+            </a:r>
+            <a:r>
+              <a:rPr lang="ru-RU" sz="2800" dirty="0"/>
+              <a:t>,</a:t>
+            </a:r>
+          </a:p>
+          <a:p>
+            <a:pPr lvl="0" algn="just"/>
+            <a:r>
+              <a:rPr lang="ru-RU" sz="2800" dirty="0"/>
+              <a:t>Ф – штраф.</a:t>
+            </a:r>
+          </a:p>
+        </p:txBody>
+      </p:sp>
+      <p:graphicFrame>
+        <p:nvGraphicFramePr>
+          <p:cNvPr id="2" name="Object 1">
+            <a:extLst>
+              <a:ext uri="{FF2B5EF4-FFF2-40B4-BE49-F238E27FC236}">
+                <a16:creationId xmlns:a16="http://schemas.microsoft.com/office/drawing/2014/main" id="{1AD7B076-FE79-4F3D-A487-826A609606A9}"/>
+              </a:ext>
+            </a:extLst>
+          </p:cNvPr>
+          <p:cNvGraphicFramePr>
+            <a:graphicFrameLocks noChangeAspect="1"/>
+          </p:cNvGraphicFramePr>
+          <p:nvPr>
+            <p:extLst>
+              <p:ext uri="{D42A27DB-BD31-4B8C-83A1-F6EECF244321}">
+                <p14:modId xmlns:p14="http://schemas.microsoft.com/office/powerpoint/2010/main" val="56739614"/>
+              </p:ext>
+            </p:extLst>
+          </p:nvPr>
+        </p:nvGraphicFramePr>
+        <p:xfrm>
+          <a:off x="2805642" y="4079191"/>
+          <a:ext cx="3532716" cy="659332"/>
+        </p:xfrm>
+        <a:graphic>
+          <a:graphicData uri="http://schemas.openxmlformats.org/presentationml/2006/ole">
+            <mc:AlternateContent xmlns:mc="http://schemas.openxmlformats.org/markup-compatibility/2006">
+              <mc:Choice xmlns:v="urn:schemas-microsoft-com:vml" Requires="v">
+                <p:oleObj spid="_x0000_s2083" name="Equation" r:id="rId4" imgW="672840" imgH="152280" progId="Equation.DSMT4">
+                  <p:embed/>
+                </p:oleObj>
+              </mc:Choice>
+              <mc:Fallback>
+                <p:oleObj name="Equation" r:id="rId4" imgW="672840" imgH="152280" progId="Equation.DSMT4">
+                  <p:embed/>
+                  <p:pic>
+                    <p:nvPicPr>
+                      <p:cNvPr id="0" name=""/>
+                      <p:cNvPicPr/>
+                      <p:nvPr/>
+                    </p:nvPicPr>
+                    <p:blipFill>
+                      <a:blip r:embed="rId5"/>
+                      <a:stretch>
+                        <a:fillRect/>
+                      </a:stretch>
+                    </p:blipFill>
+                    <p:spPr>
+                      <a:xfrm>
+                        <a:off x="2805642" y="4079191"/>
+                        <a:ext cx="3532716" cy="659332"/>
+                      </a:xfrm>
+                      <a:prstGeom prst="rect">
+                        <a:avLst/>
+                      </a:prstGeom>
+                    </p:spPr>
+                  </p:pic>
+                </p:oleObj>
+              </mc:Fallback>
+            </mc:AlternateContent>
+          </a:graphicData>
+        </a:graphic>
+      </p:graphicFrame>
+    </p:spTree>
+    <p:extLst>
+      <p:ext uri="{BB962C8B-B14F-4D97-AF65-F5344CB8AC3E}">
+        <p14:creationId xmlns:p14="http://schemas.microsoft.com/office/powerpoint/2010/main" val="2643239550"/>
       </p:ext>
     </p:extLst>
   </p:cSld>
